--- a/220117.pptx
+++ b/220117.pptx
@@ -7,6 +7,7 @@
   <p:sldIdLst>
     <p:sldId id="256" r:id="rId2"/>
     <p:sldId id="257" r:id="rId3"/>
+    <p:sldId id="258" r:id="rId4"/>
   </p:sldIdLst>
   <p:sldSz cx="12192000" cy="6858000"/>
   <p:notesSz cx="6858000" cy="9144000"/>
@@ -5846,6 +5847,552 @@
     <p:extLst>
       <p:ext uri="{BB962C8B-B14F-4D97-AF65-F5344CB8AC3E}">
         <p14:creationId xmlns:p14="http://schemas.microsoft.com/office/powerpoint/2010/main" val="3593057906"/>
+      </p:ext>
+    </p:extLst>
+  </p:cSld>
+  <p:clrMapOvr>
+    <a:masterClrMapping/>
+  </p:clrMapOvr>
+</p:sld>
+</file>
+
+<file path=ppt/slides/slide3.xml><?xml version="1.0" encoding="utf-8"?>
+<p:sld xmlns:a="http://schemas.openxmlformats.org/drawingml/2006/main" xmlns:r="http://schemas.openxmlformats.org/officeDocument/2006/relationships" xmlns:p="http://schemas.openxmlformats.org/presentationml/2006/main">
+  <p:cSld>
+    <p:spTree>
+      <p:nvGrpSpPr>
+        <p:cNvPr id="1" name=""/>
+        <p:cNvGrpSpPr/>
+        <p:nvPr/>
+      </p:nvGrpSpPr>
+      <p:grpSpPr>
+        <a:xfrm>
+          <a:off x="0" y="0"/>
+          <a:ext cx="0" cy="0"/>
+          <a:chOff x="0" y="0"/>
+          <a:chExt cx="0" cy="0"/>
+        </a:xfrm>
+      </p:grpSpPr>
+      <p:sp>
+        <p:nvSpPr>
+          <p:cNvPr id="4" name="직사각형 3">
+            <a:extLst>
+              <a:ext uri="{FF2B5EF4-FFF2-40B4-BE49-F238E27FC236}">
+                <a16:creationId xmlns:a16="http://schemas.microsoft.com/office/drawing/2014/main" id="{62A71D21-8915-9B43-AF24-3A62D4392AC1}"/>
+              </a:ext>
+            </a:extLst>
+          </p:cNvPr>
+          <p:cNvSpPr/>
+          <p:nvPr/>
+        </p:nvSpPr>
+        <p:spPr>
+          <a:xfrm>
+            <a:off x="399674" y="375010"/>
+            <a:ext cx="4182555" cy="369332"/>
+          </a:xfrm>
+          <a:prstGeom prst="rect">
+            <a:avLst/>
+          </a:prstGeom>
+        </p:spPr>
+        <p:txBody>
+          <a:bodyPr wrap="none">
+            <a:spAutoFit/>
+          </a:bodyPr>
+          <a:lstStyle/>
+          <a:p>
+            <a:r>
+              <a:rPr lang="en" altLang="ko-Kore-KR" b="0" dirty="0">
+                <a:solidFill>
+                  <a:srgbClr val="0000FF"/>
+                </a:solidFill>
+                <a:effectLst/>
+                <a:latin typeface="DM Mono" panose="020B0509040201040103" pitchFamily="49" charset="0"/>
+              </a:rPr>
+              <a:t>int</a:t>
+            </a:r>
+            <a:r>
+              <a:rPr lang="en" altLang="ko-Kore-KR" b="0" dirty="0">
+                <a:solidFill>
+                  <a:srgbClr val="000000"/>
+                </a:solidFill>
+                <a:effectLst/>
+                <a:latin typeface="DM Mono" panose="020B0509040201040103" pitchFamily="49" charset="0"/>
+              </a:rPr>
+              <a:t> x[5] = { 1, 2, 3, 4, 5 };</a:t>
+            </a:r>
+          </a:p>
+        </p:txBody>
+      </p:sp>
+      <p:sp>
+        <p:nvSpPr>
+          <p:cNvPr id="5" name="직사각형 4">
+            <a:extLst>
+              <a:ext uri="{FF2B5EF4-FFF2-40B4-BE49-F238E27FC236}">
+                <a16:creationId xmlns:a16="http://schemas.microsoft.com/office/drawing/2014/main" id="{39EF0AB8-16C3-7442-A5FF-435F3C7BB3D6}"/>
+              </a:ext>
+            </a:extLst>
+          </p:cNvPr>
+          <p:cNvSpPr/>
+          <p:nvPr/>
+        </p:nvSpPr>
+        <p:spPr>
+          <a:xfrm>
+            <a:off x="1082565" y="1453056"/>
+            <a:ext cx="620111" cy="630620"/>
+          </a:xfrm>
+          <a:prstGeom prst="rect">
+            <a:avLst/>
+          </a:prstGeom>
+        </p:spPr>
+        <p:style>
+          <a:lnRef idx="2">
+            <a:schemeClr val="dk1"/>
+          </a:lnRef>
+          <a:fillRef idx="1">
+            <a:schemeClr val="lt1"/>
+          </a:fillRef>
+          <a:effectRef idx="0">
+            <a:schemeClr val="dk1"/>
+          </a:effectRef>
+          <a:fontRef idx="minor">
+            <a:schemeClr val="dk1"/>
+          </a:fontRef>
+        </p:style>
+        <p:txBody>
+          <a:bodyPr rtlCol="0" anchor="ctr"/>
+          <a:lstStyle/>
+          <a:p>
+            <a:pPr algn="ctr"/>
+            <a:r>
+              <a:rPr kumimoji="1" lang="en-US" altLang="ko-Kore-KR" dirty="0"/>
+              <a:t>1</a:t>
+            </a:r>
+            <a:endParaRPr kumimoji="1" lang="ko-Kore-KR" altLang="en-US" dirty="0"/>
+          </a:p>
+        </p:txBody>
+      </p:sp>
+      <p:sp>
+        <p:nvSpPr>
+          <p:cNvPr id="6" name="직사각형 5">
+            <a:extLst>
+              <a:ext uri="{FF2B5EF4-FFF2-40B4-BE49-F238E27FC236}">
+                <a16:creationId xmlns:a16="http://schemas.microsoft.com/office/drawing/2014/main" id="{E91565D6-C387-6B41-B064-D32CB32C4D77}"/>
+              </a:ext>
+            </a:extLst>
+          </p:cNvPr>
+          <p:cNvSpPr/>
+          <p:nvPr/>
+        </p:nvSpPr>
+        <p:spPr>
+          <a:xfrm>
+            <a:off x="1702676" y="1453056"/>
+            <a:ext cx="620111" cy="630620"/>
+          </a:xfrm>
+          <a:prstGeom prst="rect">
+            <a:avLst/>
+          </a:prstGeom>
+        </p:spPr>
+        <p:style>
+          <a:lnRef idx="2">
+            <a:schemeClr val="dk1"/>
+          </a:lnRef>
+          <a:fillRef idx="1">
+            <a:schemeClr val="lt1"/>
+          </a:fillRef>
+          <a:effectRef idx="0">
+            <a:schemeClr val="dk1"/>
+          </a:effectRef>
+          <a:fontRef idx="minor">
+            <a:schemeClr val="dk1"/>
+          </a:fontRef>
+        </p:style>
+        <p:txBody>
+          <a:bodyPr rtlCol="0" anchor="ctr"/>
+          <a:lstStyle/>
+          <a:p>
+            <a:pPr algn="ctr"/>
+            <a:r>
+              <a:rPr kumimoji="1" lang="en-US" altLang="ko-Kore-KR" dirty="0"/>
+              <a:t>2</a:t>
+            </a:r>
+            <a:endParaRPr kumimoji="1" lang="ko-Kore-KR" altLang="en-US" dirty="0"/>
+          </a:p>
+        </p:txBody>
+      </p:sp>
+      <p:sp>
+        <p:nvSpPr>
+          <p:cNvPr id="7" name="직사각형 6">
+            <a:extLst>
+              <a:ext uri="{FF2B5EF4-FFF2-40B4-BE49-F238E27FC236}">
+                <a16:creationId xmlns:a16="http://schemas.microsoft.com/office/drawing/2014/main" id="{664F4A7D-3D66-0349-86A6-80DEE89E6242}"/>
+              </a:ext>
+            </a:extLst>
+          </p:cNvPr>
+          <p:cNvSpPr/>
+          <p:nvPr/>
+        </p:nvSpPr>
+        <p:spPr>
+          <a:xfrm>
+            <a:off x="2322787" y="1453056"/>
+            <a:ext cx="620111" cy="630620"/>
+          </a:xfrm>
+          <a:prstGeom prst="rect">
+            <a:avLst/>
+          </a:prstGeom>
+        </p:spPr>
+        <p:style>
+          <a:lnRef idx="2">
+            <a:schemeClr val="dk1"/>
+          </a:lnRef>
+          <a:fillRef idx="1">
+            <a:schemeClr val="lt1"/>
+          </a:fillRef>
+          <a:effectRef idx="0">
+            <a:schemeClr val="dk1"/>
+          </a:effectRef>
+          <a:fontRef idx="minor">
+            <a:schemeClr val="dk1"/>
+          </a:fontRef>
+        </p:style>
+        <p:txBody>
+          <a:bodyPr rtlCol="0" anchor="ctr"/>
+          <a:lstStyle/>
+          <a:p>
+            <a:pPr algn="ctr"/>
+            <a:r>
+              <a:rPr kumimoji="1" lang="en-US" altLang="ko-Kore-KR" dirty="0"/>
+              <a:t>3</a:t>
+            </a:r>
+            <a:endParaRPr kumimoji="1" lang="ko-Kore-KR" altLang="en-US" dirty="0"/>
+          </a:p>
+        </p:txBody>
+      </p:sp>
+      <p:sp>
+        <p:nvSpPr>
+          <p:cNvPr id="8" name="직사각형 7">
+            <a:extLst>
+              <a:ext uri="{FF2B5EF4-FFF2-40B4-BE49-F238E27FC236}">
+                <a16:creationId xmlns:a16="http://schemas.microsoft.com/office/drawing/2014/main" id="{FFBA28A4-8E1C-614F-A296-178B64B38106}"/>
+              </a:ext>
+            </a:extLst>
+          </p:cNvPr>
+          <p:cNvSpPr/>
+          <p:nvPr/>
+        </p:nvSpPr>
+        <p:spPr>
+          <a:xfrm>
+            <a:off x="2942898" y="1453056"/>
+            <a:ext cx="620111" cy="630620"/>
+          </a:xfrm>
+          <a:prstGeom prst="rect">
+            <a:avLst/>
+          </a:prstGeom>
+        </p:spPr>
+        <p:style>
+          <a:lnRef idx="2">
+            <a:schemeClr val="dk1"/>
+          </a:lnRef>
+          <a:fillRef idx="1">
+            <a:schemeClr val="lt1"/>
+          </a:fillRef>
+          <a:effectRef idx="0">
+            <a:schemeClr val="dk1"/>
+          </a:effectRef>
+          <a:fontRef idx="minor">
+            <a:schemeClr val="dk1"/>
+          </a:fontRef>
+        </p:style>
+        <p:txBody>
+          <a:bodyPr rtlCol="0" anchor="ctr"/>
+          <a:lstStyle/>
+          <a:p>
+            <a:pPr algn="ctr"/>
+            <a:r>
+              <a:rPr kumimoji="1" lang="en-US" altLang="ko-Kore-KR" dirty="0"/>
+              <a:t>4</a:t>
+            </a:r>
+            <a:endParaRPr kumimoji="1" lang="ko-Kore-KR" altLang="en-US" dirty="0"/>
+          </a:p>
+        </p:txBody>
+      </p:sp>
+      <p:sp>
+        <p:nvSpPr>
+          <p:cNvPr id="9" name="직사각형 8">
+            <a:extLst>
+              <a:ext uri="{FF2B5EF4-FFF2-40B4-BE49-F238E27FC236}">
+                <a16:creationId xmlns:a16="http://schemas.microsoft.com/office/drawing/2014/main" id="{F372369F-56F6-B04A-90EB-AEE9DF2F3D22}"/>
+              </a:ext>
+            </a:extLst>
+          </p:cNvPr>
+          <p:cNvSpPr/>
+          <p:nvPr/>
+        </p:nvSpPr>
+        <p:spPr>
+          <a:xfrm>
+            <a:off x="3563009" y="1453056"/>
+            <a:ext cx="620111" cy="630620"/>
+          </a:xfrm>
+          <a:prstGeom prst="rect">
+            <a:avLst/>
+          </a:prstGeom>
+        </p:spPr>
+        <p:style>
+          <a:lnRef idx="2">
+            <a:schemeClr val="dk1"/>
+          </a:lnRef>
+          <a:fillRef idx="1">
+            <a:schemeClr val="lt1"/>
+          </a:fillRef>
+          <a:effectRef idx="0">
+            <a:schemeClr val="dk1"/>
+          </a:effectRef>
+          <a:fontRef idx="minor">
+            <a:schemeClr val="dk1"/>
+          </a:fontRef>
+        </p:style>
+        <p:txBody>
+          <a:bodyPr rtlCol="0" anchor="ctr"/>
+          <a:lstStyle/>
+          <a:p>
+            <a:pPr algn="ctr"/>
+            <a:r>
+              <a:rPr kumimoji="1" lang="en-US" altLang="ko-Kore-KR" dirty="0"/>
+              <a:t>5</a:t>
+            </a:r>
+            <a:endParaRPr kumimoji="1" lang="ko-Kore-KR" altLang="en-US" dirty="0"/>
+          </a:p>
+        </p:txBody>
+      </p:sp>
+      <p:sp>
+        <p:nvSpPr>
+          <p:cNvPr id="10" name="직사각형 9">
+            <a:extLst>
+              <a:ext uri="{FF2B5EF4-FFF2-40B4-BE49-F238E27FC236}">
+                <a16:creationId xmlns:a16="http://schemas.microsoft.com/office/drawing/2014/main" id="{EDF33C1B-9C9E-6C43-96AA-2C661FD063E5}"/>
+              </a:ext>
+            </a:extLst>
+          </p:cNvPr>
+          <p:cNvSpPr/>
+          <p:nvPr/>
+        </p:nvSpPr>
+        <p:spPr>
+          <a:xfrm>
+            <a:off x="658826" y="1583700"/>
+            <a:ext cx="322524" cy="369332"/>
+          </a:xfrm>
+          <a:prstGeom prst="rect">
+            <a:avLst/>
+          </a:prstGeom>
+        </p:spPr>
+        <p:txBody>
+          <a:bodyPr wrap="none">
+            <a:spAutoFit/>
+          </a:bodyPr>
+          <a:lstStyle/>
+          <a:p>
+            <a:r>
+              <a:rPr lang="en" altLang="ko-Kore-KR" b="0" dirty="0">
+                <a:solidFill>
+                  <a:srgbClr val="000000"/>
+                </a:solidFill>
+                <a:effectLst/>
+                <a:latin typeface="DM Mono" panose="020B0509040201040103" pitchFamily="49" charset="0"/>
+              </a:rPr>
+              <a:t>x</a:t>
+            </a:r>
+            <a:endParaRPr lang="ko-Kore-KR" altLang="en-US" dirty="0"/>
+          </a:p>
+        </p:txBody>
+      </p:sp>
+      <p:sp>
+        <p:nvSpPr>
+          <p:cNvPr id="11" name="직사각형 10">
+            <a:extLst>
+              <a:ext uri="{FF2B5EF4-FFF2-40B4-BE49-F238E27FC236}">
+                <a16:creationId xmlns:a16="http://schemas.microsoft.com/office/drawing/2014/main" id="{59C19197-B684-8B46-BACA-5A9984C6E397}"/>
+              </a:ext>
+            </a:extLst>
+          </p:cNvPr>
+          <p:cNvSpPr/>
+          <p:nvPr/>
+        </p:nvSpPr>
+        <p:spPr>
+          <a:xfrm>
+            <a:off x="743347" y="1083724"/>
+            <a:ext cx="598241" cy="369332"/>
+          </a:xfrm>
+          <a:prstGeom prst="rect">
+            <a:avLst/>
+          </a:prstGeom>
+        </p:spPr>
+        <p:txBody>
+          <a:bodyPr wrap="none">
+            <a:spAutoFit/>
+          </a:bodyPr>
+          <a:lstStyle/>
+          <a:p>
+            <a:r>
+              <a:rPr lang="en" altLang="ko-Kore-KR" b="0" dirty="0">
+                <a:solidFill>
+                  <a:srgbClr val="000000"/>
+                </a:solidFill>
+                <a:effectLst/>
+                <a:latin typeface="DM Mono" panose="020B0509040201040103" pitchFamily="49" charset="0"/>
+              </a:rPr>
+              <a:t>100</a:t>
+            </a:r>
+            <a:endParaRPr lang="ko-Kore-KR" altLang="en-US" dirty="0"/>
+          </a:p>
+        </p:txBody>
+      </p:sp>
+      <p:sp>
+        <p:nvSpPr>
+          <p:cNvPr id="12" name="직사각형 11">
+            <a:extLst>
+              <a:ext uri="{FF2B5EF4-FFF2-40B4-BE49-F238E27FC236}">
+                <a16:creationId xmlns:a16="http://schemas.microsoft.com/office/drawing/2014/main" id="{5F0B2F15-676C-1144-86F0-9CC8C772E4C2}"/>
+              </a:ext>
+            </a:extLst>
+          </p:cNvPr>
+          <p:cNvSpPr/>
+          <p:nvPr/>
+        </p:nvSpPr>
+        <p:spPr>
+          <a:xfrm>
+            <a:off x="1629103" y="4563868"/>
+            <a:ext cx="1692166" cy="630620"/>
+          </a:xfrm>
+          <a:prstGeom prst="rect">
+            <a:avLst/>
+          </a:prstGeom>
+        </p:spPr>
+        <p:style>
+          <a:lnRef idx="2">
+            <a:schemeClr val="dk1"/>
+          </a:lnRef>
+          <a:fillRef idx="1">
+            <a:schemeClr val="lt1"/>
+          </a:fillRef>
+          <a:effectRef idx="0">
+            <a:schemeClr val="dk1"/>
+          </a:effectRef>
+          <a:fontRef idx="minor">
+            <a:schemeClr val="dk1"/>
+          </a:fontRef>
+        </p:style>
+        <p:txBody>
+          <a:bodyPr rtlCol="0" anchor="ctr"/>
+          <a:lstStyle/>
+          <a:p>
+            <a:pPr algn="ctr"/>
+            <a:r>
+              <a:rPr lang="en-US" altLang="ko-Kore-KR" dirty="0"/>
+              <a:t>100</a:t>
+            </a:r>
+            <a:endParaRPr kumimoji="1" lang="ko-Kore-KR" altLang="en-US" dirty="0"/>
+          </a:p>
+        </p:txBody>
+      </p:sp>
+      <p:sp>
+        <p:nvSpPr>
+          <p:cNvPr id="13" name="직사각형 12">
+            <a:extLst>
+              <a:ext uri="{FF2B5EF4-FFF2-40B4-BE49-F238E27FC236}">
+                <a16:creationId xmlns:a16="http://schemas.microsoft.com/office/drawing/2014/main" id="{095CDBBB-B4E3-A64D-B960-97FA9EF52B52}"/>
+              </a:ext>
+            </a:extLst>
+          </p:cNvPr>
+          <p:cNvSpPr/>
+          <p:nvPr/>
+        </p:nvSpPr>
+        <p:spPr>
+          <a:xfrm>
+            <a:off x="814549" y="4749112"/>
+            <a:ext cx="814553" cy="260131"/>
+          </a:xfrm>
+          <a:prstGeom prst="rect">
+            <a:avLst/>
+          </a:prstGeom>
+          <a:ln>
+            <a:noFill/>
+          </a:ln>
+        </p:spPr>
+        <p:style>
+          <a:lnRef idx="2">
+            <a:schemeClr val="dk1"/>
+          </a:lnRef>
+          <a:fillRef idx="1">
+            <a:schemeClr val="lt1"/>
+          </a:fillRef>
+          <a:effectRef idx="0">
+            <a:schemeClr val="dk1"/>
+          </a:effectRef>
+          <a:fontRef idx="minor">
+            <a:schemeClr val="dk1"/>
+          </a:fontRef>
+        </p:style>
+        <p:txBody>
+          <a:bodyPr rtlCol="0" anchor="ctr"/>
+          <a:lstStyle/>
+          <a:p>
+            <a:pPr algn="ctr"/>
+            <a:r>
+              <a:rPr kumimoji="1" lang="en-US" altLang="ko-Kore-KR" dirty="0"/>
+              <a:t>p</a:t>
+            </a:r>
+            <a:endParaRPr kumimoji="1" lang="ko-Kore-KR" altLang="en-US" dirty="0"/>
+          </a:p>
+        </p:txBody>
+      </p:sp>
+      <p:cxnSp>
+        <p:nvCxnSpPr>
+          <p:cNvPr id="14" name="구부러진 연결선[U] 13">
+            <a:extLst>
+              <a:ext uri="{FF2B5EF4-FFF2-40B4-BE49-F238E27FC236}">
+                <a16:creationId xmlns:a16="http://schemas.microsoft.com/office/drawing/2014/main" id="{53A89820-56E3-5849-A360-2F60F8A46719}"/>
+              </a:ext>
+            </a:extLst>
+          </p:cNvPr>
+          <p:cNvCxnSpPr>
+            <a:cxnSpLocks/>
+            <a:stCxn id="12" idx="3"/>
+          </p:cNvCxnSpPr>
+          <p:nvPr/>
+        </p:nvCxnSpPr>
+        <p:spPr>
+          <a:xfrm flipH="1" flipV="1">
+            <a:off x="1082565" y="2083676"/>
+            <a:ext cx="2238704" cy="2795502"/>
+          </a:xfrm>
+          <a:prstGeom prst="curvedConnector4">
+            <a:avLst>
+              <a:gd name="adj1" fmla="val -10211"/>
+              <a:gd name="adj2" fmla="val 55640"/>
+            </a:avLst>
+          </a:prstGeom>
+          <a:ln>
+            <a:tailEnd type="triangle"/>
+          </a:ln>
+        </p:spPr>
+        <p:style>
+          <a:lnRef idx="1">
+            <a:schemeClr val="dk1"/>
+          </a:lnRef>
+          <a:fillRef idx="0">
+            <a:schemeClr val="dk1"/>
+          </a:fillRef>
+          <a:effectRef idx="0">
+            <a:schemeClr val="dk1"/>
+          </a:effectRef>
+          <a:fontRef idx="minor">
+            <a:schemeClr val="tx1"/>
+          </a:fontRef>
+        </p:style>
+      </p:cxnSp>
+    </p:spTree>
+    <p:extLst>
+      <p:ext uri="{BB962C8B-B14F-4D97-AF65-F5344CB8AC3E}">
+        <p14:creationId xmlns:p14="http://schemas.microsoft.com/office/powerpoint/2010/main" val="52828557"/>
       </p:ext>
     </p:extLst>
   </p:cSld>

--- a/220117.pptx
+++ b/220117.pptx
@@ -8,6 +8,7 @@
     <p:sldId id="256" r:id="rId2"/>
     <p:sldId id="257" r:id="rId3"/>
     <p:sldId id="258" r:id="rId4"/>
+    <p:sldId id="259" r:id="rId5"/>
   </p:sldIdLst>
   <p:sldSz cx="12192000" cy="6858000"/>
   <p:notesSz cx="6858000" cy="9144000"/>
@@ -6286,10 +6287,18 @@
           <a:p>
             <a:pPr algn="ctr"/>
             <a:r>
-              <a:rPr lang="en-US" altLang="ko-Kore-KR" dirty="0"/>
+              <a:rPr lang="en-US" altLang="ko-Kore-KR" dirty="0">
+                <a:solidFill>
+                  <a:srgbClr val="FF0000"/>
+                </a:solidFill>
+              </a:rPr>
               <a:t>100</a:t>
             </a:r>
-            <a:endParaRPr kumimoji="1" lang="ko-Kore-KR" altLang="en-US" dirty="0"/>
+            <a:endParaRPr kumimoji="1" lang="ko-Kore-KR" altLang="en-US" dirty="0">
+              <a:solidFill>
+                <a:srgbClr val="FF0000"/>
+              </a:solidFill>
+            </a:endParaRPr>
           </a:p>
         </p:txBody>
       </p:sp>
@@ -6368,6 +6377,1871 @@
             <a:avLst>
               <a:gd name="adj1" fmla="val -10211"/>
               <a:gd name="adj2" fmla="val 55640"/>
+            </a:avLst>
+          </a:prstGeom>
+          <a:ln>
+            <a:tailEnd type="triangle"/>
+          </a:ln>
+        </p:spPr>
+        <p:style>
+          <a:lnRef idx="1">
+            <a:schemeClr val="dk1"/>
+          </a:lnRef>
+          <a:fillRef idx="0">
+            <a:schemeClr val="dk1"/>
+          </a:fillRef>
+          <a:effectRef idx="0">
+            <a:schemeClr val="dk1"/>
+          </a:effectRef>
+          <a:fontRef idx="minor">
+            <a:schemeClr val="tx1"/>
+          </a:fontRef>
+        </p:style>
+      </p:cxnSp>
+      <p:sp>
+        <p:nvSpPr>
+          <p:cNvPr id="16" name="직사각형 15">
+            <a:extLst>
+              <a:ext uri="{FF2B5EF4-FFF2-40B4-BE49-F238E27FC236}">
+                <a16:creationId xmlns:a16="http://schemas.microsoft.com/office/drawing/2014/main" id="{DCFC3EF8-059D-824E-974D-7E6EDC3E40BF}"/>
+              </a:ext>
+            </a:extLst>
+          </p:cNvPr>
+          <p:cNvSpPr/>
+          <p:nvPr/>
+        </p:nvSpPr>
+        <p:spPr>
+          <a:xfrm>
+            <a:off x="1341588" y="5404944"/>
+            <a:ext cx="3020205" cy="646331"/>
+          </a:xfrm>
+          <a:prstGeom prst="rect">
+            <a:avLst/>
+          </a:prstGeom>
+        </p:spPr>
+        <p:txBody>
+          <a:bodyPr wrap="square">
+            <a:spAutoFit/>
+          </a:bodyPr>
+          <a:lstStyle/>
+          <a:p>
+            <a:r>
+              <a:rPr lang="en" altLang="ko-Kore-KR" b="0" dirty="0">
+                <a:solidFill>
+                  <a:srgbClr val="008000"/>
+                </a:solidFill>
+                <a:effectLst/>
+                <a:latin typeface="DM Mono" panose="020B0509040201040103" pitchFamily="49" charset="0"/>
+              </a:rPr>
+              <a:t>// int* p = &amp;x[0];</a:t>
+            </a:r>
+            <a:endParaRPr lang="en" altLang="ko-Kore-KR" b="0" dirty="0">
+              <a:solidFill>
+                <a:srgbClr val="000000"/>
+              </a:solidFill>
+              <a:effectLst/>
+              <a:latin typeface="DM Mono" panose="020B0509040201040103" pitchFamily="49" charset="0"/>
+            </a:endParaRPr>
+          </a:p>
+          <a:p>
+            <a:r>
+              <a:rPr lang="en" altLang="ko-Kore-KR" b="0" dirty="0">
+                <a:solidFill>
+                  <a:srgbClr val="0000FF"/>
+                </a:solidFill>
+                <a:effectLst/>
+                <a:latin typeface="DM Mono" panose="020B0509040201040103" pitchFamily="49" charset="0"/>
+              </a:rPr>
+              <a:t>int</a:t>
+            </a:r>
+            <a:r>
+              <a:rPr lang="en" altLang="ko-Kore-KR" b="0" dirty="0">
+                <a:solidFill>
+                  <a:srgbClr val="000000"/>
+                </a:solidFill>
+                <a:effectLst/>
+                <a:latin typeface="DM Mono" panose="020B0509040201040103" pitchFamily="49" charset="0"/>
+              </a:rPr>
+              <a:t>* p = x;</a:t>
+            </a:r>
+          </a:p>
+        </p:txBody>
+      </p:sp>
+      <p:sp>
+        <p:nvSpPr>
+          <p:cNvPr id="17" name="직사각형 16">
+            <a:extLst>
+              <a:ext uri="{FF2B5EF4-FFF2-40B4-BE49-F238E27FC236}">
+                <a16:creationId xmlns:a16="http://schemas.microsoft.com/office/drawing/2014/main" id="{37D20E83-CA9F-9447-B0AA-E90FFD507F91}"/>
+              </a:ext>
+            </a:extLst>
+          </p:cNvPr>
+          <p:cNvSpPr/>
+          <p:nvPr/>
+        </p:nvSpPr>
+        <p:spPr>
+          <a:xfrm>
+            <a:off x="8260188" y="190344"/>
+            <a:ext cx="3355406" cy="369332"/>
+          </a:xfrm>
+          <a:prstGeom prst="rect">
+            <a:avLst/>
+          </a:prstGeom>
+        </p:spPr>
+        <p:txBody>
+          <a:bodyPr wrap="none">
+            <a:spAutoFit/>
+          </a:bodyPr>
+          <a:lstStyle/>
+          <a:p>
+            <a:r>
+              <a:rPr lang="en" altLang="ko-Kore-KR" b="0" dirty="0" err="1">
+                <a:solidFill>
+                  <a:srgbClr val="000000"/>
+                </a:solidFill>
+                <a:effectLst/>
+                <a:latin typeface="DM Mono" panose="020B0509040201040103" pitchFamily="49" charset="0"/>
+              </a:rPr>
+              <a:t>printf</a:t>
+            </a:r>
+            <a:r>
+              <a:rPr lang="en" altLang="ko-Kore-KR" b="0" dirty="0">
+                <a:solidFill>
+                  <a:srgbClr val="000000"/>
+                </a:solidFill>
+                <a:effectLst/>
+                <a:latin typeface="DM Mono" panose="020B0509040201040103" pitchFamily="49" charset="0"/>
+              </a:rPr>
+              <a:t>(</a:t>
+            </a:r>
+            <a:r>
+              <a:rPr lang="en" altLang="ko-Kore-KR" b="0" dirty="0">
+                <a:solidFill>
+                  <a:srgbClr val="A31515"/>
+                </a:solidFill>
+                <a:effectLst/>
+                <a:latin typeface="DM Mono" panose="020B0509040201040103" pitchFamily="49" charset="0"/>
+              </a:rPr>
+              <a:t>"%p\n"</a:t>
+            </a:r>
+            <a:r>
+              <a:rPr lang="en" altLang="ko-Kore-KR" b="0" dirty="0">
+                <a:solidFill>
+                  <a:srgbClr val="000000"/>
+                </a:solidFill>
+                <a:effectLst/>
+                <a:latin typeface="DM Mono" panose="020B0509040201040103" pitchFamily="49" charset="0"/>
+              </a:rPr>
+              <a:t>, p + 1); </a:t>
+            </a:r>
+          </a:p>
+        </p:txBody>
+      </p:sp>
+      <p:sp>
+        <p:nvSpPr>
+          <p:cNvPr id="18" name="직사각형 17">
+            <a:extLst>
+              <a:ext uri="{FF2B5EF4-FFF2-40B4-BE49-F238E27FC236}">
+                <a16:creationId xmlns:a16="http://schemas.microsoft.com/office/drawing/2014/main" id="{DD77040B-43AA-8D4E-964C-34891DF97CA8}"/>
+              </a:ext>
+            </a:extLst>
+          </p:cNvPr>
+          <p:cNvSpPr/>
+          <p:nvPr/>
+        </p:nvSpPr>
+        <p:spPr>
+          <a:xfrm>
+            <a:off x="9861498" y="542018"/>
+            <a:ext cx="1692166" cy="630620"/>
+          </a:xfrm>
+          <a:prstGeom prst="rect">
+            <a:avLst/>
+          </a:prstGeom>
+        </p:spPr>
+        <p:style>
+          <a:lnRef idx="2">
+            <a:schemeClr val="dk1"/>
+          </a:lnRef>
+          <a:fillRef idx="1">
+            <a:schemeClr val="lt1"/>
+          </a:fillRef>
+          <a:effectRef idx="0">
+            <a:schemeClr val="dk1"/>
+          </a:effectRef>
+          <a:fontRef idx="minor">
+            <a:schemeClr val="dk1"/>
+          </a:fontRef>
+        </p:style>
+        <p:txBody>
+          <a:bodyPr rtlCol="0" anchor="ctr"/>
+          <a:lstStyle/>
+          <a:p>
+            <a:pPr algn="ctr"/>
+            <a:r>
+              <a:rPr lang="en-US" altLang="ko-Kore-KR" dirty="0">
+                <a:solidFill>
+                  <a:srgbClr val="FF0000"/>
+                </a:solidFill>
+              </a:rPr>
+              <a:t>104</a:t>
+            </a:r>
+            <a:endParaRPr kumimoji="1" lang="ko-Kore-KR" altLang="en-US" dirty="0">
+              <a:solidFill>
+                <a:srgbClr val="FF0000"/>
+              </a:solidFill>
+            </a:endParaRPr>
+          </a:p>
+        </p:txBody>
+      </p:sp>
+      <p:sp>
+        <p:nvSpPr>
+          <p:cNvPr id="19" name="직사각형 18">
+            <a:extLst>
+              <a:ext uri="{FF2B5EF4-FFF2-40B4-BE49-F238E27FC236}">
+                <a16:creationId xmlns:a16="http://schemas.microsoft.com/office/drawing/2014/main" id="{69C22E29-A8F0-B84A-879D-706F3C4DA4B3}"/>
+              </a:ext>
+            </a:extLst>
+          </p:cNvPr>
+          <p:cNvSpPr/>
+          <p:nvPr/>
+        </p:nvSpPr>
+        <p:spPr>
+          <a:xfrm>
+            <a:off x="9363054" y="2083676"/>
+            <a:ext cx="2252540" cy="923330"/>
+          </a:xfrm>
+          <a:prstGeom prst="rect">
+            <a:avLst/>
+          </a:prstGeom>
+        </p:spPr>
+        <p:txBody>
+          <a:bodyPr wrap="none">
+            <a:spAutoFit/>
+          </a:bodyPr>
+          <a:lstStyle/>
+          <a:p>
+            <a:r>
+              <a:rPr lang="en" altLang="ko-Kore-KR" b="0" dirty="0">
+                <a:solidFill>
+                  <a:srgbClr val="000000"/>
+                </a:solidFill>
+                <a:effectLst/>
+                <a:latin typeface="DM Mono" panose="020B0509040201040103" pitchFamily="49" charset="0"/>
+              </a:rPr>
+              <a:t>*(p + 2) = 200;</a:t>
+            </a:r>
+          </a:p>
+          <a:p>
+            <a:endParaRPr lang="en" altLang="ko-Kore-KR" dirty="0">
+              <a:solidFill>
+                <a:srgbClr val="000000"/>
+              </a:solidFill>
+              <a:latin typeface="DM Mono" panose="020B0509040201040103" pitchFamily="49" charset="0"/>
+            </a:endParaRPr>
+          </a:p>
+          <a:p>
+            <a:r>
+              <a:rPr lang="en" altLang="ko-Kore-KR" dirty="0">
+                <a:solidFill>
+                  <a:srgbClr val="FF0000"/>
+                </a:solidFill>
+                <a:latin typeface="DM Mono" panose="020B0509040201040103" pitchFamily="49" charset="0"/>
+              </a:rPr>
+              <a:t>p[2] = 200;</a:t>
+            </a:r>
+            <a:endParaRPr lang="en" altLang="ko-Kore-KR" b="0" dirty="0">
+              <a:solidFill>
+                <a:srgbClr val="FF0000"/>
+              </a:solidFill>
+              <a:effectLst/>
+              <a:latin typeface="DM Mono" panose="020B0509040201040103" pitchFamily="49" charset="0"/>
+            </a:endParaRPr>
+          </a:p>
+        </p:txBody>
+      </p:sp>
+      <p:sp>
+        <p:nvSpPr>
+          <p:cNvPr id="31" name="직사각형 30">
+            <a:extLst>
+              <a:ext uri="{FF2B5EF4-FFF2-40B4-BE49-F238E27FC236}">
+                <a16:creationId xmlns:a16="http://schemas.microsoft.com/office/drawing/2014/main" id="{3F30EFE4-F614-384C-A4B3-A5444905CAFA}"/>
+              </a:ext>
+            </a:extLst>
+          </p:cNvPr>
+          <p:cNvSpPr/>
+          <p:nvPr/>
+        </p:nvSpPr>
+        <p:spPr>
+          <a:xfrm>
+            <a:off x="5766224" y="2137698"/>
+            <a:ext cx="620111" cy="630620"/>
+          </a:xfrm>
+          <a:prstGeom prst="rect">
+            <a:avLst/>
+          </a:prstGeom>
+        </p:spPr>
+        <p:style>
+          <a:lnRef idx="2">
+            <a:schemeClr val="dk1"/>
+          </a:lnRef>
+          <a:fillRef idx="1">
+            <a:schemeClr val="lt1"/>
+          </a:fillRef>
+          <a:effectRef idx="0">
+            <a:schemeClr val="dk1"/>
+          </a:effectRef>
+          <a:fontRef idx="minor">
+            <a:schemeClr val="dk1"/>
+          </a:fontRef>
+        </p:style>
+        <p:txBody>
+          <a:bodyPr rtlCol="0" anchor="ctr"/>
+          <a:lstStyle/>
+          <a:p>
+            <a:pPr algn="ctr"/>
+            <a:r>
+              <a:rPr kumimoji="1" lang="en-US" altLang="ko-Kore-KR" dirty="0"/>
+              <a:t>1</a:t>
+            </a:r>
+            <a:endParaRPr kumimoji="1" lang="ko-Kore-KR" altLang="en-US" dirty="0"/>
+          </a:p>
+        </p:txBody>
+      </p:sp>
+      <p:sp>
+        <p:nvSpPr>
+          <p:cNvPr id="32" name="직사각형 31">
+            <a:extLst>
+              <a:ext uri="{FF2B5EF4-FFF2-40B4-BE49-F238E27FC236}">
+                <a16:creationId xmlns:a16="http://schemas.microsoft.com/office/drawing/2014/main" id="{15EE4EDA-369D-884C-97FD-D0A8574B0167}"/>
+              </a:ext>
+            </a:extLst>
+          </p:cNvPr>
+          <p:cNvSpPr/>
+          <p:nvPr/>
+        </p:nvSpPr>
+        <p:spPr>
+          <a:xfrm>
+            <a:off x="6386335" y="2137698"/>
+            <a:ext cx="620111" cy="630620"/>
+          </a:xfrm>
+          <a:prstGeom prst="rect">
+            <a:avLst/>
+          </a:prstGeom>
+        </p:spPr>
+        <p:style>
+          <a:lnRef idx="2">
+            <a:schemeClr val="dk1"/>
+          </a:lnRef>
+          <a:fillRef idx="1">
+            <a:schemeClr val="lt1"/>
+          </a:fillRef>
+          <a:effectRef idx="0">
+            <a:schemeClr val="dk1"/>
+          </a:effectRef>
+          <a:fontRef idx="minor">
+            <a:schemeClr val="dk1"/>
+          </a:fontRef>
+        </p:style>
+        <p:txBody>
+          <a:bodyPr rtlCol="0" anchor="ctr"/>
+          <a:lstStyle/>
+          <a:p>
+            <a:pPr algn="ctr"/>
+            <a:r>
+              <a:rPr kumimoji="1" lang="en-US" altLang="ko-Kore-KR" dirty="0"/>
+              <a:t>2</a:t>
+            </a:r>
+            <a:endParaRPr kumimoji="1" lang="ko-Kore-KR" altLang="en-US" dirty="0"/>
+          </a:p>
+        </p:txBody>
+      </p:sp>
+      <p:sp>
+        <p:nvSpPr>
+          <p:cNvPr id="33" name="직사각형 32">
+            <a:extLst>
+              <a:ext uri="{FF2B5EF4-FFF2-40B4-BE49-F238E27FC236}">
+                <a16:creationId xmlns:a16="http://schemas.microsoft.com/office/drawing/2014/main" id="{D5C8B853-FAAF-0D42-AA0E-8AE970219CBE}"/>
+              </a:ext>
+            </a:extLst>
+          </p:cNvPr>
+          <p:cNvSpPr/>
+          <p:nvPr/>
+        </p:nvSpPr>
+        <p:spPr>
+          <a:xfrm>
+            <a:off x="7006446" y="2137698"/>
+            <a:ext cx="620111" cy="630620"/>
+          </a:xfrm>
+          <a:prstGeom prst="rect">
+            <a:avLst/>
+          </a:prstGeom>
+          <a:solidFill>
+            <a:srgbClr val="FFFF00"/>
+          </a:solidFill>
+        </p:spPr>
+        <p:style>
+          <a:lnRef idx="2">
+            <a:schemeClr val="dk1"/>
+          </a:lnRef>
+          <a:fillRef idx="1">
+            <a:schemeClr val="lt1"/>
+          </a:fillRef>
+          <a:effectRef idx="0">
+            <a:schemeClr val="dk1"/>
+          </a:effectRef>
+          <a:fontRef idx="minor">
+            <a:schemeClr val="dk1"/>
+          </a:fontRef>
+        </p:style>
+        <p:txBody>
+          <a:bodyPr rtlCol="0" anchor="ctr"/>
+          <a:lstStyle/>
+          <a:p>
+            <a:pPr algn="ctr"/>
+            <a:r>
+              <a:rPr kumimoji="1" lang="en-US" altLang="ko-Kore-KR" dirty="0">
+                <a:solidFill>
+                  <a:srgbClr val="FF0000"/>
+                </a:solidFill>
+              </a:rPr>
+              <a:t>200</a:t>
+            </a:r>
+            <a:endParaRPr kumimoji="1" lang="ko-Kore-KR" altLang="en-US" dirty="0">
+              <a:solidFill>
+                <a:srgbClr val="FF0000"/>
+              </a:solidFill>
+            </a:endParaRPr>
+          </a:p>
+        </p:txBody>
+      </p:sp>
+      <p:sp>
+        <p:nvSpPr>
+          <p:cNvPr id="34" name="직사각형 33">
+            <a:extLst>
+              <a:ext uri="{FF2B5EF4-FFF2-40B4-BE49-F238E27FC236}">
+                <a16:creationId xmlns:a16="http://schemas.microsoft.com/office/drawing/2014/main" id="{21A780AE-3276-FB4C-BA63-98F85942496C}"/>
+              </a:ext>
+            </a:extLst>
+          </p:cNvPr>
+          <p:cNvSpPr/>
+          <p:nvPr/>
+        </p:nvSpPr>
+        <p:spPr>
+          <a:xfrm>
+            <a:off x="7626557" y="2137698"/>
+            <a:ext cx="620111" cy="630620"/>
+          </a:xfrm>
+          <a:prstGeom prst="rect">
+            <a:avLst/>
+          </a:prstGeom>
+        </p:spPr>
+        <p:style>
+          <a:lnRef idx="2">
+            <a:schemeClr val="dk1"/>
+          </a:lnRef>
+          <a:fillRef idx="1">
+            <a:schemeClr val="lt1"/>
+          </a:fillRef>
+          <a:effectRef idx="0">
+            <a:schemeClr val="dk1"/>
+          </a:effectRef>
+          <a:fontRef idx="minor">
+            <a:schemeClr val="dk1"/>
+          </a:fontRef>
+        </p:style>
+        <p:txBody>
+          <a:bodyPr rtlCol="0" anchor="ctr"/>
+          <a:lstStyle/>
+          <a:p>
+            <a:pPr algn="ctr"/>
+            <a:r>
+              <a:rPr kumimoji="1" lang="en-US" altLang="ko-Kore-KR" dirty="0"/>
+              <a:t>4</a:t>
+            </a:r>
+            <a:endParaRPr kumimoji="1" lang="ko-Kore-KR" altLang="en-US" dirty="0"/>
+          </a:p>
+        </p:txBody>
+      </p:sp>
+      <p:sp>
+        <p:nvSpPr>
+          <p:cNvPr id="35" name="직사각형 34">
+            <a:extLst>
+              <a:ext uri="{FF2B5EF4-FFF2-40B4-BE49-F238E27FC236}">
+                <a16:creationId xmlns:a16="http://schemas.microsoft.com/office/drawing/2014/main" id="{1C71A801-CE57-9247-865A-8DB159606156}"/>
+              </a:ext>
+            </a:extLst>
+          </p:cNvPr>
+          <p:cNvSpPr/>
+          <p:nvPr/>
+        </p:nvSpPr>
+        <p:spPr>
+          <a:xfrm>
+            <a:off x="8246668" y="2137698"/>
+            <a:ext cx="620111" cy="630620"/>
+          </a:xfrm>
+          <a:prstGeom prst="rect">
+            <a:avLst/>
+          </a:prstGeom>
+        </p:spPr>
+        <p:style>
+          <a:lnRef idx="2">
+            <a:schemeClr val="dk1"/>
+          </a:lnRef>
+          <a:fillRef idx="1">
+            <a:schemeClr val="lt1"/>
+          </a:fillRef>
+          <a:effectRef idx="0">
+            <a:schemeClr val="dk1"/>
+          </a:effectRef>
+          <a:fontRef idx="minor">
+            <a:schemeClr val="dk1"/>
+          </a:fontRef>
+        </p:style>
+        <p:txBody>
+          <a:bodyPr rtlCol="0" anchor="ctr"/>
+          <a:lstStyle/>
+          <a:p>
+            <a:pPr algn="ctr"/>
+            <a:r>
+              <a:rPr kumimoji="1" lang="en-US" altLang="ko-Kore-KR" dirty="0"/>
+              <a:t>5</a:t>
+            </a:r>
+            <a:endParaRPr kumimoji="1" lang="ko-Kore-KR" altLang="en-US" dirty="0"/>
+          </a:p>
+        </p:txBody>
+      </p:sp>
+      <p:sp>
+        <p:nvSpPr>
+          <p:cNvPr id="36" name="직사각형 35">
+            <a:extLst>
+              <a:ext uri="{FF2B5EF4-FFF2-40B4-BE49-F238E27FC236}">
+                <a16:creationId xmlns:a16="http://schemas.microsoft.com/office/drawing/2014/main" id="{490400FA-7FF7-4B45-9198-2135FA95710B}"/>
+              </a:ext>
+            </a:extLst>
+          </p:cNvPr>
+          <p:cNvSpPr/>
+          <p:nvPr/>
+        </p:nvSpPr>
+        <p:spPr>
+          <a:xfrm>
+            <a:off x="5342485" y="2268342"/>
+            <a:ext cx="322524" cy="369332"/>
+          </a:xfrm>
+          <a:prstGeom prst="rect">
+            <a:avLst/>
+          </a:prstGeom>
+        </p:spPr>
+        <p:txBody>
+          <a:bodyPr wrap="none">
+            <a:spAutoFit/>
+          </a:bodyPr>
+          <a:lstStyle/>
+          <a:p>
+            <a:r>
+              <a:rPr lang="en" altLang="ko-Kore-KR" b="0" dirty="0">
+                <a:solidFill>
+                  <a:srgbClr val="000000"/>
+                </a:solidFill>
+                <a:effectLst/>
+                <a:latin typeface="DM Mono" panose="020B0509040201040103" pitchFamily="49" charset="0"/>
+              </a:rPr>
+              <a:t>x</a:t>
+            </a:r>
+            <a:endParaRPr lang="ko-Kore-KR" altLang="en-US" dirty="0"/>
+          </a:p>
+        </p:txBody>
+      </p:sp>
+      <p:sp>
+        <p:nvSpPr>
+          <p:cNvPr id="37" name="직사각형 36">
+            <a:extLst>
+              <a:ext uri="{FF2B5EF4-FFF2-40B4-BE49-F238E27FC236}">
+                <a16:creationId xmlns:a16="http://schemas.microsoft.com/office/drawing/2014/main" id="{40E6D5BD-943D-9E4B-85DD-26109DD3C625}"/>
+              </a:ext>
+            </a:extLst>
+          </p:cNvPr>
+          <p:cNvSpPr/>
+          <p:nvPr/>
+        </p:nvSpPr>
+        <p:spPr>
+          <a:xfrm>
+            <a:off x="5427006" y="1768366"/>
+            <a:ext cx="598241" cy="369332"/>
+          </a:xfrm>
+          <a:prstGeom prst="rect">
+            <a:avLst/>
+          </a:prstGeom>
+        </p:spPr>
+        <p:txBody>
+          <a:bodyPr wrap="none">
+            <a:spAutoFit/>
+          </a:bodyPr>
+          <a:lstStyle/>
+          <a:p>
+            <a:r>
+              <a:rPr lang="en" altLang="ko-Kore-KR" b="0" dirty="0">
+                <a:solidFill>
+                  <a:srgbClr val="000000"/>
+                </a:solidFill>
+                <a:effectLst/>
+                <a:latin typeface="DM Mono" panose="020B0509040201040103" pitchFamily="49" charset="0"/>
+              </a:rPr>
+              <a:t>100</a:t>
+            </a:r>
+            <a:endParaRPr lang="ko-Kore-KR" altLang="en-US" dirty="0"/>
+          </a:p>
+        </p:txBody>
+      </p:sp>
+      <p:sp>
+        <p:nvSpPr>
+          <p:cNvPr id="38" name="직사각형 37">
+            <a:extLst>
+              <a:ext uri="{FF2B5EF4-FFF2-40B4-BE49-F238E27FC236}">
+                <a16:creationId xmlns:a16="http://schemas.microsoft.com/office/drawing/2014/main" id="{17E0AAED-20DE-9743-9C8D-8497061B1540}"/>
+              </a:ext>
+            </a:extLst>
+          </p:cNvPr>
+          <p:cNvSpPr/>
+          <p:nvPr/>
+        </p:nvSpPr>
+        <p:spPr>
+          <a:xfrm>
+            <a:off x="6312762" y="5248510"/>
+            <a:ext cx="1692166" cy="630620"/>
+          </a:xfrm>
+          <a:prstGeom prst="rect">
+            <a:avLst/>
+          </a:prstGeom>
+        </p:spPr>
+        <p:style>
+          <a:lnRef idx="2">
+            <a:schemeClr val="dk1"/>
+          </a:lnRef>
+          <a:fillRef idx="1">
+            <a:schemeClr val="lt1"/>
+          </a:fillRef>
+          <a:effectRef idx="0">
+            <a:schemeClr val="dk1"/>
+          </a:effectRef>
+          <a:fontRef idx="minor">
+            <a:schemeClr val="dk1"/>
+          </a:fontRef>
+        </p:style>
+        <p:txBody>
+          <a:bodyPr rtlCol="0" anchor="ctr"/>
+          <a:lstStyle/>
+          <a:p>
+            <a:pPr algn="ctr"/>
+            <a:r>
+              <a:rPr lang="en-US" altLang="ko-Kore-KR" dirty="0">
+                <a:solidFill>
+                  <a:srgbClr val="FF0000"/>
+                </a:solidFill>
+              </a:rPr>
+              <a:t>100</a:t>
+            </a:r>
+            <a:endParaRPr kumimoji="1" lang="ko-Kore-KR" altLang="en-US" dirty="0">
+              <a:solidFill>
+                <a:srgbClr val="FF0000"/>
+              </a:solidFill>
+            </a:endParaRPr>
+          </a:p>
+        </p:txBody>
+      </p:sp>
+      <p:sp>
+        <p:nvSpPr>
+          <p:cNvPr id="39" name="직사각형 38">
+            <a:extLst>
+              <a:ext uri="{FF2B5EF4-FFF2-40B4-BE49-F238E27FC236}">
+                <a16:creationId xmlns:a16="http://schemas.microsoft.com/office/drawing/2014/main" id="{9AB32159-1D22-8646-8A05-33ABB10BFD1D}"/>
+              </a:ext>
+            </a:extLst>
+          </p:cNvPr>
+          <p:cNvSpPr/>
+          <p:nvPr/>
+        </p:nvSpPr>
+        <p:spPr>
+          <a:xfrm>
+            <a:off x="5498208" y="5433754"/>
+            <a:ext cx="814553" cy="260131"/>
+          </a:xfrm>
+          <a:prstGeom prst="rect">
+            <a:avLst/>
+          </a:prstGeom>
+          <a:ln>
+            <a:noFill/>
+          </a:ln>
+        </p:spPr>
+        <p:style>
+          <a:lnRef idx="2">
+            <a:schemeClr val="dk1"/>
+          </a:lnRef>
+          <a:fillRef idx="1">
+            <a:schemeClr val="lt1"/>
+          </a:fillRef>
+          <a:effectRef idx="0">
+            <a:schemeClr val="dk1"/>
+          </a:effectRef>
+          <a:fontRef idx="minor">
+            <a:schemeClr val="dk1"/>
+          </a:fontRef>
+        </p:style>
+        <p:txBody>
+          <a:bodyPr rtlCol="0" anchor="ctr"/>
+          <a:lstStyle/>
+          <a:p>
+            <a:pPr algn="ctr"/>
+            <a:r>
+              <a:rPr kumimoji="1" lang="en-US" altLang="ko-Kore-KR" dirty="0"/>
+              <a:t>p  + 2</a:t>
+            </a:r>
+            <a:endParaRPr kumimoji="1" lang="ko-Kore-KR" altLang="en-US" dirty="0"/>
+          </a:p>
+        </p:txBody>
+      </p:sp>
+      <p:cxnSp>
+        <p:nvCxnSpPr>
+          <p:cNvPr id="40" name="구부러진 연결선[U] 39">
+            <a:extLst>
+              <a:ext uri="{FF2B5EF4-FFF2-40B4-BE49-F238E27FC236}">
+                <a16:creationId xmlns:a16="http://schemas.microsoft.com/office/drawing/2014/main" id="{1F21BED1-5619-B441-9BA5-EBC00E1C4A17}"/>
+              </a:ext>
+            </a:extLst>
+          </p:cNvPr>
+          <p:cNvCxnSpPr>
+            <a:cxnSpLocks/>
+            <a:stCxn id="38" idx="3"/>
+          </p:cNvCxnSpPr>
+          <p:nvPr/>
+        </p:nvCxnSpPr>
+        <p:spPr>
+          <a:xfrm flipH="1" flipV="1">
+            <a:off x="7006446" y="2768317"/>
+            <a:ext cx="998482" cy="2795503"/>
+          </a:xfrm>
+          <a:prstGeom prst="curvedConnector4">
+            <a:avLst>
+              <a:gd name="adj1" fmla="val -22895"/>
+              <a:gd name="adj2" fmla="val 55640"/>
+            </a:avLst>
+          </a:prstGeom>
+          <a:ln>
+            <a:tailEnd type="triangle"/>
+          </a:ln>
+        </p:spPr>
+        <p:style>
+          <a:lnRef idx="1">
+            <a:schemeClr val="dk1"/>
+          </a:lnRef>
+          <a:fillRef idx="0">
+            <a:schemeClr val="dk1"/>
+          </a:fillRef>
+          <a:effectRef idx="0">
+            <a:schemeClr val="dk1"/>
+          </a:effectRef>
+          <a:fontRef idx="minor">
+            <a:schemeClr val="tx1"/>
+          </a:fontRef>
+        </p:style>
+      </p:cxnSp>
+      <p:sp>
+        <p:nvSpPr>
+          <p:cNvPr id="41" name="직사각형 40">
+            <a:extLst>
+              <a:ext uri="{FF2B5EF4-FFF2-40B4-BE49-F238E27FC236}">
+                <a16:creationId xmlns:a16="http://schemas.microsoft.com/office/drawing/2014/main" id="{E872BFCE-BC56-4B4C-8870-FE320C34403F}"/>
+              </a:ext>
+            </a:extLst>
+          </p:cNvPr>
+          <p:cNvSpPr/>
+          <p:nvPr/>
+        </p:nvSpPr>
+        <p:spPr>
+          <a:xfrm>
+            <a:off x="6025247" y="6089586"/>
+            <a:ext cx="3020205" cy="646331"/>
+          </a:xfrm>
+          <a:prstGeom prst="rect">
+            <a:avLst/>
+          </a:prstGeom>
+        </p:spPr>
+        <p:txBody>
+          <a:bodyPr wrap="square">
+            <a:spAutoFit/>
+          </a:bodyPr>
+          <a:lstStyle/>
+          <a:p>
+            <a:r>
+              <a:rPr lang="en" altLang="ko-Kore-KR" b="0" dirty="0">
+                <a:solidFill>
+                  <a:srgbClr val="008000"/>
+                </a:solidFill>
+                <a:effectLst/>
+                <a:latin typeface="DM Mono" panose="020B0509040201040103" pitchFamily="49" charset="0"/>
+              </a:rPr>
+              <a:t>// int* p = &amp;x[0];</a:t>
+            </a:r>
+            <a:endParaRPr lang="en" altLang="ko-Kore-KR" b="0" dirty="0">
+              <a:solidFill>
+                <a:srgbClr val="000000"/>
+              </a:solidFill>
+              <a:effectLst/>
+              <a:latin typeface="DM Mono" panose="020B0509040201040103" pitchFamily="49" charset="0"/>
+            </a:endParaRPr>
+          </a:p>
+          <a:p>
+            <a:r>
+              <a:rPr lang="en" altLang="ko-Kore-KR" b="0" dirty="0">
+                <a:solidFill>
+                  <a:srgbClr val="0000FF"/>
+                </a:solidFill>
+                <a:effectLst/>
+                <a:latin typeface="DM Mono" panose="020B0509040201040103" pitchFamily="49" charset="0"/>
+              </a:rPr>
+              <a:t>int</a:t>
+            </a:r>
+            <a:r>
+              <a:rPr lang="en" altLang="ko-Kore-KR" b="0" dirty="0">
+                <a:solidFill>
+                  <a:srgbClr val="000000"/>
+                </a:solidFill>
+                <a:effectLst/>
+                <a:latin typeface="DM Mono" panose="020B0509040201040103" pitchFamily="49" charset="0"/>
+              </a:rPr>
+              <a:t>* p = x;</a:t>
+            </a:r>
+          </a:p>
+        </p:txBody>
+      </p:sp>
+    </p:spTree>
+    <p:extLst>
+      <p:ext uri="{BB962C8B-B14F-4D97-AF65-F5344CB8AC3E}">
+        <p14:creationId xmlns:p14="http://schemas.microsoft.com/office/powerpoint/2010/main" val="52828557"/>
+      </p:ext>
+    </p:extLst>
+  </p:cSld>
+  <p:clrMapOvr>
+    <a:masterClrMapping/>
+  </p:clrMapOvr>
+</p:sld>
+</file>
+
+<file path=ppt/slides/slide4.xml><?xml version="1.0" encoding="utf-8"?>
+<p:sld xmlns:a="http://schemas.openxmlformats.org/drawingml/2006/main" xmlns:r="http://schemas.openxmlformats.org/officeDocument/2006/relationships" xmlns:p="http://schemas.openxmlformats.org/presentationml/2006/main">
+  <p:cSld>
+    <p:spTree>
+      <p:nvGrpSpPr>
+        <p:cNvPr id="1" name=""/>
+        <p:cNvGrpSpPr/>
+        <p:nvPr/>
+      </p:nvGrpSpPr>
+      <p:grpSpPr>
+        <a:xfrm>
+          <a:off x="0" y="0"/>
+          <a:ext cx="0" cy="0"/>
+          <a:chOff x="0" y="0"/>
+          <a:chExt cx="0" cy="0"/>
+        </a:xfrm>
+      </p:grpSpPr>
+      <p:sp>
+        <p:nvSpPr>
+          <p:cNvPr id="4" name="직사각형 3">
+            <a:extLst>
+              <a:ext uri="{FF2B5EF4-FFF2-40B4-BE49-F238E27FC236}">
+                <a16:creationId xmlns:a16="http://schemas.microsoft.com/office/drawing/2014/main" id="{62A71D21-8915-9B43-AF24-3A62D4392AC1}"/>
+              </a:ext>
+            </a:extLst>
+          </p:cNvPr>
+          <p:cNvSpPr/>
+          <p:nvPr/>
+        </p:nvSpPr>
+        <p:spPr>
+          <a:xfrm>
+            <a:off x="399674" y="375010"/>
+            <a:ext cx="4182555" cy="369332"/>
+          </a:xfrm>
+          <a:prstGeom prst="rect">
+            <a:avLst/>
+          </a:prstGeom>
+        </p:spPr>
+        <p:txBody>
+          <a:bodyPr wrap="none">
+            <a:spAutoFit/>
+          </a:bodyPr>
+          <a:lstStyle/>
+          <a:p>
+            <a:r>
+              <a:rPr lang="en" altLang="ko-Kore-KR" b="0" dirty="0">
+                <a:solidFill>
+                  <a:srgbClr val="0000FF"/>
+                </a:solidFill>
+                <a:effectLst/>
+                <a:latin typeface="DM Mono" panose="020B0509040201040103" pitchFamily="49" charset="0"/>
+              </a:rPr>
+              <a:t>int</a:t>
+            </a:r>
+            <a:r>
+              <a:rPr lang="en" altLang="ko-Kore-KR" b="0" dirty="0">
+                <a:solidFill>
+                  <a:srgbClr val="000000"/>
+                </a:solidFill>
+                <a:effectLst/>
+                <a:latin typeface="DM Mono" panose="020B0509040201040103" pitchFamily="49" charset="0"/>
+              </a:rPr>
+              <a:t> x[5] = { 1, 2, 3, 4, 5 };</a:t>
+            </a:r>
+          </a:p>
+        </p:txBody>
+      </p:sp>
+      <p:sp>
+        <p:nvSpPr>
+          <p:cNvPr id="5" name="직사각형 4">
+            <a:extLst>
+              <a:ext uri="{FF2B5EF4-FFF2-40B4-BE49-F238E27FC236}">
+                <a16:creationId xmlns:a16="http://schemas.microsoft.com/office/drawing/2014/main" id="{39EF0AB8-16C3-7442-A5FF-435F3C7BB3D6}"/>
+              </a:ext>
+            </a:extLst>
+          </p:cNvPr>
+          <p:cNvSpPr/>
+          <p:nvPr/>
+        </p:nvSpPr>
+        <p:spPr>
+          <a:xfrm>
+            <a:off x="1082565" y="1453056"/>
+            <a:ext cx="620111" cy="630620"/>
+          </a:xfrm>
+          <a:prstGeom prst="rect">
+            <a:avLst/>
+          </a:prstGeom>
+        </p:spPr>
+        <p:style>
+          <a:lnRef idx="2">
+            <a:schemeClr val="dk1"/>
+          </a:lnRef>
+          <a:fillRef idx="1">
+            <a:schemeClr val="lt1"/>
+          </a:fillRef>
+          <a:effectRef idx="0">
+            <a:schemeClr val="dk1"/>
+          </a:effectRef>
+          <a:fontRef idx="minor">
+            <a:schemeClr val="dk1"/>
+          </a:fontRef>
+        </p:style>
+        <p:txBody>
+          <a:bodyPr rtlCol="0" anchor="ctr"/>
+          <a:lstStyle/>
+          <a:p>
+            <a:pPr algn="ctr"/>
+            <a:r>
+              <a:rPr kumimoji="1" lang="en-US" altLang="ko-Kore-KR" dirty="0"/>
+              <a:t>1</a:t>
+            </a:r>
+            <a:endParaRPr kumimoji="1" lang="ko-Kore-KR" altLang="en-US" dirty="0"/>
+          </a:p>
+        </p:txBody>
+      </p:sp>
+      <p:sp>
+        <p:nvSpPr>
+          <p:cNvPr id="6" name="직사각형 5">
+            <a:extLst>
+              <a:ext uri="{FF2B5EF4-FFF2-40B4-BE49-F238E27FC236}">
+                <a16:creationId xmlns:a16="http://schemas.microsoft.com/office/drawing/2014/main" id="{E91565D6-C387-6B41-B064-D32CB32C4D77}"/>
+              </a:ext>
+            </a:extLst>
+          </p:cNvPr>
+          <p:cNvSpPr/>
+          <p:nvPr/>
+        </p:nvSpPr>
+        <p:spPr>
+          <a:xfrm>
+            <a:off x="1702676" y="1453056"/>
+            <a:ext cx="620111" cy="630620"/>
+          </a:xfrm>
+          <a:prstGeom prst="rect">
+            <a:avLst/>
+          </a:prstGeom>
+        </p:spPr>
+        <p:style>
+          <a:lnRef idx="2">
+            <a:schemeClr val="dk1"/>
+          </a:lnRef>
+          <a:fillRef idx="1">
+            <a:schemeClr val="lt1"/>
+          </a:fillRef>
+          <a:effectRef idx="0">
+            <a:schemeClr val="dk1"/>
+          </a:effectRef>
+          <a:fontRef idx="minor">
+            <a:schemeClr val="dk1"/>
+          </a:fontRef>
+        </p:style>
+        <p:txBody>
+          <a:bodyPr rtlCol="0" anchor="ctr"/>
+          <a:lstStyle/>
+          <a:p>
+            <a:pPr algn="ctr"/>
+            <a:r>
+              <a:rPr kumimoji="1" lang="en-US" altLang="ko-Kore-KR" dirty="0"/>
+              <a:t>2</a:t>
+            </a:r>
+            <a:endParaRPr kumimoji="1" lang="ko-Kore-KR" altLang="en-US" dirty="0"/>
+          </a:p>
+        </p:txBody>
+      </p:sp>
+      <p:sp>
+        <p:nvSpPr>
+          <p:cNvPr id="7" name="직사각형 6">
+            <a:extLst>
+              <a:ext uri="{FF2B5EF4-FFF2-40B4-BE49-F238E27FC236}">
+                <a16:creationId xmlns:a16="http://schemas.microsoft.com/office/drawing/2014/main" id="{664F4A7D-3D66-0349-86A6-80DEE89E6242}"/>
+              </a:ext>
+            </a:extLst>
+          </p:cNvPr>
+          <p:cNvSpPr/>
+          <p:nvPr/>
+        </p:nvSpPr>
+        <p:spPr>
+          <a:xfrm>
+            <a:off x="2322787" y="1453056"/>
+            <a:ext cx="620111" cy="630620"/>
+          </a:xfrm>
+          <a:prstGeom prst="rect">
+            <a:avLst/>
+          </a:prstGeom>
+          <a:solidFill>
+            <a:srgbClr val="FFFF00"/>
+          </a:solidFill>
+        </p:spPr>
+        <p:style>
+          <a:lnRef idx="2">
+            <a:schemeClr val="dk1"/>
+          </a:lnRef>
+          <a:fillRef idx="1">
+            <a:schemeClr val="lt1"/>
+          </a:fillRef>
+          <a:effectRef idx="0">
+            <a:schemeClr val="dk1"/>
+          </a:effectRef>
+          <a:fontRef idx="minor">
+            <a:schemeClr val="dk1"/>
+          </a:fontRef>
+        </p:style>
+        <p:txBody>
+          <a:bodyPr rtlCol="0" anchor="ctr"/>
+          <a:lstStyle/>
+          <a:p>
+            <a:pPr algn="ctr"/>
+            <a:r>
+              <a:rPr kumimoji="1" lang="en-US" altLang="ko-Kore-KR" dirty="0">
+                <a:solidFill>
+                  <a:srgbClr val="FF0000"/>
+                </a:solidFill>
+              </a:rPr>
+              <a:t>150</a:t>
+            </a:r>
+            <a:endParaRPr kumimoji="1" lang="ko-Kore-KR" altLang="en-US" dirty="0">
+              <a:solidFill>
+                <a:srgbClr val="FF0000"/>
+              </a:solidFill>
+            </a:endParaRPr>
+          </a:p>
+        </p:txBody>
+      </p:sp>
+      <p:sp>
+        <p:nvSpPr>
+          <p:cNvPr id="8" name="직사각형 7">
+            <a:extLst>
+              <a:ext uri="{FF2B5EF4-FFF2-40B4-BE49-F238E27FC236}">
+                <a16:creationId xmlns:a16="http://schemas.microsoft.com/office/drawing/2014/main" id="{FFBA28A4-8E1C-614F-A296-178B64B38106}"/>
+              </a:ext>
+            </a:extLst>
+          </p:cNvPr>
+          <p:cNvSpPr/>
+          <p:nvPr/>
+        </p:nvSpPr>
+        <p:spPr>
+          <a:xfrm>
+            <a:off x="2942898" y="1453056"/>
+            <a:ext cx="620111" cy="630620"/>
+          </a:xfrm>
+          <a:prstGeom prst="rect">
+            <a:avLst/>
+          </a:prstGeom>
+        </p:spPr>
+        <p:style>
+          <a:lnRef idx="2">
+            <a:schemeClr val="dk1"/>
+          </a:lnRef>
+          <a:fillRef idx="1">
+            <a:schemeClr val="lt1"/>
+          </a:fillRef>
+          <a:effectRef idx="0">
+            <a:schemeClr val="dk1"/>
+          </a:effectRef>
+          <a:fontRef idx="minor">
+            <a:schemeClr val="dk1"/>
+          </a:fontRef>
+        </p:style>
+        <p:txBody>
+          <a:bodyPr rtlCol="0" anchor="ctr"/>
+          <a:lstStyle/>
+          <a:p>
+            <a:pPr algn="ctr"/>
+            <a:r>
+              <a:rPr kumimoji="1" lang="en-US" altLang="ko-Kore-KR" dirty="0"/>
+              <a:t>4</a:t>
+            </a:r>
+            <a:endParaRPr kumimoji="1" lang="ko-Kore-KR" altLang="en-US" dirty="0"/>
+          </a:p>
+        </p:txBody>
+      </p:sp>
+      <p:sp>
+        <p:nvSpPr>
+          <p:cNvPr id="9" name="직사각형 8">
+            <a:extLst>
+              <a:ext uri="{FF2B5EF4-FFF2-40B4-BE49-F238E27FC236}">
+                <a16:creationId xmlns:a16="http://schemas.microsoft.com/office/drawing/2014/main" id="{F372369F-56F6-B04A-90EB-AEE9DF2F3D22}"/>
+              </a:ext>
+            </a:extLst>
+          </p:cNvPr>
+          <p:cNvSpPr/>
+          <p:nvPr/>
+        </p:nvSpPr>
+        <p:spPr>
+          <a:xfrm>
+            <a:off x="3563009" y="1453056"/>
+            <a:ext cx="620111" cy="630620"/>
+          </a:xfrm>
+          <a:prstGeom prst="rect">
+            <a:avLst/>
+          </a:prstGeom>
+        </p:spPr>
+        <p:style>
+          <a:lnRef idx="2">
+            <a:schemeClr val="dk1"/>
+          </a:lnRef>
+          <a:fillRef idx="1">
+            <a:schemeClr val="lt1"/>
+          </a:fillRef>
+          <a:effectRef idx="0">
+            <a:schemeClr val="dk1"/>
+          </a:effectRef>
+          <a:fontRef idx="minor">
+            <a:schemeClr val="dk1"/>
+          </a:fontRef>
+        </p:style>
+        <p:txBody>
+          <a:bodyPr rtlCol="0" anchor="ctr"/>
+          <a:lstStyle/>
+          <a:p>
+            <a:pPr algn="ctr"/>
+            <a:r>
+              <a:rPr kumimoji="1" lang="en-US" altLang="ko-Kore-KR" dirty="0"/>
+              <a:t>5</a:t>
+            </a:r>
+            <a:endParaRPr kumimoji="1" lang="ko-Kore-KR" altLang="en-US" dirty="0"/>
+          </a:p>
+        </p:txBody>
+      </p:sp>
+      <p:sp>
+        <p:nvSpPr>
+          <p:cNvPr id="10" name="직사각형 9">
+            <a:extLst>
+              <a:ext uri="{FF2B5EF4-FFF2-40B4-BE49-F238E27FC236}">
+                <a16:creationId xmlns:a16="http://schemas.microsoft.com/office/drawing/2014/main" id="{EDF33C1B-9C9E-6C43-96AA-2C661FD063E5}"/>
+              </a:ext>
+            </a:extLst>
+          </p:cNvPr>
+          <p:cNvSpPr/>
+          <p:nvPr/>
+        </p:nvSpPr>
+        <p:spPr>
+          <a:xfrm>
+            <a:off x="658826" y="1583700"/>
+            <a:ext cx="322524" cy="369332"/>
+          </a:xfrm>
+          <a:prstGeom prst="rect">
+            <a:avLst/>
+          </a:prstGeom>
+        </p:spPr>
+        <p:txBody>
+          <a:bodyPr wrap="none">
+            <a:spAutoFit/>
+          </a:bodyPr>
+          <a:lstStyle/>
+          <a:p>
+            <a:r>
+              <a:rPr lang="en" altLang="ko-Kore-KR" b="0" dirty="0">
+                <a:solidFill>
+                  <a:srgbClr val="000000"/>
+                </a:solidFill>
+                <a:effectLst/>
+                <a:latin typeface="DM Mono" panose="020B0509040201040103" pitchFamily="49" charset="0"/>
+              </a:rPr>
+              <a:t>x</a:t>
+            </a:r>
+            <a:endParaRPr lang="ko-Kore-KR" altLang="en-US" dirty="0"/>
+          </a:p>
+        </p:txBody>
+      </p:sp>
+      <p:sp>
+        <p:nvSpPr>
+          <p:cNvPr id="11" name="직사각형 10">
+            <a:extLst>
+              <a:ext uri="{FF2B5EF4-FFF2-40B4-BE49-F238E27FC236}">
+                <a16:creationId xmlns:a16="http://schemas.microsoft.com/office/drawing/2014/main" id="{59C19197-B684-8B46-BACA-5A9984C6E397}"/>
+              </a:ext>
+            </a:extLst>
+          </p:cNvPr>
+          <p:cNvSpPr/>
+          <p:nvPr/>
+        </p:nvSpPr>
+        <p:spPr>
+          <a:xfrm>
+            <a:off x="743347" y="1083724"/>
+            <a:ext cx="598241" cy="369332"/>
+          </a:xfrm>
+          <a:prstGeom prst="rect">
+            <a:avLst/>
+          </a:prstGeom>
+        </p:spPr>
+        <p:txBody>
+          <a:bodyPr wrap="none">
+            <a:spAutoFit/>
+          </a:bodyPr>
+          <a:lstStyle/>
+          <a:p>
+            <a:r>
+              <a:rPr lang="en" altLang="ko-Kore-KR" b="0" dirty="0">
+                <a:solidFill>
+                  <a:srgbClr val="000000"/>
+                </a:solidFill>
+                <a:effectLst/>
+                <a:latin typeface="DM Mono" panose="020B0509040201040103" pitchFamily="49" charset="0"/>
+              </a:rPr>
+              <a:t>100</a:t>
+            </a:r>
+            <a:endParaRPr lang="ko-Kore-KR" altLang="en-US" dirty="0"/>
+          </a:p>
+        </p:txBody>
+      </p:sp>
+      <p:sp>
+        <p:nvSpPr>
+          <p:cNvPr id="12" name="직사각형 11">
+            <a:extLst>
+              <a:ext uri="{FF2B5EF4-FFF2-40B4-BE49-F238E27FC236}">
+                <a16:creationId xmlns:a16="http://schemas.microsoft.com/office/drawing/2014/main" id="{5F0B2F15-676C-1144-86F0-9CC8C772E4C2}"/>
+              </a:ext>
+            </a:extLst>
+          </p:cNvPr>
+          <p:cNvSpPr/>
+          <p:nvPr/>
+        </p:nvSpPr>
+        <p:spPr>
+          <a:xfrm>
+            <a:off x="1629103" y="4563868"/>
+            <a:ext cx="1692166" cy="630620"/>
+          </a:xfrm>
+          <a:prstGeom prst="rect">
+            <a:avLst/>
+          </a:prstGeom>
+        </p:spPr>
+        <p:style>
+          <a:lnRef idx="2">
+            <a:schemeClr val="dk1"/>
+          </a:lnRef>
+          <a:fillRef idx="1">
+            <a:schemeClr val="lt1"/>
+          </a:fillRef>
+          <a:effectRef idx="0">
+            <a:schemeClr val="dk1"/>
+          </a:effectRef>
+          <a:fontRef idx="minor">
+            <a:schemeClr val="dk1"/>
+          </a:fontRef>
+        </p:style>
+        <p:txBody>
+          <a:bodyPr rtlCol="0" anchor="ctr"/>
+          <a:lstStyle/>
+          <a:p>
+            <a:pPr algn="ctr"/>
+            <a:r>
+              <a:rPr lang="en-US" altLang="ko-Kore-KR" dirty="0">
+                <a:solidFill>
+                  <a:srgbClr val="FF0000"/>
+                </a:solidFill>
+              </a:rPr>
+              <a:t>100</a:t>
+            </a:r>
+            <a:endParaRPr kumimoji="1" lang="ko-Kore-KR" altLang="en-US" dirty="0">
+              <a:solidFill>
+                <a:srgbClr val="FF0000"/>
+              </a:solidFill>
+            </a:endParaRPr>
+          </a:p>
+        </p:txBody>
+      </p:sp>
+      <p:sp>
+        <p:nvSpPr>
+          <p:cNvPr id="13" name="직사각형 12">
+            <a:extLst>
+              <a:ext uri="{FF2B5EF4-FFF2-40B4-BE49-F238E27FC236}">
+                <a16:creationId xmlns:a16="http://schemas.microsoft.com/office/drawing/2014/main" id="{095CDBBB-B4E3-A64D-B960-97FA9EF52B52}"/>
+              </a:ext>
+            </a:extLst>
+          </p:cNvPr>
+          <p:cNvSpPr/>
+          <p:nvPr/>
+        </p:nvSpPr>
+        <p:spPr>
+          <a:xfrm>
+            <a:off x="814549" y="4749112"/>
+            <a:ext cx="814553" cy="260131"/>
+          </a:xfrm>
+          <a:prstGeom prst="rect">
+            <a:avLst/>
+          </a:prstGeom>
+          <a:ln>
+            <a:noFill/>
+          </a:ln>
+        </p:spPr>
+        <p:style>
+          <a:lnRef idx="2">
+            <a:schemeClr val="dk1"/>
+          </a:lnRef>
+          <a:fillRef idx="1">
+            <a:schemeClr val="lt1"/>
+          </a:fillRef>
+          <a:effectRef idx="0">
+            <a:schemeClr val="dk1"/>
+          </a:effectRef>
+          <a:fontRef idx="minor">
+            <a:schemeClr val="dk1"/>
+          </a:fontRef>
+        </p:style>
+        <p:txBody>
+          <a:bodyPr rtlCol="0" anchor="ctr"/>
+          <a:lstStyle/>
+          <a:p>
+            <a:pPr algn="ctr"/>
+            <a:r>
+              <a:rPr kumimoji="1" lang="en-US" altLang="ko-Kore-KR" dirty="0"/>
+              <a:t>p</a:t>
+            </a:r>
+            <a:endParaRPr kumimoji="1" lang="ko-Kore-KR" altLang="en-US" dirty="0"/>
+          </a:p>
+        </p:txBody>
+      </p:sp>
+      <p:cxnSp>
+        <p:nvCxnSpPr>
+          <p:cNvPr id="14" name="구부러진 연결선[U] 13">
+            <a:extLst>
+              <a:ext uri="{FF2B5EF4-FFF2-40B4-BE49-F238E27FC236}">
+                <a16:creationId xmlns:a16="http://schemas.microsoft.com/office/drawing/2014/main" id="{53A89820-56E3-5849-A360-2F60F8A46719}"/>
+              </a:ext>
+            </a:extLst>
+          </p:cNvPr>
+          <p:cNvCxnSpPr>
+            <a:cxnSpLocks/>
+            <a:stCxn id="12" idx="3"/>
+          </p:cNvCxnSpPr>
+          <p:nvPr/>
+        </p:nvCxnSpPr>
+        <p:spPr>
+          <a:xfrm flipH="1" flipV="1">
+            <a:off x="1082565" y="2083676"/>
+            <a:ext cx="2238704" cy="2795502"/>
+          </a:xfrm>
+          <a:prstGeom prst="curvedConnector4">
+            <a:avLst>
+              <a:gd name="adj1" fmla="val -10211"/>
+              <a:gd name="adj2" fmla="val 55640"/>
+            </a:avLst>
+          </a:prstGeom>
+          <a:ln>
+            <a:tailEnd type="triangle"/>
+          </a:ln>
+        </p:spPr>
+        <p:style>
+          <a:lnRef idx="1">
+            <a:schemeClr val="dk1"/>
+          </a:lnRef>
+          <a:fillRef idx="0">
+            <a:schemeClr val="dk1"/>
+          </a:fillRef>
+          <a:effectRef idx="0">
+            <a:schemeClr val="dk1"/>
+          </a:effectRef>
+          <a:fontRef idx="minor">
+            <a:schemeClr val="tx1"/>
+          </a:fontRef>
+        </p:style>
+      </p:cxnSp>
+      <p:sp>
+        <p:nvSpPr>
+          <p:cNvPr id="16" name="직사각형 15">
+            <a:extLst>
+              <a:ext uri="{FF2B5EF4-FFF2-40B4-BE49-F238E27FC236}">
+                <a16:creationId xmlns:a16="http://schemas.microsoft.com/office/drawing/2014/main" id="{DCFC3EF8-059D-824E-974D-7E6EDC3E40BF}"/>
+              </a:ext>
+            </a:extLst>
+          </p:cNvPr>
+          <p:cNvSpPr/>
+          <p:nvPr/>
+        </p:nvSpPr>
+        <p:spPr>
+          <a:xfrm>
+            <a:off x="1341588" y="5404944"/>
+            <a:ext cx="3020205" cy="646331"/>
+          </a:xfrm>
+          <a:prstGeom prst="rect">
+            <a:avLst/>
+          </a:prstGeom>
+        </p:spPr>
+        <p:txBody>
+          <a:bodyPr wrap="square">
+            <a:spAutoFit/>
+          </a:bodyPr>
+          <a:lstStyle/>
+          <a:p>
+            <a:r>
+              <a:rPr lang="en" altLang="ko-Kore-KR" b="0" dirty="0">
+                <a:solidFill>
+                  <a:srgbClr val="008000"/>
+                </a:solidFill>
+                <a:effectLst/>
+                <a:latin typeface="DM Mono" panose="020B0509040201040103" pitchFamily="49" charset="0"/>
+              </a:rPr>
+              <a:t>// int* p = &amp;x[0];</a:t>
+            </a:r>
+            <a:endParaRPr lang="en" altLang="ko-Kore-KR" b="0" dirty="0">
+              <a:solidFill>
+                <a:srgbClr val="000000"/>
+              </a:solidFill>
+              <a:effectLst/>
+              <a:latin typeface="DM Mono" panose="020B0509040201040103" pitchFamily="49" charset="0"/>
+            </a:endParaRPr>
+          </a:p>
+          <a:p>
+            <a:r>
+              <a:rPr lang="en" altLang="ko-Kore-KR" b="0" dirty="0">
+                <a:solidFill>
+                  <a:srgbClr val="0000FF"/>
+                </a:solidFill>
+                <a:effectLst/>
+                <a:latin typeface="DM Mono" panose="020B0509040201040103" pitchFamily="49" charset="0"/>
+              </a:rPr>
+              <a:t>int</a:t>
+            </a:r>
+            <a:r>
+              <a:rPr lang="en" altLang="ko-Kore-KR" b="0" dirty="0">
+                <a:solidFill>
+                  <a:srgbClr val="000000"/>
+                </a:solidFill>
+                <a:effectLst/>
+                <a:latin typeface="DM Mono" panose="020B0509040201040103" pitchFamily="49" charset="0"/>
+              </a:rPr>
+              <a:t>* p = x;</a:t>
+            </a:r>
+          </a:p>
+        </p:txBody>
+      </p:sp>
+      <p:sp>
+        <p:nvSpPr>
+          <p:cNvPr id="29" name="직사각형 28">
+            <a:extLst>
+              <a:ext uri="{FF2B5EF4-FFF2-40B4-BE49-F238E27FC236}">
+                <a16:creationId xmlns:a16="http://schemas.microsoft.com/office/drawing/2014/main" id="{3807C161-17E5-1A46-968B-8C7F231FD2CF}"/>
+              </a:ext>
+            </a:extLst>
+          </p:cNvPr>
+          <p:cNvSpPr/>
+          <p:nvPr/>
+        </p:nvSpPr>
+        <p:spPr>
+          <a:xfrm>
+            <a:off x="6096000" y="4563868"/>
+            <a:ext cx="1692166" cy="630620"/>
+          </a:xfrm>
+          <a:prstGeom prst="rect">
+            <a:avLst/>
+          </a:prstGeom>
+        </p:spPr>
+        <p:style>
+          <a:lnRef idx="2">
+            <a:schemeClr val="dk1"/>
+          </a:lnRef>
+          <a:fillRef idx="1">
+            <a:schemeClr val="lt1"/>
+          </a:fillRef>
+          <a:effectRef idx="0">
+            <a:schemeClr val="dk1"/>
+          </a:effectRef>
+          <a:fontRef idx="minor">
+            <a:schemeClr val="dk1"/>
+          </a:fontRef>
+        </p:style>
+        <p:txBody>
+          <a:bodyPr rtlCol="0" anchor="ctr"/>
+          <a:lstStyle/>
+          <a:p>
+            <a:pPr algn="ctr"/>
+            <a:r>
+              <a:rPr kumimoji="1" lang="en-US" altLang="ko-Kore-KR" dirty="0">
+                <a:solidFill>
+                  <a:srgbClr val="FF0000"/>
+                </a:solidFill>
+              </a:rPr>
+              <a:t>112</a:t>
+            </a:r>
+            <a:endParaRPr kumimoji="1" lang="ko-Kore-KR" altLang="en-US" dirty="0">
+              <a:solidFill>
+                <a:srgbClr val="FF0000"/>
+              </a:solidFill>
+            </a:endParaRPr>
+          </a:p>
+        </p:txBody>
+      </p:sp>
+      <p:sp>
+        <p:nvSpPr>
+          <p:cNvPr id="30" name="직사각형 29">
+            <a:extLst>
+              <a:ext uri="{FF2B5EF4-FFF2-40B4-BE49-F238E27FC236}">
+                <a16:creationId xmlns:a16="http://schemas.microsoft.com/office/drawing/2014/main" id="{3981BA2C-8D03-4D4E-A9BF-19D2CBE504DF}"/>
+              </a:ext>
+            </a:extLst>
+          </p:cNvPr>
+          <p:cNvSpPr/>
+          <p:nvPr/>
+        </p:nvSpPr>
+        <p:spPr>
+          <a:xfrm>
+            <a:off x="5281446" y="4749112"/>
+            <a:ext cx="814553" cy="260131"/>
+          </a:xfrm>
+          <a:prstGeom prst="rect">
+            <a:avLst/>
+          </a:prstGeom>
+          <a:ln>
+            <a:noFill/>
+          </a:ln>
+        </p:spPr>
+        <p:style>
+          <a:lnRef idx="2">
+            <a:schemeClr val="dk1"/>
+          </a:lnRef>
+          <a:fillRef idx="1">
+            <a:schemeClr val="lt1"/>
+          </a:fillRef>
+          <a:effectRef idx="0">
+            <a:schemeClr val="dk1"/>
+          </a:effectRef>
+          <a:fontRef idx="minor">
+            <a:schemeClr val="dk1"/>
+          </a:fontRef>
+        </p:style>
+        <p:txBody>
+          <a:bodyPr rtlCol="0" anchor="ctr"/>
+          <a:lstStyle/>
+          <a:p>
+            <a:pPr algn="ctr"/>
+            <a:r>
+              <a:rPr kumimoji="1" lang="en-US" altLang="ko-Kore-KR" dirty="0"/>
+              <a:t>p2</a:t>
+            </a:r>
+            <a:endParaRPr kumimoji="1" lang="ko-Kore-KR" altLang="en-US" dirty="0"/>
+          </a:p>
+        </p:txBody>
+      </p:sp>
+      <p:sp>
+        <p:nvSpPr>
+          <p:cNvPr id="42" name="직사각형 41">
+            <a:extLst>
+              <a:ext uri="{FF2B5EF4-FFF2-40B4-BE49-F238E27FC236}">
+                <a16:creationId xmlns:a16="http://schemas.microsoft.com/office/drawing/2014/main" id="{3A2E82F6-0DC2-544F-AA8E-666F630105C0}"/>
+              </a:ext>
+            </a:extLst>
+          </p:cNvPr>
+          <p:cNvSpPr/>
+          <p:nvPr/>
+        </p:nvSpPr>
+        <p:spPr>
+          <a:xfrm>
+            <a:off x="5808485" y="5404944"/>
+            <a:ext cx="3020205" cy="369332"/>
+          </a:xfrm>
+          <a:prstGeom prst="rect">
+            <a:avLst/>
+          </a:prstGeom>
+        </p:spPr>
+        <p:txBody>
+          <a:bodyPr wrap="square">
+            <a:spAutoFit/>
+          </a:bodyPr>
+          <a:lstStyle/>
+          <a:p>
+            <a:r>
+              <a:rPr lang="en" altLang="ko-Kore-KR" b="0" dirty="0">
+                <a:solidFill>
+                  <a:srgbClr val="0000FF"/>
+                </a:solidFill>
+                <a:effectLst/>
+                <a:latin typeface="DM Mono" panose="020B0509040201040103" pitchFamily="49" charset="0"/>
+              </a:rPr>
+              <a:t>int</a:t>
+            </a:r>
+            <a:r>
+              <a:rPr lang="en" altLang="ko-Kore-KR" b="0" dirty="0">
+                <a:solidFill>
+                  <a:srgbClr val="000000"/>
+                </a:solidFill>
+                <a:effectLst/>
+                <a:latin typeface="DM Mono" panose="020B0509040201040103" pitchFamily="49" charset="0"/>
+              </a:rPr>
+              <a:t>* p2 = x + 3;</a:t>
+            </a:r>
+          </a:p>
+        </p:txBody>
+      </p:sp>
+      <p:cxnSp>
+        <p:nvCxnSpPr>
+          <p:cNvPr id="43" name="구부러진 연결선[U] 42">
+            <a:extLst>
+              <a:ext uri="{FF2B5EF4-FFF2-40B4-BE49-F238E27FC236}">
+                <a16:creationId xmlns:a16="http://schemas.microsoft.com/office/drawing/2014/main" id="{1EB7C9BC-15FC-034C-8979-2DFADE292AFE}"/>
+              </a:ext>
+            </a:extLst>
+          </p:cNvPr>
+          <p:cNvCxnSpPr>
+            <a:cxnSpLocks/>
+            <a:stCxn id="29" idx="0"/>
+            <a:endCxn id="8" idx="1"/>
+          </p:cNvCxnSpPr>
+          <p:nvPr/>
+        </p:nvCxnSpPr>
+        <p:spPr>
+          <a:xfrm rot="16200000" flipV="1">
+            <a:off x="3544740" y="1166524"/>
+            <a:ext cx="2795502" cy="3999185"/>
+          </a:xfrm>
+          <a:prstGeom prst="curvedConnector4">
+            <a:avLst>
+              <a:gd name="adj1" fmla="val 44360"/>
+              <a:gd name="adj2" fmla="val 105716"/>
+            </a:avLst>
+          </a:prstGeom>
+          <a:ln>
+            <a:tailEnd type="triangle"/>
+          </a:ln>
+        </p:spPr>
+        <p:style>
+          <a:lnRef idx="1">
+            <a:schemeClr val="dk1"/>
+          </a:lnRef>
+          <a:fillRef idx="0">
+            <a:schemeClr val="dk1"/>
+          </a:fillRef>
+          <a:effectRef idx="0">
+            <a:schemeClr val="dk1"/>
+          </a:effectRef>
+          <a:fontRef idx="minor">
+            <a:schemeClr val="tx1"/>
+          </a:fontRef>
+        </p:style>
+      </p:cxnSp>
+      <p:sp>
+        <p:nvSpPr>
+          <p:cNvPr id="20" name="직사각형 19">
+            <a:extLst>
+              <a:ext uri="{FF2B5EF4-FFF2-40B4-BE49-F238E27FC236}">
+                <a16:creationId xmlns:a16="http://schemas.microsoft.com/office/drawing/2014/main" id="{24C28361-89F4-E547-8073-29CF263C769F}"/>
+              </a:ext>
+            </a:extLst>
+          </p:cNvPr>
+          <p:cNvSpPr/>
+          <p:nvPr/>
+        </p:nvSpPr>
+        <p:spPr>
+          <a:xfrm>
+            <a:off x="6096000" y="803361"/>
+            <a:ext cx="2732690" cy="646331"/>
+          </a:xfrm>
+          <a:prstGeom prst="rect">
+            <a:avLst/>
+          </a:prstGeom>
+        </p:spPr>
+        <p:txBody>
+          <a:bodyPr wrap="square">
+            <a:spAutoFit/>
+          </a:bodyPr>
+          <a:lstStyle/>
+          <a:p>
+            <a:r>
+              <a:rPr lang="en" altLang="ko-Kore-KR" b="0" dirty="0">
+                <a:solidFill>
+                  <a:srgbClr val="000000"/>
+                </a:solidFill>
+                <a:effectLst/>
+                <a:latin typeface="DM Mono" panose="020B0509040201040103" pitchFamily="49" charset="0"/>
+              </a:rPr>
+              <a:t>p2[-1] = 150;</a:t>
+            </a:r>
+          </a:p>
+          <a:p>
+            <a:r>
+              <a:rPr lang="en" altLang="ko-Kore-KR" b="0" dirty="0">
+                <a:solidFill>
+                  <a:srgbClr val="008000"/>
+                </a:solidFill>
+                <a:effectLst/>
+                <a:latin typeface="DM Mono" panose="020B0509040201040103" pitchFamily="49" charset="0"/>
+              </a:rPr>
+              <a:t>// *(p2 - 1) = 150</a:t>
+            </a:r>
+            <a:endParaRPr lang="en" altLang="ko-Kore-KR" b="0" dirty="0">
+              <a:solidFill>
+                <a:srgbClr val="000000"/>
+              </a:solidFill>
+              <a:effectLst/>
+              <a:latin typeface="DM Mono" panose="020B0509040201040103" pitchFamily="49" charset="0"/>
+            </a:endParaRPr>
+          </a:p>
+        </p:txBody>
+      </p:sp>
+      <p:sp>
+        <p:nvSpPr>
+          <p:cNvPr id="44" name="직사각형 43">
+            <a:extLst>
+              <a:ext uri="{FF2B5EF4-FFF2-40B4-BE49-F238E27FC236}">
+                <a16:creationId xmlns:a16="http://schemas.microsoft.com/office/drawing/2014/main" id="{FBEDCB02-AA85-B44F-BE8E-008701E65C76}"/>
+              </a:ext>
+            </a:extLst>
+          </p:cNvPr>
+          <p:cNvSpPr/>
+          <p:nvPr/>
+        </p:nvSpPr>
+        <p:spPr>
+          <a:xfrm>
+            <a:off x="7956334" y="2220187"/>
+            <a:ext cx="1692166" cy="630620"/>
+          </a:xfrm>
+          <a:prstGeom prst="rect">
+            <a:avLst/>
+          </a:prstGeom>
+        </p:spPr>
+        <p:style>
+          <a:lnRef idx="2">
+            <a:schemeClr val="dk1"/>
+          </a:lnRef>
+          <a:fillRef idx="1">
+            <a:schemeClr val="lt1"/>
+          </a:fillRef>
+          <a:effectRef idx="0">
+            <a:schemeClr val="dk1"/>
+          </a:effectRef>
+          <a:fontRef idx="minor">
+            <a:schemeClr val="dk1"/>
+          </a:fontRef>
+        </p:style>
+        <p:txBody>
+          <a:bodyPr rtlCol="0" anchor="ctr"/>
+          <a:lstStyle/>
+          <a:p>
+            <a:pPr algn="ctr"/>
+            <a:r>
+              <a:rPr kumimoji="1" lang="en-US" altLang="ko-Kore-KR" dirty="0">
+                <a:solidFill>
+                  <a:srgbClr val="FF0000"/>
+                </a:solidFill>
+              </a:rPr>
+              <a:t>108</a:t>
+            </a:r>
+            <a:endParaRPr kumimoji="1" lang="ko-Kore-KR" altLang="en-US" dirty="0">
+              <a:solidFill>
+                <a:srgbClr val="FF0000"/>
+              </a:solidFill>
+            </a:endParaRPr>
+          </a:p>
+        </p:txBody>
+      </p:sp>
+      <p:sp>
+        <p:nvSpPr>
+          <p:cNvPr id="45" name="직사각형 44">
+            <a:extLst>
+              <a:ext uri="{FF2B5EF4-FFF2-40B4-BE49-F238E27FC236}">
+                <a16:creationId xmlns:a16="http://schemas.microsoft.com/office/drawing/2014/main" id="{19E0A739-39A8-7B42-BC99-B8D86E0F522D}"/>
+              </a:ext>
+            </a:extLst>
+          </p:cNvPr>
+          <p:cNvSpPr/>
+          <p:nvPr/>
+        </p:nvSpPr>
+        <p:spPr>
+          <a:xfrm>
+            <a:off x="7141780" y="2405431"/>
+            <a:ext cx="814553" cy="260131"/>
+          </a:xfrm>
+          <a:prstGeom prst="rect">
+            <a:avLst/>
+          </a:prstGeom>
+          <a:ln>
+            <a:noFill/>
+          </a:ln>
+        </p:spPr>
+        <p:style>
+          <a:lnRef idx="2">
+            <a:schemeClr val="dk1"/>
+          </a:lnRef>
+          <a:fillRef idx="1">
+            <a:schemeClr val="lt1"/>
+          </a:fillRef>
+          <a:effectRef idx="0">
+            <a:schemeClr val="dk1"/>
+          </a:effectRef>
+          <a:fontRef idx="minor">
+            <a:schemeClr val="dk1"/>
+          </a:fontRef>
+        </p:style>
+        <p:txBody>
+          <a:bodyPr rtlCol="0" anchor="ctr"/>
+          <a:lstStyle/>
+          <a:p>
+            <a:pPr algn="ctr"/>
+            <a:r>
+              <a:rPr kumimoji="1" lang="en-US" altLang="ko-Kore-KR" dirty="0"/>
+              <a:t>p2 - 1</a:t>
+            </a:r>
+            <a:endParaRPr kumimoji="1" lang="ko-Kore-KR" altLang="en-US" dirty="0"/>
+          </a:p>
+        </p:txBody>
+      </p:sp>
+      <p:cxnSp>
+        <p:nvCxnSpPr>
+          <p:cNvPr id="46" name="구부러진 연결선[U] 45">
+            <a:extLst>
+              <a:ext uri="{FF2B5EF4-FFF2-40B4-BE49-F238E27FC236}">
+                <a16:creationId xmlns:a16="http://schemas.microsoft.com/office/drawing/2014/main" id="{5159CCC9-8333-DD48-A265-BAA265B93A90}"/>
+              </a:ext>
+            </a:extLst>
+          </p:cNvPr>
+          <p:cNvCxnSpPr>
+            <a:cxnSpLocks/>
+            <a:stCxn id="44" idx="2"/>
+            <a:endCxn id="7" idx="0"/>
+          </p:cNvCxnSpPr>
+          <p:nvPr/>
+        </p:nvCxnSpPr>
+        <p:spPr>
+          <a:xfrm rot="5400000" flipH="1">
+            <a:off x="5018754" y="-932855"/>
+            <a:ext cx="1397751" cy="6169574"/>
+          </a:xfrm>
+          <a:prstGeom prst="curvedConnector5">
+            <a:avLst>
+              <a:gd name="adj1" fmla="val -16355"/>
+              <a:gd name="adj2" fmla="val 54344"/>
+              <a:gd name="adj3" fmla="val 116355"/>
             </a:avLst>
           </a:prstGeom>
           <a:ln>
@@ -6392,7 +8266,7 @@
     </p:spTree>
     <p:extLst>
       <p:ext uri="{BB962C8B-B14F-4D97-AF65-F5344CB8AC3E}">
-        <p14:creationId xmlns:p14="http://schemas.microsoft.com/office/powerpoint/2010/main" val="52828557"/>
+        <p14:creationId xmlns:p14="http://schemas.microsoft.com/office/powerpoint/2010/main" val="254261941"/>
       </p:ext>
     </p:extLst>
   </p:cSld>

--- a/220117.pptx
+++ b/220117.pptx
@@ -9,6 +9,7 @@
     <p:sldId id="257" r:id="rId3"/>
     <p:sldId id="258" r:id="rId4"/>
     <p:sldId id="259" r:id="rId5"/>
+    <p:sldId id="260" r:id="rId6"/>
   </p:sldIdLst>
   <p:sldSz cx="12192000" cy="6858000"/>
   <p:notesSz cx="6858000" cy="9144000"/>
@@ -8267,6 +8268,713 @@
     <p:extLst>
       <p:ext uri="{BB962C8B-B14F-4D97-AF65-F5344CB8AC3E}">
         <p14:creationId xmlns:p14="http://schemas.microsoft.com/office/powerpoint/2010/main" val="254261941"/>
+      </p:ext>
+    </p:extLst>
+  </p:cSld>
+  <p:clrMapOvr>
+    <a:masterClrMapping/>
+  </p:clrMapOvr>
+</p:sld>
+</file>
+
+<file path=ppt/slides/slide5.xml><?xml version="1.0" encoding="utf-8"?>
+<p:sld xmlns:a="http://schemas.openxmlformats.org/drawingml/2006/main" xmlns:r="http://schemas.openxmlformats.org/officeDocument/2006/relationships" xmlns:p="http://schemas.openxmlformats.org/presentationml/2006/main">
+  <p:cSld>
+    <p:spTree>
+      <p:nvGrpSpPr>
+        <p:cNvPr id="1" name=""/>
+        <p:cNvGrpSpPr/>
+        <p:nvPr/>
+      </p:nvGrpSpPr>
+      <p:grpSpPr>
+        <a:xfrm>
+          <a:off x="0" y="0"/>
+          <a:ext cx="0" cy="0"/>
+          <a:chOff x="0" y="0"/>
+          <a:chExt cx="0" cy="0"/>
+        </a:xfrm>
+      </p:grpSpPr>
+      <p:sp>
+        <p:nvSpPr>
+          <p:cNvPr id="4" name="직사각형 3">
+            <a:extLst>
+              <a:ext uri="{FF2B5EF4-FFF2-40B4-BE49-F238E27FC236}">
+                <a16:creationId xmlns:a16="http://schemas.microsoft.com/office/drawing/2014/main" id="{62A71D21-8915-9B43-AF24-3A62D4392AC1}"/>
+              </a:ext>
+            </a:extLst>
+          </p:cNvPr>
+          <p:cNvSpPr/>
+          <p:nvPr/>
+        </p:nvSpPr>
+        <p:spPr>
+          <a:xfrm>
+            <a:off x="399674" y="375010"/>
+            <a:ext cx="4182555" cy="369332"/>
+          </a:xfrm>
+          <a:prstGeom prst="rect">
+            <a:avLst/>
+          </a:prstGeom>
+        </p:spPr>
+        <p:txBody>
+          <a:bodyPr wrap="none">
+            <a:spAutoFit/>
+          </a:bodyPr>
+          <a:lstStyle/>
+          <a:p>
+            <a:r>
+              <a:rPr lang="en" altLang="ko-Kore-KR" b="0" dirty="0">
+                <a:solidFill>
+                  <a:srgbClr val="0000FF"/>
+                </a:solidFill>
+                <a:effectLst/>
+                <a:latin typeface="DM Mono" panose="020B0509040201040103" pitchFamily="49" charset="0"/>
+              </a:rPr>
+              <a:t>int</a:t>
+            </a:r>
+            <a:r>
+              <a:rPr lang="en" altLang="ko-Kore-KR" b="0" dirty="0">
+                <a:solidFill>
+                  <a:srgbClr val="000000"/>
+                </a:solidFill>
+                <a:effectLst/>
+                <a:latin typeface="DM Mono" panose="020B0509040201040103" pitchFamily="49" charset="0"/>
+              </a:rPr>
+              <a:t> x[5] = { 1, 2, 3, 4, 5 };</a:t>
+            </a:r>
+          </a:p>
+        </p:txBody>
+      </p:sp>
+      <p:sp>
+        <p:nvSpPr>
+          <p:cNvPr id="5" name="직사각형 4">
+            <a:extLst>
+              <a:ext uri="{FF2B5EF4-FFF2-40B4-BE49-F238E27FC236}">
+                <a16:creationId xmlns:a16="http://schemas.microsoft.com/office/drawing/2014/main" id="{39EF0AB8-16C3-7442-A5FF-435F3C7BB3D6}"/>
+              </a:ext>
+            </a:extLst>
+          </p:cNvPr>
+          <p:cNvSpPr/>
+          <p:nvPr/>
+        </p:nvSpPr>
+        <p:spPr>
+          <a:xfrm>
+            <a:off x="1082565" y="1453056"/>
+            <a:ext cx="620111" cy="630620"/>
+          </a:xfrm>
+          <a:prstGeom prst="rect">
+            <a:avLst/>
+          </a:prstGeom>
+        </p:spPr>
+        <p:style>
+          <a:lnRef idx="2">
+            <a:schemeClr val="dk1"/>
+          </a:lnRef>
+          <a:fillRef idx="1">
+            <a:schemeClr val="lt1"/>
+          </a:fillRef>
+          <a:effectRef idx="0">
+            <a:schemeClr val="dk1"/>
+          </a:effectRef>
+          <a:fontRef idx="minor">
+            <a:schemeClr val="dk1"/>
+          </a:fontRef>
+        </p:style>
+        <p:txBody>
+          <a:bodyPr rtlCol="0" anchor="ctr"/>
+          <a:lstStyle/>
+          <a:p>
+            <a:pPr algn="ctr"/>
+            <a:r>
+              <a:rPr kumimoji="1" lang="en-US" altLang="ko-Kore-KR" dirty="0"/>
+              <a:t>1</a:t>
+            </a:r>
+            <a:endParaRPr kumimoji="1" lang="ko-Kore-KR" altLang="en-US" dirty="0"/>
+          </a:p>
+        </p:txBody>
+      </p:sp>
+      <p:sp>
+        <p:nvSpPr>
+          <p:cNvPr id="6" name="직사각형 5">
+            <a:extLst>
+              <a:ext uri="{FF2B5EF4-FFF2-40B4-BE49-F238E27FC236}">
+                <a16:creationId xmlns:a16="http://schemas.microsoft.com/office/drawing/2014/main" id="{E91565D6-C387-6B41-B064-D32CB32C4D77}"/>
+              </a:ext>
+            </a:extLst>
+          </p:cNvPr>
+          <p:cNvSpPr/>
+          <p:nvPr/>
+        </p:nvSpPr>
+        <p:spPr>
+          <a:xfrm>
+            <a:off x="1702676" y="1453056"/>
+            <a:ext cx="620111" cy="630620"/>
+          </a:xfrm>
+          <a:prstGeom prst="rect">
+            <a:avLst/>
+          </a:prstGeom>
+        </p:spPr>
+        <p:style>
+          <a:lnRef idx="2">
+            <a:schemeClr val="dk1"/>
+          </a:lnRef>
+          <a:fillRef idx="1">
+            <a:schemeClr val="lt1"/>
+          </a:fillRef>
+          <a:effectRef idx="0">
+            <a:schemeClr val="dk1"/>
+          </a:effectRef>
+          <a:fontRef idx="minor">
+            <a:schemeClr val="dk1"/>
+          </a:fontRef>
+        </p:style>
+        <p:txBody>
+          <a:bodyPr rtlCol="0" anchor="ctr"/>
+          <a:lstStyle/>
+          <a:p>
+            <a:pPr algn="ctr"/>
+            <a:r>
+              <a:rPr kumimoji="1" lang="en-US" altLang="ko-Kore-KR" dirty="0"/>
+              <a:t>2</a:t>
+            </a:r>
+            <a:endParaRPr kumimoji="1" lang="ko-Kore-KR" altLang="en-US" dirty="0"/>
+          </a:p>
+        </p:txBody>
+      </p:sp>
+      <p:sp>
+        <p:nvSpPr>
+          <p:cNvPr id="7" name="직사각형 6">
+            <a:extLst>
+              <a:ext uri="{FF2B5EF4-FFF2-40B4-BE49-F238E27FC236}">
+                <a16:creationId xmlns:a16="http://schemas.microsoft.com/office/drawing/2014/main" id="{664F4A7D-3D66-0349-86A6-80DEE89E6242}"/>
+              </a:ext>
+            </a:extLst>
+          </p:cNvPr>
+          <p:cNvSpPr/>
+          <p:nvPr/>
+        </p:nvSpPr>
+        <p:spPr>
+          <a:xfrm>
+            <a:off x="2322787" y="1453056"/>
+            <a:ext cx="620111" cy="630620"/>
+          </a:xfrm>
+          <a:prstGeom prst="rect">
+            <a:avLst/>
+          </a:prstGeom>
+        </p:spPr>
+        <p:style>
+          <a:lnRef idx="2">
+            <a:schemeClr val="dk1"/>
+          </a:lnRef>
+          <a:fillRef idx="1">
+            <a:schemeClr val="lt1"/>
+          </a:fillRef>
+          <a:effectRef idx="0">
+            <a:schemeClr val="dk1"/>
+          </a:effectRef>
+          <a:fontRef idx="minor">
+            <a:schemeClr val="dk1"/>
+          </a:fontRef>
+        </p:style>
+        <p:txBody>
+          <a:bodyPr rtlCol="0" anchor="ctr"/>
+          <a:lstStyle/>
+          <a:p>
+            <a:pPr algn="ctr"/>
+            <a:r>
+              <a:rPr kumimoji="1" lang="en-US" altLang="ko-Kore-KR" dirty="0"/>
+              <a:t>3</a:t>
+            </a:r>
+            <a:endParaRPr kumimoji="1" lang="ko-Kore-KR" altLang="en-US" dirty="0"/>
+          </a:p>
+        </p:txBody>
+      </p:sp>
+      <p:sp>
+        <p:nvSpPr>
+          <p:cNvPr id="8" name="직사각형 7">
+            <a:extLst>
+              <a:ext uri="{FF2B5EF4-FFF2-40B4-BE49-F238E27FC236}">
+                <a16:creationId xmlns:a16="http://schemas.microsoft.com/office/drawing/2014/main" id="{FFBA28A4-8E1C-614F-A296-178B64B38106}"/>
+              </a:ext>
+            </a:extLst>
+          </p:cNvPr>
+          <p:cNvSpPr/>
+          <p:nvPr/>
+        </p:nvSpPr>
+        <p:spPr>
+          <a:xfrm>
+            <a:off x="2942898" y="1453056"/>
+            <a:ext cx="620111" cy="630620"/>
+          </a:xfrm>
+          <a:prstGeom prst="rect">
+            <a:avLst/>
+          </a:prstGeom>
+        </p:spPr>
+        <p:style>
+          <a:lnRef idx="2">
+            <a:schemeClr val="dk1"/>
+          </a:lnRef>
+          <a:fillRef idx="1">
+            <a:schemeClr val="lt1"/>
+          </a:fillRef>
+          <a:effectRef idx="0">
+            <a:schemeClr val="dk1"/>
+          </a:effectRef>
+          <a:fontRef idx="minor">
+            <a:schemeClr val="dk1"/>
+          </a:fontRef>
+        </p:style>
+        <p:txBody>
+          <a:bodyPr rtlCol="0" anchor="ctr"/>
+          <a:lstStyle/>
+          <a:p>
+            <a:pPr algn="ctr"/>
+            <a:r>
+              <a:rPr kumimoji="1" lang="en-US" altLang="ko-Kore-KR" dirty="0"/>
+              <a:t>4</a:t>
+            </a:r>
+            <a:endParaRPr kumimoji="1" lang="ko-Kore-KR" altLang="en-US" dirty="0"/>
+          </a:p>
+        </p:txBody>
+      </p:sp>
+      <p:sp>
+        <p:nvSpPr>
+          <p:cNvPr id="9" name="직사각형 8">
+            <a:extLst>
+              <a:ext uri="{FF2B5EF4-FFF2-40B4-BE49-F238E27FC236}">
+                <a16:creationId xmlns:a16="http://schemas.microsoft.com/office/drawing/2014/main" id="{F372369F-56F6-B04A-90EB-AEE9DF2F3D22}"/>
+              </a:ext>
+            </a:extLst>
+          </p:cNvPr>
+          <p:cNvSpPr/>
+          <p:nvPr/>
+        </p:nvSpPr>
+        <p:spPr>
+          <a:xfrm>
+            <a:off x="3563009" y="1453056"/>
+            <a:ext cx="620111" cy="630620"/>
+          </a:xfrm>
+          <a:prstGeom prst="rect">
+            <a:avLst/>
+          </a:prstGeom>
+        </p:spPr>
+        <p:style>
+          <a:lnRef idx="2">
+            <a:schemeClr val="dk1"/>
+          </a:lnRef>
+          <a:fillRef idx="1">
+            <a:schemeClr val="lt1"/>
+          </a:fillRef>
+          <a:effectRef idx="0">
+            <a:schemeClr val="dk1"/>
+          </a:effectRef>
+          <a:fontRef idx="minor">
+            <a:schemeClr val="dk1"/>
+          </a:fontRef>
+        </p:style>
+        <p:txBody>
+          <a:bodyPr rtlCol="0" anchor="ctr"/>
+          <a:lstStyle/>
+          <a:p>
+            <a:pPr algn="ctr"/>
+            <a:r>
+              <a:rPr kumimoji="1" lang="en-US" altLang="ko-Kore-KR" dirty="0"/>
+              <a:t>5</a:t>
+            </a:r>
+            <a:endParaRPr kumimoji="1" lang="ko-Kore-KR" altLang="en-US" dirty="0"/>
+          </a:p>
+        </p:txBody>
+      </p:sp>
+      <p:sp>
+        <p:nvSpPr>
+          <p:cNvPr id="10" name="직사각형 9">
+            <a:extLst>
+              <a:ext uri="{FF2B5EF4-FFF2-40B4-BE49-F238E27FC236}">
+                <a16:creationId xmlns:a16="http://schemas.microsoft.com/office/drawing/2014/main" id="{EDF33C1B-9C9E-6C43-96AA-2C661FD063E5}"/>
+              </a:ext>
+            </a:extLst>
+          </p:cNvPr>
+          <p:cNvSpPr/>
+          <p:nvPr/>
+        </p:nvSpPr>
+        <p:spPr>
+          <a:xfrm>
+            <a:off x="658826" y="1583700"/>
+            <a:ext cx="322524" cy="369332"/>
+          </a:xfrm>
+          <a:prstGeom prst="rect">
+            <a:avLst/>
+          </a:prstGeom>
+        </p:spPr>
+        <p:txBody>
+          <a:bodyPr wrap="none">
+            <a:spAutoFit/>
+          </a:bodyPr>
+          <a:lstStyle/>
+          <a:p>
+            <a:r>
+              <a:rPr lang="en" altLang="ko-Kore-KR" b="0" dirty="0">
+                <a:solidFill>
+                  <a:srgbClr val="000000"/>
+                </a:solidFill>
+                <a:effectLst/>
+                <a:latin typeface="DM Mono" panose="020B0509040201040103" pitchFamily="49" charset="0"/>
+              </a:rPr>
+              <a:t>x</a:t>
+            </a:r>
+            <a:endParaRPr lang="ko-Kore-KR" altLang="en-US" dirty="0"/>
+          </a:p>
+        </p:txBody>
+      </p:sp>
+      <p:sp>
+        <p:nvSpPr>
+          <p:cNvPr id="11" name="직사각형 10">
+            <a:extLst>
+              <a:ext uri="{FF2B5EF4-FFF2-40B4-BE49-F238E27FC236}">
+                <a16:creationId xmlns:a16="http://schemas.microsoft.com/office/drawing/2014/main" id="{59C19197-B684-8B46-BACA-5A9984C6E397}"/>
+              </a:ext>
+            </a:extLst>
+          </p:cNvPr>
+          <p:cNvSpPr/>
+          <p:nvPr/>
+        </p:nvSpPr>
+        <p:spPr>
+          <a:xfrm>
+            <a:off x="743347" y="1083724"/>
+            <a:ext cx="598241" cy="369332"/>
+          </a:xfrm>
+          <a:prstGeom prst="rect">
+            <a:avLst/>
+          </a:prstGeom>
+        </p:spPr>
+        <p:txBody>
+          <a:bodyPr wrap="none">
+            <a:spAutoFit/>
+          </a:bodyPr>
+          <a:lstStyle/>
+          <a:p>
+            <a:r>
+              <a:rPr lang="en" altLang="ko-Kore-KR" b="0" dirty="0">
+                <a:solidFill>
+                  <a:srgbClr val="000000"/>
+                </a:solidFill>
+                <a:effectLst/>
+                <a:latin typeface="DM Mono" panose="020B0509040201040103" pitchFamily="49" charset="0"/>
+              </a:rPr>
+              <a:t>100</a:t>
+            </a:r>
+            <a:endParaRPr lang="ko-Kore-KR" altLang="en-US" dirty="0"/>
+          </a:p>
+        </p:txBody>
+      </p:sp>
+      <p:sp>
+        <p:nvSpPr>
+          <p:cNvPr id="12" name="직사각형 11">
+            <a:extLst>
+              <a:ext uri="{FF2B5EF4-FFF2-40B4-BE49-F238E27FC236}">
+                <a16:creationId xmlns:a16="http://schemas.microsoft.com/office/drawing/2014/main" id="{5F0B2F15-676C-1144-86F0-9CC8C772E4C2}"/>
+              </a:ext>
+            </a:extLst>
+          </p:cNvPr>
+          <p:cNvSpPr/>
+          <p:nvPr/>
+        </p:nvSpPr>
+        <p:spPr>
+          <a:xfrm>
+            <a:off x="1629103" y="4563868"/>
+            <a:ext cx="1692166" cy="630620"/>
+          </a:xfrm>
+          <a:prstGeom prst="rect">
+            <a:avLst/>
+          </a:prstGeom>
+        </p:spPr>
+        <p:style>
+          <a:lnRef idx="2">
+            <a:schemeClr val="dk1"/>
+          </a:lnRef>
+          <a:fillRef idx="1">
+            <a:schemeClr val="lt1"/>
+          </a:fillRef>
+          <a:effectRef idx="0">
+            <a:schemeClr val="dk1"/>
+          </a:effectRef>
+          <a:fontRef idx="minor">
+            <a:schemeClr val="dk1"/>
+          </a:fontRef>
+        </p:style>
+        <p:txBody>
+          <a:bodyPr rtlCol="0" anchor="ctr"/>
+          <a:lstStyle/>
+          <a:p>
+            <a:pPr algn="ctr"/>
+            <a:r>
+              <a:rPr lang="en-US" altLang="ko-Kore-KR" dirty="0">
+                <a:solidFill>
+                  <a:srgbClr val="FF0000"/>
+                </a:solidFill>
+              </a:rPr>
+              <a:t>100</a:t>
+            </a:r>
+            <a:endParaRPr kumimoji="1" lang="ko-Kore-KR" altLang="en-US" dirty="0">
+              <a:solidFill>
+                <a:srgbClr val="FF0000"/>
+              </a:solidFill>
+            </a:endParaRPr>
+          </a:p>
+        </p:txBody>
+      </p:sp>
+      <p:sp>
+        <p:nvSpPr>
+          <p:cNvPr id="13" name="직사각형 12">
+            <a:extLst>
+              <a:ext uri="{FF2B5EF4-FFF2-40B4-BE49-F238E27FC236}">
+                <a16:creationId xmlns:a16="http://schemas.microsoft.com/office/drawing/2014/main" id="{095CDBBB-B4E3-A64D-B960-97FA9EF52B52}"/>
+              </a:ext>
+            </a:extLst>
+          </p:cNvPr>
+          <p:cNvSpPr/>
+          <p:nvPr/>
+        </p:nvSpPr>
+        <p:spPr>
+          <a:xfrm>
+            <a:off x="814549" y="4749112"/>
+            <a:ext cx="814553" cy="260131"/>
+          </a:xfrm>
+          <a:prstGeom prst="rect">
+            <a:avLst/>
+          </a:prstGeom>
+          <a:ln>
+            <a:noFill/>
+          </a:ln>
+        </p:spPr>
+        <p:style>
+          <a:lnRef idx="2">
+            <a:schemeClr val="dk1"/>
+          </a:lnRef>
+          <a:fillRef idx="1">
+            <a:schemeClr val="lt1"/>
+          </a:fillRef>
+          <a:effectRef idx="0">
+            <a:schemeClr val="dk1"/>
+          </a:effectRef>
+          <a:fontRef idx="minor">
+            <a:schemeClr val="dk1"/>
+          </a:fontRef>
+        </p:style>
+        <p:txBody>
+          <a:bodyPr rtlCol="0" anchor="ctr"/>
+          <a:lstStyle/>
+          <a:p>
+            <a:pPr algn="ctr"/>
+            <a:r>
+              <a:rPr kumimoji="1" lang="en-US" altLang="ko-Kore-KR" dirty="0"/>
+              <a:t>p1</a:t>
+            </a:r>
+            <a:endParaRPr kumimoji="1" lang="ko-Kore-KR" altLang="en-US" dirty="0"/>
+          </a:p>
+        </p:txBody>
+      </p:sp>
+      <p:cxnSp>
+        <p:nvCxnSpPr>
+          <p:cNvPr id="14" name="구부러진 연결선[U] 13">
+            <a:extLst>
+              <a:ext uri="{FF2B5EF4-FFF2-40B4-BE49-F238E27FC236}">
+                <a16:creationId xmlns:a16="http://schemas.microsoft.com/office/drawing/2014/main" id="{53A89820-56E3-5849-A360-2F60F8A46719}"/>
+              </a:ext>
+            </a:extLst>
+          </p:cNvPr>
+          <p:cNvCxnSpPr>
+            <a:cxnSpLocks/>
+            <a:stCxn id="12" idx="3"/>
+          </p:cNvCxnSpPr>
+          <p:nvPr/>
+        </p:nvCxnSpPr>
+        <p:spPr>
+          <a:xfrm flipH="1" flipV="1">
+            <a:off x="1082565" y="2083676"/>
+            <a:ext cx="2238704" cy="2795502"/>
+          </a:xfrm>
+          <a:prstGeom prst="curvedConnector4">
+            <a:avLst>
+              <a:gd name="adj1" fmla="val -10211"/>
+              <a:gd name="adj2" fmla="val 55640"/>
+            </a:avLst>
+          </a:prstGeom>
+          <a:ln>
+            <a:tailEnd type="triangle"/>
+          </a:ln>
+        </p:spPr>
+        <p:style>
+          <a:lnRef idx="1">
+            <a:schemeClr val="dk1"/>
+          </a:lnRef>
+          <a:fillRef idx="0">
+            <a:schemeClr val="dk1"/>
+          </a:fillRef>
+          <a:effectRef idx="0">
+            <a:schemeClr val="dk1"/>
+          </a:effectRef>
+          <a:fontRef idx="minor">
+            <a:schemeClr val="tx1"/>
+          </a:fontRef>
+        </p:style>
+      </p:cxnSp>
+      <p:sp>
+        <p:nvSpPr>
+          <p:cNvPr id="29" name="직사각형 28">
+            <a:extLst>
+              <a:ext uri="{FF2B5EF4-FFF2-40B4-BE49-F238E27FC236}">
+                <a16:creationId xmlns:a16="http://schemas.microsoft.com/office/drawing/2014/main" id="{3807C161-17E5-1A46-968B-8C7F231FD2CF}"/>
+              </a:ext>
+            </a:extLst>
+          </p:cNvPr>
+          <p:cNvSpPr/>
+          <p:nvPr/>
+        </p:nvSpPr>
+        <p:spPr>
+          <a:xfrm>
+            <a:off x="6096000" y="4563868"/>
+            <a:ext cx="1692166" cy="630620"/>
+          </a:xfrm>
+          <a:prstGeom prst="rect">
+            <a:avLst/>
+          </a:prstGeom>
+        </p:spPr>
+        <p:style>
+          <a:lnRef idx="2">
+            <a:schemeClr val="dk1"/>
+          </a:lnRef>
+          <a:fillRef idx="1">
+            <a:schemeClr val="lt1"/>
+          </a:fillRef>
+          <a:effectRef idx="0">
+            <a:schemeClr val="dk1"/>
+          </a:effectRef>
+          <a:fontRef idx="minor">
+            <a:schemeClr val="dk1"/>
+          </a:fontRef>
+        </p:style>
+        <p:txBody>
+          <a:bodyPr rtlCol="0" anchor="ctr"/>
+          <a:lstStyle/>
+          <a:p>
+            <a:pPr algn="ctr"/>
+            <a:r>
+              <a:rPr kumimoji="1" lang="en-US" altLang="ko-Kore-KR" dirty="0">
+                <a:solidFill>
+                  <a:srgbClr val="FF0000"/>
+                </a:solidFill>
+              </a:rPr>
+              <a:t>116</a:t>
+            </a:r>
+            <a:endParaRPr kumimoji="1" lang="ko-Kore-KR" altLang="en-US" dirty="0">
+              <a:solidFill>
+                <a:srgbClr val="FF0000"/>
+              </a:solidFill>
+            </a:endParaRPr>
+          </a:p>
+        </p:txBody>
+      </p:sp>
+      <p:sp>
+        <p:nvSpPr>
+          <p:cNvPr id="30" name="직사각형 29">
+            <a:extLst>
+              <a:ext uri="{FF2B5EF4-FFF2-40B4-BE49-F238E27FC236}">
+                <a16:creationId xmlns:a16="http://schemas.microsoft.com/office/drawing/2014/main" id="{3981BA2C-8D03-4D4E-A9BF-19D2CBE504DF}"/>
+              </a:ext>
+            </a:extLst>
+          </p:cNvPr>
+          <p:cNvSpPr/>
+          <p:nvPr/>
+        </p:nvSpPr>
+        <p:spPr>
+          <a:xfrm>
+            <a:off x="5281446" y="4749112"/>
+            <a:ext cx="814553" cy="260131"/>
+          </a:xfrm>
+          <a:prstGeom prst="rect">
+            <a:avLst/>
+          </a:prstGeom>
+          <a:ln>
+            <a:noFill/>
+          </a:ln>
+        </p:spPr>
+        <p:style>
+          <a:lnRef idx="2">
+            <a:schemeClr val="dk1"/>
+          </a:lnRef>
+          <a:fillRef idx="1">
+            <a:schemeClr val="lt1"/>
+          </a:fillRef>
+          <a:effectRef idx="0">
+            <a:schemeClr val="dk1"/>
+          </a:effectRef>
+          <a:fontRef idx="minor">
+            <a:schemeClr val="dk1"/>
+          </a:fontRef>
+        </p:style>
+        <p:txBody>
+          <a:bodyPr rtlCol="0" anchor="ctr"/>
+          <a:lstStyle/>
+          <a:p>
+            <a:pPr algn="ctr"/>
+            <a:r>
+              <a:rPr kumimoji="1" lang="en-US" altLang="ko-Kore-KR" dirty="0"/>
+              <a:t>p2</a:t>
+            </a:r>
+            <a:endParaRPr kumimoji="1" lang="ko-Kore-KR" altLang="en-US" dirty="0"/>
+          </a:p>
+        </p:txBody>
+      </p:sp>
+      <p:cxnSp>
+        <p:nvCxnSpPr>
+          <p:cNvPr id="43" name="구부러진 연결선[U] 42">
+            <a:extLst>
+              <a:ext uri="{FF2B5EF4-FFF2-40B4-BE49-F238E27FC236}">
+                <a16:creationId xmlns:a16="http://schemas.microsoft.com/office/drawing/2014/main" id="{1EB7C9BC-15FC-034C-8979-2DFADE292AFE}"/>
+              </a:ext>
+            </a:extLst>
+          </p:cNvPr>
+          <p:cNvCxnSpPr>
+            <a:cxnSpLocks/>
+            <a:stCxn id="29" idx="0"/>
+            <a:endCxn id="9" idx="1"/>
+          </p:cNvCxnSpPr>
+          <p:nvPr/>
+        </p:nvCxnSpPr>
+        <p:spPr>
+          <a:xfrm rot="16200000" flipV="1">
+            <a:off x="3854795" y="1476580"/>
+            <a:ext cx="2795502" cy="3379074"/>
+          </a:xfrm>
+          <a:prstGeom prst="curvedConnector4">
+            <a:avLst>
+              <a:gd name="adj1" fmla="val 44360"/>
+              <a:gd name="adj2" fmla="val 106765"/>
+            </a:avLst>
+          </a:prstGeom>
+          <a:ln>
+            <a:tailEnd type="triangle"/>
+          </a:ln>
+        </p:spPr>
+        <p:style>
+          <a:lnRef idx="1">
+            <a:schemeClr val="dk1"/>
+          </a:lnRef>
+          <a:fillRef idx="0">
+            <a:schemeClr val="dk1"/>
+          </a:fillRef>
+          <a:effectRef idx="0">
+            <a:schemeClr val="dk1"/>
+          </a:effectRef>
+          <a:fontRef idx="minor">
+            <a:schemeClr val="tx1"/>
+          </a:fontRef>
+        </p:style>
+      </p:cxnSp>
+    </p:spTree>
+    <p:extLst>
+      <p:ext uri="{BB962C8B-B14F-4D97-AF65-F5344CB8AC3E}">
+        <p14:creationId xmlns:p14="http://schemas.microsoft.com/office/powerpoint/2010/main" val="3519557454"/>
       </p:ext>
     </p:extLst>
   </p:cSld>

--- a/220117.pptx
+++ b/220117.pptx
@@ -10,6 +10,9 @@
     <p:sldId id="258" r:id="rId4"/>
     <p:sldId id="259" r:id="rId5"/>
     <p:sldId id="260" r:id="rId6"/>
+    <p:sldId id="261" r:id="rId7"/>
+    <p:sldId id="262" r:id="rId8"/>
+    <p:sldId id="263" r:id="rId9"/>
   </p:sldIdLst>
   <p:sldSz cx="12192000" cy="6858000"/>
   <p:notesSz cx="6858000" cy="9144000"/>
@@ -8971,10 +8974,3052 @@
           </a:fontRef>
         </p:style>
       </p:cxnSp>
+      <p:sp>
+        <p:nvSpPr>
+          <p:cNvPr id="3" name="직사각형 2">
+            <a:extLst>
+              <a:ext uri="{FF2B5EF4-FFF2-40B4-BE49-F238E27FC236}">
+                <a16:creationId xmlns:a16="http://schemas.microsoft.com/office/drawing/2014/main" id="{FE5A0627-753C-5C46-B5F9-B8167088E64E}"/>
+              </a:ext>
+            </a:extLst>
+          </p:cNvPr>
+          <p:cNvSpPr/>
+          <p:nvPr/>
+        </p:nvSpPr>
+        <p:spPr>
+          <a:xfrm>
+            <a:off x="1135120" y="5451110"/>
+            <a:ext cx="6096000" cy="646331"/>
+          </a:xfrm>
+          <a:prstGeom prst="rect">
+            <a:avLst/>
+          </a:prstGeom>
+        </p:spPr>
+        <p:txBody>
+          <a:bodyPr>
+            <a:spAutoFit/>
+          </a:bodyPr>
+          <a:lstStyle/>
+          <a:p>
+            <a:r>
+              <a:rPr lang="en" altLang="ko-Kore-KR" b="0" dirty="0">
+                <a:solidFill>
+                  <a:srgbClr val="0000FF"/>
+                </a:solidFill>
+                <a:effectLst/>
+                <a:latin typeface="DM Mono" panose="020B0509040201040103" pitchFamily="49" charset="0"/>
+              </a:rPr>
+              <a:t>int</a:t>
+            </a:r>
+            <a:r>
+              <a:rPr lang="en" altLang="ko-Kore-KR" b="0" dirty="0">
+                <a:solidFill>
+                  <a:srgbClr val="000000"/>
+                </a:solidFill>
+                <a:effectLst/>
+                <a:latin typeface="DM Mono" panose="020B0509040201040103" pitchFamily="49" charset="0"/>
+              </a:rPr>
+              <a:t>* p1 = x;</a:t>
+            </a:r>
+          </a:p>
+          <a:p>
+            <a:r>
+              <a:rPr lang="en" altLang="ko-Kore-KR" b="0" dirty="0">
+                <a:solidFill>
+                  <a:srgbClr val="0000FF"/>
+                </a:solidFill>
+                <a:effectLst/>
+                <a:latin typeface="DM Mono" panose="020B0509040201040103" pitchFamily="49" charset="0"/>
+              </a:rPr>
+              <a:t>int</a:t>
+            </a:r>
+            <a:r>
+              <a:rPr lang="en" altLang="ko-Kore-KR" b="0" dirty="0">
+                <a:solidFill>
+                  <a:srgbClr val="000000"/>
+                </a:solidFill>
+                <a:effectLst/>
+                <a:latin typeface="DM Mono" panose="020B0509040201040103" pitchFamily="49" charset="0"/>
+              </a:rPr>
+              <a:t>* p2 = x + 4;</a:t>
+            </a:r>
+          </a:p>
+        </p:txBody>
+      </p:sp>
     </p:spTree>
     <p:extLst>
       <p:ext uri="{BB962C8B-B14F-4D97-AF65-F5344CB8AC3E}">
         <p14:creationId xmlns:p14="http://schemas.microsoft.com/office/powerpoint/2010/main" val="3519557454"/>
+      </p:ext>
+    </p:extLst>
+  </p:cSld>
+  <p:clrMapOvr>
+    <a:masterClrMapping/>
+  </p:clrMapOvr>
+</p:sld>
+</file>
+
+<file path=ppt/slides/slide6.xml><?xml version="1.0" encoding="utf-8"?>
+<p:sld xmlns:a="http://schemas.openxmlformats.org/drawingml/2006/main" xmlns:r="http://schemas.openxmlformats.org/officeDocument/2006/relationships" xmlns:p="http://schemas.openxmlformats.org/presentationml/2006/main">
+  <p:cSld>
+    <p:spTree>
+      <p:nvGrpSpPr>
+        <p:cNvPr id="1" name=""/>
+        <p:cNvGrpSpPr/>
+        <p:nvPr/>
+      </p:nvGrpSpPr>
+      <p:grpSpPr>
+        <a:xfrm>
+          <a:off x="0" y="0"/>
+          <a:ext cx="0" cy="0"/>
+          <a:chOff x="0" y="0"/>
+          <a:chExt cx="0" cy="0"/>
+        </a:xfrm>
+      </p:grpSpPr>
+      <p:sp>
+        <p:nvSpPr>
+          <p:cNvPr id="7" name="직사각형 6">
+            <a:extLst>
+              <a:ext uri="{FF2B5EF4-FFF2-40B4-BE49-F238E27FC236}">
+                <a16:creationId xmlns:a16="http://schemas.microsoft.com/office/drawing/2014/main" id="{F715C31F-E41E-9E41-AD7F-5E814EEA2C46}"/>
+              </a:ext>
+            </a:extLst>
+          </p:cNvPr>
+          <p:cNvSpPr/>
+          <p:nvPr/>
+        </p:nvSpPr>
+        <p:spPr>
+          <a:xfrm>
+            <a:off x="4035972" y="1923393"/>
+            <a:ext cx="2890346" cy="2112579"/>
+          </a:xfrm>
+          <a:prstGeom prst="rect">
+            <a:avLst/>
+          </a:prstGeom>
+        </p:spPr>
+        <p:style>
+          <a:lnRef idx="2">
+            <a:schemeClr val="dk1"/>
+          </a:lnRef>
+          <a:fillRef idx="1">
+            <a:schemeClr val="lt1"/>
+          </a:fillRef>
+          <a:effectRef idx="0">
+            <a:schemeClr val="dk1"/>
+          </a:effectRef>
+          <a:fontRef idx="minor">
+            <a:schemeClr val="dk1"/>
+          </a:fontRef>
+        </p:style>
+        <p:txBody>
+          <a:bodyPr rtlCol="0" anchor="ctr"/>
+          <a:lstStyle/>
+          <a:p>
+            <a:pPr algn="ctr"/>
+            <a:endParaRPr kumimoji="1" lang="ko-Kore-KR" altLang="en-US"/>
+          </a:p>
+        </p:txBody>
+      </p:sp>
+      <p:sp>
+        <p:nvSpPr>
+          <p:cNvPr id="4" name="직사각형 3">
+            <a:extLst>
+              <a:ext uri="{FF2B5EF4-FFF2-40B4-BE49-F238E27FC236}">
+                <a16:creationId xmlns:a16="http://schemas.microsoft.com/office/drawing/2014/main" id="{2EE285A2-A627-5B4F-B4A4-C55C2974ACC2}"/>
+              </a:ext>
+            </a:extLst>
+          </p:cNvPr>
+          <p:cNvSpPr/>
+          <p:nvPr/>
+        </p:nvSpPr>
+        <p:spPr>
+          <a:xfrm>
+            <a:off x="283780" y="424338"/>
+            <a:ext cx="3752192" cy="3970318"/>
+          </a:xfrm>
+          <a:prstGeom prst="rect">
+            <a:avLst/>
+          </a:prstGeom>
+        </p:spPr>
+        <p:txBody>
+          <a:bodyPr wrap="square">
+            <a:spAutoFit/>
+          </a:bodyPr>
+          <a:lstStyle/>
+          <a:p>
+            <a:r>
+              <a:rPr lang="en" altLang="ko-Kore-KR" b="0" dirty="0">
+                <a:solidFill>
+                  <a:srgbClr val="0000FF"/>
+                </a:solidFill>
+                <a:effectLst/>
+                <a:latin typeface="DM Mono" panose="020B0509040201040103" pitchFamily="49" charset="0"/>
+              </a:rPr>
+              <a:t>void</a:t>
+            </a:r>
+            <a:r>
+              <a:rPr lang="en" altLang="ko-Kore-KR" b="0" dirty="0">
+                <a:solidFill>
+                  <a:srgbClr val="000000"/>
+                </a:solidFill>
+                <a:effectLst/>
+                <a:latin typeface="DM Mono" panose="020B0509040201040103" pitchFamily="49" charset="0"/>
+              </a:rPr>
+              <a:t> </a:t>
+            </a:r>
+            <a:r>
+              <a:rPr lang="en" altLang="ko-Kore-KR" b="0" dirty="0" err="1">
+                <a:solidFill>
+                  <a:srgbClr val="000000"/>
+                </a:solidFill>
+                <a:effectLst/>
+                <a:latin typeface="DM Mono" panose="020B0509040201040103" pitchFamily="49" charset="0"/>
+              </a:rPr>
+              <a:t>inc</a:t>
+            </a:r>
+            <a:r>
+              <a:rPr lang="en" altLang="ko-Kore-KR" b="0" dirty="0">
+                <a:solidFill>
+                  <a:srgbClr val="000000"/>
+                </a:solidFill>
+                <a:effectLst/>
+                <a:latin typeface="DM Mono" panose="020B0509040201040103" pitchFamily="49" charset="0"/>
+              </a:rPr>
+              <a:t>(</a:t>
+            </a:r>
+            <a:r>
+              <a:rPr lang="en" altLang="ko-Kore-KR" b="0" dirty="0">
+                <a:solidFill>
+                  <a:srgbClr val="0000FF"/>
+                </a:solidFill>
+                <a:effectLst/>
+                <a:latin typeface="DM Mono" panose="020B0509040201040103" pitchFamily="49" charset="0"/>
+              </a:rPr>
+              <a:t>int</a:t>
+            </a:r>
+            <a:r>
+              <a:rPr lang="en" altLang="ko-Kore-KR" b="0" dirty="0">
+                <a:solidFill>
+                  <a:srgbClr val="000000"/>
+                </a:solidFill>
+                <a:effectLst/>
+                <a:latin typeface="DM Mono" panose="020B0509040201040103" pitchFamily="49" charset="0"/>
+              </a:rPr>
+              <a:t> </a:t>
+            </a:r>
+            <a:r>
+              <a:rPr lang="en" altLang="ko-Kore-KR" b="0" dirty="0">
+                <a:solidFill>
+                  <a:srgbClr val="808080"/>
+                </a:solidFill>
+                <a:effectLst/>
+                <a:latin typeface="DM Mono" panose="020B0509040201040103" pitchFamily="49" charset="0"/>
+              </a:rPr>
+              <a:t>x</a:t>
+            </a:r>
+            <a:r>
+              <a:rPr lang="en" altLang="ko-Kore-KR" b="0" dirty="0">
+                <a:solidFill>
+                  <a:srgbClr val="000000"/>
+                </a:solidFill>
+                <a:effectLst/>
+                <a:latin typeface="DM Mono" panose="020B0509040201040103" pitchFamily="49" charset="0"/>
+              </a:rPr>
+              <a:t>)</a:t>
+            </a:r>
+          </a:p>
+          <a:p>
+            <a:r>
+              <a:rPr lang="en" altLang="ko-Kore-KR" b="0" dirty="0">
+                <a:solidFill>
+                  <a:srgbClr val="000000"/>
+                </a:solidFill>
+                <a:effectLst/>
+                <a:latin typeface="DM Mono" panose="020B0509040201040103" pitchFamily="49" charset="0"/>
+              </a:rPr>
+              <a:t>{</a:t>
+            </a:r>
+          </a:p>
+          <a:p>
+            <a:r>
+              <a:rPr lang="en" altLang="ko-Kore-KR" b="0" dirty="0">
+                <a:solidFill>
+                  <a:srgbClr val="808080"/>
+                </a:solidFill>
+                <a:effectLst/>
+                <a:latin typeface="DM Mono" panose="020B0509040201040103" pitchFamily="49" charset="0"/>
+              </a:rPr>
+              <a:t>x</a:t>
+            </a:r>
+            <a:r>
+              <a:rPr lang="en" altLang="ko-Kore-KR" b="0" dirty="0">
+                <a:solidFill>
+                  <a:srgbClr val="000000"/>
+                </a:solidFill>
+                <a:effectLst/>
+                <a:latin typeface="DM Mono" panose="020B0509040201040103" pitchFamily="49" charset="0"/>
+              </a:rPr>
+              <a:t> = </a:t>
+            </a:r>
+            <a:r>
+              <a:rPr lang="en" altLang="ko-Kore-KR" b="0" dirty="0">
+                <a:solidFill>
+                  <a:srgbClr val="808080"/>
+                </a:solidFill>
+                <a:effectLst/>
+                <a:latin typeface="DM Mono" panose="020B0509040201040103" pitchFamily="49" charset="0"/>
+              </a:rPr>
+              <a:t>x</a:t>
+            </a:r>
+            <a:r>
+              <a:rPr lang="en" altLang="ko-Kore-KR" b="0" dirty="0">
+                <a:solidFill>
+                  <a:srgbClr val="000000"/>
+                </a:solidFill>
+                <a:effectLst/>
+                <a:latin typeface="DM Mono" panose="020B0509040201040103" pitchFamily="49" charset="0"/>
+              </a:rPr>
+              <a:t> + 1;</a:t>
+            </a:r>
+          </a:p>
+          <a:p>
+            <a:r>
+              <a:rPr lang="en" altLang="ko-Kore-KR" b="0" dirty="0">
+                <a:solidFill>
+                  <a:srgbClr val="000000"/>
+                </a:solidFill>
+                <a:effectLst/>
+                <a:latin typeface="DM Mono" panose="020B0509040201040103" pitchFamily="49" charset="0"/>
+              </a:rPr>
+              <a:t>}</a:t>
+            </a:r>
+          </a:p>
+          <a:p>
+            <a:br>
+              <a:rPr lang="en" altLang="ko-Kore-KR" b="0" dirty="0">
+                <a:solidFill>
+                  <a:srgbClr val="000000"/>
+                </a:solidFill>
+                <a:effectLst/>
+                <a:latin typeface="DM Mono" panose="020B0509040201040103" pitchFamily="49" charset="0"/>
+              </a:rPr>
+            </a:br>
+            <a:r>
+              <a:rPr lang="en" altLang="ko-Kore-KR" b="0" dirty="0">
+                <a:solidFill>
+                  <a:srgbClr val="0000FF"/>
+                </a:solidFill>
+                <a:effectLst/>
+                <a:latin typeface="DM Mono" panose="020B0509040201040103" pitchFamily="49" charset="0"/>
+              </a:rPr>
+              <a:t>int</a:t>
+            </a:r>
+            <a:r>
+              <a:rPr lang="en" altLang="ko-Kore-KR" b="0" dirty="0">
+                <a:solidFill>
+                  <a:srgbClr val="000000"/>
+                </a:solidFill>
+                <a:effectLst/>
+                <a:latin typeface="DM Mono" panose="020B0509040201040103" pitchFamily="49" charset="0"/>
+              </a:rPr>
+              <a:t> main()</a:t>
+            </a:r>
+          </a:p>
+          <a:p>
+            <a:r>
+              <a:rPr lang="en" altLang="ko-Kore-KR" b="0" dirty="0">
+                <a:solidFill>
+                  <a:srgbClr val="000000"/>
+                </a:solidFill>
+                <a:effectLst/>
+                <a:latin typeface="DM Mono" panose="020B0509040201040103" pitchFamily="49" charset="0"/>
+              </a:rPr>
+              <a:t>{</a:t>
+            </a:r>
+          </a:p>
+          <a:p>
+            <a:r>
+              <a:rPr lang="en" altLang="ko-Kore-KR" b="0" dirty="0">
+                <a:solidFill>
+                  <a:srgbClr val="0000FF"/>
+                </a:solidFill>
+                <a:effectLst/>
+                <a:latin typeface="DM Mono" panose="020B0509040201040103" pitchFamily="49" charset="0"/>
+              </a:rPr>
+              <a:t>int</a:t>
+            </a:r>
+            <a:r>
+              <a:rPr lang="en" altLang="ko-Kore-KR" b="0" dirty="0">
+                <a:solidFill>
+                  <a:srgbClr val="000000"/>
+                </a:solidFill>
+                <a:effectLst/>
+                <a:latin typeface="DM Mono" panose="020B0509040201040103" pitchFamily="49" charset="0"/>
+              </a:rPr>
+              <a:t> n = 10;</a:t>
+            </a:r>
+          </a:p>
+          <a:p>
+            <a:r>
+              <a:rPr lang="en" altLang="ko-Kore-KR" b="0" dirty="0" err="1">
+                <a:solidFill>
+                  <a:srgbClr val="000000"/>
+                </a:solidFill>
+                <a:effectLst/>
+                <a:latin typeface="DM Mono" panose="020B0509040201040103" pitchFamily="49" charset="0"/>
+              </a:rPr>
+              <a:t>inc</a:t>
+            </a:r>
+            <a:r>
+              <a:rPr lang="en" altLang="ko-Kore-KR" b="0" dirty="0">
+                <a:solidFill>
+                  <a:srgbClr val="000000"/>
+                </a:solidFill>
+                <a:effectLst/>
+                <a:latin typeface="DM Mono" panose="020B0509040201040103" pitchFamily="49" charset="0"/>
+              </a:rPr>
+              <a:t>(n);</a:t>
+            </a:r>
+          </a:p>
+          <a:p>
+            <a:r>
+              <a:rPr lang="en" altLang="ko-Kore-KR" b="0" dirty="0" err="1">
+                <a:solidFill>
+                  <a:srgbClr val="000000"/>
+                </a:solidFill>
+                <a:effectLst/>
+                <a:latin typeface="DM Mono" panose="020B0509040201040103" pitchFamily="49" charset="0"/>
+              </a:rPr>
+              <a:t>inc</a:t>
+            </a:r>
+            <a:r>
+              <a:rPr lang="en" altLang="ko-Kore-KR" b="0" dirty="0">
+                <a:solidFill>
+                  <a:srgbClr val="000000"/>
+                </a:solidFill>
+                <a:effectLst/>
+                <a:latin typeface="DM Mono" panose="020B0509040201040103" pitchFamily="49" charset="0"/>
+              </a:rPr>
+              <a:t>(n);</a:t>
+            </a:r>
+          </a:p>
+          <a:p>
+            <a:r>
+              <a:rPr lang="en" altLang="ko-Kore-KR" b="0" dirty="0" err="1">
+                <a:solidFill>
+                  <a:srgbClr val="000000"/>
+                </a:solidFill>
+                <a:effectLst/>
+                <a:latin typeface="DM Mono" panose="020B0509040201040103" pitchFamily="49" charset="0"/>
+              </a:rPr>
+              <a:t>inc</a:t>
+            </a:r>
+            <a:r>
+              <a:rPr lang="en" altLang="ko-Kore-KR" b="0" dirty="0">
+                <a:solidFill>
+                  <a:srgbClr val="000000"/>
+                </a:solidFill>
+                <a:effectLst/>
+                <a:latin typeface="DM Mono" panose="020B0509040201040103" pitchFamily="49" charset="0"/>
+              </a:rPr>
+              <a:t>(n);</a:t>
+            </a:r>
+          </a:p>
+          <a:p>
+            <a:br>
+              <a:rPr lang="en" altLang="ko-Kore-KR" b="0" dirty="0">
+                <a:solidFill>
+                  <a:srgbClr val="000000"/>
+                </a:solidFill>
+                <a:effectLst/>
+                <a:latin typeface="DM Mono" panose="020B0509040201040103" pitchFamily="49" charset="0"/>
+              </a:rPr>
+            </a:br>
+            <a:r>
+              <a:rPr lang="en" altLang="ko-Kore-KR" b="0" dirty="0" err="1">
+                <a:solidFill>
+                  <a:srgbClr val="000000"/>
+                </a:solidFill>
+                <a:effectLst/>
+                <a:latin typeface="DM Mono" panose="020B0509040201040103" pitchFamily="49" charset="0"/>
+              </a:rPr>
+              <a:t>printf</a:t>
+            </a:r>
+            <a:r>
+              <a:rPr lang="en" altLang="ko-Kore-KR" b="0" dirty="0">
+                <a:solidFill>
+                  <a:srgbClr val="000000"/>
+                </a:solidFill>
+                <a:effectLst/>
+                <a:latin typeface="DM Mono" panose="020B0509040201040103" pitchFamily="49" charset="0"/>
+              </a:rPr>
+              <a:t>(</a:t>
+            </a:r>
+            <a:r>
+              <a:rPr lang="en" altLang="ko-Kore-KR" b="0" dirty="0">
+                <a:solidFill>
+                  <a:srgbClr val="A31515"/>
+                </a:solidFill>
+                <a:effectLst/>
+                <a:latin typeface="DM Mono" panose="020B0509040201040103" pitchFamily="49" charset="0"/>
+              </a:rPr>
+              <a:t>"%d\n"</a:t>
+            </a:r>
+            <a:r>
+              <a:rPr lang="en" altLang="ko-Kore-KR" b="0" dirty="0">
+                <a:solidFill>
+                  <a:srgbClr val="000000"/>
+                </a:solidFill>
+                <a:effectLst/>
+                <a:latin typeface="DM Mono" panose="020B0509040201040103" pitchFamily="49" charset="0"/>
+              </a:rPr>
+              <a:t>, n);</a:t>
+            </a:r>
+          </a:p>
+          <a:p>
+            <a:r>
+              <a:rPr lang="en" altLang="ko-Kore-KR" b="0" dirty="0">
+                <a:solidFill>
+                  <a:srgbClr val="000000"/>
+                </a:solidFill>
+                <a:effectLst/>
+                <a:latin typeface="DM Mono" panose="020B0509040201040103" pitchFamily="49" charset="0"/>
+              </a:rPr>
+              <a:t>}</a:t>
+            </a:r>
+          </a:p>
+        </p:txBody>
+      </p:sp>
+      <p:sp>
+        <p:nvSpPr>
+          <p:cNvPr id="5" name="직사각형 4">
+            <a:extLst>
+              <a:ext uri="{FF2B5EF4-FFF2-40B4-BE49-F238E27FC236}">
+                <a16:creationId xmlns:a16="http://schemas.microsoft.com/office/drawing/2014/main" id="{DE9D3616-6FA2-2847-AB86-E5B586F54029}"/>
+              </a:ext>
+            </a:extLst>
+          </p:cNvPr>
+          <p:cNvSpPr/>
+          <p:nvPr/>
+        </p:nvSpPr>
+        <p:spPr>
+          <a:xfrm>
+            <a:off x="4818995" y="2976806"/>
+            <a:ext cx="1692166" cy="630620"/>
+          </a:xfrm>
+          <a:prstGeom prst="rect">
+            <a:avLst/>
+          </a:prstGeom>
+        </p:spPr>
+        <p:style>
+          <a:lnRef idx="2">
+            <a:schemeClr val="dk1"/>
+          </a:lnRef>
+          <a:fillRef idx="1">
+            <a:schemeClr val="lt1"/>
+          </a:fillRef>
+          <a:effectRef idx="0">
+            <a:schemeClr val="dk1"/>
+          </a:effectRef>
+          <a:fontRef idx="minor">
+            <a:schemeClr val="dk1"/>
+          </a:fontRef>
+        </p:style>
+        <p:txBody>
+          <a:bodyPr rtlCol="0" anchor="ctr"/>
+          <a:lstStyle/>
+          <a:p>
+            <a:pPr algn="ctr"/>
+            <a:r>
+              <a:rPr lang="en-US" altLang="ko-Kore-KR" dirty="0">
+                <a:solidFill>
+                  <a:schemeClr val="tx1"/>
+                </a:solidFill>
+              </a:rPr>
+              <a:t>10</a:t>
+            </a:r>
+            <a:endParaRPr kumimoji="1" lang="ko-Kore-KR" altLang="en-US" dirty="0">
+              <a:solidFill>
+                <a:schemeClr val="tx1"/>
+              </a:solidFill>
+            </a:endParaRPr>
+          </a:p>
+        </p:txBody>
+      </p:sp>
+      <p:sp>
+        <p:nvSpPr>
+          <p:cNvPr id="6" name="직사각형 5">
+            <a:extLst>
+              <a:ext uri="{FF2B5EF4-FFF2-40B4-BE49-F238E27FC236}">
+                <a16:creationId xmlns:a16="http://schemas.microsoft.com/office/drawing/2014/main" id="{55FC9277-8E86-B147-9E1E-212A1AF1B26D}"/>
+              </a:ext>
+            </a:extLst>
+          </p:cNvPr>
+          <p:cNvSpPr/>
+          <p:nvPr/>
+        </p:nvSpPr>
+        <p:spPr>
+          <a:xfrm>
+            <a:off x="4004441" y="3162050"/>
+            <a:ext cx="814553" cy="260131"/>
+          </a:xfrm>
+          <a:prstGeom prst="rect">
+            <a:avLst/>
+          </a:prstGeom>
+          <a:ln>
+            <a:noFill/>
+          </a:ln>
+        </p:spPr>
+        <p:style>
+          <a:lnRef idx="2">
+            <a:schemeClr val="dk1"/>
+          </a:lnRef>
+          <a:fillRef idx="1">
+            <a:schemeClr val="lt1"/>
+          </a:fillRef>
+          <a:effectRef idx="0">
+            <a:schemeClr val="dk1"/>
+          </a:effectRef>
+          <a:fontRef idx="minor">
+            <a:schemeClr val="dk1"/>
+          </a:fontRef>
+        </p:style>
+        <p:txBody>
+          <a:bodyPr rtlCol="0" anchor="ctr"/>
+          <a:lstStyle/>
+          <a:p>
+            <a:pPr algn="ctr"/>
+            <a:r>
+              <a:rPr kumimoji="1" lang="en-US" altLang="ko-Kore-KR" dirty="0"/>
+              <a:t>n</a:t>
+            </a:r>
+            <a:endParaRPr kumimoji="1" lang="ko-Kore-KR" altLang="en-US" dirty="0"/>
+          </a:p>
+        </p:txBody>
+      </p:sp>
+      <p:sp>
+        <p:nvSpPr>
+          <p:cNvPr id="8" name="직사각형 7">
+            <a:extLst>
+              <a:ext uri="{FF2B5EF4-FFF2-40B4-BE49-F238E27FC236}">
+                <a16:creationId xmlns:a16="http://schemas.microsoft.com/office/drawing/2014/main" id="{35809C59-0476-B546-BD30-B7BA4276720A}"/>
+              </a:ext>
+            </a:extLst>
+          </p:cNvPr>
+          <p:cNvSpPr/>
+          <p:nvPr/>
+        </p:nvSpPr>
+        <p:spPr>
+          <a:xfrm>
+            <a:off x="4908333" y="1598387"/>
+            <a:ext cx="814553" cy="260131"/>
+          </a:xfrm>
+          <a:prstGeom prst="rect">
+            <a:avLst/>
+          </a:prstGeom>
+          <a:ln>
+            <a:noFill/>
+          </a:ln>
+        </p:spPr>
+        <p:style>
+          <a:lnRef idx="2">
+            <a:schemeClr val="dk1"/>
+          </a:lnRef>
+          <a:fillRef idx="1">
+            <a:schemeClr val="lt1"/>
+          </a:fillRef>
+          <a:effectRef idx="0">
+            <a:schemeClr val="dk1"/>
+          </a:effectRef>
+          <a:fontRef idx="minor">
+            <a:schemeClr val="dk1"/>
+          </a:fontRef>
+        </p:style>
+        <p:txBody>
+          <a:bodyPr rtlCol="0" anchor="ctr"/>
+          <a:lstStyle/>
+          <a:p>
+            <a:pPr algn="ctr"/>
+            <a:r>
+              <a:rPr kumimoji="1" lang="en-US" altLang="ko-Kore-KR" dirty="0"/>
+              <a:t>main</a:t>
+            </a:r>
+            <a:endParaRPr kumimoji="1" lang="ko-Kore-KR" altLang="en-US" dirty="0"/>
+          </a:p>
+        </p:txBody>
+      </p:sp>
+      <p:sp>
+        <p:nvSpPr>
+          <p:cNvPr id="9" name="직사각형 8">
+            <a:extLst>
+              <a:ext uri="{FF2B5EF4-FFF2-40B4-BE49-F238E27FC236}">
+                <a16:creationId xmlns:a16="http://schemas.microsoft.com/office/drawing/2014/main" id="{D31965C5-4835-3C46-A8AA-186FC89B2EB6}"/>
+              </a:ext>
+            </a:extLst>
+          </p:cNvPr>
+          <p:cNvSpPr/>
+          <p:nvPr/>
+        </p:nvSpPr>
+        <p:spPr>
+          <a:xfrm>
+            <a:off x="7798679" y="1923393"/>
+            <a:ext cx="2890346" cy="2112579"/>
+          </a:xfrm>
+          <a:prstGeom prst="rect">
+            <a:avLst/>
+          </a:prstGeom>
+        </p:spPr>
+        <p:style>
+          <a:lnRef idx="2">
+            <a:schemeClr val="dk1"/>
+          </a:lnRef>
+          <a:fillRef idx="1">
+            <a:schemeClr val="lt1"/>
+          </a:fillRef>
+          <a:effectRef idx="0">
+            <a:schemeClr val="dk1"/>
+          </a:effectRef>
+          <a:fontRef idx="minor">
+            <a:schemeClr val="dk1"/>
+          </a:fontRef>
+        </p:style>
+        <p:txBody>
+          <a:bodyPr rtlCol="0" anchor="ctr"/>
+          <a:lstStyle/>
+          <a:p>
+            <a:pPr algn="ctr"/>
+            <a:endParaRPr kumimoji="1" lang="ko-Kore-KR" altLang="en-US"/>
+          </a:p>
+        </p:txBody>
+      </p:sp>
+      <p:sp>
+        <p:nvSpPr>
+          <p:cNvPr id="10" name="직사각형 9">
+            <a:extLst>
+              <a:ext uri="{FF2B5EF4-FFF2-40B4-BE49-F238E27FC236}">
+                <a16:creationId xmlns:a16="http://schemas.microsoft.com/office/drawing/2014/main" id="{5B750B7D-30A2-0444-B987-6B4813547888}"/>
+              </a:ext>
+            </a:extLst>
+          </p:cNvPr>
+          <p:cNvSpPr/>
+          <p:nvPr/>
+        </p:nvSpPr>
+        <p:spPr>
+          <a:xfrm>
+            <a:off x="8671040" y="1598387"/>
+            <a:ext cx="814553" cy="260131"/>
+          </a:xfrm>
+          <a:prstGeom prst="rect">
+            <a:avLst/>
+          </a:prstGeom>
+          <a:ln>
+            <a:noFill/>
+          </a:ln>
+        </p:spPr>
+        <p:style>
+          <a:lnRef idx="2">
+            <a:schemeClr val="dk1"/>
+          </a:lnRef>
+          <a:fillRef idx="1">
+            <a:schemeClr val="lt1"/>
+          </a:fillRef>
+          <a:effectRef idx="0">
+            <a:schemeClr val="dk1"/>
+          </a:effectRef>
+          <a:fontRef idx="minor">
+            <a:schemeClr val="dk1"/>
+          </a:fontRef>
+        </p:style>
+        <p:txBody>
+          <a:bodyPr rtlCol="0" anchor="ctr"/>
+          <a:lstStyle/>
+          <a:p>
+            <a:pPr algn="ctr"/>
+            <a:r>
+              <a:rPr kumimoji="1" lang="en-US" altLang="ko-Kore-KR" dirty="0" err="1"/>
+              <a:t>inc</a:t>
+            </a:r>
+            <a:endParaRPr kumimoji="1" lang="ko-Kore-KR" altLang="en-US" dirty="0"/>
+          </a:p>
+        </p:txBody>
+      </p:sp>
+      <p:sp>
+        <p:nvSpPr>
+          <p:cNvPr id="11" name="직사각형 10">
+            <a:extLst>
+              <a:ext uri="{FF2B5EF4-FFF2-40B4-BE49-F238E27FC236}">
+                <a16:creationId xmlns:a16="http://schemas.microsoft.com/office/drawing/2014/main" id="{06F0C184-EC92-184C-8C57-5C51A9D85818}"/>
+              </a:ext>
+            </a:extLst>
+          </p:cNvPr>
+          <p:cNvSpPr/>
+          <p:nvPr/>
+        </p:nvSpPr>
+        <p:spPr>
+          <a:xfrm>
+            <a:off x="8671040" y="2067661"/>
+            <a:ext cx="1692166" cy="630620"/>
+          </a:xfrm>
+          <a:prstGeom prst="rect">
+            <a:avLst/>
+          </a:prstGeom>
+        </p:spPr>
+        <p:style>
+          <a:lnRef idx="2">
+            <a:schemeClr val="dk1"/>
+          </a:lnRef>
+          <a:fillRef idx="1">
+            <a:schemeClr val="lt1"/>
+          </a:fillRef>
+          <a:effectRef idx="0">
+            <a:schemeClr val="dk1"/>
+          </a:effectRef>
+          <a:fontRef idx="minor">
+            <a:schemeClr val="dk1"/>
+          </a:fontRef>
+        </p:style>
+        <p:txBody>
+          <a:bodyPr rtlCol="0" anchor="ctr"/>
+          <a:lstStyle/>
+          <a:p>
+            <a:pPr algn="ctr"/>
+            <a:r>
+              <a:rPr lang="en-US" altLang="ko-Kore-KR" dirty="0">
+                <a:solidFill>
+                  <a:srgbClr val="FF0000"/>
+                </a:solidFill>
+              </a:rPr>
+              <a:t>11</a:t>
+            </a:r>
+            <a:endParaRPr kumimoji="1" lang="ko-Kore-KR" altLang="en-US" dirty="0">
+              <a:solidFill>
+                <a:srgbClr val="FF0000"/>
+              </a:solidFill>
+            </a:endParaRPr>
+          </a:p>
+        </p:txBody>
+      </p:sp>
+      <p:sp>
+        <p:nvSpPr>
+          <p:cNvPr id="12" name="직사각형 11">
+            <a:extLst>
+              <a:ext uri="{FF2B5EF4-FFF2-40B4-BE49-F238E27FC236}">
+                <a16:creationId xmlns:a16="http://schemas.microsoft.com/office/drawing/2014/main" id="{70E22DFC-3E5B-A84F-965F-7472F5419AF4}"/>
+              </a:ext>
+            </a:extLst>
+          </p:cNvPr>
+          <p:cNvSpPr/>
+          <p:nvPr/>
+        </p:nvSpPr>
+        <p:spPr>
+          <a:xfrm>
+            <a:off x="7856486" y="2252905"/>
+            <a:ext cx="814553" cy="260131"/>
+          </a:xfrm>
+          <a:prstGeom prst="rect">
+            <a:avLst/>
+          </a:prstGeom>
+          <a:ln>
+            <a:noFill/>
+          </a:ln>
+        </p:spPr>
+        <p:style>
+          <a:lnRef idx="2">
+            <a:schemeClr val="dk1"/>
+          </a:lnRef>
+          <a:fillRef idx="1">
+            <a:schemeClr val="lt1"/>
+          </a:fillRef>
+          <a:effectRef idx="0">
+            <a:schemeClr val="dk1"/>
+          </a:effectRef>
+          <a:fontRef idx="minor">
+            <a:schemeClr val="dk1"/>
+          </a:fontRef>
+        </p:style>
+        <p:txBody>
+          <a:bodyPr rtlCol="0" anchor="ctr"/>
+          <a:lstStyle/>
+          <a:p>
+            <a:pPr algn="ctr"/>
+            <a:r>
+              <a:rPr kumimoji="1" lang="en-US" altLang="ko-Kore-KR" dirty="0"/>
+              <a:t>x</a:t>
+            </a:r>
+            <a:endParaRPr kumimoji="1" lang="ko-Kore-KR" altLang="en-US" dirty="0"/>
+          </a:p>
+        </p:txBody>
+      </p:sp>
+    </p:spTree>
+    <p:extLst>
+      <p:ext uri="{BB962C8B-B14F-4D97-AF65-F5344CB8AC3E}">
+        <p14:creationId xmlns:p14="http://schemas.microsoft.com/office/powerpoint/2010/main" val="3691942365"/>
+      </p:ext>
+    </p:extLst>
+  </p:cSld>
+  <p:clrMapOvr>
+    <a:masterClrMapping/>
+  </p:clrMapOvr>
+</p:sld>
+</file>
+
+<file path=ppt/slides/slide7.xml><?xml version="1.0" encoding="utf-8"?>
+<p:sld xmlns:a="http://schemas.openxmlformats.org/drawingml/2006/main" xmlns:r="http://schemas.openxmlformats.org/officeDocument/2006/relationships" xmlns:p="http://schemas.openxmlformats.org/presentationml/2006/main">
+  <p:cSld>
+    <p:spTree>
+      <p:nvGrpSpPr>
+        <p:cNvPr id="1" name=""/>
+        <p:cNvGrpSpPr/>
+        <p:nvPr/>
+      </p:nvGrpSpPr>
+      <p:grpSpPr>
+        <a:xfrm>
+          <a:off x="0" y="0"/>
+          <a:ext cx="0" cy="0"/>
+          <a:chOff x="0" y="0"/>
+          <a:chExt cx="0" cy="0"/>
+        </a:xfrm>
+      </p:grpSpPr>
+      <p:sp>
+        <p:nvSpPr>
+          <p:cNvPr id="7" name="직사각형 6">
+            <a:extLst>
+              <a:ext uri="{FF2B5EF4-FFF2-40B4-BE49-F238E27FC236}">
+                <a16:creationId xmlns:a16="http://schemas.microsoft.com/office/drawing/2014/main" id="{F715C31F-E41E-9E41-AD7F-5E814EEA2C46}"/>
+              </a:ext>
+            </a:extLst>
+          </p:cNvPr>
+          <p:cNvSpPr/>
+          <p:nvPr/>
+        </p:nvSpPr>
+        <p:spPr>
+          <a:xfrm>
+            <a:off x="4035972" y="1923393"/>
+            <a:ext cx="2890346" cy="2112579"/>
+          </a:xfrm>
+          <a:prstGeom prst="rect">
+            <a:avLst/>
+          </a:prstGeom>
+        </p:spPr>
+        <p:style>
+          <a:lnRef idx="2">
+            <a:schemeClr val="dk1"/>
+          </a:lnRef>
+          <a:fillRef idx="1">
+            <a:schemeClr val="lt1"/>
+          </a:fillRef>
+          <a:effectRef idx="0">
+            <a:schemeClr val="dk1"/>
+          </a:effectRef>
+          <a:fontRef idx="minor">
+            <a:schemeClr val="dk1"/>
+          </a:fontRef>
+        </p:style>
+        <p:txBody>
+          <a:bodyPr rtlCol="0" anchor="ctr"/>
+          <a:lstStyle/>
+          <a:p>
+            <a:pPr algn="ctr"/>
+            <a:endParaRPr kumimoji="1" lang="ko-Kore-KR" altLang="en-US" dirty="0"/>
+          </a:p>
+        </p:txBody>
+      </p:sp>
+      <p:sp>
+        <p:nvSpPr>
+          <p:cNvPr id="4" name="직사각형 3">
+            <a:extLst>
+              <a:ext uri="{FF2B5EF4-FFF2-40B4-BE49-F238E27FC236}">
+                <a16:creationId xmlns:a16="http://schemas.microsoft.com/office/drawing/2014/main" id="{2EE285A2-A627-5B4F-B4A4-C55C2974ACC2}"/>
+              </a:ext>
+            </a:extLst>
+          </p:cNvPr>
+          <p:cNvSpPr/>
+          <p:nvPr/>
+        </p:nvSpPr>
+        <p:spPr>
+          <a:xfrm>
+            <a:off x="283780" y="424338"/>
+            <a:ext cx="3752192" cy="3970318"/>
+          </a:xfrm>
+          <a:prstGeom prst="rect">
+            <a:avLst/>
+          </a:prstGeom>
+        </p:spPr>
+        <p:txBody>
+          <a:bodyPr wrap="square">
+            <a:spAutoFit/>
+          </a:bodyPr>
+          <a:lstStyle/>
+          <a:p>
+            <a:r>
+              <a:rPr lang="en" altLang="ko-Kore-KR" dirty="0">
+                <a:solidFill>
+                  <a:srgbClr val="0000FF"/>
+                </a:solidFill>
+                <a:latin typeface="DM Mono" panose="020B0509040201040103" pitchFamily="49" charset="0"/>
+              </a:rPr>
+              <a:t>void</a:t>
+            </a:r>
+            <a:r>
+              <a:rPr lang="en" altLang="ko-Kore-KR" dirty="0">
+                <a:solidFill>
+                  <a:srgbClr val="000000"/>
+                </a:solidFill>
+                <a:latin typeface="DM Mono" panose="020B0509040201040103" pitchFamily="49" charset="0"/>
+              </a:rPr>
+              <a:t> </a:t>
+            </a:r>
+            <a:r>
+              <a:rPr lang="en" altLang="ko-Kore-KR" dirty="0" err="1">
+                <a:solidFill>
+                  <a:srgbClr val="000000"/>
+                </a:solidFill>
+                <a:latin typeface="DM Mono" panose="020B0509040201040103" pitchFamily="49" charset="0"/>
+              </a:rPr>
+              <a:t>inc</a:t>
+            </a:r>
+            <a:r>
+              <a:rPr lang="en" altLang="ko-Kore-KR" dirty="0">
+                <a:solidFill>
+                  <a:srgbClr val="000000"/>
+                </a:solidFill>
+                <a:latin typeface="DM Mono" panose="020B0509040201040103" pitchFamily="49" charset="0"/>
+              </a:rPr>
+              <a:t>(</a:t>
+            </a:r>
+            <a:r>
+              <a:rPr lang="en" altLang="ko-Kore-KR" dirty="0">
+                <a:solidFill>
+                  <a:srgbClr val="0000FF"/>
+                </a:solidFill>
+                <a:latin typeface="DM Mono" panose="020B0509040201040103" pitchFamily="49" charset="0"/>
+              </a:rPr>
+              <a:t>int</a:t>
+            </a:r>
+            <a:r>
+              <a:rPr lang="en" altLang="ko-Kore-KR" dirty="0">
+                <a:solidFill>
+                  <a:srgbClr val="000000"/>
+                </a:solidFill>
+                <a:latin typeface="DM Mono" panose="020B0509040201040103" pitchFamily="49" charset="0"/>
+              </a:rPr>
+              <a:t>* </a:t>
+            </a:r>
+            <a:r>
+              <a:rPr lang="en" altLang="ko-Kore-KR" dirty="0">
+                <a:solidFill>
+                  <a:srgbClr val="808080"/>
+                </a:solidFill>
+                <a:latin typeface="DM Mono" panose="020B0509040201040103" pitchFamily="49" charset="0"/>
+              </a:rPr>
+              <a:t>x</a:t>
+            </a:r>
+            <a:r>
+              <a:rPr lang="en" altLang="ko-Kore-KR" dirty="0">
+                <a:solidFill>
+                  <a:srgbClr val="000000"/>
+                </a:solidFill>
+                <a:latin typeface="DM Mono" panose="020B0509040201040103" pitchFamily="49" charset="0"/>
+              </a:rPr>
+              <a:t>)</a:t>
+            </a:r>
+          </a:p>
+          <a:p>
+            <a:r>
+              <a:rPr lang="en" altLang="ko-Kore-KR" dirty="0">
+                <a:solidFill>
+                  <a:srgbClr val="000000"/>
+                </a:solidFill>
+                <a:latin typeface="DM Mono" panose="020B0509040201040103" pitchFamily="49" charset="0"/>
+              </a:rPr>
+              <a:t>{</a:t>
+            </a:r>
+          </a:p>
+          <a:p>
+            <a:r>
+              <a:rPr lang="en" altLang="ko-Kore-KR" dirty="0">
+                <a:solidFill>
+                  <a:srgbClr val="000000"/>
+                </a:solidFill>
+                <a:latin typeface="DM Mono" panose="020B0509040201040103" pitchFamily="49" charset="0"/>
+              </a:rPr>
+              <a:t>*</a:t>
+            </a:r>
+            <a:r>
+              <a:rPr lang="en" altLang="ko-Kore-KR" dirty="0">
+                <a:solidFill>
+                  <a:srgbClr val="808080"/>
+                </a:solidFill>
+                <a:latin typeface="DM Mono" panose="020B0509040201040103" pitchFamily="49" charset="0"/>
+              </a:rPr>
+              <a:t>x</a:t>
+            </a:r>
+            <a:r>
+              <a:rPr lang="en" altLang="ko-Kore-KR" dirty="0">
+                <a:solidFill>
+                  <a:srgbClr val="000000"/>
+                </a:solidFill>
+                <a:latin typeface="DM Mono" panose="020B0509040201040103" pitchFamily="49" charset="0"/>
+              </a:rPr>
+              <a:t> = *</a:t>
+            </a:r>
+            <a:r>
+              <a:rPr lang="en" altLang="ko-Kore-KR" dirty="0">
+                <a:solidFill>
+                  <a:srgbClr val="808080"/>
+                </a:solidFill>
+                <a:latin typeface="DM Mono" panose="020B0509040201040103" pitchFamily="49" charset="0"/>
+              </a:rPr>
+              <a:t>x</a:t>
+            </a:r>
+            <a:r>
+              <a:rPr lang="en" altLang="ko-Kore-KR" dirty="0">
+                <a:solidFill>
+                  <a:srgbClr val="000000"/>
+                </a:solidFill>
+                <a:latin typeface="DM Mono" panose="020B0509040201040103" pitchFamily="49" charset="0"/>
+              </a:rPr>
+              <a:t> + 1;</a:t>
+            </a:r>
+          </a:p>
+          <a:p>
+            <a:r>
+              <a:rPr lang="en" altLang="ko-Kore-KR" dirty="0">
+                <a:solidFill>
+                  <a:srgbClr val="000000"/>
+                </a:solidFill>
+                <a:latin typeface="DM Mono" panose="020B0509040201040103" pitchFamily="49" charset="0"/>
+              </a:rPr>
+              <a:t>}</a:t>
+            </a:r>
+          </a:p>
+          <a:p>
+            <a:br>
+              <a:rPr lang="en" altLang="ko-Kore-KR" dirty="0">
+                <a:solidFill>
+                  <a:srgbClr val="000000"/>
+                </a:solidFill>
+                <a:latin typeface="DM Mono" panose="020B0509040201040103" pitchFamily="49" charset="0"/>
+              </a:rPr>
+            </a:br>
+            <a:r>
+              <a:rPr lang="en" altLang="ko-Kore-KR" dirty="0">
+                <a:solidFill>
+                  <a:srgbClr val="0000FF"/>
+                </a:solidFill>
+                <a:latin typeface="DM Mono" panose="020B0509040201040103" pitchFamily="49" charset="0"/>
+              </a:rPr>
+              <a:t>int</a:t>
+            </a:r>
+            <a:r>
+              <a:rPr lang="en" altLang="ko-Kore-KR" dirty="0">
+                <a:solidFill>
+                  <a:srgbClr val="000000"/>
+                </a:solidFill>
+                <a:latin typeface="DM Mono" panose="020B0509040201040103" pitchFamily="49" charset="0"/>
+              </a:rPr>
+              <a:t> main()</a:t>
+            </a:r>
+          </a:p>
+          <a:p>
+            <a:r>
+              <a:rPr lang="en" altLang="ko-Kore-KR" dirty="0">
+                <a:solidFill>
+                  <a:srgbClr val="000000"/>
+                </a:solidFill>
+                <a:latin typeface="DM Mono" panose="020B0509040201040103" pitchFamily="49" charset="0"/>
+              </a:rPr>
+              <a:t>{</a:t>
+            </a:r>
+          </a:p>
+          <a:p>
+            <a:r>
+              <a:rPr lang="en" altLang="ko-Kore-KR" dirty="0">
+                <a:solidFill>
+                  <a:srgbClr val="0000FF"/>
+                </a:solidFill>
+                <a:latin typeface="DM Mono" panose="020B0509040201040103" pitchFamily="49" charset="0"/>
+              </a:rPr>
+              <a:t>int</a:t>
+            </a:r>
+            <a:r>
+              <a:rPr lang="en" altLang="ko-Kore-KR" dirty="0">
+                <a:solidFill>
+                  <a:srgbClr val="000000"/>
+                </a:solidFill>
+                <a:latin typeface="DM Mono" panose="020B0509040201040103" pitchFamily="49" charset="0"/>
+              </a:rPr>
+              <a:t> n = 10;</a:t>
+            </a:r>
+          </a:p>
+          <a:p>
+            <a:r>
+              <a:rPr lang="en" altLang="ko-Kore-KR" dirty="0" err="1">
+                <a:solidFill>
+                  <a:srgbClr val="000000"/>
+                </a:solidFill>
+                <a:latin typeface="DM Mono" panose="020B0509040201040103" pitchFamily="49" charset="0"/>
+              </a:rPr>
+              <a:t>inc</a:t>
+            </a:r>
+            <a:r>
+              <a:rPr lang="en" altLang="ko-Kore-KR" dirty="0">
+                <a:solidFill>
+                  <a:srgbClr val="000000"/>
+                </a:solidFill>
+                <a:latin typeface="DM Mono" panose="020B0509040201040103" pitchFamily="49" charset="0"/>
+              </a:rPr>
+              <a:t>(&amp;n);</a:t>
+            </a:r>
+          </a:p>
+          <a:p>
+            <a:r>
+              <a:rPr lang="en" altLang="ko-Kore-KR" dirty="0" err="1">
+                <a:solidFill>
+                  <a:srgbClr val="000000"/>
+                </a:solidFill>
+                <a:latin typeface="DM Mono" panose="020B0509040201040103" pitchFamily="49" charset="0"/>
+              </a:rPr>
+              <a:t>inc</a:t>
+            </a:r>
+            <a:r>
+              <a:rPr lang="en" altLang="ko-Kore-KR" dirty="0">
+                <a:solidFill>
+                  <a:srgbClr val="000000"/>
+                </a:solidFill>
+                <a:latin typeface="DM Mono" panose="020B0509040201040103" pitchFamily="49" charset="0"/>
+              </a:rPr>
+              <a:t>(&amp;n);</a:t>
+            </a:r>
+          </a:p>
+          <a:p>
+            <a:r>
+              <a:rPr lang="en" altLang="ko-Kore-KR" dirty="0" err="1">
+                <a:solidFill>
+                  <a:srgbClr val="000000"/>
+                </a:solidFill>
+                <a:latin typeface="DM Mono" panose="020B0509040201040103" pitchFamily="49" charset="0"/>
+              </a:rPr>
+              <a:t>inc</a:t>
+            </a:r>
+            <a:r>
+              <a:rPr lang="en" altLang="ko-Kore-KR" dirty="0">
+                <a:solidFill>
+                  <a:srgbClr val="000000"/>
+                </a:solidFill>
+                <a:latin typeface="DM Mono" panose="020B0509040201040103" pitchFamily="49" charset="0"/>
+              </a:rPr>
+              <a:t>(&amp;n);</a:t>
+            </a:r>
+          </a:p>
+          <a:p>
+            <a:br>
+              <a:rPr lang="en" altLang="ko-Kore-KR" dirty="0">
+                <a:solidFill>
+                  <a:srgbClr val="000000"/>
+                </a:solidFill>
+                <a:latin typeface="DM Mono" panose="020B0509040201040103" pitchFamily="49" charset="0"/>
+              </a:rPr>
+            </a:br>
+            <a:r>
+              <a:rPr lang="en" altLang="ko-Kore-KR" dirty="0" err="1">
+                <a:solidFill>
+                  <a:srgbClr val="000000"/>
+                </a:solidFill>
+                <a:latin typeface="DM Mono" panose="020B0509040201040103" pitchFamily="49" charset="0"/>
+              </a:rPr>
+              <a:t>printf</a:t>
+            </a:r>
+            <a:r>
+              <a:rPr lang="en" altLang="ko-Kore-KR" dirty="0">
+                <a:solidFill>
+                  <a:srgbClr val="000000"/>
+                </a:solidFill>
+                <a:latin typeface="DM Mono" panose="020B0509040201040103" pitchFamily="49" charset="0"/>
+              </a:rPr>
+              <a:t>(</a:t>
+            </a:r>
+            <a:r>
+              <a:rPr lang="en" altLang="ko-Kore-KR" dirty="0">
+                <a:solidFill>
+                  <a:srgbClr val="A31515"/>
+                </a:solidFill>
+                <a:latin typeface="DM Mono" panose="020B0509040201040103" pitchFamily="49" charset="0"/>
+              </a:rPr>
+              <a:t>"%d\n"</a:t>
+            </a:r>
+            <a:r>
+              <a:rPr lang="en" altLang="ko-Kore-KR" dirty="0">
+                <a:solidFill>
+                  <a:srgbClr val="000000"/>
+                </a:solidFill>
+                <a:latin typeface="DM Mono" panose="020B0509040201040103" pitchFamily="49" charset="0"/>
+              </a:rPr>
+              <a:t>, n);</a:t>
+            </a:r>
+          </a:p>
+          <a:p>
+            <a:r>
+              <a:rPr lang="en" altLang="ko-Kore-KR" dirty="0">
+                <a:solidFill>
+                  <a:srgbClr val="000000"/>
+                </a:solidFill>
+                <a:latin typeface="DM Mono" panose="020B0509040201040103" pitchFamily="49" charset="0"/>
+              </a:rPr>
+              <a:t>}</a:t>
+            </a:r>
+          </a:p>
+        </p:txBody>
+      </p:sp>
+      <p:sp>
+        <p:nvSpPr>
+          <p:cNvPr id="5" name="직사각형 4">
+            <a:extLst>
+              <a:ext uri="{FF2B5EF4-FFF2-40B4-BE49-F238E27FC236}">
+                <a16:creationId xmlns:a16="http://schemas.microsoft.com/office/drawing/2014/main" id="{DE9D3616-6FA2-2847-AB86-E5B586F54029}"/>
+              </a:ext>
+            </a:extLst>
+          </p:cNvPr>
+          <p:cNvSpPr/>
+          <p:nvPr/>
+        </p:nvSpPr>
+        <p:spPr>
+          <a:xfrm>
+            <a:off x="4818995" y="2976806"/>
+            <a:ext cx="1692166" cy="630620"/>
+          </a:xfrm>
+          <a:prstGeom prst="rect">
+            <a:avLst/>
+          </a:prstGeom>
+        </p:spPr>
+        <p:style>
+          <a:lnRef idx="2">
+            <a:schemeClr val="dk1"/>
+          </a:lnRef>
+          <a:fillRef idx="1">
+            <a:schemeClr val="lt1"/>
+          </a:fillRef>
+          <a:effectRef idx="0">
+            <a:schemeClr val="dk1"/>
+          </a:effectRef>
+          <a:fontRef idx="minor">
+            <a:schemeClr val="dk1"/>
+          </a:fontRef>
+        </p:style>
+        <p:txBody>
+          <a:bodyPr rtlCol="0" anchor="ctr"/>
+          <a:lstStyle/>
+          <a:p>
+            <a:pPr algn="ctr"/>
+            <a:r>
+              <a:rPr lang="en-US" altLang="ko-Kore-KR" dirty="0">
+                <a:solidFill>
+                  <a:srgbClr val="FF0000"/>
+                </a:solidFill>
+              </a:rPr>
+              <a:t>13</a:t>
+            </a:r>
+            <a:endParaRPr kumimoji="1" lang="ko-Kore-KR" altLang="en-US" dirty="0">
+              <a:solidFill>
+                <a:srgbClr val="FF0000"/>
+              </a:solidFill>
+            </a:endParaRPr>
+          </a:p>
+        </p:txBody>
+      </p:sp>
+      <p:sp>
+        <p:nvSpPr>
+          <p:cNvPr id="6" name="직사각형 5">
+            <a:extLst>
+              <a:ext uri="{FF2B5EF4-FFF2-40B4-BE49-F238E27FC236}">
+                <a16:creationId xmlns:a16="http://schemas.microsoft.com/office/drawing/2014/main" id="{55FC9277-8E86-B147-9E1E-212A1AF1B26D}"/>
+              </a:ext>
+            </a:extLst>
+          </p:cNvPr>
+          <p:cNvSpPr/>
+          <p:nvPr/>
+        </p:nvSpPr>
+        <p:spPr>
+          <a:xfrm>
+            <a:off x="4004441" y="3162050"/>
+            <a:ext cx="814553" cy="260131"/>
+          </a:xfrm>
+          <a:prstGeom prst="rect">
+            <a:avLst/>
+          </a:prstGeom>
+          <a:ln>
+            <a:noFill/>
+          </a:ln>
+        </p:spPr>
+        <p:style>
+          <a:lnRef idx="2">
+            <a:schemeClr val="dk1"/>
+          </a:lnRef>
+          <a:fillRef idx="1">
+            <a:schemeClr val="lt1"/>
+          </a:fillRef>
+          <a:effectRef idx="0">
+            <a:schemeClr val="dk1"/>
+          </a:effectRef>
+          <a:fontRef idx="minor">
+            <a:schemeClr val="dk1"/>
+          </a:fontRef>
+        </p:style>
+        <p:txBody>
+          <a:bodyPr rtlCol="0" anchor="ctr"/>
+          <a:lstStyle/>
+          <a:p>
+            <a:pPr algn="ctr"/>
+            <a:r>
+              <a:rPr kumimoji="1" lang="en-US" altLang="ko-Kore-KR" dirty="0"/>
+              <a:t>n</a:t>
+            </a:r>
+            <a:endParaRPr kumimoji="1" lang="ko-Kore-KR" altLang="en-US" dirty="0"/>
+          </a:p>
+        </p:txBody>
+      </p:sp>
+      <p:sp>
+        <p:nvSpPr>
+          <p:cNvPr id="8" name="직사각형 7">
+            <a:extLst>
+              <a:ext uri="{FF2B5EF4-FFF2-40B4-BE49-F238E27FC236}">
+                <a16:creationId xmlns:a16="http://schemas.microsoft.com/office/drawing/2014/main" id="{35809C59-0476-B546-BD30-B7BA4276720A}"/>
+              </a:ext>
+            </a:extLst>
+          </p:cNvPr>
+          <p:cNvSpPr/>
+          <p:nvPr/>
+        </p:nvSpPr>
+        <p:spPr>
+          <a:xfrm>
+            <a:off x="4908333" y="1598387"/>
+            <a:ext cx="814553" cy="260131"/>
+          </a:xfrm>
+          <a:prstGeom prst="rect">
+            <a:avLst/>
+          </a:prstGeom>
+          <a:ln>
+            <a:noFill/>
+          </a:ln>
+        </p:spPr>
+        <p:style>
+          <a:lnRef idx="2">
+            <a:schemeClr val="dk1"/>
+          </a:lnRef>
+          <a:fillRef idx="1">
+            <a:schemeClr val="lt1"/>
+          </a:fillRef>
+          <a:effectRef idx="0">
+            <a:schemeClr val="dk1"/>
+          </a:effectRef>
+          <a:fontRef idx="minor">
+            <a:schemeClr val="dk1"/>
+          </a:fontRef>
+        </p:style>
+        <p:txBody>
+          <a:bodyPr rtlCol="0" anchor="ctr"/>
+          <a:lstStyle/>
+          <a:p>
+            <a:pPr algn="ctr"/>
+            <a:r>
+              <a:rPr kumimoji="1" lang="en-US" altLang="ko-Kore-KR" dirty="0"/>
+              <a:t>main</a:t>
+            </a:r>
+            <a:endParaRPr kumimoji="1" lang="ko-Kore-KR" altLang="en-US" dirty="0"/>
+          </a:p>
+        </p:txBody>
+      </p:sp>
+      <p:sp>
+        <p:nvSpPr>
+          <p:cNvPr id="9" name="직사각형 8">
+            <a:extLst>
+              <a:ext uri="{FF2B5EF4-FFF2-40B4-BE49-F238E27FC236}">
+                <a16:creationId xmlns:a16="http://schemas.microsoft.com/office/drawing/2014/main" id="{D31965C5-4835-3C46-A8AA-186FC89B2EB6}"/>
+              </a:ext>
+            </a:extLst>
+          </p:cNvPr>
+          <p:cNvSpPr/>
+          <p:nvPr/>
+        </p:nvSpPr>
+        <p:spPr>
+          <a:xfrm>
+            <a:off x="7798679" y="1923393"/>
+            <a:ext cx="2890346" cy="2112579"/>
+          </a:xfrm>
+          <a:prstGeom prst="rect">
+            <a:avLst/>
+          </a:prstGeom>
+        </p:spPr>
+        <p:style>
+          <a:lnRef idx="2">
+            <a:schemeClr val="dk1"/>
+          </a:lnRef>
+          <a:fillRef idx="1">
+            <a:schemeClr val="lt1"/>
+          </a:fillRef>
+          <a:effectRef idx="0">
+            <a:schemeClr val="dk1"/>
+          </a:effectRef>
+          <a:fontRef idx="minor">
+            <a:schemeClr val="dk1"/>
+          </a:fontRef>
+        </p:style>
+        <p:txBody>
+          <a:bodyPr rtlCol="0" anchor="ctr"/>
+          <a:lstStyle/>
+          <a:p>
+            <a:pPr algn="ctr"/>
+            <a:endParaRPr kumimoji="1" lang="ko-Kore-KR" altLang="en-US"/>
+          </a:p>
+        </p:txBody>
+      </p:sp>
+      <p:sp>
+        <p:nvSpPr>
+          <p:cNvPr id="10" name="직사각형 9">
+            <a:extLst>
+              <a:ext uri="{FF2B5EF4-FFF2-40B4-BE49-F238E27FC236}">
+                <a16:creationId xmlns:a16="http://schemas.microsoft.com/office/drawing/2014/main" id="{5B750B7D-30A2-0444-B987-6B4813547888}"/>
+              </a:ext>
+            </a:extLst>
+          </p:cNvPr>
+          <p:cNvSpPr/>
+          <p:nvPr/>
+        </p:nvSpPr>
+        <p:spPr>
+          <a:xfrm>
+            <a:off x="8671040" y="1598387"/>
+            <a:ext cx="814553" cy="260131"/>
+          </a:xfrm>
+          <a:prstGeom prst="rect">
+            <a:avLst/>
+          </a:prstGeom>
+          <a:ln>
+            <a:noFill/>
+          </a:ln>
+        </p:spPr>
+        <p:style>
+          <a:lnRef idx="2">
+            <a:schemeClr val="dk1"/>
+          </a:lnRef>
+          <a:fillRef idx="1">
+            <a:schemeClr val="lt1"/>
+          </a:fillRef>
+          <a:effectRef idx="0">
+            <a:schemeClr val="dk1"/>
+          </a:effectRef>
+          <a:fontRef idx="minor">
+            <a:schemeClr val="dk1"/>
+          </a:fontRef>
+        </p:style>
+        <p:txBody>
+          <a:bodyPr rtlCol="0" anchor="ctr"/>
+          <a:lstStyle/>
+          <a:p>
+            <a:pPr algn="ctr"/>
+            <a:r>
+              <a:rPr kumimoji="1" lang="en-US" altLang="ko-Kore-KR" dirty="0" err="1"/>
+              <a:t>inc</a:t>
+            </a:r>
+            <a:endParaRPr kumimoji="1" lang="ko-Kore-KR" altLang="en-US" dirty="0"/>
+          </a:p>
+        </p:txBody>
+      </p:sp>
+      <p:sp>
+        <p:nvSpPr>
+          <p:cNvPr id="11" name="직사각형 10">
+            <a:extLst>
+              <a:ext uri="{FF2B5EF4-FFF2-40B4-BE49-F238E27FC236}">
+                <a16:creationId xmlns:a16="http://schemas.microsoft.com/office/drawing/2014/main" id="{06F0C184-EC92-184C-8C57-5C51A9D85818}"/>
+              </a:ext>
+            </a:extLst>
+          </p:cNvPr>
+          <p:cNvSpPr/>
+          <p:nvPr/>
+        </p:nvSpPr>
+        <p:spPr>
+          <a:xfrm>
+            <a:off x="8671040" y="2067661"/>
+            <a:ext cx="1692166" cy="630620"/>
+          </a:xfrm>
+          <a:prstGeom prst="rect">
+            <a:avLst/>
+          </a:prstGeom>
+        </p:spPr>
+        <p:style>
+          <a:lnRef idx="2">
+            <a:schemeClr val="dk1"/>
+          </a:lnRef>
+          <a:fillRef idx="1">
+            <a:schemeClr val="lt1"/>
+          </a:fillRef>
+          <a:effectRef idx="0">
+            <a:schemeClr val="dk1"/>
+          </a:effectRef>
+          <a:fontRef idx="minor">
+            <a:schemeClr val="dk1"/>
+          </a:fontRef>
+        </p:style>
+        <p:txBody>
+          <a:bodyPr rtlCol="0" anchor="ctr"/>
+          <a:lstStyle/>
+          <a:p>
+            <a:pPr algn="ctr"/>
+            <a:r>
+              <a:rPr lang="en-US" altLang="ko-KR" dirty="0">
+                <a:solidFill>
+                  <a:srgbClr val="FF0000"/>
+                </a:solidFill>
+              </a:rPr>
+              <a:t>0x1000</a:t>
+            </a:r>
+            <a:endParaRPr kumimoji="1" lang="ko-Kore-KR" altLang="en-US" dirty="0">
+              <a:solidFill>
+                <a:srgbClr val="FF0000"/>
+              </a:solidFill>
+            </a:endParaRPr>
+          </a:p>
+        </p:txBody>
+      </p:sp>
+      <p:sp>
+        <p:nvSpPr>
+          <p:cNvPr id="12" name="직사각형 11">
+            <a:extLst>
+              <a:ext uri="{FF2B5EF4-FFF2-40B4-BE49-F238E27FC236}">
+                <a16:creationId xmlns:a16="http://schemas.microsoft.com/office/drawing/2014/main" id="{70E22DFC-3E5B-A84F-965F-7472F5419AF4}"/>
+              </a:ext>
+            </a:extLst>
+          </p:cNvPr>
+          <p:cNvSpPr/>
+          <p:nvPr/>
+        </p:nvSpPr>
+        <p:spPr>
+          <a:xfrm>
+            <a:off x="7856486" y="2252905"/>
+            <a:ext cx="814553" cy="260131"/>
+          </a:xfrm>
+          <a:prstGeom prst="rect">
+            <a:avLst/>
+          </a:prstGeom>
+          <a:ln>
+            <a:noFill/>
+          </a:ln>
+        </p:spPr>
+        <p:style>
+          <a:lnRef idx="2">
+            <a:schemeClr val="dk1"/>
+          </a:lnRef>
+          <a:fillRef idx="1">
+            <a:schemeClr val="lt1"/>
+          </a:fillRef>
+          <a:effectRef idx="0">
+            <a:schemeClr val="dk1"/>
+          </a:effectRef>
+          <a:fontRef idx="minor">
+            <a:schemeClr val="dk1"/>
+          </a:fontRef>
+        </p:style>
+        <p:txBody>
+          <a:bodyPr rtlCol="0" anchor="ctr"/>
+          <a:lstStyle/>
+          <a:p>
+            <a:pPr algn="ctr"/>
+            <a:r>
+              <a:rPr kumimoji="1" lang="en-US" altLang="ko-Kore-KR" dirty="0"/>
+              <a:t>x</a:t>
+            </a:r>
+            <a:endParaRPr kumimoji="1" lang="ko-Kore-KR" altLang="en-US" dirty="0"/>
+          </a:p>
+        </p:txBody>
+      </p:sp>
+      <p:sp>
+        <p:nvSpPr>
+          <p:cNvPr id="3" name="직사각형 2">
+            <a:extLst>
+              <a:ext uri="{FF2B5EF4-FFF2-40B4-BE49-F238E27FC236}">
+                <a16:creationId xmlns:a16="http://schemas.microsoft.com/office/drawing/2014/main" id="{4FD5E4E6-B76C-E343-B861-181E88B97395}"/>
+              </a:ext>
+            </a:extLst>
+          </p:cNvPr>
+          <p:cNvSpPr/>
+          <p:nvPr/>
+        </p:nvSpPr>
+        <p:spPr>
+          <a:xfrm>
+            <a:off x="4498431" y="2618700"/>
+            <a:ext cx="869149" cy="369332"/>
+          </a:xfrm>
+          <a:prstGeom prst="rect">
+            <a:avLst/>
+          </a:prstGeom>
+        </p:spPr>
+        <p:txBody>
+          <a:bodyPr wrap="none">
+            <a:spAutoFit/>
+          </a:bodyPr>
+          <a:lstStyle/>
+          <a:p>
+            <a:r>
+              <a:rPr lang="en-US" altLang="ko-KR" dirty="0"/>
+              <a:t>0x1000</a:t>
+            </a:r>
+            <a:endParaRPr lang="ko-Kore-KR" altLang="en-US" dirty="0"/>
+          </a:p>
+        </p:txBody>
+      </p:sp>
+      <p:cxnSp>
+        <p:nvCxnSpPr>
+          <p:cNvPr id="14" name="구부러진 연결선[U] 13">
+            <a:extLst>
+              <a:ext uri="{FF2B5EF4-FFF2-40B4-BE49-F238E27FC236}">
+                <a16:creationId xmlns:a16="http://schemas.microsoft.com/office/drawing/2014/main" id="{7545D67D-EB7A-A74A-8DB5-3E2DEB86B222}"/>
+              </a:ext>
+            </a:extLst>
+          </p:cNvPr>
+          <p:cNvCxnSpPr>
+            <a:stCxn id="11" idx="2"/>
+            <a:endCxn id="5" idx="2"/>
+          </p:cNvCxnSpPr>
+          <p:nvPr/>
+        </p:nvCxnSpPr>
+        <p:spPr>
+          <a:xfrm rot="5400000">
+            <a:off x="7136529" y="1226831"/>
+            <a:ext cx="909145" cy="3852045"/>
+          </a:xfrm>
+          <a:prstGeom prst="curvedConnector3">
+            <a:avLst>
+              <a:gd name="adj1" fmla="val 125145"/>
+            </a:avLst>
+          </a:prstGeom>
+          <a:ln>
+            <a:tailEnd type="triangle"/>
+          </a:ln>
+        </p:spPr>
+        <p:style>
+          <a:lnRef idx="1">
+            <a:schemeClr val="dk1"/>
+          </a:lnRef>
+          <a:fillRef idx="0">
+            <a:schemeClr val="dk1"/>
+          </a:fillRef>
+          <a:effectRef idx="0">
+            <a:schemeClr val="dk1"/>
+          </a:effectRef>
+          <a:fontRef idx="minor">
+            <a:schemeClr val="tx1"/>
+          </a:fontRef>
+        </p:style>
+      </p:cxnSp>
+    </p:spTree>
+    <p:extLst>
+      <p:ext uri="{BB962C8B-B14F-4D97-AF65-F5344CB8AC3E}">
+        <p14:creationId xmlns:p14="http://schemas.microsoft.com/office/powerpoint/2010/main" val="880865282"/>
+      </p:ext>
+    </p:extLst>
+  </p:cSld>
+  <p:clrMapOvr>
+    <a:masterClrMapping/>
+  </p:clrMapOvr>
+</p:sld>
+</file>
+
+<file path=ppt/slides/slide8.xml><?xml version="1.0" encoding="utf-8"?>
+<p:sld xmlns:a="http://schemas.openxmlformats.org/drawingml/2006/main" xmlns:r="http://schemas.openxmlformats.org/officeDocument/2006/relationships" xmlns:p="http://schemas.openxmlformats.org/presentationml/2006/main">
+  <p:cSld>
+    <p:spTree>
+      <p:nvGrpSpPr>
+        <p:cNvPr id="1" name=""/>
+        <p:cNvGrpSpPr/>
+        <p:nvPr/>
+      </p:nvGrpSpPr>
+      <p:grpSpPr>
+        <a:xfrm>
+          <a:off x="0" y="0"/>
+          <a:ext cx="0" cy="0"/>
+          <a:chOff x="0" y="0"/>
+          <a:chExt cx="0" cy="0"/>
+        </a:xfrm>
+      </p:grpSpPr>
+      <p:sp>
+        <p:nvSpPr>
+          <p:cNvPr id="4" name="직사각형 3">
+            <a:extLst>
+              <a:ext uri="{FF2B5EF4-FFF2-40B4-BE49-F238E27FC236}">
+                <a16:creationId xmlns:a16="http://schemas.microsoft.com/office/drawing/2014/main" id="{D4AE9034-06DD-A742-BD74-9C12C4C67FD9}"/>
+              </a:ext>
+            </a:extLst>
+          </p:cNvPr>
+          <p:cNvSpPr/>
+          <p:nvPr/>
+        </p:nvSpPr>
+        <p:spPr>
+          <a:xfrm>
+            <a:off x="508839" y="227712"/>
+            <a:ext cx="4093388" cy="4801314"/>
+          </a:xfrm>
+          <a:prstGeom prst="rect">
+            <a:avLst/>
+          </a:prstGeom>
+        </p:spPr>
+        <p:txBody>
+          <a:bodyPr wrap="square">
+            <a:spAutoFit/>
+          </a:bodyPr>
+          <a:lstStyle/>
+          <a:p>
+            <a:r>
+              <a:rPr lang="en" altLang="ko-Kore-KR" b="0" dirty="0">
+                <a:solidFill>
+                  <a:srgbClr val="0000FF"/>
+                </a:solidFill>
+                <a:effectLst/>
+                <a:latin typeface="DM Mono" panose="020B0509040201040103" pitchFamily="49" charset="0"/>
+              </a:rPr>
+              <a:t>void</a:t>
+            </a:r>
+            <a:r>
+              <a:rPr lang="en" altLang="ko-Kore-KR" b="0" dirty="0">
+                <a:solidFill>
+                  <a:srgbClr val="000000"/>
+                </a:solidFill>
+                <a:effectLst/>
+                <a:latin typeface="DM Mono" panose="020B0509040201040103" pitchFamily="49" charset="0"/>
+              </a:rPr>
+              <a:t> swap(</a:t>
+            </a:r>
+            <a:r>
+              <a:rPr lang="en" altLang="ko-Kore-KR" b="0" dirty="0">
+                <a:solidFill>
+                  <a:srgbClr val="0000FF"/>
+                </a:solidFill>
+                <a:effectLst/>
+                <a:latin typeface="DM Mono" panose="020B0509040201040103" pitchFamily="49" charset="0"/>
+              </a:rPr>
+              <a:t>int</a:t>
+            </a:r>
+            <a:r>
+              <a:rPr lang="en" altLang="ko-Kore-KR" b="0" dirty="0">
+                <a:solidFill>
+                  <a:srgbClr val="000000"/>
+                </a:solidFill>
+                <a:effectLst/>
+                <a:latin typeface="DM Mono" panose="020B0509040201040103" pitchFamily="49" charset="0"/>
+              </a:rPr>
+              <a:t>* </a:t>
+            </a:r>
+            <a:r>
+              <a:rPr lang="en" altLang="ko-Kore-KR" b="0" dirty="0">
+                <a:solidFill>
+                  <a:srgbClr val="808080"/>
+                </a:solidFill>
+                <a:effectLst/>
+                <a:latin typeface="DM Mono" panose="020B0509040201040103" pitchFamily="49" charset="0"/>
+              </a:rPr>
+              <a:t>a</a:t>
+            </a:r>
+            <a:r>
+              <a:rPr lang="en" altLang="ko-Kore-KR" b="0" dirty="0">
+                <a:solidFill>
+                  <a:srgbClr val="000000"/>
+                </a:solidFill>
+                <a:effectLst/>
+                <a:latin typeface="DM Mono" panose="020B0509040201040103" pitchFamily="49" charset="0"/>
+              </a:rPr>
+              <a:t>, </a:t>
+            </a:r>
+            <a:r>
+              <a:rPr lang="en" altLang="ko-Kore-KR" b="0" dirty="0">
+                <a:solidFill>
+                  <a:srgbClr val="0000FF"/>
+                </a:solidFill>
+                <a:effectLst/>
+                <a:latin typeface="DM Mono" panose="020B0509040201040103" pitchFamily="49" charset="0"/>
+              </a:rPr>
+              <a:t>int</a:t>
+            </a:r>
+            <a:r>
+              <a:rPr lang="en" altLang="ko-Kore-KR" b="0" dirty="0">
+                <a:solidFill>
+                  <a:srgbClr val="000000"/>
+                </a:solidFill>
+                <a:effectLst/>
+                <a:latin typeface="DM Mono" panose="020B0509040201040103" pitchFamily="49" charset="0"/>
+              </a:rPr>
+              <a:t>* </a:t>
+            </a:r>
+            <a:r>
+              <a:rPr lang="en" altLang="ko-Kore-KR" b="0" dirty="0">
+                <a:solidFill>
+                  <a:srgbClr val="808080"/>
+                </a:solidFill>
+                <a:effectLst/>
+                <a:latin typeface="DM Mono" panose="020B0509040201040103" pitchFamily="49" charset="0"/>
+              </a:rPr>
+              <a:t>b</a:t>
+            </a:r>
+            <a:r>
+              <a:rPr lang="en" altLang="ko-Kore-KR" b="0" dirty="0">
+                <a:solidFill>
+                  <a:srgbClr val="000000"/>
+                </a:solidFill>
+                <a:effectLst/>
+                <a:latin typeface="DM Mono" panose="020B0509040201040103" pitchFamily="49" charset="0"/>
+              </a:rPr>
+              <a:t>)</a:t>
+            </a:r>
+          </a:p>
+          <a:p>
+            <a:r>
+              <a:rPr lang="en" altLang="ko-Kore-KR" b="0" dirty="0">
+                <a:solidFill>
+                  <a:srgbClr val="000000"/>
+                </a:solidFill>
+                <a:effectLst/>
+                <a:latin typeface="DM Mono" panose="020B0509040201040103" pitchFamily="49" charset="0"/>
+              </a:rPr>
+              <a:t>{</a:t>
+            </a:r>
+          </a:p>
+          <a:p>
+            <a:r>
+              <a:rPr lang="en" altLang="ko-Kore-KR" b="0" dirty="0">
+                <a:solidFill>
+                  <a:srgbClr val="0000FF"/>
+                </a:solidFill>
+                <a:effectLst/>
+                <a:latin typeface="DM Mono" panose="020B0509040201040103" pitchFamily="49" charset="0"/>
+              </a:rPr>
+              <a:t>int</a:t>
+            </a:r>
+            <a:r>
+              <a:rPr lang="en" altLang="ko-Kore-KR" b="0" dirty="0">
+                <a:solidFill>
+                  <a:srgbClr val="000000"/>
+                </a:solidFill>
+                <a:effectLst/>
+                <a:latin typeface="DM Mono" panose="020B0509040201040103" pitchFamily="49" charset="0"/>
+              </a:rPr>
+              <a:t>* temp = </a:t>
+            </a:r>
+            <a:r>
+              <a:rPr lang="en" altLang="ko-Kore-KR" b="0" dirty="0">
+                <a:solidFill>
+                  <a:srgbClr val="808080"/>
+                </a:solidFill>
+                <a:effectLst/>
+                <a:latin typeface="DM Mono" panose="020B0509040201040103" pitchFamily="49" charset="0"/>
+              </a:rPr>
+              <a:t>a</a:t>
+            </a:r>
+            <a:r>
+              <a:rPr lang="en" altLang="ko-Kore-KR" b="0" dirty="0">
+                <a:solidFill>
+                  <a:srgbClr val="000000"/>
+                </a:solidFill>
+                <a:effectLst/>
+                <a:latin typeface="DM Mono" panose="020B0509040201040103" pitchFamily="49" charset="0"/>
+              </a:rPr>
+              <a:t>;</a:t>
+            </a:r>
+          </a:p>
+          <a:p>
+            <a:r>
+              <a:rPr lang="en" altLang="ko-Kore-KR" b="0" dirty="0">
+                <a:solidFill>
+                  <a:srgbClr val="808080"/>
+                </a:solidFill>
+                <a:effectLst/>
+                <a:latin typeface="DM Mono" panose="020B0509040201040103" pitchFamily="49" charset="0"/>
+              </a:rPr>
+              <a:t>a</a:t>
+            </a:r>
+            <a:r>
+              <a:rPr lang="en" altLang="ko-Kore-KR" b="0" dirty="0">
+                <a:solidFill>
+                  <a:srgbClr val="000000"/>
+                </a:solidFill>
+                <a:effectLst/>
+                <a:latin typeface="DM Mono" panose="020B0509040201040103" pitchFamily="49" charset="0"/>
+              </a:rPr>
+              <a:t> = </a:t>
+            </a:r>
+            <a:r>
+              <a:rPr lang="en" altLang="ko-Kore-KR" b="0" dirty="0">
+                <a:solidFill>
+                  <a:srgbClr val="808080"/>
+                </a:solidFill>
+                <a:effectLst/>
+                <a:latin typeface="DM Mono" panose="020B0509040201040103" pitchFamily="49" charset="0"/>
+              </a:rPr>
+              <a:t>b</a:t>
+            </a:r>
+            <a:r>
+              <a:rPr lang="en" altLang="ko-Kore-KR" b="0" dirty="0">
+                <a:solidFill>
+                  <a:srgbClr val="000000"/>
+                </a:solidFill>
+                <a:effectLst/>
+                <a:latin typeface="DM Mono" panose="020B0509040201040103" pitchFamily="49" charset="0"/>
+              </a:rPr>
+              <a:t>;</a:t>
+            </a:r>
+          </a:p>
+          <a:p>
+            <a:r>
+              <a:rPr lang="en" altLang="ko-Kore-KR" b="0" dirty="0">
+                <a:solidFill>
+                  <a:srgbClr val="808080"/>
+                </a:solidFill>
+                <a:effectLst/>
+                <a:latin typeface="DM Mono" panose="020B0509040201040103" pitchFamily="49" charset="0"/>
+              </a:rPr>
+              <a:t>b</a:t>
+            </a:r>
+            <a:r>
+              <a:rPr lang="en" altLang="ko-Kore-KR" b="0" dirty="0">
+                <a:solidFill>
+                  <a:srgbClr val="000000"/>
+                </a:solidFill>
+                <a:effectLst/>
+                <a:latin typeface="DM Mono" panose="020B0509040201040103" pitchFamily="49" charset="0"/>
+              </a:rPr>
+              <a:t> = </a:t>
+            </a:r>
+            <a:r>
+              <a:rPr lang="en" altLang="ko-Kore-KR" b="0" dirty="0">
+                <a:solidFill>
+                  <a:srgbClr val="808080"/>
+                </a:solidFill>
+                <a:effectLst/>
+                <a:latin typeface="DM Mono" panose="020B0509040201040103" pitchFamily="49" charset="0"/>
+              </a:rPr>
+              <a:t>temp</a:t>
+            </a:r>
+            <a:r>
+              <a:rPr lang="en" altLang="ko-Kore-KR" b="0" dirty="0">
+                <a:solidFill>
+                  <a:srgbClr val="000000"/>
+                </a:solidFill>
+                <a:effectLst/>
+                <a:latin typeface="DM Mono" panose="020B0509040201040103" pitchFamily="49" charset="0"/>
+              </a:rPr>
+              <a:t>;</a:t>
+            </a:r>
+          </a:p>
+          <a:p>
+            <a:r>
+              <a:rPr lang="en" altLang="ko-Kore-KR" b="0" dirty="0">
+                <a:solidFill>
+                  <a:srgbClr val="000000"/>
+                </a:solidFill>
+                <a:effectLst/>
+                <a:latin typeface="DM Mono" panose="020B0509040201040103" pitchFamily="49" charset="0"/>
+              </a:rPr>
+              <a:t>}</a:t>
+            </a:r>
+          </a:p>
+          <a:p>
+            <a:br>
+              <a:rPr lang="en" altLang="ko-Kore-KR" b="0" dirty="0">
+                <a:solidFill>
+                  <a:srgbClr val="000000"/>
+                </a:solidFill>
+                <a:effectLst/>
+                <a:latin typeface="DM Mono" panose="020B0509040201040103" pitchFamily="49" charset="0"/>
+              </a:rPr>
+            </a:br>
+            <a:r>
+              <a:rPr lang="en" altLang="ko-Kore-KR" b="0" dirty="0">
+                <a:solidFill>
+                  <a:srgbClr val="0000FF"/>
+                </a:solidFill>
+                <a:effectLst/>
+                <a:latin typeface="DM Mono" panose="020B0509040201040103" pitchFamily="49" charset="0"/>
+              </a:rPr>
+              <a:t>int</a:t>
+            </a:r>
+            <a:r>
+              <a:rPr lang="en" altLang="ko-Kore-KR" b="0" dirty="0">
+                <a:solidFill>
+                  <a:srgbClr val="000000"/>
+                </a:solidFill>
+                <a:effectLst/>
+                <a:latin typeface="DM Mono" panose="020B0509040201040103" pitchFamily="49" charset="0"/>
+              </a:rPr>
+              <a:t> main()</a:t>
+            </a:r>
+          </a:p>
+          <a:p>
+            <a:r>
+              <a:rPr lang="en" altLang="ko-Kore-KR" b="0" dirty="0">
+                <a:solidFill>
+                  <a:srgbClr val="000000"/>
+                </a:solidFill>
+                <a:effectLst/>
+                <a:latin typeface="DM Mono" panose="020B0509040201040103" pitchFamily="49" charset="0"/>
+              </a:rPr>
+              <a:t>{</a:t>
+            </a:r>
+          </a:p>
+          <a:p>
+            <a:r>
+              <a:rPr lang="en" altLang="ko-Kore-KR" b="0" dirty="0">
+                <a:solidFill>
+                  <a:srgbClr val="0000FF"/>
+                </a:solidFill>
+                <a:effectLst/>
+                <a:latin typeface="DM Mono" panose="020B0509040201040103" pitchFamily="49" charset="0"/>
+              </a:rPr>
+              <a:t>int</a:t>
+            </a:r>
+            <a:r>
+              <a:rPr lang="en" altLang="ko-Kore-KR" b="0" dirty="0">
+                <a:solidFill>
+                  <a:srgbClr val="000000"/>
+                </a:solidFill>
+                <a:effectLst/>
+                <a:latin typeface="DM Mono" panose="020B0509040201040103" pitchFamily="49" charset="0"/>
+              </a:rPr>
+              <a:t> a = 10;</a:t>
+            </a:r>
+          </a:p>
+          <a:p>
+            <a:r>
+              <a:rPr lang="en" altLang="ko-Kore-KR" b="0" dirty="0">
+                <a:solidFill>
+                  <a:srgbClr val="0000FF"/>
+                </a:solidFill>
+                <a:effectLst/>
+                <a:latin typeface="DM Mono" panose="020B0509040201040103" pitchFamily="49" charset="0"/>
+              </a:rPr>
+              <a:t>int</a:t>
+            </a:r>
+            <a:r>
+              <a:rPr lang="en" altLang="ko-Kore-KR" b="0" dirty="0">
+                <a:solidFill>
+                  <a:srgbClr val="000000"/>
+                </a:solidFill>
+                <a:effectLst/>
+                <a:latin typeface="DM Mono" panose="020B0509040201040103" pitchFamily="49" charset="0"/>
+              </a:rPr>
+              <a:t> b = 20;</a:t>
+            </a:r>
+          </a:p>
+          <a:p>
+            <a:br>
+              <a:rPr lang="en" altLang="ko-Kore-KR" b="0" dirty="0">
+                <a:solidFill>
+                  <a:srgbClr val="000000"/>
+                </a:solidFill>
+                <a:effectLst/>
+                <a:latin typeface="DM Mono" panose="020B0509040201040103" pitchFamily="49" charset="0"/>
+              </a:rPr>
+            </a:br>
+            <a:r>
+              <a:rPr lang="en" altLang="ko-Kore-KR" b="0" dirty="0">
+                <a:solidFill>
+                  <a:srgbClr val="000000"/>
+                </a:solidFill>
+                <a:effectLst/>
+                <a:latin typeface="DM Mono" panose="020B0509040201040103" pitchFamily="49" charset="0"/>
+              </a:rPr>
+              <a:t>swap(&amp;a, &amp;b);</a:t>
+            </a:r>
+          </a:p>
+          <a:p>
+            <a:endParaRPr lang="en" altLang="ko-Kore-KR" b="0" dirty="0">
+              <a:solidFill>
+                <a:srgbClr val="000000"/>
+              </a:solidFill>
+              <a:effectLst/>
+              <a:latin typeface="DM Mono" panose="020B0509040201040103" pitchFamily="49" charset="0"/>
+            </a:endParaRPr>
+          </a:p>
+          <a:p>
+            <a:r>
+              <a:rPr lang="en" altLang="ko-Kore-KR" b="0" dirty="0" err="1">
+                <a:solidFill>
+                  <a:srgbClr val="000000"/>
+                </a:solidFill>
+                <a:effectLst/>
+                <a:latin typeface="DM Mono" panose="020B0509040201040103" pitchFamily="49" charset="0"/>
+              </a:rPr>
+              <a:t>printf</a:t>
+            </a:r>
+            <a:r>
+              <a:rPr lang="en" altLang="ko-Kore-KR" b="0" dirty="0">
+                <a:solidFill>
+                  <a:srgbClr val="000000"/>
+                </a:solidFill>
+                <a:effectLst/>
+                <a:latin typeface="DM Mono" panose="020B0509040201040103" pitchFamily="49" charset="0"/>
+              </a:rPr>
+              <a:t>(</a:t>
+            </a:r>
+            <a:r>
+              <a:rPr lang="en" altLang="ko-Kore-KR" b="0" dirty="0">
+                <a:solidFill>
+                  <a:srgbClr val="A31515"/>
+                </a:solidFill>
+                <a:effectLst/>
+                <a:latin typeface="DM Mono" panose="020B0509040201040103" pitchFamily="49" charset="0"/>
+              </a:rPr>
+              <a:t>"%d %d\n"</a:t>
+            </a:r>
+            <a:r>
+              <a:rPr lang="en" altLang="ko-Kore-KR" b="0" dirty="0">
+                <a:solidFill>
+                  <a:srgbClr val="000000"/>
+                </a:solidFill>
+                <a:effectLst/>
+                <a:latin typeface="DM Mono" panose="020B0509040201040103" pitchFamily="49" charset="0"/>
+              </a:rPr>
+              <a:t>, a, b);</a:t>
+            </a:r>
+          </a:p>
+          <a:p>
+            <a:r>
+              <a:rPr lang="en" altLang="ko-Kore-KR" b="0" dirty="0">
+                <a:solidFill>
+                  <a:srgbClr val="0000FF"/>
+                </a:solidFill>
+                <a:effectLst/>
+                <a:latin typeface="DM Mono" panose="020B0509040201040103" pitchFamily="49" charset="0"/>
+              </a:rPr>
+              <a:t>return</a:t>
+            </a:r>
+            <a:r>
+              <a:rPr lang="en" altLang="ko-Kore-KR" b="0" dirty="0">
+                <a:solidFill>
+                  <a:srgbClr val="000000"/>
+                </a:solidFill>
+                <a:effectLst/>
+                <a:latin typeface="DM Mono" panose="020B0509040201040103" pitchFamily="49" charset="0"/>
+              </a:rPr>
+              <a:t> 0;</a:t>
+            </a:r>
+          </a:p>
+          <a:p>
+            <a:r>
+              <a:rPr lang="en" altLang="ko-Kore-KR" b="0" dirty="0">
+                <a:solidFill>
+                  <a:srgbClr val="000000"/>
+                </a:solidFill>
+                <a:effectLst/>
+                <a:latin typeface="DM Mono" panose="020B0509040201040103" pitchFamily="49" charset="0"/>
+              </a:rPr>
+              <a:t>}</a:t>
+            </a:r>
+          </a:p>
+        </p:txBody>
+      </p:sp>
+      <p:sp>
+        <p:nvSpPr>
+          <p:cNvPr id="5" name="직사각형 4">
+            <a:extLst>
+              <a:ext uri="{FF2B5EF4-FFF2-40B4-BE49-F238E27FC236}">
+                <a16:creationId xmlns:a16="http://schemas.microsoft.com/office/drawing/2014/main" id="{554BC92F-7EE1-3D4E-92BE-4475EDEB8297}"/>
+              </a:ext>
+            </a:extLst>
+          </p:cNvPr>
+          <p:cNvSpPr/>
+          <p:nvPr/>
+        </p:nvSpPr>
+        <p:spPr>
+          <a:xfrm>
+            <a:off x="4864594" y="649394"/>
+            <a:ext cx="2890346" cy="2112579"/>
+          </a:xfrm>
+          <a:prstGeom prst="rect">
+            <a:avLst/>
+          </a:prstGeom>
+        </p:spPr>
+        <p:style>
+          <a:lnRef idx="2">
+            <a:schemeClr val="dk1"/>
+          </a:lnRef>
+          <a:fillRef idx="1">
+            <a:schemeClr val="lt1"/>
+          </a:fillRef>
+          <a:effectRef idx="0">
+            <a:schemeClr val="dk1"/>
+          </a:effectRef>
+          <a:fontRef idx="minor">
+            <a:schemeClr val="dk1"/>
+          </a:fontRef>
+        </p:style>
+        <p:txBody>
+          <a:bodyPr rtlCol="0" anchor="ctr"/>
+          <a:lstStyle/>
+          <a:p>
+            <a:pPr algn="ctr"/>
+            <a:endParaRPr kumimoji="1" lang="ko-Kore-KR" altLang="en-US" dirty="0"/>
+          </a:p>
+        </p:txBody>
+      </p:sp>
+      <p:sp>
+        <p:nvSpPr>
+          <p:cNvPr id="6" name="직사각형 5">
+            <a:extLst>
+              <a:ext uri="{FF2B5EF4-FFF2-40B4-BE49-F238E27FC236}">
+                <a16:creationId xmlns:a16="http://schemas.microsoft.com/office/drawing/2014/main" id="{8B68FC11-BF75-B544-BD58-47A8A87E632F}"/>
+              </a:ext>
+            </a:extLst>
+          </p:cNvPr>
+          <p:cNvSpPr/>
+          <p:nvPr/>
+        </p:nvSpPr>
+        <p:spPr>
+          <a:xfrm>
+            <a:off x="5642040" y="1776428"/>
+            <a:ext cx="1692166" cy="630620"/>
+          </a:xfrm>
+          <a:prstGeom prst="rect">
+            <a:avLst/>
+          </a:prstGeom>
+        </p:spPr>
+        <p:style>
+          <a:lnRef idx="2">
+            <a:schemeClr val="dk1"/>
+          </a:lnRef>
+          <a:fillRef idx="1">
+            <a:schemeClr val="lt1"/>
+          </a:fillRef>
+          <a:effectRef idx="0">
+            <a:schemeClr val="dk1"/>
+          </a:effectRef>
+          <a:fontRef idx="minor">
+            <a:schemeClr val="dk1"/>
+          </a:fontRef>
+        </p:style>
+        <p:txBody>
+          <a:bodyPr rtlCol="0" anchor="ctr"/>
+          <a:lstStyle/>
+          <a:p>
+            <a:pPr algn="ctr"/>
+            <a:r>
+              <a:rPr lang="en-US" altLang="ko-Kore-KR" dirty="0">
+                <a:solidFill>
+                  <a:srgbClr val="FF0000"/>
+                </a:solidFill>
+              </a:rPr>
+              <a:t>20</a:t>
+            </a:r>
+            <a:endParaRPr kumimoji="1" lang="ko-Kore-KR" altLang="en-US" dirty="0">
+              <a:solidFill>
+                <a:srgbClr val="FF0000"/>
+              </a:solidFill>
+            </a:endParaRPr>
+          </a:p>
+        </p:txBody>
+      </p:sp>
+      <p:sp>
+        <p:nvSpPr>
+          <p:cNvPr id="7" name="직사각형 6">
+            <a:extLst>
+              <a:ext uri="{FF2B5EF4-FFF2-40B4-BE49-F238E27FC236}">
+                <a16:creationId xmlns:a16="http://schemas.microsoft.com/office/drawing/2014/main" id="{767D9606-9480-D64A-B79F-10A0FBC2AEA5}"/>
+              </a:ext>
+            </a:extLst>
+          </p:cNvPr>
+          <p:cNvSpPr/>
+          <p:nvPr/>
+        </p:nvSpPr>
+        <p:spPr>
+          <a:xfrm>
+            <a:off x="4864594" y="1948102"/>
+            <a:ext cx="814553" cy="260131"/>
+          </a:xfrm>
+          <a:prstGeom prst="rect">
+            <a:avLst/>
+          </a:prstGeom>
+          <a:ln>
+            <a:noFill/>
+          </a:ln>
+        </p:spPr>
+        <p:style>
+          <a:lnRef idx="2">
+            <a:schemeClr val="dk1"/>
+          </a:lnRef>
+          <a:fillRef idx="1">
+            <a:schemeClr val="lt1"/>
+          </a:fillRef>
+          <a:effectRef idx="0">
+            <a:schemeClr val="dk1"/>
+          </a:effectRef>
+          <a:fontRef idx="minor">
+            <a:schemeClr val="dk1"/>
+          </a:fontRef>
+        </p:style>
+        <p:txBody>
+          <a:bodyPr rtlCol="0" anchor="ctr"/>
+          <a:lstStyle/>
+          <a:p>
+            <a:pPr algn="ctr"/>
+            <a:r>
+              <a:rPr kumimoji="1" lang="en-US" altLang="ko-Kore-KR" dirty="0"/>
+              <a:t>b</a:t>
+            </a:r>
+            <a:endParaRPr kumimoji="1" lang="ko-Kore-KR" altLang="en-US" dirty="0"/>
+          </a:p>
+        </p:txBody>
+      </p:sp>
+      <p:sp>
+        <p:nvSpPr>
+          <p:cNvPr id="8" name="직사각형 7">
+            <a:extLst>
+              <a:ext uri="{FF2B5EF4-FFF2-40B4-BE49-F238E27FC236}">
+                <a16:creationId xmlns:a16="http://schemas.microsoft.com/office/drawing/2014/main" id="{6470A200-FAD5-4E44-B337-482C2F4A855B}"/>
+              </a:ext>
+            </a:extLst>
+          </p:cNvPr>
+          <p:cNvSpPr/>
+          <p:nvPr/>
+        </p:nvSpPr>
+        <p:spPr>
+          <a:xfrm>
+            <a:off x="5679149" y="389263"/>
+            <a:ext cx="814553" cy="260131"/>
+          </a:xfrm>
+          <a:prstGeom prst="rect">
+            <a:avLst/>
+          </a:prstGeom>
+          <a:ln>
+            <a:noFill/>
+          </a:ln>
+        </p:spPr>
+        <p:style>
+          <a:lnRef idx="2">
+            <a:schemeClr val="dk1"/>
+          </a:lnRef>
+          <a:fillRef idx="1">
+            <a:schemeClr val="lt1"/>
+          </a:fillRef>
+          <a:effectRef idx="0">
+            <a:schemeClr val="dk1"/>
+          </a:effectRef>
+          <a:fontRef idx="minor">
+            <a:schemeClr val="dk1"/>
+          </a:fontRef>
+        </p:style>
+        <p:txBody>
+          <a:bodyPr rtlCol="0" anchor="ctr"/>
+          <a:lstStyle/>
+          <a:p>
+            <a:pPr algn="ctr"/>
+            <a:r>
+              <a:rPr kumimoji="1" lang="en-US" altLang="ko-Kore-KR" dirty="0"/>
+              <a:t>main</a:t>
+            </a:r>
+            <a:endParaRPr kumimoji="1" lang="ko-Kore-KR" altLang="en-US" dirty="0"/>
+          </a:p>
+        </p:txBody>
+      </p:sp>
+      <p:sp>
+        <p:nvSpPr>
+          <p:cNvPr id="9" name="직사각형 8">
+            <a:extLst>
+              <a:ext uri="{FF2B5EF4-FFF2-40B4-BE49-F238E27FC236}">
+                <a16:creationId xmlns:a16="http://schemas.microsoft.com/office/drawing/2014/main" id="{7057A820-4686-4D4F-8EE6-0DE67C6859B7}"/>
+              </a:ext>
+            </a:extLst>
+          </p:cNvPr>
+          <p:cNvSpPr/>
+          <p:nvPr/>
+        </p:nvSpPr>
+        <p:spPr>
+          <a:xfrm>
+            <a:off x="8569495" y="714269"/>
+            <a:ext cx="2890346" cy="2112579"/>
+          </a:xfrm>
+          <a:prstGeom prst="rect">
+            <a:avLst/>
+          </a:prstGeom>
+        </p:spPr>
+        <p:style>
+          <a:lnRef idx="2">
+            <a:schemeClr val="dk1"/>
+          </a:lnRef>
+          <a:fillRef idx="1">
+            <a:schemeClr val="lt1"/>
+          </a:fillRef>
+          <a:effectRef idx="0">
+            <a:schemeClr val="dk1"/>
+          </a:effectRef>
+          <a:fontRef idx="minor">
+            <a:schemeClr val="dk1"/>
+          </a:fontRef>
+        </p:style>
+        <p:txBody>
+          <a:bodyPr rtlCol="0" anchor="ctr"/>
+          <a:lstStyle/>
+          <a:p>
+            <a:pPr algn="ctr"/>
+            <a:endParaRPr kumimoji="1" lang="ko-Kore-KR" altLang="en-US"/>
+          </a:p>
+        </p:txBody>
+      </p:sp>
+      <p:sp>
+        <p:nvSpPr>
+          <p:cNvPr id="10" name="직사각형 9">
+            <a:extLst>
+              <a:ext uri="{FF2B5EF4-FFF2-40B4-BE49-F238E27FC236}">
+                <a16:creationId xmlns:a16="http://schemas.microsoft.com/office/drawing/2014/main" id="{DB2F17BD-399B-8B46-9D81-8F50B7500477}"/>
+              </a:ext>
+            </a:extLst>
+          </p:cNvPr>
+          <p:cNvSpPr/>
+          <p:nvPr/>
+        </p:nvSpPr>
+        <p:spPr>
+          <a:xfrm>
+            <a:off x="9441856" y="389263"/>
+            <a:ext cx="814553" cy="260131"/>
+          </a:xfrm>
+          <a:prstGeom prst="rect">
+            <a:avLst/>
+          </a:prstGeom>
+          <a:ln>
+            <a:noFill/>
+          </a:ln>
+        </p:spPr>
+        <p:style>
+          <a:lnRef idx="2">
+            <a:schemeClr val="dk1"/>
+          </a:lnRef>
+          <a:fillRef idx="1">
+            <a:schemeClr val="lt1"/>
+          </a:fillRef>
+          <a:effectRef idx="0">
+            <a:schemeClr val="dk1"/>
+          </a:effectRef>
+          <a:fontRef idx="minor">
+            <a:schemeClr val="dk1"/>
+          </a:fontRef>
+        </p:style>
+        <p:txBody>
+          <a:bodyPr rtlCol="0" anchor="ctr"/>
+          <a:lstStyle/>
+          <a:p>
+            <a:pPr algn="ctr"/>
+            <a:r>
+              <a:rPr kumimoji="1" lang="en-US" altLang="ko-Kore-KR" dirty="0"/>
+              <a:t>swap</a:t>
+            </a:r>
+            <a:endParaRPr kumimoji="1" lang="ko-Kore-KR" altLang="en-US" dirty="0"/>
+          </a:p>
+        </p:txBody>
+      </p:sp>
+      <p:sp>
+        <p:nvSpPr>
+          <p:cNvPr id="11" name="직사각형 10">
+            <a:extLst>
+              <a:ext uri="{FF2B5EF4-FFF2-40B4-BE49-F238E27FC236}">
+                <a16:creationId xmlns:a16="http://schemas.microsoft.com/office/drawing/2014/main" id="{4B78D5EB-881F-4B41-BFAC-4B65374B768E}"/>
+              </a:ext>
+            </a:extLst>
+          </p:cNvPr>
+          <p:cNvSpPr/>
+          <p:nvPr/>
+        </p:nvSpPr>
+        <p:spPr>
+          <a:xfrm>
+            <a:off x="9441856" y="858537"/>
+            <a:ext cx="1692166" cy="630620"/>
+          </a:xfrm>
+          <a:prstGeom prst="rect">
+            <a:avLst/>
+          </a:prstGeom>
+        </p:spPr>
+        <p:style>
+          <a:lnRef idx="2">
+            <a:schemeClr val="dk1"/>
+          </a:lnRef>
+          <a:fillRef idx="1">
+            <a:schemeClr val="lt1"/>
+          </a:fillRef>
+          <a:effectRef idx="0">
+            <a:schemeClr val="dk1"/>
+          </a:effectRef>
+          <a:fontRef idx="minor">
+            <a:schemeClr val="dk1"/>
+          </a:fontRef>
+        </p:style>
+        <p:txBody>
+          <a:bodyPr rtlCol="0" anchor="ctr"/>
+          <a:lstStyle/>
+          <a:p>
+            <a:pPr algn="ctr"/>
+            <a:r>
+              <a:rPr lang="en-US" altLang="ko-KR" dirty="0">
+                <a:solidFill>
+                  <a:srgbClr val="FF0000"/>
+                </a:solidFill>
+              </a:rPr>
+              <a:t>0x2000</a:t>
+            </a:r>
+            <a:endParaRPr kumimoji="1" lang="ko-Kore-KR" altLang="en-US" dirty="0">
+              <a:solidFill>
+                <a:srgbClr val="FF0000"/>
+              </a:solidFill>
+            </a:endParaRPr>
+          </a:p>
+        </p:txBody>
+      </p:sp>
+      <p:sp>
+        <p:nvSpPr>
+          <p:cNvPr id="12" name="직사각형 11">
+            <a:extLst>
+              <a:ext uri="{FF2B5EF4-FFF2-40B4-BE49-F238E27FC236}">
+                <a16:creationId xmlns:a16="http://schemas.microsoft.com/office/drawing/2014/main" id="{7CF38C93-C467-B445-9B2A-0C14505B670F}"/>
+              </a:ext>
+            </a:extLst>
+          </p:cNvPr>
+          <p:cNvSpPr/>
+          <p:nvPr/>
+        </p:nvSpPr>
+        <p:spPr>
+          <a:xfrm>
+            <a:off x="8627302" y="1043781"/>
+            <a:ext cx="814553" cy="260131"/>
+          </a:xfrm>
+          <a:prstGeom prst="rect">
+            <a:avLst/>
+          </a:prstGeom>
+          <a:ln>
+            <a:noFill/>
+          </a:ln>
+        </p:spPr>
+        <p:style>
+          <a:lnRef idx="2">
+            <a:schemeClr val="dk1"/>
+          </a:lnRef>
+          <a:fillRef idx="1">
+            <a:schemeClr val="lt1"/>
+          </a:fillRef>
+          <a:effectRef idx="0">
+            <a:schemeClr val="dk1"/>
+          </a:effectRef>
+          <a:fontRef idx="minor">
+            <a:schemeClr val="dk1"/>
+          </a:fontRef>
+        </p:style>
+        <p:txBody>
+          <a:bodyPr rtlCol="0" anchor="ctr"/>
+          <a:lstStyle/>
+          <a:p>
+            <a:pPr algn="ctr"/>
+            <a:r>
+              <a:rPr kumimoji="1" lang="en-US" altLang="ko-Kore-KR" dirty="0"/>
+              <a:t>a</a:t>
+            </a:r>
+            <a:endParaRPr kumimoji="1" lang="ko-Kore-KR" altLang="en-US" dirty="0"/>
+          </a:p>
+        </p:txBody>
+      </p:sp>
+      <p:sp>
+        <p:nvSpPr>
+          <p:cNvPr id="15" name="직사각형 14">
+            <a:extLst>
+              <a:ext uri="{FF2B5EF4-FFF2-40B4-BE49-F238E27FC236}">
+                <a16:creationId xmlns:a16="http://schemas.microsoft.com/office/drawing/2014/main" id="{8AED5B56-D9C4-424F-BBAC-06D456B1C018}"/>
+              </a:ext>
+            </a:extLst>
+          </p:cNvPr>
+          <p:cNvSpPr/>
+          <p:nvPr/>
+        </p:nvSpPr>
+        <p:spPr>
+          <a:xfrm>
+            <a:off x="5647619" y="893760"/>
+            <a:ext cx="1692166" cy="630620"/>
+          </a:xfrm>
+          <a:prstGeom prst="rect">
+            <a:avLst/>
+          </a:prstGeom>
+        </p:spPr>
+        <p:style>
+          <a:lnRef idx="2">
+            <a:schemeClr val="dk1"/>
+          </a:lnRef>
+          <a:fillRef idx="1">
+            <a:schemeClr val="lt1"/>
+          </a:fillRef>
+          <a:effectRef idx="0">
+            <a:schemeClr val="dk1"/>
+          </a:effectRef>
+          <a:fontRef idx="minor">
+            <a:schemeClr val="dk1"/>
+          </a:fontRef>
+        </p:style>
+        <p:txBody>
+          <a:bodyPr rtlCol="0" anchor="ctr"/>
+          <a:lstStyle/>
+          <a:p>
+            <a:pPr algn="ctr"/>
+            <a:r>
+              <a:rPr lang="en-US" altLang="ko-Kore-KR" dirty="0">
+                <a:solidFill>
+                  <a:srgbClr val="FF0000"/>
+                </a:solidFill>
+              </a:rPr>
+              <a:t>10</a:t>
+            </a:r>
+            <a:endParaRPr kumimoji="1" lang="ko-Kore-KR" altLang="en-US" dirty="0">
+              <a:solidFill>
+                <a:srgbClr val="FF0000"/>
+              </a:solidFill>
+            </a:endParaRPr>
+          </a:p>
+        </p:txBody>
+      </p:sp>
+      <p:sp>
+        <p:nvSpPr>
+          <p:cNvPr id="16" name="직사각형 15">
+            <a:extLst>
+              <a:ext uri="{FF2B5EF4-FFF2-40B4-BE49-F238E27FC236}">
+                <a16:creationId xmlns:a16="http://schemas.microsoft.com/office/drawing/2014/main" id="{08D60472-D31E-4F48-A614-AEC50A33BA59}"/>
+              </a:ext>
+            </a:extLst>
+          </p:cNvPr>
+          <p:cNvSpPr/>
+          <p:nvPr/>
+        </p:nvSpPr>
+        <p:spPr>
+          <a:xfrm>
+            <a:off x="4833065" y="1079004"/>
+            <a:ext cx="814553" cy="260131"/>
+          </a:xfrm>
+          <a:prstGeom prst="rect">
+            <a:avLst/>
+          </a:prstGeom>
+          <a:ln>
+            <a:noFill/>
+          </a:ln>
+        </p:spPr>
+        <p:style>
+          <a:lnRef idx="2">
+            <a:schemeClr val="dk1"/>
+          </a:lnRef>
+          <a:fillRef idx="1">
+            <a:schemeClr val="lt1"/>
+          </a:fillRef>
+          <a:effectRef idx="0">
+            <a:schemeClr val="dk1"/>
+          </a:effectRef>
+          <a:fontRef idx="minor">
+            <a:schemeClr val="dk1"/>
+          </a:fontRef>
+        </p:style>
+        <p:txBody>
+          <a:bodyPr rtlCol="0" anchor="ctr"/>
+          <a:lstStyle/>
+          <a:p>
+            <a:pPr algn="ctr"/>
+            <a:r>
+              <a:rPr kumimoji="1" lang="en-US" altLang="ko-Kore-KR" dirty="0"/>
+              <a:t>a</a:t>
+            </a:r>
+            <a:endParaRPr kumimoji="1" lang="ko-Kore-KR" altLang="en-US" dirty="0"/>
+          </a:p>
+        </p:txBody>
+      </p:sp>
+      <p:sp>
+        <p:nvSpPr>
+          <p:cNvPr id="19" name="직사각형 18">
+            <a:extLst>
+              <a:ext uri="{FF2B5EF4-FFF2-40B4-BE49-F238E27FC236}">
+                <a16:creationId xmlns:a16="http://schemas.microsoft.com/office/drawing/2014/main" id="{6FED44E8-B1FF-9F45-9A7A-3FDE222F03B4}"/>
+              </a:ext>
+            </a:extLst>
+          </p:cNvPr>
+          <p:cNvSpPr/>
+          <p:nvPr/>
+        </p:nvSpPr>
+        <p:spPr>
+          <a:xfrm>
+            <a:off x="5260268" y="617050"/>
+            <a:ext cx="869149" cy="369332"/>
+          </a:xfrm>
+          <a:prstGeom prst="rect">
+            <a:avLst/>
+          </a:prstGeom>
+        </p:spPr>
+        <p:txBody>
+          <a:bodyPr wrap="none">
+            <a:spAutoFit/>
+          </a:bodyPr>
+          <a:lstStyle/>
+          <a:p>
+            <a:r>
+              <a:rPr lang="en-US" altLang="ko-KR" dirty="0">
+                <a:solidFill>
+                  <a:srgbClr val="FF0000"/>
+                </a:solidFill>
+              </a:rPr>
+              <a:t>0x1000</a:t>
+            </a:r>
+            <a:endParaRPr lang="ko-Kore-KR" altLang="en-US" dirty="0"/>
+          </a:p>
+        </p:txBody>
+      </p:sp>
+      <p:sp>
+        <p:nvSpPr>
+          <p:cNvPr id="20" name="직사각형 19">
+            <a:extLst>
+              <a:ext uri="{FF2B5EF4-FFF2-40B4-BE49-F238E27FC236}">
+                <a16:creationId xmlns:a16="http://schemas.microsoft.com/office/drawing/2014/main" id="{D3E4EE02-56BA-1640-91B1-8C87A58A95F5}"/>
+              </a:ext>
+            </a:extLst>
+          </p:cNvPr>
+          <p:cNvSpPr/>
+          <p:nvPr/>
+        </p:nvSpPr>
+        <p:spPr>
+          <a:xfrm>
+            <a:off x="5221306" y="1524380"/>
+            <a:ext cx="869149" cy="369332"/>
+          </a:xfrm>
+          <a:prstGeom prst="rect">
+            <a:avLst/>
+          </a:prstGeom>
+        </p:spPr>
+        <p:txBody>
+          <a:bodyPr wrap="none">
+            <a:spAutoFit/>
+          </a:bodyPr>
+          <a:lstStyle/>
+          <a:p>
+            <a:r>
+              <a:rPr lang="en-US" altLang="ko-KR" dirty="0">
+                <a:solidFill>
+                  <a:srgbClr val="FF0000"/>
+                </a:solidFill>
+              </a:rPr>
+              <a:t>0x2000</a:t>
+            </a:r>
+            <a:endParaRPr lang="ko-Kore-KR" altLang="en-US" dirty="0"/>
+          </a:p>
+        </p:txBody>
+      </p:sp>
+      <p:sp>
+        <p:nvSpPr>
+          <p:cNvPr id="24" name="직사각형 23">
+            <a:extLst>
+              <a:ext uri="{FF2B5EF4-FFF2-40B4-BE49-F238E27FC236}">
+                <a16:creationId xmlns:a16="http://schemas.microsoft.com/office/drawing/2014/main" id="{9213EBED-3B22-D34A-B21D-A0D1827E21CA}"/>
+              </a:ext>
+            </a:extLst>
+          </p:cNvPr>
+          <p:cNvSpPr/>
+          <p:nvPr/>
+        </p:nvSpPr>
+        <p:spPr>
+          <a:xfrm>
+            <a:off x="9410326" y="1620005"/>
+            <a:ext cx="1692166" cy="630620"/>
+          </a:xfrm>
+          <a:prstGeom prst="rect">
+            <a:avLst/>
+          </a:prstGeom>
+        </p:spPr>
+        <p:style>
+          <a:lnRef idx="2">
+            <a:schemeClr val="dk1"/>
+          </a:lnRef>
+          <a:fillRef idx="1">
+            <a:schemeClr val="lt1"/>
+          </a:fillRef>
+          <a:effectRef idx="0">
+            <a:schemeClr val="dk1"/>
+          </a:effectRef>
+          <a:fontRef idx="minor">
+            <a:schemeClr val="dk1"/>
+          </a:fontRef>
+        </p:style>
+        <p:txBody>
+          <a:bodyPr rtlCol="0" anchor="ctr"/>
+          <a:lstStyle/>
+          <a:p>
+            <a:pPr algn="ctr"/>
+            <a:r>
+              <a:rPr lang="en-US" altLang="ko-KR" dirty="0">
+                <a:solidFill>
+                  <a:srgbClr val="FF0000"/>
+                </a:solidFill>
+              </a:rPr>
+              <a:t>0x1000</a:t>
+            </a:r>
+            <a:endParaRPr kumimoji="1" lang="ko-Kore-KR" altLang="en-US" dirty="0">
+              <a:solidFill>
+                <a:srgbClr val="FF0000"/>
+              </a:solidFill>
+            </a:endParaRPr>
+          </a:p>
+        </p:txBody>
+      </p:sp>
+      <p:sp>
+        <p:nvSpPr>
+          <p:cNvPr id="25" name="직사각형 24">
+            <a:extLst>
+              <a:ext uri="{FF2B5EF4-FFF2-40B4-BE49-F238E27FC236}">
+                <a16:creationId xmlns:a16="http://schemas.microsoft.com/office/drawing/2014/main" id="{B8F16BBE-909A-0C47-88CB-F474A2541A9A}"/>
+              </a:ext>
+            </a:extLst>
+          </p:cNvPr>
+          <p:cNvSpPr/>
+          <p:nvPr/>
+        </p:nvSpPr>
+        <p:spPr>
+          <a:xfrm>
+            <a:off x="8595772" y="1805249"/>
+            <a:ext cx="814553" cy="260131"/>
+          </a:xfrm>
+          <a:prstGeom prst="rect">
+            <a:avLst/>
+          </a:prstGeom>
+          <a:ln>
+            <a:noFill/>
+          </a:ln>
+        </p:spPr>
+        <p:style>
+          <a:lnRef idx="2">
+            <a:schemeClr val="dk1"/>
+          </a:lnRef>
+          <a:fillRef idx="1">
+            <a:schemeClr val="lt1"/>
+          </a:fillRef>
+          <a:effectRef idx="0">
+            <a:schemeClr val="dk1"/>
+          </a:effectRef>
+          <a:fontRef idx="minor">
+            <a:schemeClr val="dk1"/>
+          </a:fontRef>
+        </p:style>
+        <p:txBody>
+          <a:bodyPr rtlCol="0" anchor="ctr"/>
+          <a:lstStyle/>
+          <a:p>
+            <a:pPr algn="ctr"/>
+            <a:r>
+              <a:rPr kumimoji="1" lang="en-US" altLang="ko-Kore-KR" dirty="0"/>
+              <a:t>b</a:t>
+            </a:r>
+            <a:endParaRPr kumimoji="1" lang="ko-Kore-KR" altLang="en-US" dirty="0"/>
+          </a:p>
+        </p:txBody>
+      </p:sp>
+      <p:sp>
+        <p:nvSpPr>
+          <p:cNvPr id="27" name="직사각형 26">
+            <a:extLst>
+              <a:ext uri="{FF2B5EF4-FFF2-40B4-BE49-F238E27FC236}">
+                <a16:creationId xmlns:a16="http://schemas.microsoft.com/office/drawing/2014/main" id="{CDA01868-0B82-824F-B5B3-3DAF7745F8EA}"/>
+              </a:ext>
+            </a:extLst>
+          </p:cNvPr>
+          <p:cNvSpPr/>
+          <p:nvPr/>
+        </p:nvSpPr>
+        <p:spPr>
+          <a:xfrm>
+            <a:off x="9410325" y="2316049"/>
+            <a:ext cx="1692166" cy="630620"/>
+          </a:xfrm>
+          <a:prstGeom prst="rect">
+            <a:avLst/>
+          </a:prstGeom>
+        </p:spPr>
+        <p:style>
+          <a:lnRef idx="2">
+            <a:schemeClr val="dk1"/>
+          </a:lnRef>
+          <a:fillRef idx="1">
+            <a:schemeClr val="lt1"/>
+          </a:fillRef>
+          <a:effectRef idx="0">
+            <a:schemeClr val="dk1"/>
+          </a:effectRef>
+          <a:fontRef idx="minor">
+            <a:schemeClr val="dk1"/>
+          </a:fontRef>
+        </p:style>
+        <p:txBody>
+          <a:bodyPr rtlCol="0" anchor="ctr"/>
+          <a:lstStyle/>
+          <a:p>
+            <a:pPr algn="ctr"/>
+            <a:r>
+              <a:rPr lang="en-US" altLang="ko-KR" dirty="0">
+                <a:solidFill>
+                  <a:srgbClr val="FF0000"/>
+                </a:solidFill>
+              </a:rPr>
+              <a:t>0x1000</a:t>
+            </a:r>
+            <a:endParaRPr kumimoji="1" lang="ko-Kore-KR" altLang="en-US" dirty="0">
+              <a:solidFill>
+                <a:srgbClr val="FF0000"/>
+              </a:solidFill>
+            </a:endParaRPr>
+          </a:p>
+        </p:txBody>
+      </p:sp>
+      <p:sp>
+        <p:nvSpPr>
+          <p:cNvPr id="28" name="직사각형 27">
+            <a:extLst>
+              <a:ext uri="{FF2B5EF4-FFF2-40B4-BE49-F238E27FC236}">
+                <a16:creationId xmlns:a16="http://schemas.microsoft.com/office/drawing/2014/main" id="{D971C599-9EA3-A043-ADEA-1A69F336B62C}"/>
+              </a:ext>
+            </a:extLst>
+          </p:cNvPr>
+          <p:cNvSpPr/>
+          <p:nvPr/>
+        </p:nvSpPr>
+        <p:spPr>
+          <a:xfrm>
+            <a:off x="8595771" y="2501293"/>
+            <a:ext cx="814553" cy="260131"/>
+          </a:xfrm>
+          <a:prstGeom prst="rect">
+            <a:avLst/>
+          </a:prstGeom>
+          <a:ln>
+            <a:noFill/>
+          </a:ln>
+        </p:spPr>
+        <p:style>
+          <a:lnRef idx="2">
+            <a:schemeClr val="dk1"/>
+          </a:lnRef>
+          <a:fillRef idx="1">
+            <a:schemeClr val="lt1"/>
+          </a:fillRef>
+          <a:effectRef idx="0">
+            <a:schemeClr val="dk1"/>
+          </a:effectRef>
+          <a:fontRef idx="minor">
+            <a:schemeClr val="dk1"/>
+          </a:fontRef>
+        </p:style>
+        <p:txBody>
+          <a:bodyPr rtlCol="0" anchor="ctr"/>
+          <a:lstStyle/>
+          <a:p>
+            <a:pPr algn="ctr"/>
+            <a:r>
+              <a:rPr kumimoji="1" lang="en-US" altLang="ko-Kore-KR" dirty="0"/>
+              <a:t>temp</a:t>
+            </a:r>
+            <a:endParaRPr kumimoji="1" lang="ko-Kore-KR" altLang="en-US" dirty="0"/>
+          </a:p>
+        </p:txBody>
+      </p:sp>
+    </p:spTree>
+    <p:extLst>
+      <p:ext uri="{BB962C8B-B14F-4D97-AF65-F5344CB8AC3E}">
+        <p14:creationId xmlns:p14="http://schemas.microsoft.com/office/powerpoint/2010/main" val="2345697427"/>
       </p:ext>
     </p:extLst>
   </p:cSld>

--- a/220117.pptx
+++ b/220117.pptx
@@ -13,6 +13,8 @@
     <p:sldId id="261" r:id="rId7"/>
     <p:sldId id="262" r:id="rId8"/>
     <p:sldId id="263" r:id="rId9"/>
+    <p:sldId id="264" r:id="rId10"/>
+    <p:sldId id="265" r:id="rId11"/>
   </p:sldIdLst>
   <p:sldSz cx="12192000" cy="6858000"/>
   <p:notesSz cx="6858000" cy="9144000"/>
@@ -4226,6 +4228,727 @@
 </p:sld>
 </file>
 
+<file path=ppt/slides/slide10.xml><?xml version="1.0" encoding="utf-8"?>
+<p:sld xmlns:a="http://schemas.openxmlformats.org/drawingml/2006/main" xmlns:r="http://schemas.openxmlformats.org/officeDocument/2006/relationships" xmlns:p="http://schemas.openxmlformats.org/presentationml/2006/main">
+  <p:cSld>
+    <p:spTree>
+      <p:nvGrpSpPr>
+        <p:cNvPr id="1" name=""/>
+        <p:cNvGrpSpPr/>
+        <p:nvPr/>
+      </p:nvGrpSpPr>
+      <p:grpSpPr>
+        <a:xfrm>
+          <a:off x="0" y="0"/>
+          <a:ext cx="0" cy="0"/>
+          <a:chOff x="0" y="0"/>
+          <a:chExt cx="0" cy="0"/>
+        </a:xfrm>
+      </p:grpSpPr>
+      <p:sp>
+        <p:nvSpPr>
+          <p:cNvPr id="13" name="직사각형 12">
+            <a:extLst>
+              <a:ext uri="{FF2B5EF4-FFF2-40B4-BE49-F238E27FC236}">
+                <a16:creationId xmlns:a16="http://schemas.microsoft.com/office/drawing/2014/main" id="{11269D71-6BD3-CA40-9585-7849F9142891}"/>
+              </a:ext>
+            </a:extLst>
+          </p:cNvPr>
+          <p:cNvSpPr/>
+          <p:nvPr/>
+        </p:nvSpPr>
+        <p:spPr>
+          <a:xfrm>
+            <a:off x="6207618" y="1488223"/>
+            <a:ext cx="2890346" cy="2112579"/>
+          </a:xfrm>
+          <a:prstGeom prst="rect">
+            <a:avLst/>
+          </a:prstGeom>
+        </p:spPr>
+        <p:style>
+          <a:lnRef idx="2">
+            <a:schemeClr val="dk1"/>
+          </a:lnRef>
+          <a:fillRef idx="1">
+            <a:schemeClr val="lt1"/>
+          </a:fillRef>
+          <a:effectRef idx="0">
+            <a:schemeClr val="dk1"/>
+          </a:effectRef>
+          <a:fontRef idx="minor">
+            <a:schemeClr val="dk1"/>
+          </a:fontRef>
+        </p:style>
+        <p:txBody>
+          <a:bodyPr rtlCol="0" anchor="ctr"/>
+          <a:lstStyle/>
+          <a:p>
+            <a:pPr algn="ctr"/>
+            <a:endParaRPr kumimoji="1" lang="ko-Kore-KR" altLang="en-US" dirty="0"/>
+          </a:p>
+        </p:txBody>
+      </p:sp>
+      <p:sp>
+        <p:nvSpPr>
+          <p:cNvPr id="5" name="직사각형 4">
+            <a:extLst>
+              <a:ext uri="{FF2B5EF4-FFF2-40B4-BE49-F238E27FC236}">
+                <a16:creationId xmlns:a16="http://schemas.microsoft.com/office/drawing/2014/main" id="{47164B78-56F2-744F-83D3-CB2FFABBA781}"/>
+              </a:ext>
+            </a:extLst>
+          </p:cNvPr>
+          <p:cNvSpPr/>
+          <p:nvPr/>
+        </p:nvSpPr>
+        <p:spPr>
+          <a:xfrm>
+            <a:off x="1233705" y="1838464"/>
+            <a:ext cx="620111" cy="630620"/>
+          </a:xfrm>
+          <a:prstGeom prst="rect">
+            <a:avLst/>
+          </a:prstGeom>
+          <a:solidFill>
+            <a:srgbClr val="FFFF00"/>
+          </a:solidFill>
+        </p:spPr>
+        <p:style>
+          <a:lnRef idx="2">
+            <a:schemeClr val="dk1"/>
+          </a:lnRef>
+          <a:fillRef idx="1">
+            <a:schemeClr val="lt1"/>
+          </a:fillRef>
+          <a:effectRef idx="0">
+            <a:schemeClr val="dk1"/>
+          </a:effectRef>
+          <a:fontRef idx="minor">
+            <a:schemeClr val="dk1"/>
+          </a:fontRef>
+        </p:style>
+        <p:txBody>
+          <a:bodyPr rtlCol="0" anchor="ctr"/>
+          <a:lstStyle/>
+          <a:p>
+            <a:pPr algn="ctr"/>
+            <a:r>
+              <a:rPr kumimoji="1" lang="en-US" altLang="ko-Kore-KR" sz="1600" dirty="0"/>
+              <a:t>0x12</a:t>
+            </a:r>
+            <a:endParaRPr kumimoji="1" lang="ko-Kore-KR" altLang="en-US" sz="1600" dirty="0"/>
+          </a:p>
+        </p:txBody>
+      </p:sp>
+      <p:sp>
+        <p:nvSpPr>
+          <p:cNvPr id="6" name="직사각형 5">
+            <a:extLst>
+              <a:ext uri="{FF2B5EF4-FFF2-40B4-BE49-F238E27FC236}">
+                <a16:creationId xmlns:a16="http://schemas.microsoft.com/office/drawing/2014/main" id="{77104849-6176-2D49-9204-39F0A32F6321}"/>
+              </a:ext>
+            </a:extLst>
+          </p:cNvPr>
+          <p:cNvSpPr/>
+          <p:nvPr/>
+        </p:nvSpPr>
+        <p:spPr>
+          <a:xfrm>
+            <a:off x="1853816" y="1838464"/>
+            <a:ext cx="620111" cy="630620"/>
+          </a:xfrm>
+          <a:prstGeom prst="rect">
+            <a:avLst/>
+          </a:prstGeom>
+        </p:spPr>
+        <p:style>
+          <a:lnRef idx="2">
+            <a:schemeClr val="dk1"/>
+          </a:lnRef>
+          <a:fillRef idx="1">
+            <a:schemeClr val="lt1"/>
+          </a:fillRef>
+          <a:effectRef idx="0">
+            <a:schemeClr val="dk1"/>
+          </a:effectRef>
+          <a:fontRef idx="minor">
+            <a:schemeClr val="dk1"/>
+          </a:fontRef>
+        </p:style>
+        <p:txBody>
+          <a:bodyPr rtlCol="0" anchor="ctr"/>
+          <a:lstStyle/>
+          <a:p>
+            <a:pPr algn="ctr"/>
+            <a:r>
+              <a:rPr kumimoji="1" lang="en-US" altLang="ko-Kore-KR" sz="1600" dirty="0"/>
+              <a:t>0x34</a:t>
+            </a:r>
+            <a:endParaRPr kumimoji="1" lang="ko-Kore-KR" altLang="en-US" sz="1600" dirty="0"/>
+          </a:p>
+        </p:txBody>
+      </p:sp>
+      <p:sp>
+        <p:nvSpPr>
+          <p:cNvPr id="7" name="직사각형 6">
+            <a:extLst>
+              <a:ext uri="{FF2B5EF4-FFF2-40B4-BE49-F238E27FC236}">
+                <a16:creationId xmlns:a16="http://schemas.microsoft.com/office/drawing/2014/main" id="{B0C3C6D6-EBF4-494D-87B4-F12C8123561C}"/>
+              </a:ext>
+            </a:extLst>
+          </p:cNvPr>
+          <p:cNvSpPr/>
+          <p:nvPr/>
+        </p:nvSpPr>
+        <p:spPr>
+          <a:xfrm>
+            <a:off x="2473927" y="1838464"/>
+            <a:ext cx="620111" cy="630620"/>
+          </a:xfrm>
+          <a:prstGeom prst="rect">
+            <a:avLst/>
+          </a:prstGeom>
+        </p:spPr>
+        <p:style>
+          <a:lnRef idx="2">
+            <a:schemeClr val="dk1"/>
+          </a:lnRef>
+          <a:fillRef idx="1">
+            <a:schemeClr val="lt1"/>
+          </a:fillRef>
+          <a:effectRef idx="0">
+            <a:schemeClr val="dk1"/>
+          </a:effectRef>
+          <a:fontRef idx="minor">
+            <a:schemeClr val="dk1"/>
+          </a:fontRef>
+        </p:style>
+        <p:txBody>
+          <a:bodyPr rtlCol="0" anchor="ctr"/>
+          <a:lstStyle/>
+          <a:p>
+            <a:pPr algn="ctr"/>
+            <a:r>
+              <a:rPr kumimoji="1" lang="en-US" altLang="ko-Kore-KR" sz="1600" dirty="0"/>
+              <a:t>0x56</a:t>
+            </a:r>
+            <a:endParaRPr kumimoji="1" lang="ko-Kore-KR" altLang="en-US" sz="1600" dirty="0"/>
+          </a:p>
+        </p:txBody>
+      </p:sp>
+      <p:sp>
+        <p:nvSpPr>
+          <p:cNvPr id="8" name="직사각형 7">
+            <a:extLst>
+              <a:ext uri="{FF2B5EF4-FFF2-40B4-BE49-F238E27FC236}">
+                <a16:creationId xmlns:a16="http://schemas.microsoft.com/office/drawing/2014/main" id="{DBE08772-A232-2D40-B91D-A61219144AEE}"/>
+              </a:ext>
+            </a:extLst>
+          </p:cNvPr>
+          <p:cNvSpPr/>
+          <p:nvPr/>
+        </p:nvSpPr>
+        <p:spPr>
+          <a:xfrm>
+            <a:off x="7342735" y="2469084"/>
+            <a:ext cx="620111" cy="630620"/>
+          </a:xfrm>
+          <a:prstGeom prst="rect">
+            <a:avLst/>
+          </a:prstGeom>
+        </p:spPr>
+        <p:style>
+          <a:lnRef idx="2">
+            <a:schemeClr val="dk1"/>
+          </a:lnRef>
+          <a:fillRef idx="1">
+            <a:schemeClr val="lt1"/>
+          </a:fillRef>
+          <a:effectRef idx="0">
+            <a:schemeClr val="dk1"/>
+          </a:effectRef>
+          <a:fontRef idx="minor">
+            <a:schemeClr val="dk1"/>
+          </a:fontRef>
+        </p:style>
+        <p:txBody>
+          <a:bodyPr rtlCol="0" anchor="ctr"/>
+          <a:lstStyle/>
+          <a:p>
+            <a:pPr algn="ctr"/>
+            <a:r>
+              <a:rPr kumimoji="1" lang="en-US" altLang="ko-Kore-KR" sz="1600" dirty="0"/>
+              <a:t>p</a:t>
+            </a:r>
+            <a:endParaRPr kumimoji="1" lang="ko-Kore-KR" altLang="en-US" sz="1600" dirty="0"/>
+          </a:p>
+        </p:txBody>
+      </p:sp>
+      <p:sp>
+        <p:nvSpPr>
+          <p:cNvPr id="9" name="직사각형 8">
+            <a:extLst>
+              <a:ext uri="{FF2B5EF4-FFF2-40B4-BE49-F238E27FC236}">
+                <a16:creationId xmlns:a16="http://schemas.microsoft.com/office/drawing/2014/main" id="{B04D69E8-7BF7-734A-96F3-284A48865294}"/>
+              </a:ext>
+            </a:extLst>
+          </p:cNvPr>
+          <p:cNvSpPr/>
+          <p:nvPr/>
+        </p:nvSpPr>
+        <p:spPr>
+          <a:xfrm>
+            <a:off x="2506715" y="4563868"/>
+            <a:ext cx="814553" cy="630620"/>
+          </a:xfrm>
+          <a:prstGeom prst="rect">
+            <a:avLst/>
+          </a:prstGeom>
+        </p:spPr>
+        <p:style>
+          <a:lnRef idx="2">
+            <a:schemeClr val="dk1"/>
+          </a:lnRef>
+          <a:fillRef idx="1">
+            <a:schemeClr val="lt1"/>
+          </a:fillRef>
+          <a:effectRef idx="0">
+            <a:schemeClr val="dk1"/>
+          </a:effectRef>
+          <a:fontRef idx="minor">
+            <a:schemeClr val="dk1"/>
+          </a:fontRef>
+        </p:style>
+        <p:txBody>
+          <a:bodyPr rtlCol="0" anchor="ctr"/>
+          <a:lstStyle/>
+          <a:p>
+            <a:pPr algn="ctr"/>
+            <a:endParaRPr kumimoji="1" lang="ko-Kore-KR" altLang="en-US" dirty="0">
+              <a:solidFill>
+                <a:srgbClr val="FF0000"/>
+              </a:solidFill>
+            </a:endParaRPr>
+          </a:p>
+        </p:txBody>
+      </p:sp>
+      <p:sp>
+        <p:nvSpPr>
+          <p:cNvPr id="10" name="직사각형 9">
+            <a:extLst>
+              <a:ext uri="{FF2B5EF4-FFF2-40B4-BE49-F238E27FC236}">
+                <a16:creationId xmlns:a16="http://schemas.microsoft.com/office/drawing/2014/main" id="{DAA018B5-4A2A-8F4E-B202-86DA74DEF00F}"/>
+              </a:ext>
+            </a:extLst>
+          </p:cNvPr>
+          <p:cNvSpPr/>
+          <p:nvPr/>
+        </p:nvSpPr>
+        <p:spPr>
+          <a:xfrm>
+            <a:off x="1870210" y="4749112"/>
+            <a:ext cx="495140" cy="260131"/>
+          </a:xfrm>
+          <a:prstGeom prst="rect">
+            <a:avLst/>
+          </a:prstGeom>
+          <a:ln>
+            <a:noFill/>
+          </a:ln>
+        </p:spPr>
+        <p:style>
+          <a:lnRef idx="2">
+            <a:schemeClr val="dk1"/>
+          </a:lnRef>
+          <a:fillRef idx="1">
+            <a:schemeClr val="lt1"/>
+          </a:fillRef>
+          <a:effectRef idx="0">
+            <a:schemeClr val="dk1"/>
+          </a:effectRef>
+          <a:fontRef idx="minor">
+            <a:schemeClr val="dk1"/>
+          </a:fontRef>
+        </p:style>
+        <p:txBody>
+          <a:bodyPr rtlCol="0" anchor="ctr"/>
+          <a:lstStyle/>
+          <a:p>
+            <a:pPr algn="ctr"/>
+            <a:r>
+              <a:rPr kumimoji="1" lang="en-US" altLang="ko-Kore-KR" dirty="0"/>
+              <a:t>p</a:t>
+            </a:r>
+            <a:endParaRPr kumimoji="1" lang="ko-Kore-KR" altLang="en-US" dirty="0"/>
+          </a:p>
+        </p:txBody>
+      </p:sp>
+      <p:cxnSp>
+        <p:nvCxnSpPr>
+          <p:cNvPr id="11" name="구부러진 연결선[U] 10">
+            <a:extLst>
+              <a:ext uri="{FF2B5EF4-FFF2-40B4-BE49-F238E27FC236}">
+                <a16:creationId xmlns:a16="http://schemas.microsoft.com/office/drawing/2014/main" id="{50F3BDB9-D7EA-4349-B581-1D5369DD22A2}"/>
+              </a:ext>
+            </a:extLst>
+          </p:cNvPr>
+          <p:cNvCxnSpPr>
+            <a:cxnSpLocks/>
+            <a:stCxn id="9" idx="3"/>
+            <a:endCxn id="5" idx="1"/>
+          </p:cNvCxnSpPr>
+          <p:nvPr/>
+        </p:nvCxnSpPr>
+        <p:spPr>
+          <a:xfrm flipH="1" flipV="1">
+            <a:off x="1233705" y="2153774"/>
+            <a:ext cx="2087563" cy="2725404"/>
+          </a:xfrm>
+          <a:prstGeom prst="curvedConnector5">
+            <a:avLst>
+              <a:gd name="adj1" fmla="val -10951"/>
+              <a:gd name="adj2" fmla="val 50000"/>
+              <a:gd name="adj3" fmla="val 110951"/>
+            </a:avLst>
+          </a:prstGeom>
+          <a:ln>
+            <a:tailEnd type="triangle"/>
+          </a:ln>
+        </p:spPr>
+        <p:style>
+          <a:lnRef idx="1">
+            <a:schemeClr val="dk1"/>
+          </a:lnRef>
+          <a:fillRef idx="0">
+            <a:schemeClr val="dk1"/>
+          </a:fillRef>
+          <a:effectRef idx="0">
+            <a:schemeClr val="dk1"/>
+          </a:effectRef>
+          <a:fontRef idx="minor">
+            <a:schemeClr val="tx1"/>
+          </a:fontRef>
+        </p:style>
+      </p:cxnSp>
+      <p:sp>
+        <p:nvSpPr>
+          <p:cNvPr id="2" name="직사각형 1">
+            <a:extLst>
+              <a:ext uri="{FF2B5EF4-FFF2-40B4-BE49-F238E27FC236}">
+                <a16:creationId xmlns:a16="http://schemas.microsoft.com/office/drawing/2014/main" id="{81782CBD-7C02-D244-98BB-07577C6629E6}"/>
+              </a:ext>
+            </a:extLst>
+          </p:cNvPr>
+          <p:cNvSpPr/>
+          <p:nvPr/>
+        </p:nvSpPr>
+        <p:spPr>
+          <a:xfrm>
+            <a:off x="6725251" y="387778"/>
+            <a:ext cx="4182555" cy="369332"/>
+          </a:xfrm>
+          <a:prstGeom prst="rect">
+            <a:avLst/>
+          </a:prstGeom>
+        </p:spPr>
+        <p:txBody>
+          <a:bodyPr wrap="none">
+            <a:spAutoFit/>
+          </a:bodyPr>
+          <a:lstStyle/>
+          <a:p>
+            <a:r>
+              <a:rPr lang="en" altLang="ko-Kore-KR" b="0" dirty="0">
+                <a:solidFill>
+                  <a:srgbClr val="0000FF"/>
+                </a:solidFill>
+                <a:effectLst/>
+                <a:latin typeface="DM Mono" panose="020B0509040201040103" pitchFamily="49" charset="0"/>
+              </a:rPr>
+              <a:t>int</a:t>
+            </a:r>
+            <a:r>
+              <a:rPr lang="en" altLang="ko-Kore-KR" b="0" dirty="0">
+                <a:solidFill>
+                  <a:srgbClr val="000000"/>
+                </a:solidFill>
+                <a:effectLst/>
+                <a:latin typeface="DM Mono" panose="020B0509040201040103" pitchFamily="49" charset="0"/>
+              </a:rPr>
+              <a:t>* p = malloc(</a:t>
+            </a:r>
+            <a:r>
+              <a:rPr lang="en" altLang="ko-Kore-KR" b="0" dirty="0" err="1">
+                <a:solidFill>
+                  <a:srgbClr val="0000FF"/>
+                </a:solidFill>
+                <a:effectLst/>
+                <a:latin typeface="DM Mono" panose="020B0509040201040103" pitchFamily="49" charset="0"/>
+              </a:rPr>
+              <a:t>sizeof</a:t>
+            </a:r>
+            <a:r>
+              <a:rPr lang="en" altLang="ko-Kore-KR" b="0" dirty="0">
+                <a:solidFill>
+                  <a:srgbClr val="000000"/>
+                </a:solidFill>
+                <a:effectLst/>
+                <a:latin typeface="DM Mono" panose="020B0509040201040103" pitchFamily="49" charset="0"/>
+              </a:rPr>
+              <a:t>(</a:t>
+            </a:r>
+            <a:r>
+              <a:rPr lang="en" altLang="ko-Kore-KR" b="0" dirty="0">
+                <a:solidFill>
+                  <a:srgbClr val="0000FF"/>
+                </a:solidFill>
+                <a:effectLst/>
+                <a:latin typeface="DM Mono" panose="020B0509040201040103" pitchFamily="49" charset="0"/>
+              </a:rPr>
+              <a:t>int</a:t>
+            </a:r>
+            <a:r>
+              <a:rPr lang="en" altLang="ko-Kore-KR" b="0" dirty="0">
+                <a:solidFill>
+                  <a:srgbClr val="000000"/>
+                </a:solidFill>
+                <a:effectLst/>
+                <a:latin typeface="DM Mono" panose="020B0509040201040103" pitchFamily="49" charset="0"/>
+              </a:rPr>
+              <a:t>));</a:t>
+            </a:r>
+          </a:p>
+        </p:txBody>
+      </p:sp>
+      <p:sp>
+        <p:nvSpPr>
+          <p:cNvPr id="3" name="직사각형 2">
+            <a:extLst>
+              <a:ext uri="{FF2B5EF4-FFF2-40B4-BE49-F238E27FC236}">
+                <a16:creationId xmlns:a16="http://schemas.microsoft.com/office/drawing/2014/main" id="{28930D3C-A74D-D94C-B9DF-88E4D38D1AA3}"/>
+              </a:ext>
+            </a:extLst>
+          </p:cNvPr>
+          <p:cNvSpPr/>
+          <p:nvPr/>
+        </p:nvSpPr>
+        <p:spPr>
+          <a:xfrm>
+            <a:off x="7199820" y="1118891"/>
+            <a:ext cx="736099" cy="369332"/>
+          </a:xfrm>
+          <a:prstGeom prst="rect">
+            <a:avLst/>
+          </a:prstGeom>
+        </p:spPr>
+        <p:txBody>
+          <a:bodyPr wrap="none">
+            <a:spAutoFit/>
+          </a:bodyPr>
+          <a:lstStyle/>
+          <a:p>
+            <a:r>
+              <a:rPr lang="en" altLang="ko-Kore-KR" b="0" dirty="0">
+                <a:solidFill>
+                  <a:srgbClr val="000000"/>
+                </a:solidFill>
+                <a:effectLst/>
+                <a:latin typeface="DM Mono" panose="020B0509040201040103" pitchFamily="49" charset="0"/>
+              </a:rPr>
+              <a:t>main</a:t>
+            </a:r>
+            <a:endParaRPr lang="ko-Kore-KR" altLang="en-US" dirty="0"/>
+          </a:p>
+        </p:txBody>
+      </p:sp>
+      <p:sp>
+        <p:nvSpPr>
+          <p:cNvPr id="14" name="직사각형 13">
+            <a:extLst>
+              <a:ext uri="{FF2B5EF4-FFF2-40B4-BE49-F238E27FC236}">
+                <a16:creationId xmlns:a16="http://schemas.microsoft.com/office/drawing/2014/main" id="{013986D2-55AF-7345-86B9-6316E04C4DEF}"/>
+              </a:ext>
+            </a:extLst>
+          </p:cNvPr>
+          <p:cNvSpPr/>
+          <p:nvPr/>
+        </p:nvSpPr>
+        <p:spPr>
+          <a:xfrm>
+            <a:off x="6207618" y="4050359"/>
+            <a:ext cx="2890346" cy="2112579"/>
+          </a:xfrm>
+          <a:prstGeom prst="rect">
+            <a:avLst/>
+          </a:prstGeom>
+        </p:spPr>
+        <p:style>
+          <a:lnRef idx="2">
+            <a:schemeClr val="dk1"/>
+          </a:lnRef>
+          <a:fillRef idx="1">
+            <a:schemeClr val="lt1"/>
+          </a:fillRef>
+          <a:effectRef idx="0">
+            <a:schemeClr val="dk1"/>
+          </a:effectRef>
+          <a:fontRef idx="minor">
+            <a:schemeClr val="dk1"/>
+          </a:fontRef>
+        </p:style>
+        <p:txBody>
+          <a:bodyPr rtlCol="0" anchor="ctr"/>
+          <a:lstStyle/>
+          <a:p>
+            <a:pPr algn="ctr"/>
+            <a:endParaRPr kumimoji="1" lang="ko-Kore-KR" altLang="en-US" dirty="0"/>
+          </a:p>
+        </p:txBody>
+      </p:sp>
+      <p:sp>
+        <p:nvSpPr>
+          <p:cNvPr id="15" name="직사각형 14">
+            <a:extLst>
+              <a:ext uri="{FF2B5EF4-FFF2-40B4-BE49-F238E27FC236}">
+                <a16:creationId xmlns:a16="http://schemas.microsoft.com/office/drawing/2014/main" id="{AFBA5F06-0017-FA4C-BF05-77469251033A}"/>
+              </a:ext>
+            </a:extLst>
+          </p:cNvPr>
+          <p:cNvSpPr/>
+          <p:nvPr/>
+        </p:nvSpPr>
+        <p:spPr>
+          <a:xfrm>
+            <a:off x="7199819" y="3715004"/>
+            <a:ext cx="736099" cy="369332"/>
+          </a:xfrm>
+          <a:prstGeom prst="rect">
+            <a:avLst/>
+          </a:prstGeom>
+        </p:spPr>
+        <p:txBody>
+          <a:bodyPr wrap="none">
+            <a:spAutoFit/>
+          </a:bodyPr>
+          <a:lstStyle/>
+          <a:p>
+            <a:r>
+              <a:rPr lang="en" altLang="ko-Kore-KR" b="0" dirty="0">
+                <a:solidFill>
+                  <a:srgbClr val="000000"/>
+                </a:solidFill>
+                <a:effectLst/>
+                <a:latin typeface="DM Mono" panose="020B0509040201040103" pitchFamily="49" charset="0"/>
+              </a:rPr>
+              <a:t>heap</a:t>
+            </a:r>
+            <a:endParaRPr lang="ko-Kore-KR" altLang="en-US" dirty="0"/>
+          </a:p>
+        </p:txBody>
+      </p:sp>
+      <p:sp>
+        <p:nvSpPr>
+          <p:cNvPr id="16" name="직사각형 15">
+            <a:extLst>
+              <a:ext uri="{FF2B5EF4-FFF2-40B4-BE49-F238E27FC236}">
+                <a16:creationId xmlns:a16="http://schemas.microsoft.com/office/drawing/2014/main" id="{D5A6A06D-B5C9-444A-9AE9-4A37F738E3AF}"/>
+              </a:ext>
+            </a:extLst>
+          </p:cNvPr>
+          <p:cNvSpPr/>
+          <p:nvPr/>
+        </p:nvSpPr>
+        <p:spPr>
+          <a:xfrm>
+            <a:off x="7199819" y="4693933"/>
+            <a:ext cx="620111" cy="630620"/>
+          </a:xfrm>
+          <a:prstGeom prst="rect">
+            <a:avLst/>
+          </a:prstGeom>
+        </p:spPr>
+        <p:style>
+          <a:lnRef idx="2">
+            <a:schemeClr val="dk1"/>
+          </a:lnRef>
+          <a:fillRef idx="1">
+            <a:schemeClr val="lt1"/>
+          </a:fillRef>
+          <a:effectRef idx="0">
+            <a:schemeClr val="dk1"/>
+          </a:effectRef>
+          <a:fontRef idx="minor">
+            <a:schemeClr val="dk1"/>
+          </a:fontRef>
+        </p:style>
+        <p:txBody>
+          <a:bodyPr rtlCol="0" anchor="ctr"/>
+          <a:lstStyle/>
+          <a:p>
+            <a:pPr algn="ctr"/>
+            <a:endParaRPr kumimoji="1" lang="ko-Kore-KR" altLang="en-US" sz="1600" dirty="0"/>
+          </a:p>
+        </p:txBody>
+      </p:sp>
+      <p:cxnSp>
+        <p:nvCxnSpPr>
+          <p:cNvPr id="17" name="구부러진 연결선[U] 16">
+            <a:extLst>
+              <a:ext uri="{FF2B5EF4-FFF2-40B4-BE49-F238E27FC236}">
+                <a16:creationId xmlns:a16="http://schemas.microsoft.com/office/drawing/2014/main" id="{6D914A7F-5D61-2E4B-9A2D-D966A046BD56}"/>
+              </a:ext>
+            </a:extLst>
+          </p:cNvPr>
+          <p:cNvCxnSpPr>
+            <a:cxnSpLocks/>
+            <a:stCxn id="8" idx="1"/>
+            <a:endCxn id="16" idx="0"/>
+          </p:cNvCxnSpPr>
+          <p:nvPr/>
+        </p:nvCxnSpPr>
+        <p:spPr>
+          <a:xfrm rot="10800000" flipH="1" flipV="1">
+            <a:off x="7342735" y="2784393"/>
+            <a:ext cx="167140" cy="1909539"/>
+          </a:xfrm>
+          <a:prstGeom prst="curvedConnector4">
+            <a:avLst>
+              <a:gd name="adj1" fmla="val -891842"/>
+              <a:gd name="adj2" fmla="val 58256"/>
+            </a:avLst>
+          </a:prstGeom>
+          <a:ln>
+            <a:tailEnd type="triangle"/>
+          </a:ln>
+        </p:spPr>
+        <p:style>
+          <a:lnRef idx="1">
+            <a:schemeClr val="dk1"/>
+          </a:lnRef>
+          <a:fillRef idx="0">
+            <a:schemeClr val="dk1"/>
+          </a:fillRef>
+          <a:effectRef idx="0">
+            <a:schemeClr val="dk1"/>
+          </a:effectRef>
+          <a:fontRef idx="minor">
+            <a:schemeClr val="tx1"/>
+          </a:fontRef>
+        </p:style>
+      </p:cxnSp>
+    </p:spTree>
+    <p:extLst>
+      <p:ext uri="{BB962C8B-B14F-4D97-AF65-F5344CB8AC3E}">
+        <p14:creationId xmlns:p14="http://schemas.microsoft.com/office/powerpoint/2010/main" val="4027392648"/>
+      </p:ext>
+    </p:extLst>
+  </p:cSld>
+  <p:clrMapOvr>
+    <a:masterClrMapping/>
+  </p:clrMapOvr>
+</p:sld>
+</file>
+
 <file path=ppt/slides/slide2.xml><?xml version="1.0" encoding="utf-8"?>
 <p:sld xmlns:a="http://schemas.openxmlformats.org/drawingml/2006/main" xmlns:r="http://schemas.openxmlformats.org/officeDocument/2006/relationships" xmlns:p="http://schemas.openxmlformats.org/presentationml/2006/main">
   <p:cSld>
@@ -12020,6 +12743,498 @@
     <p:extLst>
       <p:ext uri="{BB962C8B-B14F-4D97-AF65-F5344CB8AC3E}">
         <p14:creationId xmlns:p14="http://schemas.microsoft.com/office/powerpoint/2010/main" val="2345697427"/>
+      </p:ext>
+    </p:extLst>
+  </p:cSld>
+  <p:clrMapOvr>
+    <a:masterClrMapping/>
+  </p:clrMapOvr>
+</p:sld>
+</file>
+
+<file path=ppt/slides/slide9.xml><?xml version="1.0" encoding="utf-8"?>
+<p:sld xmlns:a="http://schemas.openxmlformats.org/drawingml/2006/main" xmlns:r="http://schemas.openxmlformats.org/officeDocument/2006/relationships" xmlns:p="http://schemas.openxmlformats.org/presentationml/2006/main">
+  <p:cSld>
+    <p:spTree>
+      <p:nvGrpSpPr>
+        <p:cNvPr id="1" name=""/>
+        <p:cNvGrpSpPr/>
+        <p:nvPr/>
+      </p:nvGrpSpPr>
+      <p:grpSpPr>
+        <a:xfrm>
+          <a:off x="0" y="0"/>
+          <a:ext cx="0" cy="0"/>
+          <a:chOff x="0" y="0"/>
+          <a:chExt cx="0" cy="0"/>
+        </a:xfrm>
+      </p:grpSpPr>
+      <p:sp>
+        <p:nvSpPr>
+          <p:cNvPr id="4" name="직사각형 3">
+            <a:extLst>
+              <a:ext uri="{FF2B5EF4-FFF2-40B4-BE49-F238E27FC236}">
+                <a16:creationId xmlns:a16="http://schemas.microsoft.com/office/drawing/2014/main" id="{FCAEE776-BE43-3040-988B-9FB3F812E258}"/>
+              </a:ext>
+            </a:extLst>
+          </p:cNvPr>
+          <p:cNvSpPr/>
+          <p:nvPr/>
+        </p:nvSpPr>
+        <p:spPr>
+          <a:xfrm>
+            <a:off x="796007" y="488631"/>
+            <a:ext cx="6096000" cy="923330"/>
+          </a:xfrm>
+          <a:prstGeom prst="rect">
+            <a:avLst/>
+          </a:prstGeom>
+        </p:spPr>
+        <p:txBody>
+          <a:bodyPr>
+            <a:spAutoFit/>
+          </a:bodyPr>
+          <a:lstStyle/>
+          <a:p>
+            <a:r>
+              <a:rPr lang="en" altLang="ko-Kore-KR" b="0" dirty="0">
+                <a:solidFill>
+                  <a:srgbClr val="0000FF"/>
+                </a:solidFill>
+                <a:effectLst/>
+                <a:latin typeface="DM Mono" panose="020B0509040201040103" pitchFamily="49" charset="0"/>
+              </a:rPr>
+              <a:t>int</a:t>
+            </a:r>
+            <a:r>
+              <a:rPr lang="en" altLang="ko-Kore-KR" b="0" dirty="0">
+                <a:solidFill>
+                  <a:srgbClr val="000000"/>
+                </a:solidFill>
+                <a:effectLst/>
+                <a:latin typeface="DM Mono" panose="020B0509040201040103" pitchFamily="49" charset="0"/>
+              </a:rPr>
+              <a:t> n = </a:t>
+            </a:r>
+            <a:r>
+              <a:rPr lang="en" altLang="ko-Kore-KR" b="0" dirty="0">
+                <a:solidFill>
+                  <a:srgbClr val="09885A"/>
+                </a:solidFill>
+                <a:effectLst/>
+                <a:latin typeface="DM Mono" panose="020B0509040201040103" pitchFamily="49" charset="0"/>
+              </a:rPr>
+              <a:t>0x</a:t>
+            </a:r>
+            <a:r>
+              <a:rPr lang="en" altLang="ko-Kore-KR" b="0" dirty="0">
+                <a:solidFill>
+                  <a:srgbClr val="000000"/>
+                </a:solidFill>
+                <a:effectLst/>
+                <a:latin typeface="DM Mono" panose="020B0509040201040103" pitchFamily="49" charset="0"/>
+              </a:rPr>
+              <a:t>12345678;</a:t>
+            </a:r>
+          </a:p>
+          <a:p>
+            <a:br>
+              <a:rPr lang="en" altLang="ko-Kore-KR" b="0" dirty="0">
+                <a:solidFill>
+                  <a:srgbClr val="000000"/>
+                </a:solidFill>
+                <a:effectLst/>
+                <a:latin typeface="DM Mono" panose="020B0509040201040103" pitchFamily="49" charset="0"/>
+              </a:rPr>
+            </a:br>
+            <a:r>
+              <a:rPr lang="en" altLang="ko-Kore-KR" b="0" dirty="0">
+                <a:solidFill>
+                  <a:srgbClr val="0000FF"/>
+                </a:solidFill>
+                <a:effectLst/>
+                <a:latin typeface="DM Mono" panose="020B0509040201040103" pitchFamily="49" charset="0"/>
+              </a:rPr>
+              <a:t>char</a:t>
+            </a:r>
+            <a:r>
+              <a:rPr lang="en" altLang="ko-Kore-KR" b="0" dirty="0">
+                <a:solidFill>
+                  <a:srgbClr val="000000"/>
+                </a:solidFill>
+                <a:effectLst/>
+                <a:latin typeface="DM Mono" panose="020B0509040201040103" pitchFamily="49" charset="0"/>
+              </a:rPr>
+              <a:t>* p = (</a:t>
+            </a:r>
+            <a:r>
+              <a:rPr lang="en" altLang="ko-Kore-KR" b="0" dirty="0">
+                <a:solidFill>
+                  <a:srgbClr val="0000FF"/>
+                </a:solidFill>
+                <a:effectLst/>
+                <a:latin typeface="DM Mono" panose="020B0509040201040103" pitchFamily="49" charset="0"/>
+              </a:rPr>
+              <a:t>char</a:t>
+            </a:r>
+            <a:r>
+              <a:rPr lang="en" altLang="ko-Kore-KR" b="0" dirty="0">
+                <a:solidFill>
+                  <a:srgbClr val="000000"/>
+                </a:solidFill>
+                <a:effectLst/>
+                <a:latin typeface="DM Mono" panose="020B0509040201040103" pitchFamily="49" charset="0"/>
+              </a:rPr>
+              <a:t>*)&amp;n;</a:t>
+            </a:r>
+          </a:p>
+        </p:txBody>
+      </p:sp>
+      <p:sp>
+        <p:nvSpPr>
+          <p:cNvPr id="5" name="직사각형 4">
+            <a:extLst>
+              <a:ext uri="{FF2B5EF4-FFF2-40B4-BE49-F238E27FC236}">
+                <a16:creationId xmlns:a16="http://schemas.microsoft.com/office/drawing/2014/main" id="{47164B78-56F2-744F-83D3-CB2FFABBA781}"/>
+              </a:ext>
+            </a:extLst>
+          </p:cNvPr>
+          <p:cNvSpPr/>
+          <p:nvPr/>
+        </p:nvSpPr>
+        <p:spPr>
+          <a:xfrm>
+            <a:off x="1233705" y="1838464"/>
+            <a:ext cx="620111" cy="630620"/>
+          </a:xfrm>
+          <a:prstGeom prst="rect">
+            <a:avLst/>
+          </a:prstGeom>
+          <a:solidFill>
+            <a:srgbClr val="FFFF00"/>
+          </a:solidFill>
+        </p:spPr>
+        <p:style>
+          <a:lnRef idx="2">
+            <a:schemeClr val="dk1"/>
+          </a:lnRef>
+          <a:fillRef idx="1">
+            <a:schemeClr val="lt1"/>
+          </a:fillRef>
+          <a:effectRef idx="0">
+            <a:schemeClr val="dk1"/>
+          </a:effectRef>
+          <a:fontRef idx="minor">
+            <a:schemeClr val="dk1"/>
+          </a:fontRef>
+        </p:style>
+        <p:txBody>
+          <a:bodyPr rtlCol="0" anchor="ctr"/>
+          <a:lstStyle/>
+          <a:p>
+            <a:pPr algn="ctr"/>
+            <a:r>
+              <a:rPr kumimoji="1" lang="en-US" altLang="ko-Kore-KR" sz="1600" dirty="0"/>
+              <a:t>0x12</a:t>
+            </a:r>
+            <a:endParaRPr kumimoji="1" lang="ko-Kore-KR" altLang="en-US" sz="1600" dirty="0"/>
+          </a:p>
+        </p:txBody>
+      </p:sp>
+      <p:sp>
+        <p:nvSpPr>
+          <p:cNvPr id="6" name="직사각형 5">
+            <a:extLst>
+              <a:ext uri="{FF2B5EF4-FFF2-40B4-BE49-F238E27FC236}">
+                <a16:creationId xmlns:a16="http://schemas.microsoft.com/office/drawing/2014/main" id="{77104849-6176-2D49-9204-39F0A32F6321}"/>
+              </a:ext>
+            </a:extLst>
+          </p:cNvPr>
+          <p:cNvSpPr/>
+          <p:nvPr/>
+        </p:nvSpPr>
+        <p:spPr>
+          <a:xfrm>
+            <a:off x="1853816" y="1838464"/>
+            <a:ext cx="620111" cy="630620"/>
+          </a:xfrm>
+          <a:prstGeom prst="rect">
+            <a:avLst/>
+          </a:prstGeom>
+        </p:spPr>
+        <p:style>
+          <a:lnRef idx="2">
+            <a:schemeClr val="dk1"/>
+          </a:lnRef>
+          <a:fillRef idx="1">
+            <a:schemeClr val="lt1"/>
+          </a:fillRef>
+          <a:effectRef idx="0">
+            <a:schemeClr val="dk1"/>
+          </a:effectRef>
+          <a:fontRef idx="minor">
+            <a:schemeClr val="dk1"/>
+          </a:fontRef>
+        </p:style>
+        <p:txBody>
+          <a:bodyPr rtlCol="0" anchor="ctr"/>
+          <a:lstStyle/>
+          <a:p>
+            <a:pPr algn="ctr"/>
+            <a:r>
+              <a:rPr kumimoji="1" lang="en-US" altLang="ko-Kore-KR" sz="1600" dirty="0"/>
+              <a:t>0x34</a:t>
+            </a:r>
+            <a:endParaRPr kumimoji="1" lang="ko-Kore-KR" altLang="en-US" sz="1600" dirty="0"/>
+          </a:p>
+        </p:txBody>
+      </p:sp>
+      <p:sp>
+        <p:nvSpPr>
+          <p:cNvPr id="7" name="직사각형 6">
+            <a:extLst>
+              <a:ext uri="{FF2B5EF4-FFF2-40B4-BE49-F238E27FC236}">
+                <a16:creationId xmlns:a16="http://schemas.microsoft.com/office/drawing/2014/main" id="{B0C3C6D6-EBF4-494D-87B4-F12C8123561C}"/>
+              </a:ext>
+            </a:extLst>
+          </p:cNvPr>
+          <p:cNvSpPr/>
+          <p:nvPr/>
+        </p:nvSpPr>
+        <p:spPr>
+          <a:xfrm>
+            <a:off x="2473927" y="1838464"/>
+            <a:ext cx="620111" cy="630620"/>
+          </a:xfrm>
+          <a:prstGeom prst="rect">
+            <a:avLst/>
+          </a:prstGeom>
+        </p:spPr>
+        <p:style>
+          <a:lnRef idx="2">
+            <a:schemeClr val="dk1"/>
+          </a:lnRef>
+          <a:fillRef idx="1">
+            <a:schemeClr val="lt1"/>
+          </a:fillRef>
+          <a:effectRef idx="0">
+            <a:schemeClr val="dk1"/>
+          </a:effectRef>
+          <a:fontRef idx="minor">
+            <a:schemeClr val="dk1"/>
+          </a:fontRef>
+        </p:style>
+        <p:txBody>
+          <a:bodyPr rtlCol="0" anchor="ctr"/>
+          <a:lstStyle/>
+          <a:p>
+            <a:pPr algn="ctr"/>
+            <a:r>
+              <a:rPr kumimoji="1" lang="en-US" altLang="ko-Kore-KR" sz="1600" dirty="0"/>
+              <a:t>0x56</a:t>
+            </a:r>
+            <a:endParaRPr kumimoji="1" lang="ko-Kore-KR" altLang="en-US" sz="1600" dirty="0"/>
+          </a:p>
+        </p:txBody>
+      </p:sp>
+      <p:sp>
+        <p:nvSpPr>
+          <p:cNvPr id="8" name="직사각형 7">
+            <a:extLst>
+              <a:ext uri="{FF2B5EF4-FFF2-40B4-BE49-F238E27FC236}">
+                <a16:creationId xmlns:a16="http://schemas.microsoft.com/office/drawing/2014/main" id="{DBE08772-A232-2D40-B91D-A61219144AEE}"/>
+              </a:ext>
+            </a:extLst>
+          </p:cNvPr>
+          <p:cNvSpPr/>
+          <p:nvPr/>
+        </p:nvSpPr>
+        <p:spPr>
+          <a:xfrm>
+            <a:off x="3094038" y="1838464"/>
+            <a:ext cx="620111" cy="630620"/>
+          </a:xfrm>
+          <a:prstGeom prst="rect">
+            <a:avLst/>
+          </a:prstGeom>
+        </p:spPr>
+        <p:style>
+          <a:lnRef idx="2">
+            <a:schemeClr val="dk1"/>
+          </a:lnRef>
+          <a:fillRef idx="1">
+            <a:schemeClr val="lt1"/>
+          </a:fillRef>
+          <a:effectRef idx="0">
+            <a:schemeClr val="dk1"/>
+          </a:effectRef>
+          <a:fontRef idx="minor">
+            <a:schemeClr val="dk1"/>
+          </a:fontRef>
+        </p:style>
+        <p:txBody>
+          <a:bodyPr rtlCol="0" anchor="ctr"/>
+          <a:lstStyle/>
+          <a:p>
+            <a:pPr algn="ctr"/>
+            <a:r>
+              <a:rPr kumimoji="1" lang="en-US" altLang="ko-Kore-KR" sz="1600" dirty="0"/>
+              <a:t>0x78</a:t>
+            </a:r>
+            <a:endParaRPr kumimoji="1" lang="ko-Kore-KR" altLang="en-US" sz="1600" dirty="0"/>
+          </a:p>
+        </p:txBody>
+      </p:sp>
+      <p:sp>
+        <p:nvSpPr>
+          <p:cNvPr id="9" name="직사각형 8">
+            <a:extLst>
+              <a:ext uri="{FF2B5EF4-FFF2-40B4-BE49-F238E27FC236}">
+                <a16:creationId xmlns:a16="http://schemas.microsoft.com/office/drawing/2014/main" id="{B04D69E8-7BF7-734A-96F3-284A48865294}"/>
+              </a:ext>
+            </a:extLst>
+          </p:cNvPr>
+          <p:cNvSpPr/>
+          <p:nvPr/>
+        </p:nvSpPr>
+        <p:spPr>
+          <a:xfrm>
+            <a:off x="2506715" y="4563868"/>
+            <a:ext cx="814553" cy="630620"/>
+          </a:xfrm>
+          <a:prstGeom prst="rect">
+            <a:avLst/>
+          </a:prstGeom>
+        </p:spPr>
+        <p:style>
+          <a:lnRef idx="2">
+            <a:schemeClr val="dk1"/>
+          </a:lnRef>
+          <a:fillRef idx="1">
+            <a:schemeClr val="lt1"/>
+          </a:fillRef>
+          <a:effectRef idx="0">
+            <a:schemeClr val="dk1"/>
+          </a:effectRef>
+          <a:fontRef idx="minor">
+            <a:schemeClr val="dk1"/>
+          </a:fontRef>
+        </p:style>
+        <p:txBody>
+          <a:bodyPr rtlCol="0" anchor="ctr"/>
+          <a:lstStyle/>
+          <a:p>
+            <a:pPr algn="ctr"/>
+            <a:endParaRPr kumimoji="1" lang="ko-Kore-KR" altLang="en-US" dirty="0">
+              <a:solidFill>
+                <a:srgbClr val="FF0000"/>
+              </a:solidFill>
+            </a:endParaRPr>
+          </a:p>
+        </p:txBody>
+      </p:sp>
+      <p:sp>
+        <p:nvSpPr>
+          <p:cNvPr id="10" name="직사각형 9">
+            <a:extLst>
+              <a:ext uri="{FF2B5EF4-FFF2-40B4-BE49-F238E27FC236}">
+                <a16:creationId xmlns:a16="http://schemas.microsoft.com/office/drawing/2014/main" id="{DAA018B5-4A2A-8F4E-B202-86DA74DEF00F}"/>
+              </a:ext>
+            </a:extLst>
+          </p:cNvPr>
+          <p:cNvSpPr/>
+          <p:nvPr/>
+        </p:nvSpPr>
+        <p:spPr>
+          <a:xfrm>
+            <a:off x="1870210" y="4749112"/>
+            <a:ext cx="495140" cy="260131"/>
+          </a:xfrm>
+          <a:prstGeom prst="rect">
+            <a:avLst/>
+          </a:prstGeom>
+          <a:ln>
+            <a:noFill/>
+          </a:ln>
+        </p:spPr>
+        <p:style>
+          <a:lnRef idx="2">
+            <a:schemeClr val="dk1"/>
+          </a:lnRef>
+          <a:fillRef idx="1">
+            <a:schemeClr val="lt1"/>
+          </a:fillRef>
+          <a:effectRef idx="0">
+            <a:schemeClr val="dk1"/>
+          </a:effectRef>
+          <a:fontRef idx="minor">
+            <a:schemeClr val="dk1"/>
+          </a:fontRef>
+        </p:style>
+        <p:txBody>
+          <a:bodyPr rtlCol="0" anchor="ctr"/>
+          <a:lstStyle/>
+          <a:p>
+            <a:pPr algn="ctr"/>
+            <a:r>
+              <a:rPr kumimoji="1" lang="en-US" altLang="ko-Kore-KR" dirty="0"/>
+              <a:t>p</a:t>
+            </a:r>
+            <a:endParaRPr kumimoji="1" lang="ko-Kore-KR" altLang="en-US" dirty="0"/>
+          </a:p>
+        </p:txBody>
+      </p:sp>
+      <p:cxnSp>
+        <p:nvCxnSpPr>
+          <p:cNvPr id="11" name="구부러진 연결선[U] 10">
+            <a:extLst>
+              <a:ext uri="{FF2B5EF4-FFF2-40B4-BE49-F238E27FC236}">
+                <a16:creationId xmlns:a16="http://schemas.microsoft.com/office/drawing/2014/main" id="{50F3BDB9-D7EA-4349-B581-1D5369DD22A2}"/>
+              </a:ext>
+            </a:extLst>
+          </p:cNvPr>
+          <p:cNvCxnSpPr>
+            <a:cxnSpLocks/>
+            <a:stCxn id="9" idx="3"/>
+            <a:endCxn id="5" idx="1"/>
+          </p:cNvCxnSpPr>
+          <p:nvPr/>
+        </p:nvCxnSpPr>
+        <p:spPr>
+          <a:xfrm flipH="1" flipV="1">
+            <a:off x="1233705" y="2153774"/>
+            <a:ext cx="2087563" cy="2725404"/>
+          </a:xfrm>
+          <a:prstGeom prst="curvedConnector5">
+            <a:avLst>
+              <a:gd name="adj1" fmla="val -10951"/>
+              <a:gd name="adj2" fmla="val 50000"/>
+              <a:gd name="adj3" fmla="val 110951"/>
+            </a:avLst>
+          </a:prstGeom>
+          <a:ln>
+            <a:tailEnd type="triangle"/>
+          </a:ln>
+        </p:spPr>
+        <p:style>
+          <a:lnRef idx="1">
+            <a:schemeClr val="dk1"/>
+          </a:lnRef>
+          <a:fillRef idx="0">
+            <a:schemeClr val="dk1"/>
+          </a:fillRef>
+          <a:effectRef idx="0">
+            <a:schemeClr val="dk1"/>
+          </a:effectRef>
+          <a:fontRef idx="minor">
+            <a:schemeClr val="tx1"/>
+          </a:fontRef>
+        </p:style>
+      </p:cxnSp>
+    </p:spTree>
+    <p:extLst>
+      <p:ext uri="{BB962C8B-B14F-4D97-AF65-F5344CB8AC3E}">
+        <p14:creationId xmlns:p14="http://schemas.microsoft.com/office/powerpoint/2010/main" val="4014327208"/>
       </p:ext>
     </p:extLst>
   </p:cSld>

--- a/220117.pptx
+++ b/220117.pptx
@@ -15,6 +15,11 @@
     <p:sldId id="263" r:id="rId9"/>
     <p:sldId id="264" r:id="rId10"/>
     <p:sldId id="265" r:id="rId11"/>
+    <p:sldId id="266" r:id="rId12"/>
+    <p:sldId id="267" r:id="rId13"/>
+    <p:sldId id="268" r:id="rId14"/>
+    <p:sldId id="269" r:id="rId15"/>
+    <p:sldId id="270" r:id="rId16"/>
   </p:sldIdLst>
   <p:sldSz cx="12192000" cy="6858000"/>
   <p:notesSz cx="6858000" cy="9144000"/>
@@ -113,6 +118,11 @@
       </a:defRPr>
     </a:lvl9pPr>
   </p:defaultTextStyle>
+  <p:extLst>
+    <p:ext uri="{EFAFB233-063F-42B5-8137-9DF3F51BA10A}">
+      <p15:sldGuideLst xmlns:p15="http://schemas.microsoft.com/office/powerpoint/2012/main"/>
+    </p:ext>
+  </p:extLst>
 </p:presentation>
 </file>
 
@@ -265,7 +275,7 @@
           <a:p>
             <a:fld id="{1723F3E5-C7D7-694A-8ED9-2F7BC23F0D79}" type="datetimeFigureOut">
               <a:rPr kumimoji="1" lang="ko-Kore-KR" altLang="en-US" smtClean="0"/>
-              <a:t>2022. 1. 19.</a:t>
+              <a:t>2022. 1. 20.</a:t>
             </a:fld>
             <a:endParaRPr kumimoji="1" lang="ko-Kore-KR" altLang="en-US"/>
           </a:p>
@@ -465,7 +475,7 @@
           <a:p>
             <a:fld id="{1723F3E5-C7D7-694A-8ED9-2F7BC23F0D79}" type="datetimeFigureOut">
               <a:rPr kumimoji="1" lang="ko-Kore-KR" altLang="en-US" smtClean="0"/>
-              <a:t>2022. 1. 19.</a:t>
+              <a:t>2022. 1. 20.</a:t>
             </a:fld>
             <a:endParaRPr kumimoji="1" lang="ko-Kore-KR" altLang="en-US"/>
           </a:p>
@@ -675,7 +685,7 @@
           <a:p>
             <a:fld id="{1723F3E5-C7D7-694A-8ED9-2F7BC23F0D79}" type="datetimeFigureOut">
               <a:rPr kumimoji="1" lang="ko-Kore-KR" altLang="en-US" smtClean="0"/>
-              <a:t>2022. 1. 19.</a:t>
+              <a:t>2022. 1. 20.</a:t>
             </a:fld>
             <a:endParaRPr kumimoji="1" lang="ko-Kore-KR" altLang="en-US"/>
           </a:p>
@@ -875,7 +885,7 @@
           <a:p>
             <a:fld id="{1723F3E5-C7D7-694A-8ED9-2F7BC23F0D79}" type="datetimeFigureOut">
               <a:rPr kumimoji="1" lang="ko-Kore-KR" altLang="en-US" smtClean="0"/>
-              <a:t>2022. 1. 19.</a:t>
+              <a:t>2022. 1. 20.</a:t>
             </a:fld>
             <a:endParaRPr kumimoji="1" lang="ko-Kore-KR" altLang="en-US"/>
           </a:p>
@@ -1151,7 +1161,7 @@
           <a:p>
             <a:fld id="{1723F3E5-C7D7-694A-8ED9-2F7BC23F0D79}" type="datetimeFigureOut">
               <a:rPr kumimoji="1" lang="ko-Kore-KR" altLang="en-US" smtClean="0"/>
-              <a:t>2022. 1. 19.</a:t>
+              <a:t>2022. 1. 20.</a:t>
             </a:fld>
             <a:endParaRPr kumimoji="1" lang="ko-Kore-KR" altLang="en-US"/>
           </a:p>
@@ -1419,7 +1429,7 @@
           <a:p>
             <a:fld id="{1723F3E5-C7D7-694A-8ED9-2F7BC23F0D79}" type="datetimeFigureOut">
               <a:rPr kumimoji="1" lang="ko-Kore-KR" altLang="en-US" smtClean="0"/>
-              <a:t>2022. 1. 19.</a:t>
+              <a:t>2022. 1. 20.</a:t>
             </a:fld>
             <a:endParaRPr kumimoji="1" lang="ko-Kore-KR" altLang="en-US"/>
           </a:p>
@@ -1834,7 +1844,7 @@
           <a:p>
             <a:fld id="{1723F3E5-C7D7-694A-8ED9-2F7BC23F0D79}" type="datetimeFigureOut">
               <a:rPr kumimoji="1" lang="ko-Kore-KR" altLang="en-US" smtClean="0"/>
-              <a:t>2022. 1. 19.</a:t>
+              <a:t>2022. 1. 20.</a:t>
             </a:fld>
             <a:endParaRPr kumimoji="1" lang="ko-Kore-KR" altLang="en-US"/>
           </a:p>
@@ -1976,7 +1986,7 @@
           <a:p>
             <a:fld id="{1723F3E5-C7D7-694A-8ED9-2F7BC23F0D79}" type="datetimeFigureOut">
               <a:rPr kumimoji="1" lang="ko-Kore-KR" altLang="en-US" smtClean="0"/>
-              <a:t>2022. 1. 19.</a:t>
+              <a:t>2022. 1. 20.</a:t>
             </a:fld>
             <a:endParaRPr kumimoji="1" lang="ko-Kore-KR" altLang="en-US"/>
           </a:p>
@@ -2089,7 +2099,7 @@
           <a:p>
             <a:fld id="{1723F3E5-C7D7-694A-8ED9-2F7BC23F0D79}" type="datetimeFigureOut">
               <a:rPr kumimoji="1" lang="ko-Kore-KR" altLang="en-US" smtClean="0"/>
-              <a:t>2022. 1. 19.</a:t>
+              <a:t>2022. 1. 20.</a:t>
             </a:fld>
             <a:endParaRPr kumimoji="1" lang="ko-Kore-KR" altLang="en-US"/>
           </a:p>
@@ -2402,7 +2412,7 @@
           <a:p>
             <a:fld id="{1723F3E5-C7D7-694A-8ED9-2F7BC23F0D79}" type="datetimeFigureOut">
               <a:rPr kumimoji="1" lang="ko-Kore-KR" altLang="en-US" smtClean="0"/>
-              <a:t>2022. 1. 19.</a:t>
+              <a:t>2022. 1. 20.</a:t>
             </a:fld>
             <a:endParaRPr kumimoji="1" lang="ko-Kore-KR" altLang="en-US"/>
           </a:p>
@@ -2691,7 +2701,7 @@
           <a:p>
             <a:fld id="{1723F3E5-C7D7-694A-8ED9-2F7BC23F0D79}" type="datetimeFigureOut">
               <a:rPr kumimoji="1" lang="ko-Kore-KR" altLang="en-US" smtClean="0"/>
-              <a:t>2022. 1. 19.</a:t>
+              <a:t>2022. 1. 20.</a:t>
             </a:fld>
             <a:endParaRPr kumimoji="1" lang="ko-Kore-KR" altLang="en-US"/>
           </a:p>
@@ -2934,7 +2944,7 @@
           <a:p>
             <a:fld id="{1723F3E5-C7D7-694A-8ED9-2F7BC23F0D79}" type="datetimeFigureOut">
               <a:rPr kumimoji="1" lang="ko-Kore-KR" altLang="en-US" smtClean="0"/>
-              <a:t>2022. 1. 19.</a:t>
+              <a:t>2022. 1. 20.</a:t>
             </a:fld>
             <a:endParaRPr kumimoji="1" lang="ko-Kore-KR" altLang="en-US"/>
           </a:p>
@@ -4940,6 +4950,4900 @@
     <p:extLst>
       <p:ext uri="{BB962C8B-B14F-4D97-AF65-F5344CB8AC3E}">
         <p14:creationId xmlns:p14="http://schemas.microsoft.com/office/powerpoint/2010/main" val="4027392648"/>
+      </p:ext>
+    </p:extLst>
+  </p:cSld>
+  <p:clrMapOvr>
+    <a:masterClrMapping/>
+  </p:clrMapOvr>
+</p:sld>
+</file>
+
+<file path=ppt/slides/slide11.xml><?xml version="1.0" encoding="utf-8"?>
+<p:sld xmlns:a="http://schemas.openxmlformats.org/drawingml/2006/main" xmlns:r="http://schemas.openxmlformats.org/officeDocument/2006/relationships" xmlns:p="http://schemas.openxmlformats.org/presentationml/2006/main">
+  <p:cSld>
+    <p:spTree>
+      <p:nvGrpSpPr>
+        <p:cNvPr id="1" name=""/>
+        <p:cNvGrpSpPr/>
+        <p:nvPr/>
+      </p:nvGrpSpPr>
+      <p:grpSpPr>
+        <a:xfrm>
+          <a:off x="0" y="0"/>
+          <a:ext cx="0" cy="0"/>
+          <a:chOff x="0" y="0"/>
+          <a:chExt cx="0" cy="0"/>
+        </a:xfrm>
+      </p:grpSpPr>
+      <p:sp>
+        <p:nvSpPr>
+          <p:cNvPr id="20" name="직사각형 19">
+            <a:extLst>
+              <a:ext uri="{FF2B5EF4-FFF2-40B4-BE49-F238E27FC236}">
+                <a16:creationId xmlns:a16="http://schemas.microsoft.com/office/drawing/2014/main" id="{9E4FA7DF-C455-8D42-A463-2AA7DD3CB4E0}"/>
+              </a:ext>
+            </a:extLst>
+          </p:cNvPr>
+          <p:cNvSpPr/>
+          <p:nvPr/>
+        </p:nvSpPr>
+        <p:spPr>
+          <a:xfrm>
+            <a:off x="875499" y="1155714"/>
+            <a:ext cx="2890346" cy="4495201"/>
+          </a:xfrm>
+          <a:prstGeom prst="rect">
+            <a:avLst/>
+          </a:prstGeom>
+        </p:spPr>
+        <p:style>
+          <a:lnRef idx="2">
+            <a:schemeClr val="dk1"/>
+          </a:lnRef>
+          <a:fillRef idx="1">
+            <a:schemeClr val="lt1"/>
+          </a:fillRef>
+          <a:effectRef idx="0">
+            <a:schemeClr val="dk1"/>
+          </a:effectRef>
+          <a:fontRef idx="minor">
+            <a:schemeClr val="dk1"/>
+          </a:fontRef>
+        </p:style>
+        <p:txBody>
+          <a:bodyPr rtlCol="0" anchor="ctr"/>
+          <a:lstStyle/>
+          <a:p>
+            <a:pPr algn="ctr"/>
+            <a:endParaRPr kumimoji="1" lang="ko-Kore-KR" altLang="en-US" dirty="0"/>
+          </a:p>
+        </p:txBody>
+      </p:sp>
+      <p:sp>
+        <p:nvSpPr>
+          <p:cNvPr id="21" name="직사각형 20">
+            <a:extLst>
+              <a:ext uri="{FF2B5EF4-FFF2-40B4-BE49-F238E27FC236}">
+                <a16:creationId xmlns:a16="http://schemas.microsoft.com/office/drawing/2014/main" id="{30B4AA3A-86F1-7441-BCA8-99F1B569937B}"/>
+              </a:ext>
+            </a:extLst>
+          </p:cNvPr>
+          <p:cNvSpPr/>
+          <p:nvPr/>
+        </p:nvSpPr>
+        <p:spPr>
+          <a:xfrm>
+            <a:off x="139400" y="1039255"/>
+            <a:ext cx="736099" cy="369332"/>
+          </a:xfrm>
+          <a:prstGeom prst="rect">
+            <a:avLst/>
+          </a:prstGeom>
+        </p:spPr>
+        <p:txBody>
+          <a:bodyPr wrap="none">
+            <a:spAutoFit/>
+          </a:bodyPr>
+          <a:lstStyle/>
+          <a:p>
+            <a:r>
+              <a:rPr lang="en" altLang="ko-Kore-KR" b="0" dirty="0">
+                <a:solidFill>
+                  <a:srgbClr val="000000"/>
+                </a:solidFill>
+                <a:effectLst/>
+                <a:latin typeface="DM Mono" panose="020B0509040201040103" pitchFamily="49" charset="0"/>
+              </a:rPr>
+              <a:t>main</a:t>
+            </a:r>
+            <a:endParaRPr lang="ko-Kore-KR" altLang="en-US" dirty="0"/>
+          </a:p>
+        </p:txBody>
+      </p:sp>
+      <p:sp>
+        <p:nvSpPr>
+          <p:cNvPr id="6" name="직사각형 5">
+            <a:extLst>
+              <a:ext uri="{FF2B5EF4-FFF2-40B4-BE49-F238E27FC236}">
+                <a16:creationId xmlns:a16="http://schemas.microsoft.com/office/drawing/2014/main" id="{77104849-6176-2D49-9204-39F0A32F6321}"/>
+              </a:ext>
+            </a:extLst>
+          </p:cNvPr>
+          <p:cNvSpPr/>
+          <p:nvPr/>
+        </p:nvSpPr>
+        <p:spPr>
+          <a:xfrm>
+            <a:off x="1071336" y="1576417"/>
+            <a:ext cx="620111" cy="630620"/>
+          </a:xfrm>
+          <a:prstGeom prst="rect">
+            <a:avLst/>
+          </a:prstGeom>
+        </p:spPr>
+        <p:style>
+          <a:lnRef idx="2">
+            <a:schemeClr val="dk1"/>
+          </a:lnRef>
+          <a:fillRef idx="1">
+            <a:schemeClr val="lt1"/>
+          </a:fillRef>
+          <a:effectRef idx="0">
+            <a:schemeClr val="dk1"/>
+          </a:effectRef>
+          <a:fontRef idx="minor">
+            <a:schemeClr val="dk1"/>
+          </a:fontRef>
+        </p:style>
+        <p:txBody>
+          <a:bodyPr rtlCol="0" anchor="ctr"/>
+          <a:lstStyle/>
+          <a:p>
+            <a:pPr algn="ctr"/>
+            <a:r>
+              <a:rPr kumimoji="1" lang="en-US" altLang="ko-Kore-KR" sz="1600" dirty="0"/>
+              <a:t>‘A’</a:t>
+            </a:r>
+            <a:endParaRPr kumimoji="1" lang="ko-Kore-KR" altLang="en-US" sz="1600" dirty="0"/>
+          </a:p>
+        </p:txBody>
+      </p:sp>
+      <p:sp>
+        <p:nvSpPr>
+          <p:cNvPr id="7" name="직사각형 6">
+            <a:extLst>
+              <a:ext uri="{FF2B5EF4-FFF2-40B4-BE49-F238E27FC236}">
+                <a16:creationId xmlns:a16="http://schemas.microsoft.com/office/drawing/2014/main" id="{B0C3C6D6-EBF4-494D-87B4-F12C8123561C}"/>
+              </a:ext>
+            </a:extLst>
+          </p:cNvPr>
+          <p:cNvSpPr/>
+          <p:nvPr/>
+        </p:nvSpPr>
+        <p:spPr>
+          <a:xfrm>
+            <a:off x="1691447" y="1576417"/>
+            <a:ext cx="620111" cy="630620"/>
+          </a:xfrm>
+          <a:prstGeom prst="rect">
+            <a:avLst/>
+          </a:prstGeom>
+        </p:spPr>
+        <p:style>
+          <a:lnRef idx="2">
+            <a:schemeClr val="dk1"/>
+          </a:lnRef>
+          <a:fillRef idx="1">
+            <a:schemeClr val="lt1"/>
+          </a:fillRef>
+          <a:effectRef idx="0">
+            <a:schemeClr val="dk1"/>
+          </a:effectRef>
+          <a:fontRef idx="minor">
+            <a:schemeClr val="dk1"/>
+          </a:fontRef>
+        </p:style>
+        <p:txBody>
+          <a:bodyPr rtlCol="0" anchor="ctr"/>
+          <a:lstStyle/>
+          <a:p>
+            <a:pPr algn="ctr"/>
+            <a:r>
+              <a:rPr kumimoji="1" lang="en-US" altLang="ko-Kore-KR" sz="1600" dirty="0"/>
+              <a:t>’B’</a:t>
+            </a:r>
+            <a:endParaRPr kumimoji="1" lang="ko-Kore-KR" altLang="en-US" sz="1600" dirty="0"/>
+          </a:p>
+        </p:txBody>
+      </p:sp>
+      <p:sp>
+        <p:nvSpPr>
+          <p:cNvPr id="4" name="직사각형 3">
+            <a:extLst>
+              <a:ext uri="{FF2B5EF4-FFF2-40B4-BE49-F238E27FC236}">
+                <a16:creationId xmlns:a16="http://schemas.microsoft.com/office/drawing/2014/main" id="{CF775911-7EAA-2E40-8987-2678454FA45F}"/>
+              </a:ext>
+            </a:extLst>
+          </p:cNvPr>
+          <p:cNvSpPr/>
+          <p:nvPr/>
+        </p:nvSpPr>
+        <p:spPr>
+          <a:xfrm>
+            <a:off x="875499" y="513784"/>
+            <a:ext cx="2803973" cy="369332"/>
+          </a:xfrm>
+          <a:prstGeom prst="rect">
+            <a:avLst/>
+          </a:prstGeom>
+        </p:spPr>
+        <p:txBody>
+          <a:bodyPr wrap="none">
+            <a:spAutoFit/>
+          </a:bodyPr>
+          <a:lstStyle/>
+          <a:p>
+            <a:r>
+              <a:rPr lang="en" altLang="ko-Kore-KR" dirty="0">
+                <a:solidFill>
+                  <a:srgbClr val="0000FF"/>
+                </a:solidFill>
+                <a:latin typeface="DM Mono" panose="020B0509040201040103" pitchFamily="49" charset="0"/>
+              </a:rPr>
+              <a:t>char</a:t>
+            </a:r>
+            <a:r>
+              <a:rPr lang="en" altLang="ko-Kore-KR" dirty="0">
+                <a:solidFill>
+                  <a:srgbClr val="000000"/>
+                </a:solidFill>
+                <a:latin typeface="DM Mono" panose="020B0509040201040103" pitchFamily="49" charset="0"/>
+              </a:rPr>
+              <a:t> str</a:t>
+            </a:r>
+            <a:r>
+              <a:rPr lang="en" altLang="ko-Kore-KR" dirty="0">
+                <a:solidFill>
+                  <a:srgbClr val="0000FF"/>
+                </a:solidFill>
+                <a:latin typeface="DM Mono" panose="020B0509040201040103" pitchFamily="49" charset="0"/>
+              </a:rPr>
+              <a:t>[]</a:t>
+            </a:r>
+            <a:r>
+              <a:rPr lang="en" altLang="ko-Kore-KR" dirty="0">
+                <a:solidFill>
+                  <a:srgbClr val="000000"/>
+                </a:solidFill>
+                <a:latin typeface="DM Mono" panose="020B0509040201040103" pitchFamily="49" charset="0"/>
+              </a:rPr>
+              <a:t> = </a:t>
+            </a:r>
+            <a:r>
+              <a:rPr lang="en" altLang="ko-Kore-KR" dirty="0">
+                <a:solidFill>
+                  <a:srgbClr val="A31515"/>
+                </a:solidFill>
+                <a:latin typeface="DM Mono" panose="020B0509040201040103" pitchFamily="49" charset="0"/>
+              </a:rPr>
+              <a:t>"ABC"</a:t>
+            </a:r>
+            <a:r>
+              <a:rPr lang="en" altLang="ko-Kore-KR" dirty="0">
+                <a:solidFill>
+                  <a:srgbClr val="000000"/>
+                </a:solidFill>
+                <a:latin typeface="DM Mono" panose="020B0509040201040103" pitchFamily="49" charset="0"/>
+              </a:rPr>
+              <a:t>;</a:t>
+            </a:r>
+            <a:endParaRPr lang="en" altLang="ko-Kore-KR" b="0" dirty="0">
+              <a:solidFill>
+                <a:srgbClr val="000000"/>
+              </a:solidFill>
+              <a:effectLst/>
+              <a:latin typeface="DM Mono" panose="020B0509040201040103" pitchFamily="49" charset="0"/>
+            </a:endParaRPr>
+          </a:p>
+        </p:txBody>
+      </p:sp>
+      <p:sp>
+        <p:nvSpPr>
+          <p:cNvPr id="12" name="직사각형 11">
+            <a:extLst>
+              <a:ext uri="{FF2B5EF4-FFF2-40B4-BE49-F238E27FC236}">
+                <a16:creationId xmlns:a16="http://schemas.microsoft.com/office/drawing/2014/main" id="{1AE101B4-2891-6B41-B19E-E369CF1619FE}"/>
+              </a:ext>
+            </a:extLst>
+          </p:cNvPr>
+          <p:cNvSpPr/>
+          <p:nvPr/>
+        </p:nvSpPr>
+        <p:spPr>
+          <a:xfrm>
+            <a:off x="1046147" y="1207085"/>
+            <a:ext cx="598241" cy="369332"/>
+          </a:xfrm>
+          <a:prstGeom prst="rect">
+            <a:avLst/>
+          </a:prstGeom>
+        </p:spPr>
+        <p:txBody>
+          <a:bodyPr wrap="none">
+            <a:spAutoFit/>
+          </a:bodyPr>
+          <a:lstStyle/>
+          <a:p>
+            <a:r>
+              <a:rPr lang="en" altLang="ko-Kore-KR" dirty="0">
+                <a:solidFill>
+                  <a:srgbClr val="000000"/>
+                </a:solidFill>
+                <a:latin typeface="DM Mono" panose="020B0509040201040103" pitchFamily="49" charset="0"/>
+              </a:rPr>
+              <a:t>str</a:t>
+            </a:r>
+            <a:endParaRPr lang="ko-Kore-KR" altLang="en-US" dirty="0"/>
+          </a:p>
+        </p:txBody>
+      </p:sp>
+      <p:sp>
+        <p:nvSpPr>
+          <p:cNvPr id="18" name="직사각형 17">
+            <a:extLst>
+              <a:ext uri="{FF2B5EF4-FFF2-40B4-BE49-F238E27FC236}">
+                <a16:creationId xmlns:a16="http://schemas.microsoft.com/office/drawing/2014/main" id="{BAB3D17D-8921-594F-8C30-F960DFD55B0E}"/>
+              </a:ext>
+            </a:extLst>
+          </p:cNvPr>
+          <p:cNvSpPr/>
+          <p:nvPr/>
+        </p:nvSpPr>
+        <p:spPr>
+          <a:xfrm>
+            <a:off x="2311558" y="1576417"/>
+            <a:ext cx="620111" cy="630620"/>
+          </a:xfrm>
+          <a:prstGeom prst="rect">
+            <a:avLst/>
+          </a:prstGeom>
+        </p:spPr>
+        <p:style>
+          <a:lnRef idx="2">
+            <a:schemeClr val="dk1"/>
+          </a:lnRef>
+          <a:fillRef idx="1">
+            <a:schemeClr val="lt1"/>
+          </a:fillRef>
+          <a:effectRef idx="0">
+            <a:schemeClr val="dk1"/>
+          </a:effectRef>
+          <a:fontRef idx="minor">
+            <a:schemeClr val="dk1"/>
+          </a:fontRef>
+        </p:style>
+        <p:txBody>
+          <a:bodyPr rtlCol="0" anchor="ctr"/>
+          <a:lstStyle/>
+          <a:p>
+            <a:pPr algn="ctr"/>
+            <a:r>
+              <a:rPr kumimoji="1" lang="en-US" altLang="ko-Kore-KR" sz="1600" dirty="0"/>
+              <a:t>‘C’</a:t>
+            </a:r>
+            <a:endParaRPr kumimoji="1" lang="ko-Kore-KR" altLang="en-US" sz="1600" dirty="0"/>
+          </a:p>
+        </p:txBody>
+      </p:sp>
+      <p:sp>
+        <p:nvSpPr>
+          <p:cNvPr id="19" name="직사각형 18">
+            <a:extLst>
+              <a:ext uri="{FF2B5EF4-FFF2-40B4-BE49-F238E27FC236}">
+                <a16:creationId xmlns:a16="http://schemas.microsoft.com/office/drawing/2014/main" id="{361120E8-F02A-1244-A6B2-3B9A895498D2}"/>
+              </a:ext>
+            </a:extLst>
+          </p:cNvPr>
+          <p:cNvSpPr/>
+          <p:nvPr/>
+        </p:nvSpPr>
+        <p:spPr>
+          <a:xfrm>
+            <a:off x="2931669" y="1576417"/>
+            <a:ext cx="620111" cy="630620"/>
+          </a:xfrm>
+          <a:prstGeom prst="rect">
+            <a:avLst/>
+          </a:prstGeom>
+        </p:spPr>
+        <p:style>
+          <a:lnRef idx="2">
+            <a:schemeClr val="dk1"/>
+          </a:lnRef>
+          <a:fillRef idx="1">
+            <a:schemeClr val="lt1"/>
+          </a:fillRef>
+          <a:effectRef idx="0">
+            <a:schemeClr val="dk1"/>
+          </a:effectRef>
+          <a:fontRef idx="minor">
+            <a:schemeClr val="dk1"/>
+          </a:fontRef>
+        </p:style>
+        <p:txBody>
+          <a:bodyPr rtlCol="0" anchor="ctr"/>
+          <a:lstStyle/>
+          <a:p>
+            <a:pPr algn="ctr"/>
+            <a:r>
+              <a:rPr kumimoji="1" lang="en-US" altLang="ko-Kore-KR" sz="1600" dirty="0"/>
+              <a:t>‘D’</a:t>
+            </a:r>
+            <a:endParaRPr kumimoji="1" lang="ko-Kore-KR" altLang="en-US" sz="1600" dirty="0"/>
+          </a:p>
+        </p:txBody>
+      </p:sp>
+      <p:sp>
+        <p:nvSpPr>
+          <p:cNvPr id="22" name="직사각형 21">
+            <a:extLst>
+              <a:ext uri="{FF2B5EF4-FFF2-40B4-BE49-F238E27FC236}">
+                <a16:creationId xmlns:a16="http://schemas.microsoft.com/office/drawing/2014/main" id="{7E156A51-FE24-7D47-A0E5-1EBD9628ACCF}"/>
+              </a:ext>
+            </a:extLst>
+          </p:cNvPr>
+          <p:cNvSpPr/>
+          <p:nvPr/>
+        </p:nvSpPr>
+        <p:spPr>
+          <a:xfrm>
+            <a:off x="5535811" y="352297"/>
+            <a:ext cx="2890346" cy="2112579"/>
+          </a:xfrm>
+          <a:prstGeom prst="rect">
+            <a:avLst/>
+          </a:prstGeom>
+        </p:spPr>
+        <p:style>
+          <a:lnRef idx="2">
+            <a:schemeClr val="dk1"/>
+          </a:lnRef>
+          <a:fillRef idx="1">
+            <a:schemeClr val="lt1"/>
+          </a:fillRef>
+          <a:effectRef idx="0">
+            <a:schemeClr val="dk1"/>
+          </a:effectRef>
+          <a:fontRef idx="minor">
+            <a:schemeClr val="dk1"/>
+          </a:fontRef>
+        </p:style>
+        <p:txBody>
+          <a:bodyPr rtlCol="0" anchor="ctr"/>
+          <a:lstStyle/>
+          <a:p>
+            <a:pPr algn="ctr"/>
+            <a:endParaRPr kumimoji="1" lang="ko-Kore-KR" altLang="en-US" dirty="0"/>
+          </a:p>
+        </p:txBody>
+      </p:sp>
+      <p:sp>
+        <p:nvSpPr>
+          <p:cNvPr id="23" name="직사각형 22">
+            <a:extLst>
+              <a:ext uri="{FF2B5EF4-FFF2-40B4-BE49-F238E27FC236}">
+                <a16:creationId xmlns:a16="http://schemas.microsoft.com/office/drawing/2014/main" id="{3A6E3EAC-E0A9-FD43-BBA5-483AB5FA1D57}"/>
+              </a:ext>
+            </a:extLst>
+          </p:cNvPr>
+          <p:cNvSpPr/>
+          <p:nvPr/>
+        </p:nvSpPr>
+        <p:spPr>
+          <a:xfrm>
+            <a:off x="5441750" y="0"/>
+            <a:ext cx="4105611" cy="369332"/>
+          </a:xfrm>
+          <a:prstGeom prst="rect">
+            <a:avLst/>
+          </a:prstGeom>
+        </p:spPr>
+        <p:txBody>
+          <a:bodyPr wrap="none">
+            <a:spAutoFit/>
+          </a:bodyPr>
+          <a:lstStyle/>
+          <a:p>
+            <a:r>
+              <a:rPr lang="ko-KR" altLang="en-US" dirty="0">
+                <a:solidFill>
+                  <a:srgbClr val="000000"/>
+                </a:solidFill>
+                <a:latin typeface="DM Mono" panose="020B0509040201040103" pitchFamily="49" charset="0"/>
+              </a:rPr>
+              <a:t>문자열 테이블</a:t>
+            </a:r>
+            <a:r>
+              <a:rPr lang="en-US" altLang="ko-KR" dirty="0">
+                <a:solidFill>
+                  <a:srgbClr val="000000"/>
+                </a:solidFill>
+                <a:latin typeface="DM Mono" panose="020B0509040201040103" pitchFamily="49" charset="0"/>
+              </a:rPr>
+              <a:t>(</a:t>
+            </a:r>
+            <a:r>
+              <a:rPr lang="ko-KR" altLang="en-US" dirty="0">
+                <a:solidFill>
+                  <a:srgbClr val="000000"/>
+                </a:solidFill>
+                <a:latin typeface="DM Mono" panose="020B0509040201040103" pitchFamily="49" charset="0"/>
+              </a:rPr>
+              <a:t>읽기만 가능합니다</a:t>
+            </a:r>
+            <a:r>
+              <a:rPr lang="en-US" altLang="ko-KR" dirty="0">
+                <a:solidFill>
+                  <a:srgbClr val="000000"/>
+                </a:solidFill>
+                <a:latin typeface="DM Mono" panose="020B0509040201040103" pitchFamily="49" charset="0"/>
+              </a:rPr>
+              <a:t>.)</a:t>
+            </a:r>
+            <a:endParaRPr lang="ko-Kore-KR" altLang="en-US" dirty="0"/>
+          </a:p>
+        </p:txBody>
+      </p:sp>
+      <p:sp>
+        <p:nvSpPr>
+          <p:cNvPr id="24" name="직사각형 23">
+            <a:extLst>
+              <a:ext uri="{FF2B5EF4-FFF2-40B4-BE49-F238E27FC236}">
+                <a16:creationId xmlns:a16="http://schemas.microsoft.com/office/drawing/2014/main" id="{D040B3A4-409F-D74E-A3EE-88D517F28B68}"/>
+              </a:ext>
+            </a:extLst>
+          </p:cNvPr>
+          <p:cNvSpPr/>
+          <p:nvPr/>
+        </p:nvSpPr>
+        <p:spPr>
+          <a:xfrm>
+            <a:off x="5843347" y="669923"/>
+            <a:ext cx="873957" cy="369332"/>
+          </a:xfrm>
+          <a:prstGeom prst="rect">
+            <a:avLst/>
+          </a:prstGeom>
+          <a:solidFill>
+            <a:schemeClr val="accent2"/>
+          </a:solidFill>
+        </p:spPr>
+        <p:txBody>
+          <a:bodyPr wrap="none">
+            <a:spAutoFit/>
+          </a:bodyPr>
+          <a:lstStyle/>
+          <a:p>
+            <a:r>
+              <a:rPr lang="en-US" altLang="ko-KR" dirty="0">
+                <a:solidFill>
+                  <a:srgbClr val="000000"/>
+                </a:solidFill>
+                <a:latin typeface="DM Mono" panose="020B0509040201040103" pitchFamily="49" charset="0"/>
+              </a:rPr>
+              <a:t>“ABC”</a:t>
+            </a:r>
+            <a:endParaRPr lang="ko-Kore-KR" altLang="en-US" dirty="0"/>
+          </a:p>
+        </p:txBody>
+      </p:sp>
+      <p:sp>
+        <p:nvSpPr>
+          <p:cNvPr id="25" name="직사각형 24">
+            <a:extLst>
+              <a:ext uri="{FF2B5EF4-FFF2-40B4-BE49-F238E27FC236}">
+                <a16:creationId xmlns:a16="http://schemas.microsoft.com/office/drawing/2014/main" id="{B3DC771A-8731-FA4B-90D0-2D3228CEC0DB}"/>
+              </a:ext>
+            </a:extLst>
+          </p:cNvPr>
+          <p:cNvSpPr/>
+          <p:nvPr/>
+        </p:nvSpPr>
+        <p:spPr>
+          <a:xfrm>
+            <a:off x="3932984" y="3069273"/>
+            <a:ext cx="6096000" cy="923330"/>
+          </a:xfrm>
+          <a:prstGeom prst="rect">
+            <a:avLst/>
+          </a:prstGeom>
+        </p:spPr>
+        <p:txBody>
+          <a:bodyPr>
+            <a:spAutoFit/>
+          </a:bodyPr>
+          <a:lstStyle/>
+          <a:p>
+            <a:r>
+              <a:rPr lang="en" altLang="ko-Kore-KR" dirty="0">
+                <a:solidFill>
+                  <a:srgbClr val="0000FF"/>
+                </a:solidFill>
+                <a:latin typeface="DM Mono" panose="020B0509040201040103" pitchFamily="49" charset="0"/>
+              </a:rPr>
+              <a:t>const char</a:t>
+            </a:r>
+            <a:r>
+              <a:rPr lang="en" altLang="ko-Kore-KR" dirty="0">
+                <a:solidFill>
+                  <a:srgbClr val="000000"/>
+                </a:solidFill>
+                <a:latin typeface="DM Mono" panose="020B0509040201040103" pitchFamily="49" charset="0"/>
+              </a:rPr>
+              <a:t>* str2 = </a:t>
+            </a:r>
+            <a:r>
+              <a:rPr lang="en" altLang="ko-Kore-KR" dirty="0">
+                <a:solidFill>
+                  <a:srgbClr val="A31515"/>
+                </a:solidFill>
+                <a:latin typeface="DM Mono" panose="020B0509040201040103" pitchFamily="49" charset="0"/>
+              </a:rPr>
+              <a:t>"ABC"</a:t>
+            </a:r>
+            <a:r>
+              <a:rPr lang="en" altLang="ko-Kore-KR" dirty="0">
+                <a:solidFill>
+                  <a:srgbClr val="000000"/>
+                </a:solidFill>
+                <a:latin typeface="DM Mono" panose="020B0509040201040103" pitchFamily="49" charset="0"/>
+              </a:rPr>
+              <a:t>;</a:t>
+            </a:r>
+          </a:p>
+          <a:p>
+            <a:br>
+              <a:rPr lang="en" altLang="ko-Kore-KR" dirty="0">
+                <a:solidFill>
+                  <a:srgbClr val="000000"/>
+                </a:solidFill>
+                <a:latin typeface="DM Mono" panose="020B0509040201040103" pitchFamily="49" charset="0"/>
+              </a:rPr>
+            </a:br>
+            <a:endParaRPr lang="en" altLang="ko-Kore-KR" b="0" dirty="0">
+              <a:solidFill>
+                <a:srgbClr val="000000"/>
+              </a:solidFill>
+              <a:effectLst/>
+              <a:latin typeface="DM Mono" panose="020B0509040201040103" pitchFamily="49" charset="0"/>
+            </a:endParaRPr>
+          </a:p>
+        </p:txBody>
+      </p:sp>
+      <p:sp>
+        <p:nvSpPr>
+          <p:cNvPr id="26" name="직사각형 25">
+            <a:extLst>
+              <a:ext uri="{FF2B5EF4-FFF2-40B4-BE49-F238E27FC236}">
+                <a16:creationId xmlns:a16="http://schemas.microsoft.com/office/drawing/2014/main" id="{5C906B54-0A54-0A4F-A04F-22C3A8669F0B}"/>
+              </a:ext>
+            </a:extLst>
+          </p:cNvPr>
+          <p:cNvSpPr/>
+          <p:nvPr/>
+        </p:nvSpPr>
+        <p:spPr>
+          <a:xfrm>
+            <a:off x="1782246" y="2494173"/>
+            <a:ext cx="620111" cy="630620"/>
+          </a:xfrm>
+          <a:prstGeom prst="rect">
+            <a:avLst/>
+          </a:prstGeom>
+        </p:spPr>
+        <p:style>
+          <a:lnRef idx="2">
+            <a:schemeClr val="dk1"/>
+          </a:lnRef>
+          <a:fillRef idx="1">
+            <a:schemeClr val="lt1"/>
+          </a:fillRef>
+          <a:effectRef idx="0">
+            <a:schemeClr val="dk1"/>
+          </a:effectRef>
+          <a:fontRef idx="minor">
+            <a:schemeClr val="dk1"/>
+          </a:fontRef>
+        </p:style>
+        <p:txBody>
+          <a:bodyPr rtlCol="0" anchor="ctr"/>
+          <a:lstStyle/>
+          <a:p>
+            <a:pPr algn="ctr"/>
+            <a:endParaRPr kumimoji="1" lang="ko-Kore-KR" altLang="en-US" sz="1600" dirty="0"/>
+          </a:p>
+        </p:txBody>
+      </p:sp>
+      <p:sp>
+        <p:nvSpPr>
+          <p:cNvPr id="27" name="직사각형 26">
+            <a:extLst>
+              <a:ext uri="{FF2B5EF4-FFF2-40B4-BE49-F238E27FC236}">
+                <a16:creationId xmlns:a16="http://schemas.microsoft.com/office/drawing/2014/main" id="{142F8086-E779-574F-9C2D-519BDFACA388}"/>
+              </a:ext>
+            </a:extLst>
+          </p:cNvPr>
+          <p:cNvSpPr/>
+          <p:nvPr/>
+        </p:nvSpPr>
+        <p:spPr>
+          <a:xfrm>
+            <a:off x="1046147" y="2585947"/>
+            <a:ext cx="736099" cy="369332"/>
+          </a:xfrm>
+          <a:prstGeom prst="rect">
+            <a:avLst/>
+          </a:prstGeom>
+        </p:spPr>
+        <p:txBody>
+          <a:bodyPr wrap="none">
+            <a:spAutoFit/>
+          </a:bodyPr>
+          <a:lstStyle/>
+          <a:p>
+            <a:r>
+              <a:rPr lang="en" altLang="ko-Kore-KR" dirty="0">
+                <a:solidFill>
+                  <a:srgbClr val="000000"/>
+                </a:solidFill>
+                <a:latin typeface="DM Mono" panose="020B0509040201040103" pitchFamily="49" charset="0"/>
+              </a:rPr>
+              <a:t>str2</a:t>
+            </a:r>
+            <a:endParaRPr lang="ko-Kore-KR" altLang="en-US" dirty="0"/>
+          </a:p>
+        </p:txBody>
+      </p:sp>
+      <p:cxnSp>
+        <p:nvCxnSpPr>
+          <p:cNvPr id="28" name="구부러진 연결선[U] 27">
+            <a:extLst>
+              <a:ext uri="{FF2B5EF4-FFF2-40B4-BE49-F238E27FC236}">
+                <a16:creationId xmlns:a16="http://schemas.microsoft.com/office/drawing/2014/main" id="{DB9B3ABB-75F8-6345-87EA-F9787C5FC395}"/>
+              </a:ext>
+            </a:extLst>
+          </p:cNvPr>
+          <p:cNvCxnSpPr>
+            <a:cxnSpLocks/>
+            <a:stCxn id="26" idx="3"/>
+            <a:endCxn id="24" idx="1"/>
+          </p:cNvCxnSpPr>
+          <p:nvPr/>
+        </p:nvCxnSpPr>
+        <p:spPr>
+          <a:xfrm flipV="1">
+            <a:off x="2402357" y="854589"/>
+            <a:ext cx="3440990" cy="1954894"/>
+          </a:xfrm>
+          <a:prstGeom prst="curvedConnector3">
+            <a:avLst>
+              <a:gd name="adj1" fmla="val 50000"/>
+            </a:avLst>
+          </a:prstGeom>
+          <a:ln>
+            <a:tailEnd type="triangle"/>
+          </a:ln>
+        </p:spPr>
+        <p:style>
+          <a:lnRef idx="1">
+            <a:schemeClr val="dk1"/>
+          </a:lnRef>
+          <a:fillRef idx="0">
+            <a:schemeClr val="dk1"/>
+          </a:fillRef>
+          <a:effectRef idx="0">
+            <a:schemeClr val="dk1"/>
+          </a:effectRef>
+          <a:fontRef idx="minor">
+            <a:schemeClr val="tx1"/>
+          </a:fontRef>
+        </p:style>
+      </p:cxnSp>
+    </p:spTree>
+    <p:extLst>
+      <p:ext uri="{BB962C8B-B14F-4D97-AF65-F5344CB8AC3E}">
+        <p14:creationId xmlns:p14="http://schemas.microsoft.com/office/powerpoint/2010/main" val="3920880931"/>
+      </p:ext>
+    </p:extLst>
+  </p:cSld>
+  <p:clrMapOvr>
+    <a:masterClrMapping/>
+  </p:clrMapOvr>
+</p:sld>
+</file>
+
+<file path=ppt/slides/slide12.xml><?xml version="1.0" encoding="utf-8"?>
+<p:sld xmlns:a="http://schemas.openxmlformats.org/drawingml/2006/main" xmlns:r="http://schemas.openxmlformats.org/officeDocument/2006/relationships" xmlns:p="http://schemas.openxmlformats.org/presentationml/2006/main">
+  <p:cSld>
+    <p:spTree>
+      <p:nvGrpSpPr>
+        <p:cNvPr id="1" name=""/>
+        <p:cNvGrpSpPr/>
+        <p:nvPr/>
+      </p:nvGrpSpPr>
+      <p:grpSpPr>
+        <a:xfrm>
+          <a:off x="0" y="0"/>
+          <a:ext cx="0" cy="0"/>
+          <a:chOff x="0" y="0"/>
+          <a:chExt cx="0" cy="0"/>
+        </a:xfrm>
+      </p:grpSpPr>
+      <p:sp>
+        <p:nvSpPr>
+          <p:cNvPr id="20" name="직사각형 19">
+            <a:extLst>
+              <a:ext uri="{FF2B5EF4-FFF2-40B4-BE49-F238E27FC236}">
+                <a16:creationId xmlns:a16="http://schemas.microsoft.com/office/drawing/2014/main" id="{9E4FA7DF-C455-8D42-A463-2AA7DD3CB4E0}"/>
+              </a:ext>
+            </a:extLst>
+          </p:cNvPr>
+          <p:cNvSpPr/>
+          <p:nvPr/>
+        </p:nvSpPr>
+        <p:spPr>
+          <a:xfrm>
+            <a:off x="875499" y="1155714"/>
+            <a:ext cx="2890346" cy="4495201"/>
+          </a:xfrm>
+          <a:prstGeom prst="rect">
+            <a:avLst/>
+          </a:prstGeom>
+        </p:spPr>
+        <p:style>
+          <a:lnRef idx="2">
+            <a:schemeClr val="dk1"/>
+          </a:lnRef>
+          <a:fillRef idx="1">
+            <a:schemeClr val="lt1"/>
+          </a:fillRef>
+          <a:effectRef idx="0">
+            <a:schemeClr val="dk1"/>
+          </a:effectRef>
+          <a:fontRef idx="minor">
+            <a:schemeClr val="dk1"/>
+          </a:fontRef>
+        </p:style>
+        <p:txBody>
+          <a:bodyPr rtlCol="0" anchor="ctr"/>
+          <a:lstStyle/>
+          <a:p>
+            <a:pPr algn="ctr"/>
+            <a:endParaRPr kumimoji="1" lang="ko-Kore-KR" altLang="en-US" dirty="0"/>
+          </a:p>
+        </p:txBody>
+      </p:sp>
+      <p:sp>
+        <p:nvSpPr>
+          <p:cNvPr id="21" name="직사각형 20">
+            <a:extLst>
+              <a:ext uri="{FF2B5EF4-FFF2-40B4-BE49-F238E27FC236}">
+                <a16:creationId xmlns:a16="http://schemas.microsoft.com/office/drawing/2014/main" id="{30B4AA3A-86F1-7441-BCA8-99F1B569937B}"/>
+              </a:ext>
+            </a:extLst>
+          </p:cNvPr>
+          <p:cNvSpPr/>
+          <p:nvPr/>
+        </p:nvSpPr>
+        <p:spPr>
+          <a:xfrm>
+            <a:off x="139400" y="1039255"/>
+            <a:ext cx="736099" cy="369332"/>
+          </a:xfrm>
+          <a:prstGeom prst="rect">
+            <a:avLst/>
+          </a:prstGeom>
+        </p:spPr>
+        <p:txBody>
+          <a:bodyPr wrap="none">
+            <a:spAutoFit/>
+          </a:bodyPr>
+          <a:lstStyle/>
+          <a:p>
+            <a:r>
+              <a:rPr lang="en" altLang="ko-Kore-KR" b="0" dirty="0">
+                <a:solidFill>
+                  <a:srgbClr val="000000"/>
+                </a:solidFill>
+                <a:effectLst/>
+                <a:latin typeface="DM Mono" panose="020B0509040201040103" pitchFamily="49" charset="0"/>
+              </a:rPr>
+              <a:t>main</a:t>
+            </a:r>
+            <a:endParaRPr lang="ko-Kore-KR" altLang="en-US" dirty="0"/>
+          </a:p>
+        </p:txBody>
+      </p:sp>
+      <p:sp>
+        <p:nvSpPr>
+          <p:cNvPr id="6" name="직사각형 5">
+            <a:extLst>
+              <a:ext uri="{FF2B5EF4-FFF2-40B4-BE49-F238E27FC236}">
+                <a16:creationId xmlns:a16="http://schemas.microsoft.com/office/drawing/2014/main" id="{77104849-6176-2D49-9204-39F0A32F6321}"/>
+              </a:ext>
+            </a:extLst>
+          </p:cNvPr>
+          <p:cNvSpPr/>
+          <p:nvPr/>
+        </p:nvSpPr>
+        <p:spPr>
+          <a:xfrm>
+            <a:off x="1071336" y="1576417"/>
+            <a:ext cx="620111" cy="630620"/>
+          </a:xfrm>
+          <a:prstGeom prst="rect">
+            <a:avLst/>
+          </a:prstGeom>
+        </p:spPr>
+        <p:style>
+          <a:lnRef idx="2">
+            <a:schemeClr val="dk1"/>
+          </a:lnRef>
+          <a:fillRef idx="1">
+            <a:schemeClr val="lt1"/>
+          </a:fillRef>
+          <a:effectRef idx="0">
+            <a:schemeClr val="dk1"/>
+          </a:effectRef>
+          <a:fontRef idx="minor">
+            <a:schemeClr val="dk1"/>
+          </a:fontRef>
+        </p:style>
+        <p:txBody>
+          <a:bodyPr rtlCol="0" anchor="ctr"/>
+          <a:lstStyle/>
+          <a:p>
+            <a:pPr algn="ctr"/>
+            <a:r>
+              <a:rPr kumimoji="1" lang="en-US" altLang="ko-Kore-KR" sz="1600" dirty="0"/>
+              <a:t>‘A’</a:t>
+            </a:r>
+            <a:endParaRPr kumimoji="1" lang="ko-Kore-KR" altLang="en-US" sz="1600" dirty="0"/>
+          </a:p>
+        </p:txBody>
+      </p:sp>
+      <p:sp>
+        <p:nvSpPr>
+          <p:cNvPr id="7" name="직사각형 6">
+            <a:extLst>
+              <a:ext uri="{FF2B5EF4-FFF2-40B4-BE49-F238E27FC236}">
+                <a16:creationId xmlns:a16="http://schemas.microsoft.com/office/drawing/2014/main" id="{B0C3C6D6-EBF4-494D-87B4-F12C8123561C}"/>
+              </a:ext>
+            </a:extLst>
+          </p:cNvPr>
+          <p:cNvSpPr/>
+          <p:nvPr/>
+        </p:nvSpPr>
+        <p:spPr>
+          <a:xfrm>
+            <a:off x="1691447" y="1576417"/>
+            <a:ext cx="620111" cy="630620"/>
+          </a:xfrm>
+          <a:prstGeom prst="rect">
+            <a:avLst/>
+          </a:prstGeom>
+        </p:spPr>
+        <p:style>
+          <a:lnRef idx="2">
+            <a:schemeClr val="dk1"/>
+          </a:lnRef>
+          <a:fillRef idx="1">
+            <a:schemeClr val="lt1"/>
+          </a:fillRef>
+          <a:effectRef idx="0">
+            <a:schemeClr val="dk1"/>
+          </a:effectRef>
+          <a:fontRef idx="minor">
+            <a:schemeClr val="dk1"/>
+          </a:fontRef>
+        </p:style>
+        <p:txBody>
+          <a:bodyPr rtlCol="0" anchor="ctr"/>
+          <a:lstStyle/>
+          <a:p>
+            <a:pPr algn="ctr"/>
+            <a:r>
+              <a:rPr kumimoji="1" lang="en-US" altLang="ko-Kore-KR" sz="1600" dirty="0"/>
+              <a:t>’B’</a:t>
+            </a:r>
+            <a:endParaRPr kumimoji="1" lang="ko-Kore-KR" altLang="en-US" sz="1600" dirty="0"/>
+          </a:p>
+        </p:txBody>
+      </p:sp>
+      <p:sp>
+        <p:nvSpPr>
+          <p:cNvPr id="4" name="직사각형 3">
+            <a:extLst>
+              <a:ext uri="{FF2B5EF4-FFF2-40B4-BE49-F238E27FC236}">
+                <a16:creationId xmlns:a16="http://schemas.microsoft.com/office/drawing/2014/main" id="{CF775911-7EAA-2E40-8987-2678454FA45F}"/>
+              </a:ext>
+            </a:extLst>
+          </p:cNvPr>
+          <p:cNvSpPr/>
+          <p:nvPr/>
+        </p:nvSpPr>
+        <p:spPr>
+          <a:xfrm>
+            <a:off x="875499" y="513784"/>
+            <a:ext cx="2803973" cy="369332"/>
+          </a:xfrm>
+          <a:prstGeom prst="rect">
+            <a:avLst/>
+          </a:prstGeom>
+        </p:spPr>
+        <p:txBody>
+          <a:bodyPr wrap="none">
+            <a:spAutoFit/>
+          </a:bodyPr>
+          <a:lstStyle/>
+          <a:p>
+            <a:r>
+              <a:rPr lang="en" altLang="ko-Kore-KR" dirty="0">
+                <a:solidFill>
+                  <a:srgbClr val="0000FF"/>
+                </a:solidFill>
+                <a:latin typeface="DM Mono" panose="020B0509040201040103" pitchFamily="49" charset="0"/>
+              </a:rPr>
+              <a:t>char</a:t>
+            </a:r>
+            <a:r>
+              <a:rPr lang="en" altLang="ko-Kore-KR" dirty="0">
+                <a:solidFill>
+                  <a:srgbClr val="000000"/>
+                </a:solidFill>
+                <a:latin typeface="DM Mono" panose="020B0509040201040103" pitchFamily="49" charset="0"/>
+              </a:rPr>
+              <a:t> str</a:t>
+            </a:r>
+            <a:r>
+              <a:rPr lang="en" altLang="ko-Kore-KR" dirty="0">
+                <a:solidFill>
+                  <a:srgbClr val="0000FF"/>
+                </a:solidFill>
+                <a:latin typeface="DM Mono" panose="020B0509040201040103" pitchFamily="49" charset="0"/>
+              </a:rPr>
+              <a:t>[]</a:t>
+            </a:r>
+            <a:r>
+              <a:rPr lang="en" altLang="ko-Kore-KR" dirty="0">
+                <a:solidFill>
+                  <a:srgbClr val="000000"/>
+                </a:solidFill>
+                <a:latin typeface="DM Mono" panose="020B0509040201040103" pitchFamily="49" charset="0"/>
+              </a:rPr>
+              <a:t> = </a:t>
+            </a:r>
+            <a:r>
+              <a:rPr lang="en" altLang="ko-Kore-KR" dirty="0">
+                <a:solidFill>
+                  <a:srgbClr val="A31515"/>
+                </a:solidFill>
+                <a:latin typeface="DM Mono" panose="020B0509040201040103" pitchFamily="49" charset="0"/>
+              </a:rPr>
+              <a:t>"ABC"</a:t>
+            </a:r>
+            <a:r>
+              <a:rPr lang="en" altLang="ko-Kore-KR" dirty="0">
+                <a:solidFill>
+                  <a:srgbClr val="000000"/>
+                </a:solidFill>
+                <a:latin typeface="DM Mono" panose="020B0509040201040103" pitchFamily="49" charset="0"/>
+              </a:rPr>
+              <a:t>;</a:t>
+            </a:r>
+            <a:endParaRPr lang="en" altLang="ko-Kore-KR" b="0" dirty="0">
+              <a:solidFill>
+                <a:srgbClr val="000000"/>
+              </a:solidFill>
+              <a:effectLst/>
+              <a:latin typeface="DM Mono" panose="020B0509040201040103" pitchFamily="49" charset="0"/>
+            </a:endParaRPr>
+          </a:p>
+        </p:txBody>
+      </p:sp>
+      <p:sp>
+        <p:nvSpPr>
+          <p:cNvPr id="12" name="직사각형 11">
+            <a:extLst>
+              <a:ext uri="{FF2B5EF4-FFF2-40B4-BE49-F238E27FC236}">
+                <a16:creationId xmlns:a16="http://schemas.microsoft.com/office/drawing/2014/main" id="{1AE101B4-2891-6B41-B19E-E369CF1619FE}"/>
+              </a:ext>
+            </a:extLst>
+          </p:cNvPr>
+          <p:cNvSpPr/>
+          <p:nvPr/>
+        </p:nvSpPr>
+        <p:spPr>
+          <a:xfrm>
+            <a:off x="1046147" y="1207085"/>
+            <a:ext cx="598241" cy="369332"/>
+          </a:xfrm>
+          <a:prstGeom prst="rect">
+            <a:avLst/>
+          </a:prstGeom>
+        </p:spPr>
+        <p:txBody>
+          <a:bodyPr wrap="none">
+            <a:spAutoFit/>
+          </a:bodyPr>
+          <a:lstStyle/>
+          <a:p>
+            <a:r>
+              <a:rPr lang="en" altLang="ko-Kore-KR" dirty="0">
+                <a:solidFill>
+                  <a:srgbClr val="000000"/>
+                </a:solidFill>
+                <a:latin typeface="DM Mono" panose="020B0509040201040103" pitchFamily="49" charset="0"/>
+              </a:rPr>
+              <a:t>str</a:t>
+            </a:r>
+            <a:endParaRPr lang="ko-Kore-KR" altLang="en-US" dirty="0"/>
+          </a:p>
+        </p:txBody>
+      </p:sp>
+      <p:sp>
+        <p:nvSpPr>
+          <p:cNvPr id="18" name="직사각형 17">
+            <a:extLst>
+              <a:ext uri="{FF2B5EF4-FFF2-40B4-BE49-F238E27FC236}">
+                <a16:creationId xmlns:a16="http://schemas.microsoft.com/office/drawing/2014/main" id="{BAB3D17D-8921-594F-8C30-F960DFD55B0E}"/>
+              </a:ext>
+            </a:extLst>
+          </p:cNvPr>
+          <p:cNvSpPr/>
+          <p:nvPr/>
+        </p:nvSpPr>
+        <p:spPr>
+          <a:xfrm>
+            <a:off x="2311558" y="1576417"/>
+            <a:ext cx="620111" cy="630620"/>
+          </a:xfrm>
+          <a:prstGeom prst="rect">
+            <a:avLst/>
+          </a:prstGeom>
+        </p:spPr>
+        <p:style>
+          <a:lnRef idx="2">
+            <a:schemeClr val="dk1"/>
+          </a:lnRef>
+          <a:fillRef idx="1">
+            <a:schemeClr val="lt1"/>
+          </a:fillRef>
+          <a:effectRef idx="0">
+            <a:schemeClr val="dk1"/>
+          </a:effectRef>
+          <a:fontRef idx="minor">
+            <a:schemeClr val="dk1"/>
+          </a:fontRef>
+        </p:style>
+        <p:txBody>
+          <a:bodyPr rtlCol="0" anchor="ctr"/>
+          <a:lstStyle/>
+          <a:p>
+            <a:pPr algn="ctr"/>
+            <a:r>
+              <a:rPr kumimoji="1" lang="en-US" altLang="ko-Kore-KR" sz="1600" dirty="0"/>
+              <a:t>‘C’</a:t>
+            </a:r>
+            <a:endParaRPr kumimoji="1" lang="ko-Kore-KR" altLang="en-US" sz="1600" dirty="0"/>
+          </a:p>
+        </p:txBody>
+      </p:sp>
+      <p:sp>
+        <p:nvSpPr>
+          <p:cNvPr id="19" name="직사각형 18">
+            <a:extLst>
+              <a:ext uri="{FF2B5EF4-FFF2-40B4-BE49-F238E27FC236}">
+                <a16:creationId xmlns:a16="http://schemas.microsoft.com/office/drawing/2014/main" id="{361120E8-F02A-1244-A6B2-3B9A895498D2}"/>
+              </a:ext>
+            </a:extLst>
+          </p:cNvPr>
+          <p:cNvSpPr/>
+          <p:nvPr/>
+        </p:nvSpPr>
+        <p:spPr>
+          <a:xfrm>
+            <a:off x="2931669" y="1576417"/>
+            <a:ext cx="620111" cy="630620"/>
+          </a:xfrm>
+          <a:prstGeom prst="rect">
+            <a:avLst/>
+          </a:prstGeom>
+        </p:spPr>
+        <p:style>
+          <a:lnRef idx="2">
+            <a:schemeClr val="dk1"/>
+          </a:lnRef>
+          <a:fillRef idx="1">
+            <a:schemeClr val="lt1"/>
+          </a:fillRef>
+          <a:effectRef idx="0">
+            <a:schemeClr val="dk1"/>
+          </a:effectRef>
+          <a:fontRef idx="minor">
+            <a:schemeClr val="dk1"/>
+          </a:fontRef>
+        </p:style>
+        <p:txBody>
+          <a:bodyPr rtlCol="0" anchor="ctr"/>
+          <a:lstStyle/>
+          <a:p>
+            <a:pPr algn="ctr"/>
+            <a:r>
+              <a:rPr kumimoji="1" lang="en-US" altLang="ko-Kore-KR" sz="1600" dirty="0"/>
+              <a:t>‘D’</a:t>
+            </a:r>
+            <a:endParaRPr kumimoji="1" lang="ko-Kore-KR" altLang="en-US" sz="1600" dirty="0"/>
+          </a:p>
+        </p:txBody>
+      </p:sp>
+      <p:sp>
+        <p:nvSpPr>
+          <p:cNvPr id="22" name="직사각형 21">
+            <a:extLst>
+              <a:ext uri="{FF2B5EF4-FFF2-40B4-BE49-F238E27FC236}">
+                <a16:creationId xmlns:a16="http://schemas.microsoft.com/office/drawing/2014/main" id="{7E156A51-FE24-7D47-A0E5-1EBD9628ACCF}"/>
+              </a:ext>
+            </a:extLst>
+          </p:cNvPr>
+          <p:cNvSpPr/>
+          <p:nvPr/>
+        </p:nvSpPr>
+        <p:spPr>
+          <a:xfrm>
+            <a:off x="5535811" y="352297"/>
+            <a:ext cx="2890346" cy="2112579"/>
+          </a:xfrm>
+          <a:prstGeom prst="rect">
+            <a:avLst/>
+          </a:prstGeom>
+        </p:spPr>
+        <p:style>
+          <a:lnRef idx="2">
+            <a:schemeClr val="dk1"/>
+          </a:lnRef>
+          <a:fillRef idx="1">
+            <a:schemeClr val="lt1"/>
+          </a:fillRef>
+          <a:effectRef idx="0">
+            <a:schemeClr val="dk1"/>
+          </a:effectRef>
+          <a:fontRef idx="minor">
+            <a:schemeClr val="dk1"/>
+          </a:fontRef>
+        </p:style>
+        <p:txBody>
+          <a:bodyPr rtlCol="0" anchor="ctr"/>
+          <a:lstStyle/>
+          <a:p>
+            <a:pPr algn="ctr"/>
+            <a:endParaRPr kumimoji="1" lang="ko-Kore-KR" altLang="en-US" dirty="0"/>
+          </a:p>
+        </p:txBody>
+      </p:sp>
+      <p:sp>
+        <p:nvSpPr>
+          <p:cNvPr id="23" name="직사각형 22">
+            <a:extLst>
+              <a:ext uri="{FF2B5EF4-FFF2-40B4-BE49-F238E27FC236}">
+                <a16:creationId xmlns:a16="http://schemas.microsoft.com/office/drawing/2014/main" id="{3A6E3EAC-E0A9-FD43-BBA5-483AB5FA1D57}"/>
+              </a:ext>
+            </a:extLst>
+          </p:cNvPr>
+          <p:cNvSpPr/>
+          <p:nvPr/>
+        </p:nvSpPr>
+        <p:spPr>
+          <a:xfrm>
+            <a:off x="5441750" y="0"/>
+            <a:ext cx="4105611" cy="369332"/>
+          </a:xfrm>
+          <a:prstGeom prst="rect">
+            <a:avLst/>
+          </a:prstGeom>
+        </p:spPr>
+        <p:txBody>
+          <a:bodyPr wrap="none">
+            <a:spAutoFit/>
+          </a:bodyPr>
+          <a:lstStyle/>
+          <a:p>
+            <a:r>
+              <a:rPr lang="ko-KR" altLang="en-US" dirty="0">
+                <a:solidFill>
+                  <a:srgbClr val="000000"/>
+                </a:solidFill>
+                <a:latin typeface="DM Mono" panose="020B0509040201040103" pitchFamily="49" charset="0"/>
+              </a:rPr>
+              <a:t>문자열 테이블</a:t>
+            </a:r>
+            <a:r>
+              <a:rPr lang="en-US" altLang="ko-KR" dirty="0">
+                <a:solidFill>
+                  <a:srgbClr val="000000"/>
+                </a:solidFill>
+                <a:latin typeface="DM Mono" panose="020B0509040201040103" pitchFamily="49" charset="0"/>
+              </a:rPr>
+              <a:t>(</a:t>
+            </a:r>
+            <a:r>
+              <a:rPr lang="ko-KR" altLang="en-US" dirty="0">
+                <a:solidFill>
+                  <a:srgbClr val="000000"/>
+                </a:solidFill>
+                <a:latin typeface="DM Mono" panose="020B0509040201040103" pitchFamily="49" charset="0"/>
+              </a:rPr>
+              <a:t>읽기만 가능합니다</a:t>
+            </a:r>
+            <a:r>
+              <a:rPr lang="en-US" altLang="ko-KR" dirty="0">
+                <a:solidFill>
+                  <a:srgbClr val="000000"/>
+                </a:solidFill>
+                <a:latin typeface="DM Mono" panose="020B0509040201040103" pitchFamily="49" charset="0"/>
+              </a:rPr>
+              <a:t>.)</a:t>
+            </a:r>
+            <a:endParaRPr lang="ko-Kore-KR" altLang="en-US" dirty="0"/>
+          </a:p>
+        </p:txBody>
+      </p:sp>
+      <p:sp>
+        <p:nvSpPr>
+          <p:cNvPr id="24" name="직사각형 23">
+            <a:extLst>
+              <a:ext uri="{FF2B5EF4-FFF2-40B4-BE49-F238E27FC236}">
+                <a16:creationId xmlns:a16="http://schemas.microsoft.com/office/drawing/2014/main" id="{D040B3A4-409F-D74E-A3EE-88D517F28B68}"/>
+              </a:ext>
+            </a:extLst>
+          </p:cNvPr>
+          <p:cNvSpPr/>
+          <p:nvPr/>
+        </p:nvSpPr>
+        <p:spPr>
+          <a:xfrm>
+            <a:off x="5843347" y="669923"/>
+            <a:ext cx="873957" cy="369332"/>
+          </a:xfrm>
+          <a:prstGeom prst="rect">
+            <a:avLst/>
+          </a:prstGeom>
+          <a:noFill/>
+        </p:spPr>
+        <p:txBody>
+          <a:bodyPr wrap="none">
+            <a:spAutoFit/>
+          </a:bodyPr>
+          <a:lstStyle/>
+          <a:p>
+            <a:r>
+              <a:rPr lang="en-US" altLang="ko-KR" dirty="0">
+                <a:solidFill>
+                  <a:srgbClr val="000000"/>
+                </a:solidFill>
+                <a:latin typeface="DM Mono" panose="020B0509040201040103" pitchFamily="49" charset="0"/>
+              </a:rPr>
+              <a:t>“ABC”</a:t>
+            </a:r>
+            <a:endParaRPr lang="ko-Kore-KR" altLang="en-US" dirty="0"/>
+          </a:p>
+        </p:txBody>
+      </p:sp>
+      <p:sp>
+        <p:nvSpPr>
+          <p:cNvPr id="25" name="직사각형 24">
+            <a:extLst>
+              <a:ext uri="{FF2B5EF4-FFF2-40B4-BE49-F238E27FC236}">
+                <a16:creationId xmlns:a16="http://schemas.microsoft.com/office/drawing/2014/main" id="{B3DC771A-8731-FA4B-90D0-2D3228CEC0DB}"/>
+              </a:ext>
+            </a:extLst>
+          </p:cNvPr>
+          <p:cNvSpPr/>
+          <p:nvPr/>
+        </p:nvSpPr>
+        <p:spPr>
+          <a:xfrm>
+            <a:off x="3932984" y="3069273"/>
+            <a:ext cx="6096000" cy="923330"/>
+          </a:xfrm>
+          <a:prstGeom prst="rect">
+            <a:avLst/>
+          </a:prstGeom>
+        </p:spPr>
+        <p:txBody>
+          <a:bodyPr>
+            <a:spAutoFit/>
+          </a:bodyPr>
+          <a:lstStyle/>
+          <a:p>
+            <a:r>
+              <a:rPr lang="en" altLang="ko-Kore-KR" dirty="0">
+                <a:solidFill>
+                  <a:srgbClr val="0000FF"/>
+                </a:solidFill>
+                <a:latin typeface="DM Mono" panose="020B0509040201040103" pitchFamily="49" charset="0"/>
+              </a:rPr>
+              <a:t>char</a:t>
+            </a:r>
+            <a:r>
+              <a:rPr lang="en" altLang="ko-Kore-KR" dirty="0">
+                <a:solidFill>
+                  <a:srgbClr val="000000"/>
+                </a:solidFill>
+                <a:latin typeface="DM Mono" panose="020B0509040201040103" pitchFamily="49" charset="0"/>
+              </a:rPr>
+              <a:t>* </a:t>
+            </a:r>
+            <a:r>
+              <a:rPr lang="en" altLang="ko-Kore-KR" dirty="0">
+                <a:solidFill>
+                  <a:srgbClr val="0000FF"/>
+                </a:solidFill>
+                <a:latin typeface="DM Mono" panose="020B0509040201040103" pitchFamily="49" charset="0"/>
+              </a:rPr>
+              <a:t>const </a:t>
+            </a:r>
+            <a:r>
+              <a:rPr lang="en" altLang="ko-Kore-KR" dirty="0">
+                <a:solidFill>
+                  <a:srgbClr val="000000"/>
+                </a:solidFill>
+                <a:latin typeface="DM Mono" panose="020B0509040201040103" pitchFamily="49" charset="0"/>
+              </a:rPr>
+              <a:t>str2 = </a:t>
+            </a:r>
+            <a:r>
+              <a:rPr lang="en" altLang="ko-Kore-KR" dirty="0">
+                <a:solidFill>
+                  <a:srgbClr val="A31515"/>
+                </a:solidFill>
+                <a:latin typeface="DM Mono" panose="020B0509040201040103" pitchFamily="49" charset="0"/>
+              </a:rPr>
+              <a:t>"ABC"</a:t>
+            </a:r>
+            <a:r>
+              <a:rPr lang="en" altLang="ko-Kore-KR" dirty="0">
+                <a:solidFill>
+                  <a:srgbClr val="000000"/>
+                </a:solidFill>
+                <a:latin typeface="DM Mono" panose="020B0509040201040103" pitchFamily="49" charset="0"/>
+              </a:rPr>
+              <a:t>;</a:t>
+            </a:r>
+          </a:p>
+          <a:p>
+            <a:br>
+              <a:rPr lang="en" altLang="ko-Kore-KR" dirty="0">
+                <a:solidFill>
+                  <a:srgbClr val="000000"/>
+                </a:solidFill>
+                <a:latin typeface="DM Mono" panose="020B0509040201040103" pitchFamily="49" charset="0"/>
+              </a:rPr>
+            </a:br>
+            <a:endParaRPr lang="en" altLang="ko-Kore-KR" b="0" dirty="0">
+              <a:solidFill>
+                <a:srgbClr val="000000"/>
+              </a:solidFill>
+              <a:effectLst/>
+              <a:latin typeface="DM Mono" panose="020B0509040201040103" pitchFamily="49" charset="0"/>
+            </a:endParaRPr>
+          </a:p>
+        </p:txBody>
+      </p:sp>
+      <p:sp>
+        <p:nvSpPr>
+          <p:cNvPr id="26" name="직사각형 25">
+            <a:extLst>
+              <a:ext uri="{FF2B5EF4-FFF2-40B4-BE49-F238E27FC236}">
+                <a16:creationId xmlns:a16="http://schemas.microsoft.com/office/drawing/2014/main" id="{5C906B54-0A54-0A4F-A04F-22C3A8669F0B}"/>
+              </a:ext>
+            </a:extLst>
+          </p:cNvPr>
+          <p:cNvSpPr/>
+          <p:nvPr/>
+        </p:nvSpPr>
+        <p:spPr>
+          <a:xfrm>
+            <a:off x="1782246" y="2494173"/>
+            <a:ext cx="620111" cy="630620"/>
+          </a:xfrm>
+          <a:prstGeom prst="rect">
+            <a:avLst/>
+          </a:prstGeom>
+          <a:solidFill>
+            <a:srgbClr val="FFC000"/>
+          </a:solidFill>
+        </p:spPr>
+        <p:style>
+          <a:lnRef idx="2">
+            <a:schemeClr val="dk1"/>
+          </a:lnRef>
+          <a:fillRef idx="1">
+            <a:schemeClr val="lt1"/>
+          </a:fillRef>
+          <a:effectRef idx="0">
+            <a:schemeClr val="dk1"/>
+          </a:effectRef>
+          <a:fontRef idx="minor">
+            <a:schemeClr val="dk1"/>
+          </a:fontRef>
+        </p:style>
+        <p:txBody>
+          <a:bodyPr rtlCol="0" anchor="ctr"/>
+          <a:lstStyle/>
+          <a:p>
+            <a:pPr algn="ctr"/>
+            <a:endParaRPr kumimoji="1" lang="ko-Kore-KR" altLang="en-US" sz="1600" dirty="0"/>
+          </a:p>
+        </p:txBody>
+      </p:sp>
+      <p:sp>
+        <p:nvSpPr>
+          <p:cNvPr id="27" name="직사각형 26">
+            <a:extLst>
+              <a:ext uri="{FF2B5EF4-FFF2-40B4-BE49-F238E27FC236}">
+                <a16:creationId xmlns:a16="http://schemas.microsoft.com/office/drawing/2014/main" id="{142F8086-E779-574F-9C2D-519BDFACA388}"/>
+              </a:ext>
+            </a:extLst>
+          </p:cNvPr>
+          <p:cNvSpPr/>
+          <p:nvPr/>
+        </p:nvSpPr>
+        <p:spPr>
+          <a:xfrm>
+            <a:off x="1046147" y="2585947"/>
+            <a:ext cx="736099" cy="369332"/>
+          </a:xfrm>
+          <a:prstGeom prst="rect">
+            <a:avLst/>
+          </a:prstGeom>
+        </p:spPr>
+        <p:txBody>
+          <a:bodyPr wrap="none">
+            <a:spAutoFit/>
+          </a:bodyPr>
+          <a:lstStyle/>
+          <a:p>
+            <a:r>
+              <a:rPr lang="en" altLang="ko-Kore-KR" dirty="0">
+                <a:solidFill>
+                  <a:srgbClr val="000000"/>
+                </a:solidFill>
+                <a:latin typeface="DM Mono" panose="020B0509040201040103" pitchFamily="49" charset="0"/>
+              </a:rPr>
+              <a:t>str2</a:t>
+            </a:r>
+            <a:endParaRPr lang="ko-Kore-KR" altLang="en-US" dirty="0"/>
+          </a:p>
+        </p:txBody>
+      </p:sp>
+      <p:cxnSp>
+        <p:nvCxnSpPr>
+          <p:cNvPr id="28" name="구부러진 연결선[U] 27">
+            <a:extLst>
+              <a:ext uri="{FF2B5EF4-FFF2-40B4-BE49-F238E27FC236}">
+                <a16:creationId xmlns:a16="http://schemas.microsoft.com/office/drawing/2014/main" id="{DB9B3ABB-75F8-6345-87EA-F9787C5FC395}"/>
+              </a:ext>
+            </a:extLst>
+          </p:cNvPr>
+          <p:cNvCxnSpPr>
+            <a:cxnSpLocks/>
+            <a:stCxn id="26" idx="3"/>
+          </p:cNvCxnSpPr>
+          <p:nvPr/>
+        </p:nvCxnSpPr>
+        <p:spPr>
+          <a:xfrm flipV="1">
+            <a:off x="2402357" y="883116"/>
+            <a:ext cx="3440990" cy="1926367"/>
+          </a:xfrm>
+          <a:prstGeom prst="curvedConnector3">
+            <a:avLst>
+              <a:gd name="adj1" fmla="val 50000"/>
+            </a:avLst>
+          </a:prstGeom>
+          <a:ln>
+            <a:tailEnd type="triangle"/>
+          </a:ln>
+        </p:spPr>
+        <p:style>
+          <a:lnRef idx="1">
+            <a:schemeClr val="dk1"/>
+          </a:lnRef>
+          <a:fillRef idx="0">
+            <a:schemeClr val="dk1"/>
+          </a:fillRef>
+          <a:effectRef idx="0">
+            <a:schemeClr val="dk1"/>
+          </a:effectRef>
+          <a:fontRef idx="minor">
+            <a:schemeClr val="tx1"/>
+          </a:fontRef>
+        </p:style>
+      </p:cxnSp>
+    </p:spTree>
+    <p:extLst>
+      <p:ext uri="{BB962C8B-B14F-4D97-AF65-F5344CB8AC3E}">
+        <p14:creationId xmlns:p14="http://schemas.microsoft.com/office/powerpoint/2010/main" val="193072141"/>
+      </p:ext>
+    </p:extLst>
+  </p:cSld>
+  <p:clrMapOvr>
+    <a:masterClrMapping/>
+  </p:clrMapOvr>
+</p:sld>
+</file>
+
+<file path=ppt/slides/slide13.xml><?xml version="1.0" encoding="utf-8"?>
+<p:sld xmlns:a="http://schemas.openxmlformats.org/drawingml/2006/main" xmlns:r="http://schemas.openxmlformats.org/officeDocument/2006/relationships" xmlns:p="http://schemas.openxmlformats.org/presentationml/2006/main">
+  <p:cSld>
+    <p:spTree>
+      <p:nvGrpSpPr>
+        <p:cNvPr id="1" name=""/>
+        <p:cNvGrpSpPr/>
+        <p:nvPr/>
+      </p:nvGrpSpPr>
+      <p:grpSpPr>
+        <a:xfrm>
+          <a:off x="0" y="0"/>
+          <a:ext cx="0" cy="0"/>
+          <a:chOff x="0" y="0"/>
+          <a:chExt cx="0" cy="0"/>
+        </a:xfrm>
+      </p:grpSpPr>
+      <p:sp>
+        <p:nvSpPr>
+          <p:cNvPr id="20" name="직사각형 19">
+            <a:extLst>
+              <a:ext uri="{FF2B5EF4-FFF2-40B4-BE49-F238E27FC236}">
+                <a16:creationId xmlns:a16="http://schemas.microsoft.com/office/drawing/2014/main" id="{9E4FA7DF-C455-8D42-A463-2AA7DD3CB4E0}"/>
+              </a:ext>
+            </a:extLst>
+          </p:cNvPr>
+          <p:cNvSpPr/>
+          <p:nvPr/>
+        </p:nvSpPr>
+        <p:spPr>
+          <a:xfrm>
+            <a:off x="875499" y="1155714"/>
+            <a:ext cx="2890346" cy="4495201"/>
+          </a:xfrm>
+          <a:prstGeom prst="rect">
+            <a:avLst/>
+          </a:prstGeom>
+        </p:spPr>
+        <p:style>
+          <a:lnRef idx="2">
+            <a:schemeClr val="dk1"/>
+          </a:lnRef>
+          <a:fillRef idx="1">
+            <a:schemeClr val="lt1"/>
+          </a:fillRef>
+          <a:effectRef idx="0">
+            <a:schemeClr val="dk1"/>
+          </a:effectRef>
+          <a:fontRef idx="minor">
+            <a:schemeClr val="dk1"/>
+          </a:fontRef>
+        </p:style>
+        <p:txBody>
+          <a:bodyPr rtlCol="0" anchor="ctr"/>
+          <a:lstStyle/>
+          <a:p>
+            <a:pPr algn="ctr"/>
+            <a:endParaRPr kumimoji="1" lang="ko-Kore-KR" altLang="en-US" dirty="0"/>
+          </a:p>
+        </p:txBody>
+      </p:sp>
+      <p:sp>
+        <p:nvSpPr>
+          <p:cNvPr id="21" name="직사각형 20">
+            <a:extLst>
+              <a:ext uri="{FF2B5EF4-FFF2-40B4-BE49-F238E27FC236}">
+                <a16:creationId xmlns:a16="http://schemas.microsoft.com/office/drawing/2014/main" id="{30B4AA3A-86F1-7441-BCA8-99F1B569937B}"/>
+              </a:ext>
+            </a:extLst>
+          </p:cNvPr>
+          <p:cNvSpPr/>
+          <p:nvPr/>
+        </p:nvSpPr>
+        <p:spPr>
+          <a:xfrm>
+            <a:off x="139400" y="1039255"/>
+            <a:ext cx="736099" cy="369332"/>
+          </a:xfrm>
+          <a:prstGeom prst="rect">
+            <a:avLst/>
+          </a:prstGeom>
+        </p:spPr>
+        <p:txBody>
+          <a:bodyPr wrap="none">
+            <a:spAutoFit/>
+          </a:bodyPr>
+          <a:lstStyle/>
+          <a:p>
+            <a:r>
+              <a:rPr lang="en" altLang="ko-Kore-KR" b="0" dirty="0">
+                <a:solidFill>
+                  <a:srgbClr val="000000"/>
+                </a:solidFill>
+                <a:effectLst/>
+                <a:latin typeface="DM Mono" panose="020B0509040201040103" pitchFamily="49" charset="0"/>
+              </a:rPr>
+              <a:t>main</a:t>
+            </a:r>
+            <a:endParaRPr lang="ko-Kore-KR" altLang="en-US" dirty="0"/>
+          </a:p>
+        </p:txBody>
+      </p:sp>
+      <p:sp>
+        <p:nvSpPr>
+          <p:cNvPr id="6" name="직사각형 5">
+            <a:extLst>
+              <a:ext uri="{FF2B5EF4-FFF2-40B4-BE49-F238E27FC236}">
+                <a16:creationId xmlns:a16="http://schemas.microsoft.com/office/drawing/2014/main" id="{77104849-6176-2D49-9204-39F0A32F6321}"/>
+              </a:ext>
+            </a:extLst>
+          </p:cNvPr>
+          <p:cNvSpPr/>
+          <p:nvPr/>
+        </p:nvSpPr>
+        <p:spPr>
+          <a:xfrm>
+            <a:off x="1071336" y="1576417"/>
+            <a:ext cx="620111" cy="630620"/>
+          </a:xfrm>
+          <a:prstGeom prst="rect">
+            <a:avLst/>
+          </a:prstGeom>
+        </p:spPr>
+        <p:style>
+          <a:lnRef idx="2">
+            <a:schemeClr val="dk1"/>
+          </a:lnRef>
+          <a:fillRef idx="1">
+            <a:schemeClr val="lt1"/>
+          </a:fillRef>
+          <a:effectRef idx="0">
+            <a:schemeClr val="dk1"/>
+          </a:effectRef>
+          <a:fontRef idx="minor">
+            <a:schemeClr val="dk1"/>
+          </a:fontRef>
+        </p:style>
+        <p:txBody>
+          <a:bodyPr rtlCol="0" anchor="ctr"/>
+          <a:lstStyle/>
+          <a:p>
+            <a:pPr algn="ctr"/>
+            <a:r>
+              <a:rPr kumimoji="1" lang="en-US" altLang="ko-Kore-KR" sz="1600" dirty="0"/>
+              <a:t>‘A’</a:t>
+            </a:r>
+            <a:endParaRPr kumimoji="1" lang="ko-Kore-KR" altLang="en-US" sz="1600" dirty="0"/>
+          </a:p>
+        </p:txBody>
+      </p:sp>
+      <p:sp>
+        <p:nvSpPr>
+          <p:cNvPr id="7" name="직사각형 6">
+            <a:extLst>
+              <a:ext uri="{FF2B5EF4-FFF2-40B4-BE49-F238E27FC236}">
+                <a16:creationId xmlns:a16="http://schemas.microsoft.com/office/drawing/2014/main" id="{B0C3C6D6-EBF4-494D-87B4-F12C8123561C}"/>
+              </a:ext>
+            </a:extLst>
+          </p:cNvPr>
+          <p:cNvSpPr/>
+          <p:nvPr/>
+        </p:nvSpPr>
+        <p:spPr>
+          <a:xfrm>
+            <a:off x="1691447" y="1576417"/>
+            <a:ext cx="620111" cy="630620"/>
+          </a:xfrm>
+          <a:prstGeom prst="rect">
+            <a:avLst/>
+          </a:prstGeom>
+        </p:spPr>
+        <p:style>
+          <a:lnRef idx="2">
+            <a:schemeClr val="dk1"/>
+          </a:lnRef>
+          <a:fillRef idx="1">
+            <a:schemeClr val="lt1"/>
+          </a:fillRef>
+          <a:effectRef idx="0">
+            <a:schemeClr val="dk1"/>
+          </a:effectRef>
+          <a:fontRef idx="minor">
+            <a:schemeClr val="dk1"/>
+          </a:fontRef>
+        </p:style>
+        <p:txBody>
+          <a:bodyPr rtlCol="0" anchor="ctr"/>
+          <a:lstStyle/>
+          <a:p>
+            <a:pPr algn="ctr"/>
+            <a:r>
+              <a:rPr kumimoji="1" lang="en-US" altLang="ko-Kore-KR" sz="1600" dirty="0"/>
+              <a:t>’B’</a:t>
+            </a:r>
+            <a:endParaRPr kumimoji="1" lang="ko-Kore-KR" altLang="en-US" sz="1600" dirty="0"/>
+          </a:p>
+        </p:txBody>
+      </p:sp>
+      <p:sp>
+        <p:nvSpPr>
+          <p:cNvPr id="4" name="직사각형 3">
+            <a:extLst>
+              <a:ext uri="{FF2B5EF4-FFF2-40B4-BE49-F238E27FC236}">
+                <a16:creationId xmlns:a16="http://schemas.microsoft.com/office/drawing/2014/main" id="{CF775911-7EAA-2E40-8987-2678454FA45F}"/>
+              </a:ext>
+            </a:extLst>
+          </p:cNvPr>
+          <p:cNvSpPr/>
+          <p:nvPr/>
+        </p:nvSpPr>
+        <p:spPr>
+          <a:xfrm>
+            <a:off x="875499" y="513784"/>
+            <a:ext cx="2803973" cy="369332"/>
+          </a:xfrm>
+          <a:prstGeom prst="rect">
+            <a:avLst/>
+          </a:prstGeom>
+        </p:spPr>
+        <p:txBody>
+          <a:bodyPr wrap="none">
+            <a:spAutoFit/>
+          </a:bodyPr>
+          <a:lstStyle/>
+          <a:p>
+            <a:r>
+              <a:rPr lang="en" altLang="ko-Kore-KR" dirty="0">
+                <a:solidFill>
+                  <a:srgbClr val="0000FF"/>
+                </a:solidFill>
+                <a:latin typeface="DM Mono" panose="020B0509040201040103" pitchFamily="49" charset="0"/>
+              </a:rPr>
+              <a:t>char</a:t>
+            </a:r>
+            <a:r>
+              <a:rPr lang="en" altLang="ko-Kore-KR" dirty="0">
+                <a:solidFill>
+                  <a:srgbClr val="000000"/>
+                </a:solidFill>
+                <a:latin typeface="DM Mono" panose="020B0509040201040103" pitchFamily="49" charset="0"/>
+              </a:rPr>
+              <a:t> str</a:t>
+            </a:r>
+            <a:r>
+              <a:rPr lang="en" altLang="ko-Kore-KR" dirty="0">
+                <a:solidFill>
+                  <a:srgbClr val="0000FF"/>
+                </a:solidFill>
+                <a:latin typeface="DM Mono" panose="020B0509040201040103" pitchFamily="49" charset="0"/>
+              </a:rPr>
+              <a:t>[]</a:t>
+            </a:r>
+            <a:r>
+              <a:rPr lang="en" altLang="ko-Kore-KR" dirty="0">
+                <a:solidFill>
+                  <a:srgbClr val="000000"/>
+                </a:solidFill>
+                <a:latin typeface="DM Mono" panose="020B0509040201040103" pitchFamily="49" charset="0"/>
+              </a:rPr>
+              <a:t> = </a:t>
+            </a:r>
+            <a:r>
+              <a:rPr lang="en" altLang="ko-Kore-KR" dirty="0">
+                <a:solidFill>
+                  <a:srgbClr val="A31515"/>
+                </a:solidFill>
+                <a:latin typeface="DM Mono" panose="020B0509040201040103" pitchFamily="49" charset="0"/>
+              </a:rPr>
+              <a:t>"ABC"</a:t>
+            </a:r>
+            <a:r>
+              <a:rPr lang="en" altLang="ko-Kore-KR" dirty="0">
+                <a:solidFill>
+                  <a:srgbClr val="000000"/>
+                </a:solidFill>
+                <a:latin typeface="DM Mono" panose="020B0509040201040103" pitchFamily="49" charset="0"/>
+              </a:rPr>
+              <a:t>;</a:t>
+            </a:r>
+            <a:endParaRPr lang="en" altLang="ko-Kore-KR" b="0" dirty="0">
+              <a:solidFill>
+                <a:srgbClr val="000000"/>
+              </a:solidFill>
+              <a:effectLst/>
+              <a:latin typeface="DM Mono" panose="020B0509040201040103" pitchFamily="49" charset="0"/>
+            </a:endParaRPr>
+          </a:p>
+        </p:txBody>
+      </p:sp>
+      <p:sp>
+        <p:nvSpPr>
+          <p:cNvPr id="12" name="직사각형 11">
+            <a:extLst>
+              <a:ext uri="{FF2B5EF4-FFF2-40B4-BE49-F238E27FC236}">
+                <a16:creationId xmlns:a16="http://schemas.microsoft.com/office/drawing/2014/main" id="{1AE101B4-2891-6B41-B19E-E369CF1619FE}"/>
+              </a:ext>
+            </a:extLst>
+          </p:cNvPr>
+          <p:cNvSpPr/>
+          <p:nvPr/>
+        </p:nvSpPr>
+        <p:spPr>
+          <a:xfrm>
+            <a:off x="1046147" y="1207085"/>
+            <a:ext cx="598241" cy="369332"/>
+          </a:xfrm>
+          <a:prstGeom prst="rect">
+            <a:avLst/>
+          </a:prstGeom>
+        </p:spPr>
+        <p:txBody>
+          <a:bodyPr wrap="none">
+            <a:spAutoFit/>
+          </a:bodyPr>
+          <a:lstStyle/>
+          <a:p>
+            <a:r>
+              <a:rPr lang="en" altLang="ko-Kore-KR" dirty="0">
+                <a:solidFill>
+                  <a:srgbClr val="000000"/>
+                </a:solidFill>
+                <a:latin typeface="DM Mono" panose="020B0509040201040103" pitchFamily="49" charset="0"/>
+              </a:rPr>
+              <a:t>str</a:t>
+            </a:r>
+            <a:endParaRPr lang="ko-Kore-KR" altLang="en-US" dirty="0"/>
+          </a:p>
+        </p:txBody>
+      </p:sp>
+      <p:sp>
+        <p:nvSpPr>
+          <p:cNvPr id="18" name="직사각형 17">
+            <a:extLst>
+              <a:ext uri="{FF2B5EF4-FFF2-40B4-BE49-F238E27FC236}">
+                <a16:creationId xmlns:a16="http://schemas.microsoft.com/office/drawing/2014/main" id="{BAB3D17D-8921-594F-8C30-F960DFD55B0E}"/>
+              </a:ext>
+            </a:extLst>
+          </p:cNvPr>
+          <p:cNvSpPr/>
+          <p:nvPr/>
+        </p:nvSpPr>
+        <p:spPr>
+          <a:xfrm>
+            <a:off x="2311558" y="1576417"/>
+            <a:ext cx="620111" cy="630620"/>
+          </a:xfrm>
+          <a:prstGeom prst="rect">
+            <a:avLst/>
+          </a:prstGeom>
+        </p:spPr>
+        <p:style>
+          <a:lnRef idx="2">
+            <a:schemeClr val="dk1"/>
+          </a:lnRef>
+          <a:fillRef idx="1">
+            <a:schemeClr val="lt1"/>
+          </a:fillRef>
+          <a:effectRef idx="0">
+            <a:schemeClr val="dk1"/>
+          </a:effectRef>
+          <a:fontRef idx="minor">
+            <a:schemeClr val="dk1"/>
+          </a:fontRef>
+        </p:style>
+        <p:txBody>
+          <a:bodyPr rtlCol="0" anchor="ctr"/>
+          <a:lstStyle/>
+          <a:p>
+            <a:pPr algn="ctr"/>
+            <a:r>
+              <a:rPr kumimoji="1" lang="en-US" altLang="ko-Kore-KR" sz="1600" dirty="0"/>
+              <a:t>‘C’</a:t>
+            </a:r>
+            <a:endParaRPr kumimoji="1" lang="ko-Kore-KR" altLang="en-US" sz="1600" dirty="0"/>
+          </a:p>
+        </p:txBody>
+      </p:sp>
+      <p:sp>
+        <p:nvSpPr>
+          <p:cNvPr id="19" name="직사각형 18">
+            <a:extLst>
+              <a:ext uri="{FF2B5EF4-FFF2-40B4-BE49-F238E27FC236}">
+                <a16:creationId xmlns:a16="http://schemas.microsoft.com/office/drawing/2014/main" id="{361120E8-F02A-1244-A6B2-3B9A895498D2}"/>
+              </a:ext>
+            </a:extLst>
+          </p:cNvPr>
+          <p:cNvSpPr/>
+          <p:nvPr/>
+        </p:nvSpPr>
+        <p:spPr>
+          <a:xfrm>
+            <a:off x="2931669" y="1576417"/>
+            <a:ext cx="620111" cy="630620"/>
+          </a:xfrm>
+          <a:prstGeom prst="rect">
+            <a:avLst/>
+          </a:prstGeom>
+        </p:spPr>
+        <p:style>
+          <a:lnRef idx="2">
+            <a:schemeClr val="dk1"/>
+          </a:lnRef>
+          <a:fillRef idx="1">
+            <a:schemeClr val="lt1"/>
+          </a:fillRef>
+          <a:effectRef idx="0">
+            <a:schemeClr val="dk1"/>
+          </a:effectRef>
+          <a:fontRef idx="minor">
+            <a:schemeClr val="dk1"/>
+          </a:fontRef>
+        </p:style>
+        <p:txBody>
+          <a:bodyPr rtlCol="0" anchor="ctr"/>
+          <a:lstStyle/>
+          <a:p>
+            <a:pPr algn="ctr"/>
+            <a:r>
+              <a:rPr kumimoji="1" lang="en-US" altLang="ko-Kore-KR" sz="1600" dirty="0"/>
+              <a:t>‘D’</a:t>
+            </a:r>
+            <a:endParaRPr kumimoji="1" lang="ko-Kore-KR" altLang="en-US" sz="1600" dirty="0"/>
+          </a:p>
+        </p:txBody>
+      </p:sp>
+      <p:sp>
+        <p:nvSpPr>
+          <p:cNvPr id="22" name="직사각형 21">
+            <a:extLst>
+              <a:ext uri="{FF2B5EF4-FFF2-40B4-BE49-F238E27FC236}">
+                <a16:creationId xmlns:a16="http://schemas.microsoft.com/office/drawing/2014/main" id="{7E156A51-FE24-7D47-A0E5-1EBD9628ACCF}"/>
+              </a:ext>
+            </a:extLst>
+          </p:cNvPr>
+          <p:cNvSpPr/>
+          <p:nvPr/>
+        </p:nvSpPr>
+        <p:spPr>
+          <a:xfrm>
+            <a:off x="5535811" y="352297"/>
+            <a:ext cx="2890346" cy="2112579"/>
+          </a:xfrm>
+          <a:prstGeom prst="rect">
+            <a:avLst/>
+          </a:prstGeom>
+        </p:spPr>
+        <p:style>
+          <a:lnRef idx="2">
+            <a:schemeClr val="dk1"/>
+          </a:lnRef>
+          <a:fillRef idx="1">
+            <a:schemeClr val="lt1"/>
+          </a:fillRef>
+          <a:effectRef idx="0">
+            <a:schemeClr val="dk1"/>
+          </a:effectRef>
+          <a:fontRef idx="minor">
+            <a:schemeClr val="dk1"/>
+          </a:fontRef>
+        </p:style>
+        <p:txBody>
+          <a:bodyPr rtlCol="0" anchor="ctr"/>
+          <a:lstStyle/>
+          <a:p>
+            <a:pPr algn="ctr"/>
+            <a:endParaRPr kumimoji="1" lang="ko-Kore-KR" altLang="en-US" dirty="0"/>
+          </a:p>
+        </p:txBody>
+      </p:sp>
+      <p:sp>
+        <p:nvSpPr>
+          <p:cNvPr id="23" name="직사각형 22">
+            <a:extLst>
+              <a:ext uri="{FF2B5EF4-FFF2-40B4-BE49-F238E27FC236}">
+                <a16:creationId xmlns:a16="http://schemas.microsoft.com/office/drawing/2014/main" id="{3A6E3EAC-E0A9-FD43-BBA5-483AB5FA1D57}"/>
+              </a:ext>
+            </a:extLst>
+          </p:cNvPr>
+          <p:cNvSpPr/>
+          <p:nvPr/>
+        </p:nvSpPr>
+        <p:spPr>
+          <a:xfrm>
+            <a:off x="5441750" y="0"/>
+            <a:ext cx="5811206" cy="369332"/>
+          </a:xfrm>
+          <a:prstGeom prst="rect">
+            <a:avLst/>
+          </a:prstGeom>
+        </p:spPr>
+        <p:txBody>
+          <a:bodyPr wrap="none">
+            <a:spAutoFit/>
+          </a:bodyPr>
+          <a:lstStyle/>
+          <a:p>
+            <a:r>
+              <a:rPr lang="ko-KR" altLang="en-US" dirty="0">
+                <a:solidFill>
+                  <a:srgbClr val="000000"/>
+                </a:solidFill>
+                <a:latin typeface="DM Mono" panose="020B0509040201040103" pitchFamily="49" charset="0"/>
+              </a:rPr>
+              <a:t>문자열 테이블</a:t>
+            </a:r>
+            <a:r>
+              <a:rPr lang="en-US" altLang="ko-KR" dirty="0">
+                <a:solidFill>
+                  <a:srgbClr val="000000"/>
+                </a:solidFill>
+                <a:latin typeface="DM Mono" panose="020B0509040201040103" pitchFamily="49" charset="0"/>
+              </a:rPr>
+              <a:t>(</a:t>
+            </a:r>
+            <a:r>
+              <a:rPr lang="ko-KR" altLang="en-US" dirty="0">
+                <a:solidFill>
+                  <a:srgbClr val="000000"/>
+                </a:solidFill>
+                <a:latin typeface="DM Mono" panose="020B0509040201040103" pitchFamily="49" charset="0"/>
+              </a:rPr>
+              <a:t>읽기만 가능합니다</a:t>
+            </a:r>
+            <a:r>
+              <a:rPr lang="en-US" altLang="ko-KR" dirty="0">
+                <a:solidFill>
+                  <a:srgbClr val="000000"/>
+                </a:solidFill>
+                <a:latin typeface="DM Mono" panose="020B0509040201040103" pitchFamily="49" charset="0"/>
+              </a:rPr>
+              <a:t>.</a:t>
+            </a:r>
+            <a:r>
+              <a:rPr lang="ko-KR" altLang="en-US" dirty="0">
+                <a:solidFill>
+                  <a:srgbClr val="000000"/>
+                </a:solidFill>
+                <a:latin typeface="DM Mono" panose="020B0509040201040103" pitchFamily="49" charset="0"/>
+              </a:rPr>
+              <a:t> </a:t>
+            </a:r>
+            <a:r>
+              <a:rPr lang="en-US" altLang="ko-KR" dirty="0">
+                <a:solidFill>
+                  <a:srgbClr val="000000"/>
+                </a:solidFill>
+                <a:latin typeface="DM Mono" panose="020B0509040201040103" pitchFamily="49" charset="0"/>
+              </a:rPr>
+              <a:t>–</a:t>
+            </a:r>
+            <a:r>
+              <a:rPr lang="ko-KR" altLang="en-US" dirty="0">
+                <a:solidFill>
+                  <a:srgbClr val="000000"/>
+                </a:solidFill>
+                <a:latin typeface="DM Mono" panose="020B0509040201040103" pitchFamily="49" charset="0"/>
+              </a:rPr>
+              <a:t> 상수 메모리</a:t>
+            </a:r>
+            <a:r>
+              <a:rPr lang="en-US" altLang="ko-KR" dirty="0">
+                <a:solidFill>
+                  <a:srgbClr val="000000"/>
+                </a:solidFill>
+                <a:latin typeface="DM Mono" panose="020B0509040201040103" pitchFamily="49" charset="0"/>
+              </a:rPr>
+              <a:t>)</a:t>
+            </a:r>
+            <a:endParaRPr lang="ko-Kore-KR" altLang="en-US" dirty="0"/>
+          </a:p>
+        </p:txBody>
+      </p:sp>
+      <p:sp>
+        <p:nvSpPr>
+          <p:cNvPr id="24" name="직사각형 23">
+            <a:extLst>
+              <a:ext uri="{FF2B5EF4-FFF2-40B4-BE49-F238E27FC236}">
+                <a16:creationId xmlns:a16="http://schemas.microsoft.com/office/drawing/2014/main" id="{D040B3A4-409F-D74E-A3EE-88D517F28B68}"/>
+              </a:ext>
+            </a:extLst>
+          </p:cNvPr>
+          <p:cNvSpPr/>
+          <p:nvPr/>
+        </p:nvSpPr>
+        <p:spPr>
+          <a:xfrm>
+            <a:off x="5843347" y="669923"/>
+            <a:ext cx="873957" cy="369332"/>
+          </a:xfrm>
+          <a:prstGeom prst="rect">
+            <a:avLst/>
+          </a:prstGeom>
+          <a:solidFill>
+            <a:srgbClr val="FFC000"/>
+          </a:solidFill>
+        </p:spPr>
+        <p:txBody>
+          <a:bodyPr wrap="none">
+            <a:spAutoFit/>
+          </a:bodyPr>
+          <a:lstStyle/>
+          <a:p>
+            <a:r>
+              <a:rPr lang="en-US" altLang="ko-KR" dirty="0">
+                <a:solidFill>
+                  <a:srgbClr val="000000"/>
+                </a:solidFill>
+                <a:latin typeface="DM Mono" panose="020B0509040201040103" pitchFamily="49" charset="0"/>
+              </a:rPr>
+              <a:t>“ABC”</a:t>
+            </a:r>
+            <a:endParaRPr lang="ko-Kore-KR" altLang="en-US" dirty="0"/>
+          </a:p>
+        </p:txBody>
+      </p:sp>
+      <p:sp>
+        <p:nvSpPr>
+          <p:cNvPr id="25" name="직사각형 24">
+            <a:extLst>
+              <a:ext uri="{FF2B5EF4-FFF2-40B4-BE49-F238E27FC236}">
+                <a16:creationId xmlns:a16="http://schemas.microsoft.com/office/drawing/2014/main" id="{B3DC771A-8731-FA4B-90D0-2D3228CEC0DB}"/>
+              </a:ext>
+            </a:extLst>
+          </p:cNvPr>
+          <p:cNvSpPr/>
+          <p:nvPr/>
+        </p:nvSpPr>
+        <p:spPr>
+          <a:xfrm>
+            <a:off x="3932984" y="3069273"/>
+            <a:ext cx="6096000" cy="923330"/>
+          </a:xfrm>
+          <a:prstGeom prst="rect">
+            <a:avLst/>
+          </a:prstGeom>
+        </p:spPr>
+        <p:txBody>
+          <a:bodyPr>
+            <a:spAutoFit/>
+          </a:bodyPr>
+          <a:lstStyle/>
+          <a:p>
+            <a:r>
+              <a:rPr lang="en" altLang="ko-Kore-KR" dirty="0">
+                <a:solidFill>
+                  <a:srgbClr val="0000FF"/>
+                </a:solidFill>
+                <a:latin typeface="DM Mono" panose="020B0509040201040103" pitchFamily="49" charset="0"/>
+              </a:rPr>
+              <a:t>const char</a:t>
+            </a:r>
+            <a:r>
+              <a:rPr lang="en" altLang="ko-Kore-KR" dirty="0">
+                <a:solidFill>
+                  <a:srgbClr val="000000"/>
+                </a:solidFill>
+                <a:latin typeface="DM Mono" panose="020B0509040201040103" pitchFamily="49" charset="0"/>
+              </a:rPr>
+              <a:t>* </a:t>
+            </a:r>
+            <a:r>
+              <a:rPr lang="en" altLang="ko-Kore-KR" dirty="0">
+                <a:solidFill>
+                  <a:srgbClr val="0000FF"/>
+                </a:solidFill>
+                <a:latin typeface="DM Mono" panose="020B0509040201040103" pitchFamily="49" charset="0"/>
+              </a:rPr>
+              <a:t>const </a:t>
+            </a:r>
+            <a:r>
+              <a:rPr lang="en" altLang="ko-Kore-KR" dirty="0">
+                <a:solidFill>
+                  <a:srgbClr val="000000"/>
+                </a:solidFill>
+                <a:latin typeface="DM Mono" panose="020B0509040201040103" pitchFamily="49" charset="0"/>
+              </a:rPr>
+              <a:t>str2 = </a:t>
+            </a:r>
+            <a:r>
+              <a:rPr lang="en" altLang="ko-Kore-KR" dirty="0">
+                <a:solidFill>
+                  <a:srgbClr val="A31515"/>
+                </a:solidFill>
+                <a:latin typeface="DM Mono" panose="020B0509040201040103" pitchFamily="49" charset="0"/>
+              </a:rPr>
+              <a:t>"ABC"</a:t>
+            </a:r>
+            <a:r>
+              <a:rPr lang="en" altLang="ko-Kore-KR" dirty="0">
+                <a:solidFill>
+                  <a:srgbClr val="000000"/>
+                </a:solidFill>
+                <a:latin typeface="DM Mono" panose="020B0509040201040103" pitchFamily="49" charset="0"/>
+              </a:rPr>
+              <a:t>;</a:t>
+            </a:r>
+          </a:p>
+          <a:p>
+            <a:br>
+              <a:rPr lang="en" altLang="ko-Kore-KR" dirty="0">
+                <a:solidFill>
+                  <a:srgbClr val="000000"/>
+                </a:solidFill>
+                <a:latin typeface="DM Mono" panose="020B0509040201040103" pitchFamily="49" charset="0"/>
+              </a:rPr>
+            </a:br>
+            <a:endParaRPr lang="en" altLang="ko-Kore-KR" b="0" dirty="0">
+              <a:solidFill>
+                <a:srgbClr val="000000"/>
+              </a:solidFill>
+              <a:effectLst/>
+              <a:latin typeface="DM Mono" panose="020B0509040201040103" pitchFamily="49" charset="0"/>
+            </a:endParaRPr>
+          </a:p>
+        </p:txBody>
+      </p:sp>
+      <p:sp>
+        <p:nvSpPr>
+          <p:cNvPr id="26" name="직사각형 25">
+            <a:extLst>
+              <a:ext uri="{FF2B5EF4-FFF2-40B4-BE49-F238E27FC236}">
+                <a16:creationId xmlns:a16="http://schemas.microsoft.com/office/drawing/2014/main" id="{5C906B54-0A54-0A4F-A04F-22C3A8669F0B}"/>
+              </a:ext>
+            </a:extLst>
+          </p:cNvPr>
+          <p:cNvSpPr/>
+          <p:nvPr/>
+        </p:nvSpPr>
+        <p:spPr>
+          <a:xfrm>
+            <a:off x="1782246" y="2494173"/>
+            <a:ext cx="620111" cy="630620"/>
+          </a:xfrm>
+          <a:prstGeom prst="rect">
+            <a:avLst/>
+          </a:prstGeom>
+          <a:solidFill>
+            <a:srgbClr val="FFC000"/>
+          </a:solidFill>
+        </p:spPr>
+        <p:style>
+          <a:lnRef idx="2">
+            <a:schemeClr val="dk1"/>
+          </a:lnRef>
+          <a:fillRef idx="1">
+            <a:schemeClr val="lt1"/>
+          </a:fillRef>
+          <a:effectRef idx="0">
+            <a:schemeClr val="dk1"/>
+          </a:effectRef>
+          <a:fontRef idx="minor">
+            <a:schemeClr val="dk1"/>
+          </a:fontRef>
+        </p:style>
+        <p:txBody>
+          <a:bodyPr rtlCol="0" anchor="ctr"/>
+          <a:lstStyle/>
+          <a:p>
+            <a:pPr algn="ctr"/>
+            <a:endParaRPr kumimoji="1" lang="ko-Kore-KR" altLang="en-US" sz="1600" dirty="0"/>
+          </a:p>
+        </p:txBody>
+      </p:sp>
+      <p:sp>
+        <p:nvSpPr>
+          <p:cNvPr id="27" name="직사각형 26">
+            <a:extLst>
+              <a:ext uri="{FF2B5EF4-FFF2-40B4-BE49-F238E27FC236}">
+                <a16:creationId xmlns:a16="http://schemas.microsoft.com/office/drawing/2014/main" id="{142F8086-E779-574F-9C2D-519BDFACA388}"/>
+              </a:ext>
+            </a:extLst>
+          </p:cNvPr>
+          <p:cNvSpPr/>
+          <p:nvPr/>
+        </p:nvSpPr>
+        <p:spPr>
+          <a:xfrm>
+            <a:off x="1046147" y="2585947"/>
+            <a:ext cx="736099" cy="369332"/>
+          </a:xfrm>
+          <a:prstGeom prst="rect">
+            <a:avLst/>
+          </a:prstGeom>
+        </p:spPr>
+        <p:txBody>
+          <a:bodyPr wrap="none">
+            <a:spAutoFit/>
+          </a:bodyPr>
+          <a:lstStyle/>
+          <a:p>
+            <a:r>
+              <a:rPr lang="en" altLang="ko-Kore-KR" dirty="0">
+                <a:solidFill>
+                  <a:srgbClr val="000000"/>
+                </a:solidFill>
+                <a:latin typeface="DM Mono" panose="020B0509040201040103" pitchFamily="49" charset="0"/>
+              </a:rPr>
+              <a:t>str2</a:t>
+            </a:r>
+            <a:endParaRPr lang="ko-Kore-KR" altLang="en-US" dirty="0"/>
+          </a:p>
+        </p:txBody>
+      </p:sp>
+      <p:cxnSp>
+        <p:nvCxnSpPr>
+          <p:cNvPr id="28" name="구부러진 연결선[U] 27">
+            <a:extLst>
+              <a:ext uri="{FF2B5EF4-FFF2-40B4-BE49-F238E27FC236}">
+                <a16:creationId xmlns:a16="http://schemas.microsoft.com/office/drawing/2014/main" id="{DB9B3ABB-75F8-6345-87EA-F9787C5FC395}"/>
+              </a:ext>
+            </a:extLst>
+          </p:cNvPr>
+          <p:cNvCxnSpPr>
+            <a:cxnSpLocks/>
+            <a:stCxn id="26" idx="3"/>
+          </p:cNvCxnSpPr>
+          <p:nvPr/>
+        </p:nvCxnSpPr>
+        <p:spPr>
+          <a:xfrm flipV="1">
+            <a:off x="2402357" y="883116"/>
+            <a:ext cx="3440990" cy="1926367"/>
+          </a:xfrm>
+          <a:prstGeom prst="curvedConnector3">
+            <a:avLst>
+              <a:gd name="adj1" fmla="val 50000"/>
+            </a:avLst>
+          </a:prstGeom>
+          <a:ln>
+            <a:tailEnd type="triangle"/>
+          </a:ln>
+        </p:spPr>
+        <p:style>
+          <a:lnRef idx="1">
+            <a:schemeClr val="dk1"/>
+          </a:lnRef>
+          <a:fillRef idx="0">
+            <a:schemeClr val="dk1"/>
+          </a:fillRef>
+          <a:effectRef idx="0">
+            <a:schemeClr val="dk1"/>
+          </a:effectRef>
+          <a:fontRef idx="minor">
+            <a:schemeClr val="tx1"/>
+          </a:fontRef>
+        </p:style>
+      </p:cxnSp>
+    </p:spTree>
+    <p:extLst>
+      <p:ext uri="{BB962C8B-B14F-4D97-AF65-F5344CB8AC3E}">
+        <p14:creationId xmlns:p14="http://schemas.microsoft.com/office/powerpoint/2010/main" val="2284929000"/>
+      </p:ext>
+    </p:extLst>
+  </p:cSld>
+  <p:clrMapOvr>
+    <a:masterClrMapping/>
+  </p:clrMapOvr>
+</p:sld>
+</file>
+
+<file path=ppt/slides/slide14.xml><?xml version="1.0" encoding="utf-8"?>
+<p:sld xmlns:a="http://schemas.openxmlformats.org/drawingml/2006/main" xmlns:r="http://schemas.openxmlformats.org/officeDocument/2006/relationships" xmlns:p="http://schemas.openxmlformats.org/presentationml/2006/main">
+  <p:cSld>
+    <p:spTree>
+      <p:nvGrpSpPr>
+        <p:cNvPr id="1" name=""/>
+        <p:cNvGrpSpPr/>
+        <p:nvPr/>
+      </p:nvGrpSpPr>
+      <p:grpSpPr>
+        <a:xfrm>
+          <a:off x="0" y="0"/>
+          <a:ext cx="0" cy="0"/>
+          <a:chOff x="0" y="0"/>
+          <a:chExt cx="0" cy="0"/>
+        </a:xfrm>
+      </p:grpSpPr>
+      <p:sp>
+        <p:nvSpPr>
+          <p:cNvPr id="20" name="직사각형 19">
+            <a:extLst>
+              <a:ext uri="{FF2B5EF4-FFF2-40B4-BE49-F238E27FC236}">
+                <a16:creationId xmlns:a16="http://schemas.microsoft.com/office/drawing/2014/main" id="{9E4FA7DF-C455-8D42-A463-2AA7DD3CB4E0}"/>
+              </a:ext>
+            </a:extLst>
+          </p:cNvPr>
+          <p:cNvSpPr/>
+          <p:nvPr/>
+        </p:nvSpPr>
+        <p:spPr>
+          <a:xfrm>
+            <a:off x="969559" y="944118"/>
+            <a:ext cx="3950063" cy="2781496"/>
+          </a:xfrm>
+          <a:prstGeom prst="rect">
+            <a:avLst/>
+          </a:prstGeom>
+        </p:spPr>
+        <p:style>
+          <a:lnRef idx="2">
+            <a:schemeClr val="dk1"/>
+          </a:lnRef>
+          <a:fillRef idx="1">
+            <a:schemeClr val="lt1"/>
+          </a:fillRef>
+          <a:effectRef idx="0">
+            <a:schemeClr val="dk1"/>
+          </a:effectRef>
+          <a:fontRef idx="minor">
+            <a:schemeClr val="dk1"/>
+          </a:fontRef>
+        </p:style>
+        <p:txBody>
+          <a:bodyPr rtlCol="0" anchor="ctr"/>
+          <a:lstStyle/>
+          <a:p>
+            <a:pPr algn="ctr"/>
+            <a:endParaRPr kumimoji="1" lang="ko-Kore-KR" altLang="en-US" dirty="0"/>
+          </a:p>
+        </p:txBody>
+      </p:sp>
+      <p:sp>
+        <p:nvSpPr>
+          <p:cNvPr id="21" name="직사각형 20">
+            <a:extLst>
+              <a:ext uri="{FF2B5EF4-FFF2-40B4-BE49-F238E27FC236}">
+                <a16:creationId xmlns:a16="http://schemas.microsoft.com/office/drawing/2014/main" id="{30B4AA3A-86F1-7441-BCA8-99F1B569937B}"/>
+              </a:ext>
+            </a:extLst>
+          </p:cNvPr>
+          <p:cNvSpPr/>
+          <p:nvPr/>
+        </p:nvSpPr>
+        <p:spPr>
+          <a:xfrm>
+            <a:off x="139400" y="1039255"/>
+            <a:ext cx="736099" cy="369332"/>
+          </a:xfrm>
+          <a:prstGeom prst="rect">
+            <a:avLst/>
+          </a:prstGeom>
+        </p:spPr>
+        <p:txBody>
+          <a:bodyPr wrap="none">
+            <a:spAutoFit/>
+          </a:bodyPr>
+          <a:lstStyle/>
+          <a:p>
+            <a:r>
+              <a:rPr lang="en" altLang="ko-Kore-KR" b="0" dirty="0">
+                <a:solidFill>
+                  <a:srgbClr val="000000"/>
+                </a:solidFill>
+                <a:effectLst/>
+                <a:latin typeface="DM Mono" panose="020B0509040201040103" pitchFamily="49" charset="0"/>
+              </a:rPr>
+              <a:t>main</a:t>
+            </a:r>
+            <a:endParaRPr lang="ko-Kore-KR" altLang="en-US" dirty="0"/>
+          </a:p>
+        </p:txBody>
+      </p:sp>
+      <p:sp>
+        <p:nvSpPr>
+          <p:cNvPr id="6" name="직사각형 5">
+            <a:extLst>
+              <a:ext uri="{FF2B5EF4-FFF2-40B4-BE49-F238E27FC236}">
+                <a16:creationId xmlns:a16="http://schemas.microsoft.com/office/drawing/2014/main" id="{77104849-6176-2D49-9204-39F0A32F6321}"/>
+              </a:ext>
+            </a:extLst>
+          </p:cNvPr>
+          <p:cNvSpPr/>
+          <p:nvPr/>
+        </p:nvSpPr>
+        <p:spPr>
+          <a:xfrm>
+            <a:off x="1071336" y="1576417"/>
+            <a:ext cx="620111" cy="630620"/>
+          </a:xfrm>
+          <a:prstGeom prst="rect">
+            <a:avLst/>
+          </a:prstGeom>
+        </p:spPr>
+        <p:style>
+          <a:lnRef idx="2">
+            <a:schemeClr val="dk1"/>
+          </a:lnRef>
+          <a:fillRef idx="1">
+            <a:schemeClr val="lt1"/>
+          </a:fillRef>
+          <a:effectRef idx="0">
+            <a:schemeClr val="dk1"/>
+          </a:effectRef>
+          <a:fontRef idx="minor">
+            <a:schemeClr val="dk1"/>
+          </a:fontRef>
+        </p:style>
+        <p:txBody>
+          <a:bodyPr rtlCol="0" anchor="ctr"/>
+          <a:lstStyle/>
+          <a:p>
+            <a:pPr algn="ctr"/>
+            <a:r>
+              <a:rPr kumimoji="1" lang="en-US" altLang="ko-Kore-KR" sz="1600" dirty="0"/>
+              <a:t>h</a:t>
+            </a:r>
+            <a:endParaRPr kumimoji="1" lang="ko-Kore-KR" altLang="en-US" sz="1600" dirty="0"/>
+          </a:p>
+        </p:txBody>
+      </p:sp>
+      <p:sp>
+        <p:nvSpPr>
+          <p:cNvPr id="7" name="직사각형 6">
+            <a:extLst>
+              <a:ext uri="{FF2B5EF4-FFF2-40B4-BE49-F238E27FC236}">
+                <a16:creationId xmlns:a16="http://schemas.microsoft.com/office/drawing/2014/main" id="{B0C3C6D6-EBF4-494D-87B4-F12C8123561C}"/>
+              </a:ext>
+            </a:extLst>
+          </p:cNvPr>
+          <p:cNvSpPr/>
+          <p:nvPr/>
+        </p:nvSpPr>
+        <p:spPr>
+          <a:xfrm>
+            <a:off x="1691447" y="1576417"/>
+            <a:ext cx="620111" cy="630620"/>
+          </a:xfrm>
+          <a:prstGeom prst="rect">
+            <a:avLst/>
+          </a:prstGeom>
+        </p:spPr>
+        <p:style>
+          <a:lnRef idx="2">
+            <a:schemeClr val="dk1"/>
+          </a:lnRef>
+          <a:fillRef idx="1">
+            <a:schemeClr val="lt1"/>
+          </a:fillRef>
+          <a:effectRef idx="0">
+            <a:schemeClr val="dk1"/>
+          </a:effectRef>
+          <a:fontRef idx="minor">
+            <a:schemeClr val="dk1"/>
+          </a:fontRef>
+        </p:style>
+        <p:txBody>
+          <a:bodyPr rtlCol="0" anchor="ctr"/>
+          <a:lstStyle/>
+          <a:p>
+            <a:pPr algn="ctr"/>
+            <a:r>
+              <a:rPr kumimoji="1" lang="en-US" altLang="ko-Kore-KR" sz="1600" dirty="0"/>
+              <a:t>e</a:t>
+            </a:r>
+            <a:endParaRPr kumimoji="1" lang="ko-Kore-KR" altLang="en-US" sz="1600" dirty="0"/>
+          </a:p>
+        </p:txBody>
+      </p:sp>
+      <p:sp>
+        <p:nvSpPr>
+          <p:cNvPr id="12" name="직사각형 11">
+            <a:extLst>
+              <a:ext uri="{FF2B5EF4-FFF2-40B4-BE49-F238E27FC236}">
+                <a16:creationId xmlns:a16="http://schemas.microsoft.com/office/drawing/2014/main" id="{1AE101B4-2891-6B41-B19E-E369CF1619FE}"/>
+              </a:ext>
+            </a:extLst>
+          </p:cNvPr>
+          <p:cNvSpPr/>
+          <p:nvPr/>
+        </p:nvSpPr>
+        <p:spPr>
+          <a:xfrm>
+            <a:off x="1046147" y="1207085"/>
+            <a:ext cx="460382" cy="369332"/>
+          </a:xfrm>
+          <a:prstGeom prst="rect">
+            <a:avLst/>
+          </a:prstGeom>
+        </p:spPr>
+        <p:txBody>
+          <a:bodyPr wrap="none">
+            <a:spAutoFit/>
+          </a:bodyPr>
+          <a:lstStyle/>
+          <a:p>
+            <a:r>
+              <a:rPr lang="en" altLang="ko-Kore-KR" dirty="0">
+                <a:solidFill>
+                  <a:srgbClr val="000000"/>
+                </a:solidFill>
+                <a:latin typeface="DM Mono" panose="020B0509040201040103" pitchFamily="49" charset="0"/>
+              </a:rPr>
+              <a:t>s1</a:t>
+            </a:r>
+            <a:endParaRPr lang="ko-Kore-KR" altLang="en-US" dirty="0"/>
+          </a:p>
+        </p:txBody>
+      </p:sp>
+      <p:sp>
+        <p:nvSpPr>
+          <p:cNvPr id="18" name="직사각형 17">
+            <a:extLst>
+              <a:ext uri="{FF2B5EF4-FFF2-40B4-BE49-F238E27FC236}">
+                <a16:creationId xmlns:a16="http://schemas.microsoft.com/office/drawing/2014/main" id="{BAB3D17D-8921-594F-8C30-F960DFD55B0E}"/>
+              </a:ext>
+            </a:extLst>
+          </p:cNvPr>
+          <p:cNvSpPr/>
+          <p:nvPr/>
+        </p:nvSpPr>
+        <p:spPr>
+          <a:xfrm>
+            <a:off x="2311558" y="1576417"/>
+            <a:ext cx="620111" cy="630620"/>
+          </a:xfrm>
+          <a:prstGeom prst="rect">
+            <a:avLst/>
+          </a:prstGeom>
+        </p:spPr>
+        <p:style>
+          <a:lnRef idx="2">
+            <a:schemeClr val="dk1"/>
+          </a:lnRef>
+          <a:fillRef idx="1">
+            <a:schemeClr val="lt1"/>
+          </a:fillRef>
+          <a:effectRef idx="0">
+            <a:schemeClr val="dk1"/>
+          </a:effectRef>
+          <a:fontRef idx="minor">
+            <a:schemeClr val="dk1"/>
+          </a:fontRef>
+        </p:style>
+        <p:txBody>
+          <a:bodyPr rtlCol="0" anchor="ctr"/>
+          <a:lstStyle/>
+          <a:p>
+            <a:pPr algn="ctr"/>
+            <a:r>
+              <a:rPr kumimoji="1" lang="en-US" altLang="ko-Kore-KR" sz="1600" dirty="0"/>
+              <a:t>l</a:t>
+            </a:r>
+            <a:endParaRPr kumimoji="1" lang="ko-Kore-KR" altLang="en-US" sz="1600" dirty="0"/>
+          </a:p>
+        </p:txBody>
+      </p:sp>
+      <p:sp>
+        <p:nvSpPr>
+          <p:cNvPr id="19" name="직사각형 18">
+            <a:extLst>
+              <a:ext uri="{FF2B5EF4-FFF2-40B4-BE49-F238E27FC236}">
+                <a16:creationId xmlns:a16="http://schemas.microsoft.com/office/drawing/2014/main" id="{361120E8-F02A-1244-A6B2-3B9A895498D2}"/>
+              </a:ext>
+            </a:extLst>
+          </p:cNvPr>
+          <p:cNvSpPr/>
+          <p:nvPr/>
+        </p:nvSpPr>
+        <p:spPr>
+          <a:xfrm>
+            <a:off x="2931669" y="1576417"/>
+            <a:ext cx="620111" cy="630620"/>
+          </a:xfrm>
+          <a:prstGeom prst="rect">
+            <a:avLst/>
+          </a:prstGeom>
+        </p:spPr>
+        <p:style>
+          <a:lnRef idx="2">
+            <a:schemeClr val="dk1"/>
+          </a:lnRef>
+          <a:fillRef idx="1">
+            <a:schemeClr val="lt1"/>
+          </a:fillRef>
+          <a:effectRef idx="0">
+            <a:schemeClr val="dk1"/>
+          </a:effectRef>
+          <a:fontRef idx="minor">
+            <a:schemeClr val="dk1"/>
+          </a:fontRef>
+        </p:style>
+        <p:txBody>
+          <a:bodyPr rtlCol="0" anchor="ctr"/>
+          <a:lstStyle/>
+          <a:p>
+            <a:pPr algn="ctr"/>
+            <a:r>
+              <a:rPr kumimoji="1" lang="en-US" altLang="ko-Kore-KR" sz="1600" dirty="0"/>
+              <a:t>l</a:t>
+            </a:r>
+            <a:endParaRPr kumimoji="1" lang="ko-Kore-KR" altLang="en-US" sz="1600" dirty="0"/>
+          </a:p>
+        </p:txBody>
+      </p:sp>
+      <p:sp>
+        <p:nvSpPr>
+          <p:cNvPr id="22" name="직사각형 21">
+            <a:extLst>
+              <a:ext uri="{FF2B5EF4-FFF2-40B4-BE49-F238E27FC236}">
+                <a16:creationId xmlns:a16="http://schemas.microsoft.com/office/drawing/2014/main" id="{7E156A51-FE24-7D47-A0E5-1EBD9628ACCF}"/>
+              </a:ext>
+            </a:extLst>
+          </p:cNvPr>
+          <p:cNvSpPr/>
+          <p:nvPr/>
+        </p:nvSpPr>
+        <p:spPr>
+          <a:xfrm>
+            <a:off x="5535811" y="352297"/>
+            <a:ext cx="2890346" cy="2112579"/>
+          </a:xfrm>
+          <a:prstGeom prst="rect">
+            <a:avLst/>
+          </a:prstGeom>
+        </p:spPr>
+        <p:style>
+          <a:lnRef idx="2">
+            <a:schemeClr val="dk1"/>
+          </a:lnRef>
+          <a:fillRef idx="1">
+            <a:schemeClr val="lt1"/>
+          </a:fillRef>
+          <a:effectRef idx="0">
+            <a:schemeClr val="dk1"/>
+          </a:effectRef>
+          <a:fontRef idx="minor">
+            <a:schemeClr val="dk1"/>
+          </a:fontRef>
+        </p:style>
+        <p:txBody>
+          <a:bodyPr rtlCol="0" anchor="ctr"/>
+          <a:lstStyle/>
+          <a:p>
+            <a:pPr algn="ctr"/>
+            <a:endParaRPr kumimoji="1" lang="ko-Kore-KR" altLang="en-US" dirty="0"/>
+          </a:p>
+        </p:txBody>
+      </p:sp>
+      <p:sp>
+        <p:nvSpPr>
+          <p:cNvPr id="23" name="직사각형 22">
+            <a:extLst>
+              <a:ext uri="{FF2B5EF4-FFF2-40B4-BE49-F238E27FC236}">
+                <a16:creationId xmlns:a16="http://schemas.microsoft.com/office/drawing/2014/main" id="{3A6E3EAC-E0A9-FD43-BBA5-483AB5FA1D57}"/>
+              </a:ext>
+            </a:extLst>
+          </p:cNvPr>
+          <p:cNvSpPr/>
+          <p:nvPr/>
+        </p:nvSpPr>
+        <p:spPr>
+          <a:xfrm>
+            <a:off x="5441750" y="0"/>
+            <a:ext cx="5811206" cy="369332"/>
+          </a:xfrm>
+          <a:prstGeom prst="rect">
+            <a:avLst/>
+          </a:prstGeom>
+        </p:spPr>
+        <p:txBody>
+          <a:bodyPr wrap="none">
+            <a:spAutoFit/>
+          </a:bodyPr>
+          <a:lstStyle/>
+          <a:p>
+            <a:r>
+              <a:rPr lang="ko-KR" altLang="en-US" dirty="0">
+                <a:solidFill>
+                  <a:srgbClr val="000000"/>
+                </a:solidFill>
+                <a:latin typeface="DM Mono" panose="020B0509040201040103" pitchFamily="49" charset="0"/>
+              </a:rPr>
+              <a:t>문자열 테이블</a:t>
+            </a:r>
+            <a:r>
+              <a:rPr lang="en-US" altLang="ko-KR" dirty="0">
+                <a:solidFill>
+                  <a:srgbClr val="000000"/>
+                </a:solidFill>
+                <a:latin typeface="DM Mono" panose="020B0509040201040103" pitchFamily="49" charset="0"/>
+              </a:rPr>
+              <a:t>(</a:t>
+            </a:r>
+            <a:r>
+              <a:rPr lang="ko-KR" altLang="en-US" dirty="0">
+                <a:solidFill>
+                  <a:srgbClr val="000000"/>
+                </a:solidFill>
+                <a:latin typeface="DM Mono" panose="020B0509040201040103" pitchFamily="49" charset="0"/>
+              </a:rPr>
+              <a:t>읽기만 가능합니다</a:t>
+            </a:r>
+            <a:r>
+              <a:rPr lang="en-US" altLang="ko-KR" dirty="0">
+                <a:solidFill>
+                  <a:srgbClr val="000000"/>
+                </a:solidFill>
+                <a:latin typeface="DM Mono" panose="020B0509040201040103" pitchFamily="49" charset="0"/>
+              </a:rPr>
+              <a:t>.</a:t>
+            </a:r>
+            <a:r>
+              <a:rPr lang="ko-KR" altLang="en-US" dirty="0">
+                <a:solidFill>
+                  <a:srgbClr val="000000"/>
+                </a:solidFill>
+                <a:latin typeface="DM Mono" panose="020B0509040201040103" pitchFamily="49" charset="0"/>
+              </a:rPr>
+              <a:t> </a:t>
+            </a:r>
+            <a:r>
+              <a:rPr lang="en-US" altLang="ko-KR" dirty="0">
+                <a:solidFill>
+                  <a:srgbClr val="000000"/>
+                </a:solidFill>
+                <a:latin typeface="DM Mono" panose="020B0509040201040103" pitchFamily="49" charset="0"/>
+              </a:rPr>
+              <a:t>–</a:t>
+            </a:r>
+            <a:r>
+              <a:rPr lang="ko-KR" altLang="en-US" dirty="0">
+                <a:solidFill>
+                  <a:srgbClr val="000000"/>
+                </a:solidFill>
+                <a:latin typeface="DM Mono" panose="020B0509040201040103" pitchFamily="49" charset="0"/>
+              </a:rPr>
+              <a:t> 상수 메모리</a:t>
+            </a:r>
+            <a:r>
+              <a:rPr lang="en-US" altLang="ko-KR" dirty="0">
+                <a:solidFill>
+                  <a:srgbClr val="000000"/>
+                </a:solidFill>
+                <a:latin typeface="DM Mono" panose="020B0509040201040103" pitchFamily="49" charset="0"/>
+              </a:rPr>
+              <a:t>)</a:t>
+            </a:r>
+            <a:endParaRPr lang="ko-Kore-KR" altLang="en-US" dirty="0"/>
+          </a:p>
+        </p:txBody>
+      </p:sp>
+      <p:sp>
+        <p:nvSpPr>
+          <p:cNvPr id="2" name="직사각형 1">
+            <a:extLst>
+              <a:ext uri="{FF2B5EF4-FFF2-40B4-BE49-F238E27FC236}">
+                <a16:creationId xmlns:a16="http://schemas.microsoft.com/office/drawing/2014/main" id="{DC764382-88AA-C649-A967-559B0FE99A6E}"/>
+              </a:ext>
+            </a:extLst>
+          </p:cNvPr>
+          <p:cNvSpPr/>
+          <p:nvPr/>
+        </p:nvSpPr>
+        <p:spPr>
+          <a:xfrm>
+            <a:off x="5299353" y="3129322"/>
+            <a:ext cx="6096000" cy="2308324"/>
+          </a:xfrm>
+          <a:prstGeom prst="rect">
+            <a:avLst/>
+          </a:prstGeom>
+        </p:spPr>
+        <p:txBody>
+          <a:bodyPr>
+            <a:spAutoFit/>
+          </a:bodyPr>
+          <a:lstStyle/>
+          <a:p>
+            <a:r>
+              <a:rPr lang="en" altLang="ko-Kore-KR" dirty="0">
+                <a:solidFill>
+                  <a:srgbClr val="0000FF"/>
+                </a:solidFill>
+                <a:latin typeface="DM Mono" panose="020B0509040201040103" pitchFamily="49" charset="0"/>
+              </a:rPr>
+              <a:t>char</a:t>
+            </a:r>
+            <a:r>
+              <a:rPr lang="en" altLang="ko-Kore-KR" dirty="0">
+                <a:solidFill>
+                  <a:srgbClr val="000000"/>
+                </a:solidFill>
+                <a:latin typeface="DM Mono" panose="020B0509040201040103" pitchFamily="49" charset="0"/>
+              </a:rPr>
+              <a:t> s1</a:t>
+            </a:r>
+            <a:r>
+              <a:rPr lang="en" altLang="ko-Kore-KR" dirty="0">
+                <a:solidFill>
+                  <a:srgbClr val="0000FF"/>
+                </a:solidFill>
+                <a:latin typeface="DM Mono" panose="020B0509040201040103" pitchFamily="49" charset="0"/>
+              </a:rPr>
+              <a:t>[]</a:t>
+            </a:r>
+            <a:r>
+              <a:rPr lang="en" altLang="ko-Kore-KR" dirty="0">
+                <a:solidFill>
+                  <a:srgbClr val="000000"/>
+                </a:solidFill>
+                <a:latin typeface="DM Mono" panose="020B0509040201040103" pitchFamily="49" charset="0"/>
+              </a:rPr>
+              <a:t> = </a:t>
+            </a:r>
+            <a:r>
+              <a:rPr lang="en" altLang="ko-Kore-KR" dirty="0">
+                <a:solidFill>
+                  <a:srgbClr val="A31515"/>
+                </a:solidFill>
+                <a:latin typeface="DM Mono" panose="020B0509040201040103" pitchFamily="49" charset="0"/>
+              </a:rPr>
+              <a:t>"hello"</a:t>
+            </a:r>
+            <a:r>
+              <a:rPr lang="en" altLang="ko-Kore-KR" dirty="0">
+                <a:solidFill>
+                  <a:srgbClr val="000000"/>
+                </a:solidFill>
+                <a:latin typeface="DM Mono" panose="020B0509040201040103" pitchFamily="49" charset="0"/>
+              </a:rPr>
+              <a:t>;</a:t>
+            </a:r>
+          </a:p>
+          <a:p>
+            <a:r>
+              <a:rPr lang="en" altLang="ko-Kore-KR" dirty="0">
+                <a:solidFill>
+                  <a:srgbClr val="0000FF"/>
+                </a:solidFill>
+                <a:latin typeface="DM Mono" panose="020B0509040201040103" pitchFamily="49" charset="0"/>
+              </a:rPr>
+              <a:t>char</a:t>
+            </a:r>
+            <a:r>
+              <a:rPr lang="en" altLang="ko-Kore-KR" dirty="0">
+                <a:solidFill>
+                  <a:srgbClr val="000000"/>
+                </a:solidFill>
+                <a:latin typeface="DM Mono" panose="020B0509040201040103" pitchFamily="49" charset="0"/>
+              </a:rPr>
+              <a:t> s2</a:t>
+            </a:r>
+            <a:r>
+              <a:rPr lang="en" altLang="ko-Kore-KR" dirty="0">
+                <a:solidFill>
+                  <a:srgbClr val="0000FF"/>
+                </a:solidFill>
+                <a:latin typeface="DM Mono" panose="020B0509040201040103" pitchFamily="49" charset="0"/>
+              </a:rPr>
+              <a:t>[]</a:t>
+            </a:r>
+            <a:r>
+              <a:rPr lang="en" altLang="ko-Kore-KR" dirty="0">
+                <a:solidFill>
+                  <a:srgbClr val="000000"/>
+                </a:solidFill>
+                <a:latin typeface="DM Mono" panose="020B0509040201040103" pitchFamily="49" charset="0"/>
+              </a:rPr>
+              <a:t> = </a:t>
+            </a:r>
+            <a:r>
+              <a:rPr lang="en" altLang="ko-Kore-KR" dirty="0">
+                <a:solidFill>
+                  <a:srgbClr val="A31515"/>
+                </a:solidFill>
+                <a:latin typeface="DM Mono" panose="020B0509040201040103" pitchFamily="49" charset="0"/>
+              </a:rPr>
+              <a:t>"hello"</a:t>
+            </a:r>
+            <a:r>
+              <a:rPr lang="en" altLang="ko-Kore-KR" dirty="0">
+                <a:solidFill>
+                  <a:srgbClr val="000000"/>
+                </a:solidFill>
+                <a:latin typeface="DM Mono" panose="020B0509040201040103" pitchFamily="49" charset="0"/>
+              </a:rPr>
+              <a:t>;</a:t>
+            </a:r>
+          </a:p>
+          <a:p>
+            <a:br>
+              <a:rPr lang="en" altLang="ko-Kore-KR" dirty="0">
+                <a:solidFill>
+                  <a:srgbClr val="000000"/>
+                </a:solidFill>
+                <a:latin typeface="DM Mono" panose="020B0509040201040103" pitchFamily="49" charset="0"/>
+              </a:rPr>
+            </a:br>
+            <a:r>
+              <a:rPr lang="en" altLang="ko-Kore-KR" dirty="0">
+                <a:solidFill>
+                  <a:srgbClr val="0000FF"/>
+                </a:solidFill>
+                <a:latin typeface="DM Mono" panose="020B0509040201040103" pitchFamily="49" charset="0"/>
+              </a:rPr>
+              <a:t>if</a:t>
+            </a:r>
+            <a:r>
+              <a:rPr lang="en" altLang="ko-Kore-KR" dirty="0">
+                <a:solidFill>
+                  <a:srgbClr val="000000"/>
+                </a:solidFill>
+                <a:latin typeface="DM Mono" panose="020B0509040201040103" pitchFamily="49" charset="0"/>
+              </a:rPr>
+              <a:t> (s1 == s2) {</a:t>
+            </a:r>
+          </a:p>
+          <a:p>
+            <a:r>
+              <a:rPr lang="en" altLang="ko-Kore-KR" dirty="0" err="1">
+                <a:solidFill>
+                  <a:srgbClr val="000000"/>
+                </a:solidFill>
+                <a:latin typeface="DM Mono" panose="020B0509040201040103" pitchFamily="49" charset="0"/>
+              </a:rPr>
+              <a:t>printf</a:t>
+            </a:r>
+            <a:r>
+              <a:rPr lang="en" altLang="ko-Kore-KR" dirty="0">
+                <a:solidFill>
+                  <a:srgbClr val="000000"/>
+                </a:solidFill>
+                <a:latin typeface="DM Mono" panose="020B0509040201040103" pitchFamily="49" charset="0"/>
+              </a:rPr>
+              <a:t>(</a:t>
+            </a:r>
+            <a:r>
+              <a:rPr lang="en" altLang="ko-Kore-KR" dirty="0">
+                <a:solidFill>
+                  <a:srgbClr val="A31515"/>
+                </a:solidFill>
+                <a:latin typeface="DM Mono" panose="020B0509040201040103" pitchFamily="49" charset="0"/>
+              </a:rPr>
+              <a:t>"</a:t>
+            </a:r>
+            <a:r>
+              <a:rPr lang="ko-KR" altLang="en-US" dirty="0">
+                <a:solidFill>
+                  <a:srgbClr val="A31515"/>
+                </a:solidFill>
+                <a:latin typeface="DM Mono" panose="020B0509040201040103" pitchFamily="49" charset="0"/>
+              </a:rPr>
+              <a:t>같은 문자열 입니다</a:t>
+            </a:r>
+            <a:r>
+              <a:rPr lang="en-US" altLang="ko-KR" dirty="0">
+                <a:solidFill>
+                  <a:srgbClr val="A31515"/>
+                </a:solidFill>
+                <a:latin typeface="DM Mono" panose="020B0509040201040103" pitchFamily="49" charset="0"/>
+              </a:rPr>
+              <a:t>..\</a:t>
+            </a:r>
+            <a:r>
+              <a:rPr lang="en" altLang="ko-Kore-KR" dirty="0">
+                <a:solidFill>
+                  <a:srgbClr val="A31515"/>
+                </a:solidFill>
+                <a:latin typeface="DM Mono" panose="020B0509040201040103" pitchFamily="49" charset="0"/>
+              </a:rPr>
+              <a:t>n"</a:t>
+            </a:r>
+            <a:r>
+              <a:rPr lang="en" altLang="ko-Kore-KR" dirty="0">
+                <a:solidFill>
+                  <a:srgbClr val="000000"/>
+                </a:solidFill>
+                <a:latin typeface="DM Mono" panose="020B0509040201040103" pitchFamily="49" charset="0"/>
+              </a:rPr>
+              <a:t>);</a:t>
+            </a:r>
+          </a:p>
+          <a:p>
+            <a:r>
+              <a:rPr lang="en" altLang="ko-Kore-KR" dirty="0">
+                <a:solidFill>
+                  <a:srgbClr val="000000"/>
+                </a:solidFill>
+                <a:latin typeface="DM Mono" panose="020B0509040201040103" pitchFamily="49" charset="0"/>
+              </a:rPr>
+              <a:t>} </a:t>
+            </a:r>
+            <a:r>
+              <a:rPr lang="en" altLang="ko-Kore-KR" dirty="0">
+                <a:solidFill>
+                  <a:srgbClr val="0000FF"/>
+                </a:solidFill>
+                <a:latin typeface="DM Mono" panose="020B0509040201040103" pitchFamily="49" charset="0"/>
+              </a:rPr>
+              <a:t>else</a:t>
+            </a:r>
+            <a:r>
+              <a:rPr lang="en" altLang="ko-Kore-KR" dirty="0">
+                <a:solidFill>
+                  <a:srgbClr val="000000"/>
+                </a:solidFill>
+                <a:latin typeface="DM Mono" panose="020B0509040201040103" pitchFamily="49" charset="0"/>
+              </a:rPr>
+              <a:t> {</a:t>
+            </a:r>
+          </a:p>
+          <a:p>
+            <a:r>
+              <a:rPr lang="en" altLang="ko-Kore-KR" dirty="0" err="1">
+                <a:solidFill>
+                  <a:srgbClr val="000000"/>
+                </a:solidFill>
+                <a:latin typeface="DM Mono" panose="020B0509040201040103" pitchFamily="49" charset="0"/>
+              </a:rPr>
+              <a:t>printf</a:t>
+            </a:r>
+            <a:r>
+              <a:rPr lang="en" altLang="ko-Kore-KR" dirty="0">
+                <a:solidFill>
+                  <a:srgbClr val="000000"/>
+                </a:solidFill>
+                <a:latin typeface="DM Mono" panose="020B0509040201040103" pitchFamily="49" charset="0"/>
+              </a:rPr>
+              <a:t>(</a:t>
+            </a:r>
+            <a:r>
+              <a:rPr lang="en" altLang="ko-Kore-KR" dirty="0">
+                <a:solidFill>
+                  <a:srgbClr val="A31515"/>
+                </a:solidFill>
+                <a:latin typeface="DM Mono" panose="020B0509040201040103" pitchFamily="49" charset="0"/>
+              </a:rPr>
+              <a:t>"</a:t>
+            </a:r>
+            <a:r>
+              <a:rPr lang="ko-KR" altLang="en-US" dirty="0">
+                <a:solidFill>
+                  <a:srgbClr val="A31515"/>
+                </a:solidFill>
+                <a:latin typeface="DM Mono" panose="020B0509040201040103" pitchFamily="49" charset="0"/>
+              </a:rPr>
+              <a:t>다른 문자열 입니다</a:t>
+            </a:r>
+            <a:r>
+              <a:rPr lang="en-US" altLang="ko-KR" dirty="0">
+                <a:solidFill>
+                  <a:srgbClr val="A31515"/>
+                </a:solidFill>
+                <a:latin typeface="DM Mono" panose="020B0509040201040103" pitchFamily="49" charset="0"/>
+              </a:rPr>
+              <a:t>..\</a:t>
+            </a:r>
+            <a:r>
+              <a:rPr lang="en" altLang="ko-Kore-KR" dirty="0">
+                <a:solidFill>
+                  <a:srgbClr val="A31515"/>
+                </a:solidFill>
+                <a:latin typeface="DM Mono" panose="020B0509040201040103" pitchFamily="49" charset="0"/>
+              </a:rPr>
+              <a:t>n"</a:t>
+            </a:r>
+            <a:r>
+              <a:rPr lang="en" altLang="ko-Kore-KR" dirty="0">
+                <a:solidFill>
+                  <a:srgbClr val="000000"/>
+                </a:solidFill>
+                <a:latin typeface="DM Mono" panose="020B0509040201040103" pitchFamily="49" charset="0"/>
+              </a:rPr>
+              <a:t>);</a:t>
+            </a:r>
+          </a:p>
+          <a:p>
+            <a:r>
+              <a:rPr lang="en" altLang="ko-Kore-KR" dirty="0">
+                <a:solidFill>
+                  <a:srgbClr val="000000"/>
+                </a:solidFill>
+                <a:latin typeface="DM Mono" panose="020B0509040201040103" pitchFamily="49" charset="0"/>
+              </a:rPr>
+              <a:t>}</a:t>
+            </a:r>
+            <a:endParaRPr lang="en" altLang="ko-Kore-KR" b="0" dirty="0">
+              <a:solidFill>
+                <a:srgbClr val="000000"/>
+              </a:solidFill>
+              <a:effectLst/>
+              <a:latin typeface="DM Mono" panose="020B0509040201040103" pitchFamily="49" charset="0"/>
+            </a:endParaRPr>
+          </a:p>
+        </p:txBody>
+      </p:sp>
+      <p:sp>
+        <p:nvSpPr>
+          <p:cNvPr id="29" name="직사각형 28">
+            <a:extLst>
+              <a:ext uri="{FF2B5EF4-FFF2-40B4-BE49-F238E27FC236}">
+                <a16:creationId xmlns:a16="http://schemas.microsoft.com/office/drawing/2014/main" id="{1C55EDF8-DB1C-CA4A-821A-6B03C98EAC77}"/>
+              </a:ext>
+            </a:extLst>
+          </p:cNvPr>
+          <p:cNvSpPr/>
+          <p:nvPr/>
+        </p:nvSpPr>
+        <p:spPr>
+          <a:xfrm>
+            <a:off x="3551780" y="1576417"/>
+            <a:ext cx="620111" cy="630620"/>
+          </a:xfrm>
+          <a:prstGeom prst="rect">
+            <a:avLst/>
+          </a:prstGeom>
+        </p:spPr>
+        <p:style>
+          <a:lnRef idx="2">
+            <a:schemeClr val="dk1"/>
+          </a:lnRef>
+          <a:fillRef idx="1">
+            <a:schemeClr val="lt1"/>
+          </a:fillRef>
+          <a:effectRef idx="0">
+            <a:schemeClr val="dk1"/>
+          </a:effectRef>
+          <a:fontRef idx="minor">
+            <a:schemeClr val="dk1"/>
+          </a:fontRef>
+        </p:style>
+        <p:txBody>
+          <a:bodyPr rtlCol="0" anchor="ctr"/>
+          <a:lstStyle/>
+          <a:p>
+            <a:pPr algn="ctr"/>
+            <a:r>
+              <a:rPr kumimoji="1" lang="en-US" altLang="ko-Kore-KR" sz="1600" dirty="0"/>
+              <a:t>o</a:t>
+            </a:r>
+            <a:endParaRPr kumimoji="1" lang="ko-Kore-KR" altLang="en-US" sz="1600" dirty="0"/>
+          </a:p>
+        </p:txBody>
+      </p:sp>
+      <p:sp>
+        <p:nvSpPr>
+          <p:cNvPr id="30" name="직사각형 29">
+            <a:extLst>
+              <a:ext uri="{FF2B5EF4-FFF2-40B4-BE49-F238E27FC236}">
+                <a16:creationId xmlns:a16="http://schemas.microsoft.com/office/drawing/2014/main" id="{E46FC503-794F-9944-A629-3FD3391AE377}"/>
+              </a:ext>
+            </a:extLst>
+          </p:cNvPr>
+          <p:cNvSpPr/>
+          <p:nvPr/>
+        </p:nvSpPr>
+        <p:spPr>
+          <a:xfrm>
+            <a:off x="4137176" y="1576417"/>
+            <a:ext cx="620111" cy="630620"/>
+          </a:xfrm>
+          <a:prstGeom prst="rect">
+            <a:avLst/>
+          </a:prstGeom>
+        </p:spPr>
+        <p:style>
+          <a:lnRef idx="2">
+            <a:schemeClr val="dk1"/>
+          </a:lnRef>
+          <a:fillRef idx="1">
+            <a:schemeClr val="lt1"/>
+          </a:fillRef>
+          <a:effectRef idx="0">
+            <a:schemeClr val="dk1"/>
+          </a:effectRef>
+          <a:fontRef idx="minor">
+            <a:schemeClr val="dk1"/>
+          </a:fontRef>
+        </p:style>
+        <p:txBody>
+          <a:bodyPr rtlCol="0" anchor="ctr"/>
+          <a:lstStyle/>
+          <a:p>
+            <a:pPr algn="ctr"/>
+            <a:r>
+              <a:rPr kumimoji="1" lang="en-US" altLang="ko-Kore-KR" sz="1600" dirty="0"/>
+              <a:t>\0</a:t>
+            </a:r>
+            <a:endParaRPr kumimoji="1" lang="ko-Kore-KR" altLang="en-US" sz="1600" dirty="0"/>
+          </a:p>
+        </p:txBody>
+      </p:sp>
+      <p:sp>
+        <p:nvSpPr>
+          <p:cNvPr id="31" name="직사각형 30">
+            <a:extLst>
+              <a:ext uri="{FF2B5EF4-FFF2-40B4-BE49-F238E27FC236}">
+                <a16:creationId xmlns:a16="http://schemas.microsoft.com/office/drawing/2014/main" id="{CEB59DC5-0CC0-1542-B9F0-0B6B01C94370}"/>
+              </a:ext>
+            </a:extLst>
+          </p:cNvPr>
+          <p:cNvSpPr/>
+          <p:nvPr/>
+        </p:nvSpPr>
+        <p:spPr>
+          <a:xfrm>
+            <a:off x="1071336" y="2696116"/>
+            <a:ext cx="620111" cy="630620"/>
+          </a:xfrm>
+          <a:prstGeom prst="rect">
+            <a:avLst/>
+          </a:prstGeom>
+        </p:spPr>
+        <p:style>
+          <a:lnRef idx="2">
+            <a:schemeClr val="dk1"/>
+          </a:lnRef>
+          <a:fillRef idx="1">
+            <a:schemeClr val="lt1"/>
+          </a:fillRef>
+          <a:effectRef idx="0">
+            <a:schemeClr val="dk1"/>
+          </a:effectRef>
+          <a:fontRef idx="minor">
+            <a:schemeClr val="dk1"/>
+          </a:fontRef>
+        </p:style>
+        <p:txBody>
+          <a:bodyPr rtlCol="0" anchor="ctr"/>
+          <a:lstStyle/>
+          <a:p>
+            <a:pPr algn="ctr"/>
+            <a:r>
+              <a:rPr kumimoji="1" lang="en-US" altLang="ko-Kore-KR" sz="1600" dirty="0"/>
+              <a:t>h</a:t>
+            </a:r>
+            <a:endParaRPr kumimoji="1" lang="ko-Kore-KR" altLang="en-US" sz="1600" dirty="0"/>
+          </a:p>
+        </p:txBody>
+      </p:sp>
+      <p:sp>
+        <p:nvSpPr>
+          <p:cNvPr id="32" name="직사각형 31">
+            <a:extLst>
+              <a:ext uri="{FF2B5EF4-FFF2-40B4-BE49-F238E27FC236}">
+                <a16:creationId xmlns:a16="http://schemas.microsoft.com/office/drawing/2014/main" id="{04B06282-CF76-4E49-BC52-4B5A7BEA0A3A}"/>
+              </a:ext>
+            </a:extLst>
+          </p:cNvPr>
+          <p:cNvSpPr/>
+          <p:nvPr/>
+        </p:nvSpPr>
+        <p:spPr>
+          <a:xfrm>
+            <a:off x="1691447" y="2696116"/>
+            <a:ext cx="620111" cy="630620"/>
+          </a:xfrm>
+          <a:prstGeom prst="rect">
+            <a:avLst/>
+          </a:prstGeom>
+        </p:spPr>
+        <p:style>
+          <a:lnRef idx="2">
+            <a:schemeClr val="dk1"/>
+          </a:lnRef>
+          <a:fillRef idx="1">
+            <a:schemeClr val="lt1"/>
+          </a:fillRef>
+          <a:effectRef idx="0">
+            <a:schemeClr val="dk1"/>
+          </a:effectRef>
+          <a:fontRef idx="minor">
+            <a:schemeClr val="dk1"/>
+          </a:fontRef>
+        </p:style>
+        <p:txBody>
+          <a:bodyPr rtlCol="0" anchor="ctr"/>
+          <a:lstStyle/>
+          <a:p>
+            <a:pPr algn="ctr"/>
+            <a:r>
+              <a:rPr kumimoji="1" lang="en-US" altLang="ko-Kore-KR" sz="1600" dirty="0"/>
+              <a:t>e</a:t>
+            </a:r>
+            <a:endParaRPr kumimoji="1" lang="ko-Kore-KR" altLang="en-US" sz="1600" dirty="0"/>
+          </a:p>
+        </p:txBody>
+      </p:sp>
+      <p:sp>
+        <p:nvSpPr>
+          <p:cNvPr id="33" name="직사각형 32">
+            <a:extLst>
+              <a:ext uri="{FF2B5EF4-FFF2-40B4-BE49-F238E27FC236}">
+                <a16:creationId xmlns:a16="http://schemas.microsoft.com/office/drawing/2014/main" id="{771590DE-A7FC-A04B-AF01-4A5A432537C4}"/>
+              </a:ext>
+            </a:extLst>
+          </p:cNvPr>
+          <p:cNvSpPr/>
+          <p:nvPr/>
+        </p:nvSpPr>
+        <p:spPr>
+          <a:xfrm>
+            <a:off x="1046147" y="2326784"/>
+            <a:ext cx="460382" cy="369332"/>
+          </a:xfrm>
+          <a:prstGeom prst="rect">
+            <a:avLst/>
+          </a:prstGeom>
+        </p:spPr>
+        <p:txBody>
+          <a:bodyPr wrap="none">
+            <a:spAutoFit/>
+          </a:bodyPr>
+          <a:lstStyle/>
+          <a:p>
+            <a:r>
+              <a:rPr lang="en" altLang="ko-Kore-KR" dirty="0">
+                <a:solidFill>
+                  <a:srgbClr val="000000"/>
+                </a:solidFill>
+                <a:latin typeface="DM Mono" panose="020B0509040201040103" pitchFamily="49" charset="0"/>
+              </a:rPr>
+              <a:t>s2</a:t>
+            </a:r>
+            <a:endParaRPr lang="ko-Kore-KR" altLang="en-US" dirty="0"/>
+          </a:p>
+        </p:txBody>
+      </p:sp>
+      <p:sp>
+        <p:nvSpPr>
+          <p:cNvPr id="34" name="직사각형 33">
+            <a:extLst>
+              <a:ext uri="{FF2B5EF4-FFF2-40B4-BE49-F238E27FC236}">
+                <a16:creationId xmlns:a16="http://schemas.microsoft.com/office/drawing/2014/main" id="{B8F3ACE4-637A-FD46-BE1B-DA9D945B9F08}"/>
+              </a:ext>
+            </a:extLst>
+          </p:cNvPr>
+          <p:cNvSpPr/>
+          <p:nvPr/>
+        </p:nvSpPr>
+        <p:spPr>
+          <a:xfrm>
+            <a:off x="2311558" y="2696116"/>
+            <a:ext cx="620111" cy="630620"/>
+          </a:xfrm>
+          <a:prstGeom prst="rect">
+            <a:avLst/>
+          </a:prstGeom>
+        </p:spPr>
+        <p:style>
+          <a:lnRef idx="2">
+            <a:schemeClr val="dk1"/>
+          </a:lnRef>
+          <a:fillRef idx="1">
+            <a:schemeClr val="lt1"/>
+          </a:fillRef>
+          <a:effectRef idx="0">
+            <a:schemeClr val="dk1"/>
+          </a:effectRef>
+          <a:fontRef idx="minor">
+            <a:schemeClr val="dk1"/>
+          </a:fontRef>
+        </p:style>
+        <p:txBody>
+          <a:bodyPr rtlCol="0" anchor="ctr"/>
+          <a:lstStyle/>
+          <a:p>
+            <a:pPr algn="ctr"/>
+            <a:r>
+              <a:rPr kumimoji="1" lang="en-US" altLang="ko-Kore-KR" sz="1600" dirty="0"/>
+              <a:t>l</a:t>
+            </a:r>
+            <a:endParaRPr kumimoji="1" lang="ko-Kore-KR" altLang="en-US" sz="1600" dirty="0"/>
+          </a:p>
+        </p:txBody>
+      </p:sp>
+      <p:sp>
+        <p:nvSpPr>
+          <p:cNvPr id="35" name="직사각형 34">
+            <a:extLst>
+              <a:ext uri="{FF2B5EF4-FFF2-40B4-BE49-F238E27FC236}">
+                <a16:creationId xmlns:a16="http://schemas.microsoft.com/office/drawing/2014/main" id="{9C6009E5-E631-0246-9D55-98B1622B92E8}"/>
+              </a:ext>
+            </a:extLst>
+          </p:cNvPr>
+          <p:cNvSpPr/>
+          <p:nvPr/>
+        </p:nvSpPr>
+        <p:spPr>
+          <a:xfrm>
+            <a:off x="2931669" y="2696116"/>
+            <a:ext cx="620111" cy="630620"/>
+          </a:xfrm>
+          <a:prstGeom prst="rect">
+            <a:avLst/>
+          </a:prstGeom>
+        </p:spPr>
+        <p:style>
+          <a:lnRef idx="2">
+            <a:schemeClr val="dk1"/>
+          </a:lnRef>
+          <a:fillRef idx="1">
+            <a:schemeClr val="lt1"/>
+          </a:fillRef>
+          <a:effectRef idx="0">
+            <a:schemeClr val="dk1"/>
+          </a:effectRef>
+          <a:fontRef idx="minor">
+            <a:schemeClr val="dk1"/>
+          </a:fontRef>
+        </p:style>
+        <p:txBody>
+          <a:bodyPr rtlCol="0" anchor="ctr"/>
+          <a:lstStyle/>
+          <a:p>
+            <a:pPr algn="ctr"/>
+            <a:r>
+              <a:rPr kumimoji="1" lang="en-US" altLang="ko-Kore-KR" sz="1600" dirty="0"/>
+              <a:t>l</a:t>
+            </a:r>
+            <a:endParaRPr kumimoji="1" lang="ko-Kore-KR" altLang="en-US" sz="1600" dirty="0"/>
+          </a:p>
+        </p:txBody>
+      </p:sp>
+      <p:sp>
+        <p:nvSpPr>
+          <p:cNvPr id="36" name="직사각형 35">
+            <a:extLst>
+              <a:ext uri="{FF2B5EF4-FFF2-40B4-BE49-F238E27FC236}">
+                <a16:creationId xmlns:a16="http://schemas.microsoft.com/office/drawing/2014/main" id="{B61CE05D-E329-3447-BE36-90B034238252}"/>
+              </a:ext>
+            </a:extLst>
+          </p:cNvPr>
+          <p:cNvSpPr/>
+          <p:nvPr/>
+        </p:nvSpPr>
+        <p:spPr>
+          <a:xfrm>
+            <a:off x="3551780" y="2696116"/>
+            <a:ext cx="620111" cy="630620"/>
+          </a:xfrm>
+          <a:prstGeom prst="rect">
+            <a:avLst/>
+          </a:prstGeom>
+        </p:spPr>
+        <p:style>
+          <a:lnRef idx="2">
+            <a:schemeClr val="dk1"/>
+          </a:lnRef>
+          <a:fillRef idx="1">
+            <a:schemeClr val="lt1"/>
+          </a:fillRef>
+          <a:effectRef idx="0">
+            <a:schemeClr val="dk1"/>
+          </a:effectRef>
+          <a:fontRef idx="minor">
+            <a:schemeClr val="dk1"/>
+          </a:fontRef>
+        </p:style>
+        <p:txBody>
+          <a:bodyPr rtlCol="0" anchor="ctr"/>
+          <a:lstStyle/>
+          <a:p>
+            <a:pPr algn="ctr"/>
+            <a:r>
+              <a:rPr kumimoji="1" lang="en-US" altLang="ko-Kore-KR" sz="1600" dirty="0"/>
+              <a:t>o</a:t>
+            </a:r>
+            <a:endParaRPr kumimoji="1" lang="ko-Kore-KR" altLang="en-US" sz="1600" dirty="0"/>
+          </a:p>
+        </p:txBody>
+      </p:sp>
+      <p:sp>
+        <p:nvSpPr>
+          <p:cNvPr id="37" name="직사각형 36">
+            <a:extLst>
+              <a:ext uri="{FF2B5EF4-FFF2-40B4-BE49-F238E27FC236}">
+                <a16:creationId xmlns:a16="http://schemas.microsoft.com/office/drawing/2014/main" id="{1891DEAA-0E1A-3949-9FBA-C3A045B0ABBE}"/>
+              </a:ext>
+            </a:extLst>
+          </p:cNvPr>
+          <p:cNvSpPr/>
+          <p:nvPr/>
+        </p:nvSpPr>
+        <p:spPr>
+          <a:xfrm>
+            <a:off x="4137176" y="2696116"/>
+            <a:ext cx="620111" cy="630620"/>
+          </a:xfrm>
+          <a:prstGeom prst="rect">
+            <a:avLst/>
+          </a:prstGeom>
+        </p:spPr>
+        <p:style>
+          <a:lnRef idx="2">
+            <a:schemeClr val="dk1"/>
+          </a:lnRef>
+          <a:fillRef idx="1">
+            <a:schemeClr val="lt1"/>
+          </a:fillRef>
+          <a:effectRef idx="0">
+            <a:schemeClr val="dk1"/>
+          </a:effectRef>
+          <a:fontRef idx="minor">
+            <a:schemeClr val="dk1"/>
+          </a:fontRef>
+        </p:style>
+        <p:txBody>
+          <a:bodyPr rtlCol="0" anchor="ctr"/>
+          <a:lstStyle/>
+          <a:p>
+            <a:pPr algn="ctr"/>
+            <a:r>
+              <a:rPr kumimoji="1" lang="en-US" altLang="ko-Kore-KR" sz="1600" dirty="0"/>
+              <a:t>\0</a:t>
+            </a:r>
+            <a:endParaRPr kumimoji="1" lang="ko-Kore-KR" altLang="en-US" sz="1600" dirty="0"/>
+          </a:p>
+        </p:txBody>
+      </p:sp>
+    </p:spTree>
+    <p:extLst>
+      <p:ext uri="{BB962C8B-B14F-4D97-AF65-F5344CB8AC3E}">
+        <p14:creationId xmlns:p14="http://schemas.microsoft.com/office/powerpoint/2010/main" val="1965336633"/>
+      </p:ext>
+    </p:extLst>
+  </p:cSld>
+  <p:clrMapOvr>
+    <a:masterClrMapping/>
+  </p:clrMapOvr>
+</p:sld>
+</file>
+
+<file path=ppt/slides/slide15.xml><?xml version="1.0" encoding="utf-8"?>
+<p:sld xmlns:a="http://schemas.openxmlformats.org/drawingml/2006/main" xmlns:r="http://schemas.openxmlformats.org/officeDocument/2006/relationships" xmlns:p="http://schemas.openxmlformats.org/presentationml/2006/main">
+  <p:cSld>
+    <p:spTree>
+      <p:nvGrpSpPr>
+        <p:cNvPr id="1" name=""/>
+        <p:cNvGrpSpPr/>
+        <p:nvPr/>
+      </p:nvGrpSpPr>
+      <p:grpSpPr>
+        <a:xfrm>
+          <a:off x="0" y="0"/>
+          <a:ext cx="0" cy="0"/>
+          <a:chOff x="0" y="0"/>
+          <a:chExt cx="0" cy="0"/>
+        </a:xfrm>
+      </p:grpSpPr>
+      <p:sp>
+        <p:nvSpPr>
+          <p:cNvPr id="20" name="직사각형 19">
+            <a:extLst>
+              <a:ext uri="{FF2B5EF4-FFF2-40B4-BE49-F238E27FC236}">
+                <a16:creationId xmlns:a16="http://schemas.microsoft.com/office/drawing/2014/main" id="{9E4FA7DF-C455-8D42-A463-2AA7DD3CB4E0}"/>
+              </a:ext>
+            </a:extLst>
+          </p:cNvPr>
+          <p:cNvSpPr/>
+          <p:nvPr/>
+        </p:nvSpPr>
+        <p:spPr>
+          <a:xfrm>
+            <a:off x="969559" y="944118"/>
+            <a:ext cx="3950063" cy="2781496"/>
+          </a:xfrm>
+          <a:prstGeom prst="rect">
+            <a:avLst/>
+          </a:prstGeom>
+        </p:spPr>
+        <p:style>
+          <a:lnRef idx="2">
+            <a:schemeClr val="dk1"/>
+          </a:lnRef>
+          <a:fillRef idx="1">
+            <a:schemeClr val="lt1"/>
+          </a:fillRef>
+          <a:effectRef idx="0">
+            <a:schemeClr val="dk1"/>
+          </a:effectRef>
+          <a:fontRef idx="minor">
+            <a:schemeClr val="dk1"/>
+          </a:fontRef>
+        </p:style>
+        <p:txBody>
+          <a:bodyPr rtlCol="0" anchor="ctr"/>
+          <a:lstStyle/>
+          <a:p>
+            <a:pPr algn="ctr"/>
+            <a:endParaRPr kumimoji="1" lang="ko-Kore-KR" altLang="en-US" dirty="0"/>
+          </a:p>
+        </p:txBody>
+      </p:sp>
+      <p:sp>
+        <p:nvSpPr>
+          <p:cNvPr id="21" name="직사각형 20">
+            <a:extLst>
+              <a:ext uri="{FF2B5EF4-FFF2-40B4-BE49-F238E27FC236}">
+                <a16:creationId xmlns:a16="http://schemas.microsoft.com/office/drawing/2014/main" id="{30B4AA3A-86F1-7441-BCA8-99F1B569937B}"/>
+              </a:ext>
+            </a:extLst>
+          </p:cNvPr>
+          <p:cNvSpPr/>
+          <p:nvPr/>
+        </p:nvSpPr>
+        <p:spPr>
+          <a:xfrm>
+            <a:off x="139400" y="1039255"/>
+            <a:ext cx="736099" cy="369332"/>
+          </a:xfrm>
+          <a:prstGeom prst="rect">
+            <a:avLst/>
+          </a:prstGeom>
+        </p:spPr>
+        <p:txBody>
+          <a:bodyPr wrap="none">
+            <a:spAutoFit/>
+          </a:bodyPr>
+          <a:lstStyle/>
+          <a:p>
+            <a:r>
+              <a:rPr lang="en" altLang="ko-Kore-KR" b="0" dirty="0">
+                <a:solidFill>
+                  <a:srgbClr val="000000"/>
+                </a:solidFill>
+                <a:effectLst/>
+                <a:latin typeface="DM Mono" panose="020B0509040201040103" pitchFamily="49" charset="0"/>
+              </a:rPr>
+              <a:t>main</a:t>
+            </a:r>
+            <a:endParaRPr lang="ko-Kore-KR" altLang="en-US" dirty="0"/>
+          </a:p>
+        </p:txBody>
+      </p:sp>
+      <p:sp>
+        <p:nvSpPr>
+          <p:cNvPr id="6" name="직사각형 5">
+            <a:extLst>
+              <a:ext uri="{FF2B5EF4-FFF2-40B4-BE49-F238E27FC236}">
+                <a16:creationId xmlns:a16="http://schemas.microsoft.com/office/drawing/2014/main" id="{77104849-6176-2D49-9204-39F0A32F6321}"/>
+              </a:ext>
+            </a:extLst>
+          </p:cNvPr>
+          <p:cNvSpPr/>
+          <p:nvPr/>
+        </p:nvSpPr>
+        <p:spPr>
+          <a:xfrm>
+            <a:off x="1071336" y="1576417"/>
+            <a:ext cx="620111" cy="630620"/>
+          </a:xfrm>
+          <a:prstGeom prst="rect">
+            <a:avLst/>
+          </a:prstGeom>
+        </p:spPr>
+        <p:style>
+          <a:lnRef idx="2">
+            <a:schemeClr val="dk1"/>
+          </a:lnRef>
+          <a:fillRef idx="1">
+            <a:schemeClr val="lt1"/>
+          </a:fillRef>
+          <a:effectRef idx="0">
+            <a:schemeClr val="dk1"/>
+          </a:effectRef>
+          <a:fontRef idx="minor">
+            <a:schemeClr val="dk1"/>
+          </a:fontRef>
+        </p:style>
+        <p:txBody>
+          <a:bodyPr rtlCol="0" anchor="ctr"/>
+          <a:lstStyle/>
+          <a:p>
+            <a:pPr algn="ctr"/>
+            <a:endParaRPr kumimoji="1" lang="ko-Kore-KR" altLang="en-US" sz="1600" dirty="0"/>
+          </a:p>
+        </p:txBody>
+      </p:sp>
+      <p:sp>
+        <p:nvSpPr>
+          <p:cNvPr id="12" name="직사각형 11">
+            <a:extLst>
+              <a:ext uri="{FF2B5EF4-FFF2-40B4-BE49-F238E27FC236}">
+                <a16:creationId xmlns:a16="http://schemas.microsoft.com/office/drawing/2014/main" id="{1AE101B4-2891-6B41-B19E-E369CF1619FE}"/>
+              </a:ext>
+            </a:extLst>
+          </p:cNvPr>
+          <p:cNvSpPr/>
+          <p:nvPr/>
+        </p:nvSpPr>
+        <p:spPr>
+          <a:xfrm>
+            <a:off x="1046147" y="1207085"/>
+            <a:ext cx="460382" cy="369332"/>
+          </a:xfrm>
+          <a:prstGeom prst="rect">
+            <a:avLst/>
+          </a:prstGeom>
+        </p:spPr>
+        <p:txBody>
+          <a:bodyPr wrap="none">
+            <a:spAutoFit/>
+          </a:bodyPr>
+          <a:lstStyle/>
+          <a:p>
+            <a:r>
+              <a:rPr lang="en" altLang="ko-Kore-KR" dirty="0">
+                <a:solidFill>
+                  <a:srgbClr val="000000"/>
+                </a:solidFill>
+                <a:latin typeface="DM Mono" panose="020B0509040201040103" pitchFamily="49" charset="0"/>
+              </a:rPr>
+              <a:t>s1</a:t>
+            </a:r>
+            <a:endParaRPr lang="ko-Kore-KR" altLang="en-US" dirty="0"/>
+          </a:p>
+        </p:txBody>
+      </p:sp>
+      <p:sp>
+        <p:nvSpPr>
+          <p:cNvPr id="22" name="직사각형 21">
+            <a:extLst>
+              <a:ext uri="{FF2B5EF4-FFF2-40B4-BE49-F238E27FC236}">
+                <a16:creationId xmlns:a16="http://schemas.microsoft.com/office/drawing/2014/main" id="{7E156A51-FE24-7D47-A0E5-1EBD9628ACCF}"/>
+              </a:ext>
+            </a:extLst>
+          </p:cNvPr>
+          <p:cNvSpPr/>
+          <p:nvPr/>
+        </p:nvSpPr>
+        <p:spPr>
+          <a:xfrm>
+            <a:off x="5535811" y="352297"/>
+            <a:ext cx="2890346" cy="2112579"/>
+          </a:xfrm>
+          <a:prstGeom prst="rect">
+            <a:avLst/>
+          </a:prstGeom>
+        </p:spPr>
+        <p:style>
+          <a:lnRef idx="2">
+            <a:schemeClr val="dk1"/>
+          </a:lnRef>
+          <a:fillRef idx="1">
+            <a:schemeClr val="lt1"/>
+          </a:fillRef>
+          <a:effectRef idx="0">
+            <a:schemeClr val="dk1"/>
+          </a:effectRef>
+          <a:fontRef idx="minor">
+            <a:schemeClr val="dk1"/>
+          </a:fontRef>
+        </p:style>
+        <p:txBody>
+          <a:bodyPr rtlCol="0" anchor="ctr"/>
+          <a:lstStyle/>
+          <a:p>
+            <a:pPr algn="ctr"/>
+            <a:endParaRPr kumimoji="1" lang="ko-Kore-KR" altLang="en-US" dirty="0"/>
+          </a:p>
+        </p:txBody>
+      </p:sp>
+      <p:sp>
+        <p:nvSpPr>
+          <p:cNvPr id="23" name="직사각형 22">
+            <a:extLst>
+              <a:ext uri="{FF2B5EF4-FFF2-40B4-BE49-F238E27FC236}">
+                <a16:creationId xmlns:a16="http://schemas.microsoft.com/office/drawing/2014/main" id="{3A6E3EAC-E0A9-FD43-BBA5-483AB5FA1D57}"/>
+              </a:ext>
+            </a:extLst>
+          </p:cNvPr>
+          <p:cNvSpPr/>
+          <p:nvPr/>
+        </p:nvSpPr>
+        <p:spPr>
+          <a:xfrm>
+            <a:off x="5441750" y="0"/>
+            <a:ext cx="5811206" cy="369332"/>
+          </a:xfrm>
+          <a:prstGeom prst="rect">
+            <a:avLst/>
+          </a:prstGeom>
+        </p:spPr>
+        <p:txBody>
+          <a:bodyPr wrap="none">
+            <a:spAutoFit/>
+          </a:bodyPr>
+          <a:lstStyle/>
+          <a:p>
+            <a:r>
+              <a:rPr lang="ko-KR" altLang="en-US" dirty="0">
+                <a:solidFill>
+                  <a:srgbClr val="000000"/>
+                </a:solidFill>
+                <a:latin typeface="DM Mono" panose="020B0509040201040103" pitchFamily="49" charset="0"/>
+              </a:rPr>
+              <a:t>문자열 테이블</a:t>
+            </a:r>
+            <a:r>
+              <a:rPr lang="en-US" altLang="ko-KR" dirty="0">
+                <a:solidFill>
+                  <a:srgbClr val="000000"/>
+                </a:solidFill>
+                <a:latin typeface="DM Mono" panose="020B0509040201040103" pitchFamily="49" charset="0"/>
+              </a:rPr>
+              <a:t>(</a:t>
+            </a:r>
+            <a:r>
+              <a:rPr lang="ko-KR" altLang="en-US" dirty="0">
+                <a:solidFill>
+                  <a:srgbClr val="000000"/>
+                </a:solidFill>
+                <a:latin typeface="DM Mono" panose="020B0509040201040103" pitchFamily="49" charset="0"/>
+              </a:rPr>
+              <a:t>읽기만 가능합니다</a:t>
+            </a:r>
+            <a:r>
+              <a:rPr lang="en-US" altLang="ko-KR" dirty="0">
+                <a:solidFill>
+                  <a:srgbClr val="000000"/>
+                </a:solidFill>
+                <a:latin typeface="DM Mono" panose="020B0509040201040103" pitchFamily="49" charset="0"/>
+              </a:rPr>
+              <a:t>.</a:t>
+            </a:r>
+            <a:r>
+              <a:rPr lang="ko-KR" altLang="en-US" dirty="0">
+                <a:solidFill>
+                  <a:srgbClr val="000000"/>
+                </a:solidFill>
+                <a:latin typeface="DM Mono" panose="020B0509040201040103" pitchFamily="49" charset="0"/>
+              </a:rPr>
+              <a:t> </a:t>
+            </a:r>
+            <a:r>
+              <a:rPr lang="en-US" altLang="ko-KR" dirty="0">
+                <a:solidFill>
+                  <a:srgbClr val="000000"/>
+                </a:solidFill>
+                <a:latin typeface="DM Mono" panose="020B0509040201040103" pitchFamily="49" charset="0"/>
+              </a:rPr>
+              <a:t>–</a:t>
+            </a:r>
+            <a:r>
+              <a:rPr lang="ko-KR" altLang="en-US" dirty="0">
+                <a:solidFill>
+                  <a:srgbClr val="000000"/>
+                </a:solidFill>
+                <a:latin typeface="DM Mono" panose="020B0509040201040103" pitchFamily="49" charset="0"/>
+              </a:rPr>
+              <a:t> 상수 메모리</a:t>
+            </a:r>
+            <a:r>
+              <a:rPr lang="en-US" altLang="ko-KR" dirty="0">
+                <a:solidFill>
+                  <a:srgbClr val="000000"/>
+                </a:solidFill>
+                <a:latin typeface="DM Mono" panose="020B0509040201040103" pitchFamily="49" charset="0"/>
+              </a:rPr>
+              <a:t>)</a:t>
+            </a:r>
+            <a:endParaRPr lang="ko-Kore-KR" altLang="en-US" dirty="0"/>
+          </a:p>
+        </p:txBody>
+      </p:sp>
+      <p:sp>
+        <p:nvSpPr>
+          <p:cNvPr id="2" name="직사각형 1">
+            <a:extLst>
+              <a:ext uri="{FF2B5EF4-FFF2-40B4-BE49-F238E27FC236}">
+                <a16:creationId xmlns:a16="http://schemas.microsoft.com/office/drawing/2014/main" id="{DC764382-88AA-C649-A967-559B0FE99A6E}"/>
+              </a:ext>
+            </a:extLst>
+          </p:cNvPr>
+          <p:cNvSpPr/>
+          <p:nvPr/>
+        </p:nvSpPr>
+        <p:spPr>
+          <a:xfrm>
+            <a:off x="5299353" y="3129322"/>
+            <a:ext cx="6096000" cy="2308324"/>
+          </a:xfrm>
+          <a:prstGeom prst="rect">
+            <a:avLst/>
+          </a:prstGeom>
+        </p:spPr>
+        <p:txBody>
+          <a:bodyPr>
+            <a:spAutoFit/>
+          </a:bodyPr>
+          <a:lstStyle/>
+          <a:p>
+            <a:r>
+              <a:rPr lang="en" altLang="ko-Kore-KR" dirty="0">
+                <a:solidFill>
+                  <a:srgbClr val="0000FF"/>
+                </a:solidFill>
+                <a:latin typeface="DM Mono" panose="020B0509040201040103" pitchFamily="49" charset="0"/>
+              </a:rPr>
+              <a:t>const</a:t>
+            </a:r>
+            <a:r>
+              <a:rPr lang="en" altLang="ko-Kore-KR" dirty="0">
+                <a:solidFill>
+                  <a:srgbClr val="000000"/>
+                </a:solidFill>
+                <a:latin typeface="DM Mono" panose="020B0509040201040103" pitchFamily="49" charset="0"/>
+              </a:rPr>
+              <a:t> </a:t>
+            </a:r>
+            <a:r>
+              <a:rPr lang="en" altLang="ko-Kore-KR" dirty="0">
+                <a:solidFill>
+                  <a:srgbClr val="0000FF"/>
+                </a:solidFill>
+                <a:latin typeface="DM Mono" panose="020B0509040201040103" pitchFamily="49" charset="0"/>
+              </a:rPr>
+              <a:t>char</a:t>
+            </a:r>
+            <a:r>
+              <a:rPr lang="en" altLang="ko-Kore-KR" dirty="0">
+                <a:solidFill>
+                  <a:srgbClr val="000000"/>
+                </a:solidFill>
+                <a:latin typeface="DM Mono" panose="020B0509040201040103" pitchFamily="49" charset="0"/>
+              </a:rPr>
+              <a:t>* s1 = </a:t>
+            </a:r>
+            <a:r>
+              <a:rPr lang="en" altLang="ko-Kore-KR" dirty="0">
+                <a:solidFill>
+                  <a:srgbClr val="A31515"/>
+                </a:solidFill>
+                <a:latin typeface="DM Mono" panose="020B0509040201040103" pitchFamily="49" charset="0"/>
+              </a:rPr>
+              <a:t>"hello"</a:t>
+            </a:r>
+            <a:r>
+              <a:rPr lang="en" altLang="ko-Kore-KR" dirty="0">
+                <a:solidFill>
+                  <a:srgbClr val="000000"/>
+                </a:solidFill>
+                <a:latin typeface="DM Mono" panose="020B0509040201040103" pitchFamily="49" charset="0"/>
+              </a:rPr>
+              <a:t>;</a:t>
+            </a:r>
+          </a:p>
+          <a:p>
+            <a:r>
+              <a:rPr lang="en" altLang="ko-Kore-KR" dirty="0">
+                <a:solidFill>
+                  <a:srgbClr val="0000FF"/>
+                </a:solidFill>
+                <a:latin typeface="DM Mono" panose="020B0509040201040103" pitchFamily="49" charset="0"/>
+              </a:rPr>
+              <a:t>const</a:t>
+            </a:r>
+            <a:r>
+              <a:rPr lang="en" altLang="ko-Kore-KR" dirty="0">
+                <a:solidFill>
+                  <a:srgbClr val="000000"/>
+                </a:solidFill>
+                <a:latin typeface="DM Mono" panose="020B0509040201040103" pitchFamily="49" charset="0"/>
+              </a:rPr>
+              <a:t> </a:t>
+            </a:r>
+            <a:r>
+              <a:rPr lang="en" altLang="ko-Kore-KR" dirty="0">
+                <a:solidFill>
+                  <a:srgbClr val="0000FF"/>
+                </a:solidFill>
+                <a:latin typeface="DM Mono" panose="020B0509040201040103" pitchFamily="49" charset="0"/>
+              </a:rPr>
+              <a:t>char</a:t>
+            </a:r>
+            <a:r>
+              <a:rPr lang="en" altLang="ko-Kore-KR" dirty="0">
+                <a:solidFill>
+                  <a:srgbClr val="000000"/>
+                </a:solidFill>
+                <a:latin typeface="DM Mono" panose="020B0509040201040103" pitchFamily="49" charset="0"/>
+              </a:rPr>
+              <a:t>* s2 = </a:t>
+            </a:r>
+            <a:r>
+              <a:rPr lang="en" altLang="ko-Kore-KR" dirty="0">
+                <a:solidFill>
+                  <a:srgbClr val="A31515"/>
+                </a:solidFill>
+                <a:latin typeface="DM Mono" panose="020B0509040201040103" pitchFamily="49" charset="0"/>
+              </a:rPr>
+              <a:t>"hello"</a:t>
+            </a:r>
+            <a:r>
+              <a:rPr lang="en" altLang="ko-Kore-KR" dirty="0">
+                <a:solidFill>
+                  <a:srgbClr val="000000"/>
+                </a:solidFill>
+                <a:latin typeface="DM Mono" panose="020B0509040201040103" pitchFamily="49" charset="0"/>
+              </a:rPr>
+              <a:t>;</a:t>
+            </a:r>
+          </a:p>
+          <a:p>
+            <a:br>
+              <a:rPr lang="en" altLang="ko-Kore-KR" dirty="0">
+                <a:solidFill>
+                  <a:srgbClr val="000000"/>
+                </a:solidFill>
+                <a:latin typeface="DM Mono" panose="020B0509040201040103" pitchFamily="49" charset="0"/>
+              </a:rPr>
+            </a:br>
+            <a:r>
+              <a:rPr lang="en" altLang="ko-Kore-KR" dirty="0">
+                <a:solidFill>
+                  <a:srgbClr val="0000FF"/>
+                </a:solidFill>
+                <a:latin typeface="DM Mono" panose="020B0509040201040103" pitchFamily="49" charset="0"/>
+              </a:rPr>
+              <a:t>if</a:t>
+            </a:r>
+            <a:r>
+              <a:rPr lang="en" altLang="ko-Kore-KR" dirty="0">
+                <a:solidFill>
+                  <a:srgbClr val="000000"/>
+                </a:solidFill>
+                <a:latin typeface="DM Mono" panose="020B0509040201040103" pitchFamily="49" charset="0"/>
+              </a:rPr>
+              <a:t> (s1 == s2) {</a:t>
+            </a:r>
+          </a:p>
+          <a:p>
+            <a:r>
+              <a:rPr lang="en" altLang="ko-Kore-KR" dirty="0" err="1">
+                <a:solidFill>
+                  <a:srgbClr val="000000"/>
+                </a:solidFill>
+                <a:latin typeface="DM Mono" panose="020B0509040201040103" pitchFamily="49" charset="0"/>
+              </a:rPr>
+              <a:t>printf</a:t>
+            </a:r>
+            <a:r>
+              <a:rPr lang="en" altLang="ko-Kore-KR" dirty="0">
+                <a:solidFill>
+                  <a:srgbClr val="000000"/>
+                </a:solidFill>
+                <a:latin typeface="DM Mono" panose="020B0509040201040103" pitchFamily="49" charset="0"/>
+              </a:rPr>
+              <a:t>(</a:t>
+            </a:r>
+            <a:r>
+              <a:rPr lang="en" altLang="ko-Kore-KR" dirty="0">
+                <a:solidFill>
+                  <a:srgbClr val="A31515"/>
+                </a:solidFill>
+                <a:latin typeface="DM Mono" panose="020B0509040201040103" pitchFamily="49" charset="0"/>
+              </a:rPr>
+              <a:t>"</a:t>
+            </a:r>
+            <a:r>
+              <a:rPr lang="ko-KR" altLang="en-US" dirty="0">
+                <a:solidFill>
+                  <a:srgbClr val="A31515"/>
+                </a:solidFill>
+                <a:latin typeface="DM Mono" panose="020B0509040201040103" pitchFamily="49" charset="0"/>
+              </a:rPr>
+              <a:t>같은 문자열 입니다</a:t>
+            </a:r>
+            <a:r>
+              <a:rPr lang="en-US" altLang="ko-KR" dirty="0">
+                <a:solidFill>
+                  <a:srgbClr val="A31515"/>
+                </a:solidFill>
+                <a:latin typeface="DM Mono" panose="020B0509040201040103" pitchFamily="49" charset="0"/>
+              </a:rPr>
+              <a:t>..\</a:t>
+            </a:r>
+            <a:r>
+              <a:rPr lang="en" altLang="ko-Kore-KR" dirty="0">
+                <a:solidFill>
+                  <a:srgbClr val="A31515"/>
+                </a:solidFill>
+                <a:latin typeface="DM Mono" panose="020B0509040201040103" pitchFamily="49" charset="0"/>
+              </a:rPr>
+              <a:t>n"</a:t>
+            </a:r>
+            <a:r>
+              <a:rPr lang="en" altLang="ko-Kore-KR" dirty="0">
+                <a:solidFill>
+                  <a:srgbClr val="000000"/>
+                </a:solidFill>
+                <a:latin typeface="DM Mono" panose="020B0509040201040103" pitchFamily="49" charset="0"/>
+              </a:rPr>
+              <a:t>);</a:t>
+            </a:r>
+          </a:p>
+          <a:p>
+            <a:r>
+              <a:rPr lang="en" altLang="ko-Kore-KR" dirty="0">
+                <a:solidFill>
+                  <a:srgbClr val="000000"/>
+                </a:solidFill>
+                <a:latin typeface="DM Mono" panose="020B0509040201040103" pitchFamily="49" charset="0"/>
+              </a:rPr>
+              <a:t>} </a:t>
+            </a:r>
+            <a:r>
+              <a:rPr lang="en" altLang="ko-Kore-KR" dirty="0">
+                <a:solidFill>
+                  <a:srgbClr val="0000FF"/>
+                </a:solidFill>
+                <a:latin typeface="DM Mono" panose="020B0509040201040103" pitchFamily="49" charset="0"/>
+              </a:rPr>
+              <a:t>else</a:t>
+            </a:r>
+            <a:r>
+              <a:rPr lang="en" altLang="ko-Kore-KR" dirty="0">
+                <a:solidFill>
+                  <a:srgbClr val="000000"/>
+                </a:solidFill>
+                <a:latin typeface="DM Mono" panose="020B0509040201040103" pitchFamily="49" charset="0"/>
+              </a:rPr>
+              <a:t> {</a:t>
+            </a:r>
+          </a:p>
+          <a:p>
+            <a:r>
+              <a:rPr lang="en" altLang="ko-Kore-KR" dirty="0" err="1">
+                <a:solidFill>
+                  <a:srgbClr val="000000"/>
+                </a:solidFill>
+                <a:latin typeface="DM Mono" panose="020B0509040201040103" pitchFamily="49" charset="0"/>
+              </a:rPr>
+              <a:t>printf</a:t>
+            </a:r>
+            <a:r>
+              <a:rPr lang="en" altLang="ko-Kore-KR" dirty="0">
+                <a:solidFill>
+                  <a:srgbClr val="000000"/>
+                </a:solidFill>
+                <a:latin typeface="DM Mono" panose="020B0509040201040103" pitchFamily="49" charset="0"/>
+              </a:rPr>
+              <a:t>(</a:t>
+            </a:r>
+            <a:r>
+              <a:rPr lang="en" altLang="ko-Kore-KR" dirty="0">
+                <a:solidFill>
+                  <a:srgbClr val="A31515"/>
+                </a:solidFill>
+                <a:latin typeface="DM Mono" panose="020B0509040201040103" pitchFamily="49" charset="0"/>
+              </a:rPr>
+              <a:t>"</a:t>
+            </a:r>
+            <a:r>
+              <a:rPr lang="ko-KR" altLang="en-US" dirty="0">
+                <a:solidFill>
+                  <a:srgbClr val="A31515"/>
+                </a:solidFill>
+                <a:latin typeface="DM Mono" panose="020B0509040201040103" pitchFamily="49" charset="0"/>
+              </a:rPr>
+              <a:t>다른 문자열 입니다</a:t>
+            </a:r>
+            <a:r>
+              <a:rPr lang="en-US" altLang="ko-KR" dirty="0">
+                <a:solidFill>
+                  <a:srgbClr val="A31515"/>
+                </a:solidFill>
+                <a:latin typeface="DM Mono" panose="020B0509040201040103" pitchFamily="49" charset="0"/>
+              </a:rPr>
+              <a:t>..\</a:t>
+            </a:r>
+            <a:r>
+              <a:rPr lang="en" altLang="ko-Kore-KR" dirty="0">
+                <a:solidFill>
+                  <a:srgbClr val="A31515"/>
+                </a:solidFill>
+                <a:latin typeface="DM Mono" panose="020B0509040201040103" pitchFamily="49" charset="0"/>
+              </a:rPr>
+              <a:t>n"</a:t>
+            </a:r>
+            <a:r>
+              <a:rPr lang="en" altLang="ko-Kore-KR" dirty="0">
+                <a:solidFill>
+                  <a:srgbClr val="000000"/>
+                </a:solidFill>
+                <a:latin typeface="DM Mono" panose="020B0509040201040103" pitchFamily="49" charset="0"/>
+              </a:rPr>
+              <a:t>);</a:t>
+            </a:r>
+          </a:p>
+          <a:p>
+            <a:r>
+              <a:rPr lang="en" altLang="ko-Kore-KR" dirty="0">
+                <a:solidFill>
+                  <a:srgbClr val="000000"/>
+                </a:solidFill>
+                <a:latin typeface="DM Mono" panose="020B0509040201040103" pitchFamily="49" charset="0"/>
+              </a:rPr>
+              <a:t>}</a:t>
+            </a:r>
+          </a:p>
+        </p:txBody>
+      </p:sp>
+      <p:sp>
+        <p:nvSpPr>
+          <p:cNvPr id="31" name="직사각형 30">
+            <a:extLst>
+              <a:ext uri="{FF2B5EF4-FFF2-40B4-BE49-F238E27FC236}">
+                <a16:creationId xmlns:a16="http://schemas.microsoft.com/office/drawing/2014/main" id="{CEB59DC5-0CC0-1542-B9F0-0B6B01C94370}"/>
+              </a:ext>
+            </a:extLst>
+          </p:cNvPr>
+          <p:cNvSpPr/>
+          <p:nvPr/>
+        </p:nvSpPr>
+        <p:spPr>
+          <a:xfrm>
+            <a:off x="1071336" y="2696116"/>
+            <a:ext cx="620111" cy="630620"/>
+          </a:xfrm>
+          <a:prstGeom prst="rect">
+            <a:avLst/>
+          </a:prstGeom>
+        </p:spPr>
+        <p:style>
+          <a:lnRef idx="2">
+            <a:schemeClr val="dk1"/>
+          </a:lnRef>
+          <a:fillRef idx="1">
+            <a:schemeClr val="lt1"/>
+          </a:fillRef>
+          <a:effectRef idx="0">
+            <a:schemeClr val="dk1"/>
+          </a:effectRef>
+          <a:fontRef idx="minor">
+            <a:schemeClr val="dk1"/>
+          </a:fontRef>
+        </p:style>
+        <p:txBody>
+          <a:bodyPr rtlCol="0" anchor="ctr"/>
+          <a:lstStyle/>
+          <a:p>
+            <a:pPr algn="ctr"/>
+            <a:endParaRPr kumimoji="1" lang="ko-Kore-KR" altLang="en-US" sz="1600" dirty="0"/>
+          </a:p>
+        </p:txBody>
+      </p:sp>
+      <p:sp>
+        <p:nvSpPr>
+          <p:cNvPr id="33" name="직사각형 32">
+            <a:extLst>
+              <a:ext uri="{FF2B5EF4-FFF2-40B4-BE49-F238E27FC236}">
+                <a16:creationId xmlns:a16="http://schemas.microsoft.com/office/drawing/2014/main" id="{771590DE-A7FC-A04B-AF01-4A5A432537C4}"/>
+              </a:ext>
+            </a:extLst>
+          </p:cNvPr>
+          <p:cNvSpPr/>
+          <p:nvPr/>
+        </p:nvSpPr>
+        <p:spPr>
+          <a:xfrm>
+            <a:off x="1046147" y="2326784"/>
+            <a:ext cx="460382" cy="369332"/>
+          </a:xfrm>
+          <a:prstGeom prst="rect">
+            <a:avLst/>
+          </a:prstGeom>
+        </p:spPr>
+        <p:txBody>
+          <a:bodyPr wrap="none">
+            <a:spAutoFit/>
+          </a:bodyPr>
+          <a:lstStyle/>
+          <a:p>
+            <a:r>
+              <a:rPr lang="en" altLang="ko-Kore-KR" dirty="0">
+                <a:solidFill>
+                  <a:srgbClr val="000000"/>
+                </a:solidFill>
+                <a:latin typeface="DM Mono" panose="020B0509040201040103" pitchFamily="49" charset="0"/>
+              </a:rPr>
+              <a:t>s2</a:t>
+            </a:r>
+            <a:endParaRPr lang="ko-Kore-KR" altLang="en-US" dirty="0"/>
+          </a:p>
+        </p:txBody>
+      </p:sp>
+      <p:sp>
+        <p:nvSpPr>
+          <p:cNvPr id="24" name="직사각형 23">
+            <a:extLst>
+              <a:ext uri="{FF2B5EF4-FFF2-40B4-BE49-F238E27FC236}">
+                <a16:creationId xmlns:a16="http://schemas.microsoft.com/office/drawing/2014/main" id="{3C6FE9C9-2BEC-C648-90D5-13A26AA21101}"/>
+              </a:ext>
+            </a:extLst>
+          </p:cNvPr>
+          <p:cNvSpPr/>
+          <p:nvPr/>
+        </p:nvSpPr>
+        <p:spPr>
+          <a:xfrm>
+            <a:off x="5773065" y="628808"/>
+            <a:ext cx="620111" cy="630620"/>
+          </a:xfrm>
+          <a:prstGeom prst="rect">
+            <a:avLst/>
+          </a:prstGeom>
+        </p:spPr>
+        <p:style>
+          <a:lnRef idx="2">
+            <a:schemeClr val="dk1"/>
+          </a:lnRef>
+          <a:fillRef idx="1">
+            <a:schemeClr val="lt1"/>
+          </a:fillRef>
+          <a:effectRef idx="0">
+            <a:schemeClr val="dk1"/>
+          </a:effectRef>
+          <a:fontRef idx="minor">
+            <a:schemeClr val="dk1"/>
+          </a:fontRef>
+        </p:style>
+        <p:txBody>
+          <a:bodyPr rtlCol="0" anchor="ctr"/>
+          <a:lstStyle/>
+          <a:p>
+            <a:pPr algn="ctr"/>
+            <a:r>
+              <a:rPr kumimoji="1" lang="en-US" altLang="ko-Kore-KR" sz="1600" dirty="0"/>
+              <a:t>h</a:t>
+            </a:r>
+            <a:endParaRPr kumimoji="1" lang="ko-Kore-KR" altLang="en-US" sz="1600" dirty="0"/>
+          </a:p>
+        </p:txBody>
+      </p:sp>
+      <p:sp>
+        <p:nvSpPr>
+          <p:cNvPr id="25" name="직사각형 24">
+            <a:extLst>
+              <a:ext uri="{FF2B5EF4-FFF2-40B4-BE49-F238E27FC236}">
+                <a16:creationId xmlns:a16="http://schemas.microsoft.com/office/drawing/2014/main" id="{FB71A05C-9DDB-BC4D-9AF8-FE3F067D301E}"/>
+              </a:ext>
+            </a:extLst>
+          </p:cNvPr>
+          <p:cNvSpPr/>
+          <p:nvPr/>
+        </p:nvSpPr>
+        <p:spPr>
+          <a:xfrm>
+            <a:off x="6393176" y="628808"/>
+            <a:ext cx="620111" cy="630620"/>
+          </a:xfrm>
+          <a:prstGeom prst="rect">
+            <a:avLst/>
+          </a:prstGeom>
+        </p:spPr>
+        <p:style>
+          <a:lnRef idx="2">
+            <a:schemeClr val="dk1"/>
+          </a:lnRef>
+          <a:fillRef idx="1">
+            <a:schemeClr val="lt1"/>
+          </a:fillRef>
+          <a:effectRef idx="0">
+            <a:schemeClr val="dk1"/>
+          </a:effectRef>
+          <a:fontRef idx="minor">
+            <a:schemeClr val="dk1"/>
+          </a:fontRef>
+        </p:style>
+        <p:txBody>
+          <a:bodyPr rtlCol="0" anchor="ctr"/>
+          <a:lstStyle/>
+          <a:p>
+            <a:pPr algn="ctr"/>
+            <a:r>
+              <a:rPr kumimoji="1" lang="en-US" altLang="ko-Kore-KR" sz="1600" dirty="0"/>
+              <a:t>e</a:t>
+            </a:r>
+            <a:endParaRPr kumimoji="1" lang="ko-Kore-KR" altLang="en-US" sz="1600" dirty="0"/>
+          </a:p>
+        </p:txBody>
+      </p:sp>
+      <p:sp>
+        <p:nvSpPr>
+          <p:cNvPr id="26" name="직사각형 25">
+            <a:extLst>
+              <a:ext uri="{FF2B5EF4-FFF2-40B4-BE49-F238E27FC236}">
+                <a16:creationId xmlns:a16="http://schemas.microsoft.com/office/drawing/2014/main" id="{1ADAAE9B-671D-B644-B8C6-AD6173225A19}"/>
+              </a:ext>
+            </a:extLst>
+          </p:cNvPr>
+          <p:cNvSpPr/>
+          <p:nvPr/>
+        </p:nvSpPr>
+        <p:spPr>
+          <a:xfrm>
+            <a:off x="7013287" y="628808"/>
+            <a:ext cx="620111" cy="630620"/>
+          </a:xfrm>
+          <a:prstGeom prst="rect">
+            <a:avLst/>
+          </a:prstGeom>
+        </p:spPr>
+        <p:style>
+          <a:lnRef idx="2">
+            <a:schemeClr val="dk1"/>
+          </a:lnRef>
+          <a:fillRef idx="1">
+            <a:schemeClr val="lt1"/>
+          </a:fillRef>
+          <a:effectRef idx="0">
+            <a:schemeClr val="dk1"/>
+          </a:effectRef>
+          <a:fontRef idx="minor">
+            <a:schemeClr val="dk1"/>
+          </a:fontRef>
+        </p:style>
+        <p:txBody>
+          <a:bodyPr rtlCol="0" anchor="ctr"/>
+          <a:lstStyle/>
+          <a:p>
+            <a:pPr algn="ctr"/>
+            <a:r>
+              <a:rPr kumimoji="1" lang="en-US" altLang="ko-Kore-KR" sz="1600" dirty="0"/>
+              <a:t>l</a:t>
+            </a:r>
+            <a:endParaRPr kumimoji="1" lang="ko-Kore-KR" altLang="en-US" sz="1600" dirty="0"/>
+          </a:p>
+        </p:txBody>
+      </p:sp>
+      <p:sp>
+        <p:nvSpPr>
+          <p:cNvPr id="27" name="직사각형 26">
+            <a:extLst>
+              <a:ext uri="{FF2B5EF4-FFF2-40B4-BE49-F238E27FC236}">
+                <a16:creationId xmlns:a16="http://schemas.microsoft.com/office/drawing/2014/main" id="{A1573863-0927-0B4C-93EF-36CC693E8829}"/>
+              </a:ext>
+            </a:extLst>
+          </p:cNvPr>
+          <p:cNvSpPr/>
+          <p:nvPr/>
+        </p:nvSpPr>
+        <p:spPr>
+          <a:xfrm>
+            <a:off x="7633398" y="628808"/>
+            <a:ext cx="620111" cy="630620"/>
+          </a:xfrm>
+          <a:prstGeom prst="rect">
+            <a:avLst/>
+          </a:prstGeom>
+        </p:spPr>
+        <p:style>
+          <a:lnRef idx="2">
+            <a:schemeClr val="dk1"/>
+          </a:lnRef>
+          <a:fillRef idx="1">
+            <a:schemeClr val="lt1"/>
+          </a:fillRef>
+          <a:effectRef idx="0">
+            <a:schemeClr val="dk1"/>
+          </a:effectRef>
+          <a:fontRef idx="minor">
+            <a:schemeClr val="dk1"/>
+          </a:fontRef>
+        </p:style>
+        <p:txBody>
+          <a:bodyPr rtlCol="0" anchor="ctr"/>
+          <a:lstStyle/>
+          <a:p>
+            <a:pPr algn="ctr"/>
+            <a:r>
+              <a:rPr kumimoji="1" lang="en-US" altLang="ko-Kore-KR" sz="1600" dirty="0"/>
+              <a:t>l</a:t>
+            </a:r>
+            <a:endParaRPr kumimoji="1" lang="ko-Kore-KR" altLang="en-US" sz="1600" dirty="0"/>
+          </a:p>
+        </p:txBody>
+      </p:sp>
+      <p:sp>
+        <p:nvSpPr>
+          <p:cNvPr id="28" name="직사각형 27">
+            <a:extLst>
+              <a:ext uri="{FF2B5EF4-FFF2-40B4-BE49-F238E27FC236}">
+                <a16:creationId xmlns:a16="http://schemas.microsoft.com/office/drawing/2014/main" id="{F270F4D3-64C8-704B-8C42-27A236C7E955}"/>
+              </a:ext>
+            </a:extLst>
+          </p:cNvPr>
+          <p:cNvSpPr/>
+          <p:nvPr/>
+        </p:nvSpPr>
+        <p:spPr>
+          <a:xfrm>
+            <a:off x="8253509" y="628808"/>
+            <a:ext cx="620111" cy="630620"/>
+          </a:xfrm>
+          <a:prstGeom prst="rect">
+            <a:avLst/>
+          </a:prstGeom>
+        </p:spPr>
+        <p:style>
+          <a:lnRef idx="2">
+            <a:schemeClr val="dk1"/>
+          </a:lnRef>
+          <a:fillRef idx="1">
+            <a:schemeClr val="lt1"/>
+          </a:fillRef>
+          <a:effectRef idx="0">
+            <a:schemeClr val="dk1"/>
+          </a:effectRef>
+          <a:fontRef idx="minor">
+            <a:schemeClr val="dk1"/>
+          </a:fontRef>
+        </p:style>
+        <p:txBody>
+          <a:bodyPr rtlCol="0" anchor="ctr"/>
+          <a:lstStyle/>
+          <a:p>
+            <a:pPr algn="ctr"/>
+            <a:r>
+              <a:rPr kumimoji="1" lang="en-US" altLang="ko-Kore-KR" sz="1600" dirty="0"/>
+              <a:t>o</a:t>
+            </a:r>
+            <a:endParaRPr kumimoji="1" lang="ko-Kore-KR" altLang="en-US" sz="1600" dirty="0"/>
+          </a:p>
+        </p:txBody>
+      </p:sp>
+      <p:sp>
+        <p:nvSpPr>
+          <p:cNvPr id="38" name="직사각형 37">
+            <a:extLst>
+              <a:ext uri="{FF2B5EF4-FFF2-40B4-BE49-F238E27FC236}">
+                <a16:creationId xmlns:a16="http://schemas.microsoft.com/office/drawing/2014/main" id="{3E6D830C-1DA4-7648-86E1-0988304B5ED0}"/>
+              </a:ext>
+            </a:extLst>
+          </p:cNvPr>
+          <p:cNvSpPr/>
+          <p:nvPr/>
+        </p:nvSpPr>
+        <p:spPr>
+          <a:xfrm>
+            <a:off x="8838905" y="628808"/>
+            <a:ext cx="620111" cy="630620"/>
+          </a:xfrm>
+          <a:prstGeom prst="rect">
+            <a:avLst/>
+          </a:prstGeom>
+        </p:spPr>
+        <p:style>
+          <a:lnRef idx="2">
+            <a:schemeClr val="dk1"/>
+          </a:lnRef>
+          <a:fillRef idx="1">
+            <a:schemeClr val="lt1"/>
+          </a:fillRef>
+          <a:effectRef idx="0">
+            <a:schemeClr val="dk1"/>
+          </a:effectRef>
+          <a:fontRef idx="minor">
+            <a:schemeClr val="dk1"/>
+          </a:fontRef>
+        </p:style>
+        <p:txBody>
+          <a:bodyPr rtlCol="0" anchor="ctr"/>
+          <a:lstStyle/>
+          <a:p>
+            <a:pPr algn="ctr"/>
+            <a:r>
+              <a:rPr kumimoji="1" lang="en-US" altLang="ko-Kore-KR" sz="1600" dirty="0"/>
+              <a:t>\0</a:t>
+            </a:r>
+            <a:endParaRPr kumimoji="1" lang="ko-Kore-KR" altLang="en-US" sz="1600" dirty="0"/>
+          </a:p>
+        </p:txBody>
+      </p:sp>
+      <p:cxnSp>
+        <p:nvCxnSpPr>
+          <p:cNvPr id="39" name="구부러진 연결선[U] 38">
+            <a:extLst>
+              <a:ext uri="{FF2B5EF4-FFF2-40B4-BE49-F238E27FC236}">
+                <a16:creationId xmlns:a16="http://schemas.microsoft.com/office/drawing/2014/main" id="{42B77990-A44B-BB48-858F-8E21AE26A782}"/>
+              </a:ext>
+            </a:extLst>
+          </p:cNvPr>
+          <p:cNvCxnSpPr>
+            <a:cxnSpLocks/>
+            <a:stCxn id="6" idx="3"/>
+            <a:endCxn id="24" idx="1"/>
+          </p:cNvCxnSpPr>
+          <p:nvPr/>
+        </p:nvCxnSpPr>
+        <p:spPr>
+          <a:xfrm flipV="1">
+            <a:off x="1691447" y="944118"/>
+            <a:ext cx="4081618" cy="947609"/>
+          </a:xfrm>
+          <a:prstGeom prst="curvedConnector3">
+            <a:avLst>
+              <a:gd name="adj1" fmla="val 50000"/>
+            </a:avLst>
+          </a:prstGeom>
+          <a:ln>
+            <a:tailEnd type="triangle"/>
+          </a:ln>
+        </p:spPr>
+        <p:style>
+          <a:lnRef idx="1">
+            <a:schemeClr val="dk1"/>
+          </a:lnRef>
+          <a:fillRef idx="0">
+            <a:schemeClr val="dk1"/>
+          </a:fillRef>
+          <a:effectRef idx="0">
+            <a:schemeClr val="dk1"/>
+          </a:effectRef>
+          <a:fontRef idx="minor">
+            <a:schemeClr val="tx1"/>
+          </a:fontRef>
+        </p:style>
+      </p:cxnSp>
+      <p:cxnSp>
+        <p:nvCxnSpPr>
+          <p:cNvPr id="40" name="구부러진 연결선[U] 39">
+            <a:extLst>
+              <a:ext uri="{FF2B5EF4-FFF2-40B4-BE49-F238E27FC236}">
+                <a16:creationId xmlns:a16="http://schemas.microsoft.com/office/drawing/2014/main" id="{7C08E3A2-F515-A148-9261-A935D90AA560}"/>
+              </a:ext>
+            </a:extLst>
+          </p:cNvPr>
+          <p:cNvCxnSpPr>
+            <a:cxnSpLocks/>
+            <a:stCxn id="31" idx="3"/>
+          </p:cNvCxnSpPr>
+          <p:nvPr/>
+        </p:nvCxnSpPr>
+        <p:spPr>
+          <a:xfrm flipV="1">
+            <a:off x="1691447" y="944118"/>
+            <a:ext cx="4081618" cy="2067308"/>
+          </a:xfrm>
+          <a:prstGeom prst="curvedConnector3">
+            <a:avLst>
+              <a:gd name="adj1" fmla="val 50000"/>
+            </a:avLst>
+          </a:prstGeom>
+          <a:ln>
+            <a:tailEnd type="triangle"/>
+          </a:ln>
+        </p:spPr>
+        <p:style>
+          <a:lnRef idx="1">
+            <a:schemeClr val="dk1"/>
+          </a:lnRef>
+          <a:fillRef idx="0">
+            <a:schemeClr val="dk1"/>
+          </a:fillRef>
+          <a:effectRef idx="0">
+            <a:schemeClr val="dk1"/>
+          </a:effectRef>
+          <a:fontRef idx="minor">
+            <a:schemeClr val="tx1"/>
+          </a:fontRef>
+        </p:style>
+      </p:cxnSp>
+    </p:spTree>
+    <p:extLst>
+      <p:ext uri="{BB962C8B-B14F-4D97-AF65-F5344CB8AC3E}">
+        <p14:creationId xmlns:p14="http://schemas.microsoft.com/office/powerpoint/2010/main" val="880991768"/>
       </p:ext>
     </p:extLst>
   </p:cSld>

--- a/220117.pptx
+++ b/220117.pptx
@@ -20,6 +20,8 @@
     <p:sldId id="268" r:id="rId14"/>
     <p:sldId id="269" r:id="rId15"/>
     <p:sldId id="270" r:id="rId16"/>
+    <p:sldId id="271" r:id="rId17"/>
+    <p:sldId id="272" r:id="rId18"/>
   </p:sldIdLst>
   <p:sldSz cx="12192000" cy="6858000"/>
   <p:notesSz cx="6858000" cy="9144000"/>
@@ -9844,6 +9846,3151 @@
     <p:extLst>
       <p:ext uri="{BB962C8B-B14F-4D97-AF65-F5344CB8AC3E}">
         <p14:creationId xmlns:p14="http://schemas.microsoft.com/office/powerpoint/2010/main" val="880991768"/>
+      </p:ext>
+    </p:extLst>
+  </p:cSld>
+  <p:clrMapOvr>
+    <a:masterClrMapping/>
+  </p:clrMapOvr>
+</p:sld>
+</file>
+
+<file path=ppt/slides/slide16.xml><?xml version="1.0" encoding="utf-8"?>
+<p:sld xmlns:a="http://schemas.openxmlformats.org/drawingml/2006/main" xmlns:r="http://schemas.openxmlformats.org/officeDocument/2006/relationships" xmlns:p="http://schemas.openxmlformats.org/presentationml/2006/main">
+  <p:cSld>
+    <p:spTree>
+      <p:nvGrpSpPr>
+        <p:cNvPr id="1" name=""/>
+        <p:cNvGrpSpPr/>
+        <p:nvPr/>
+      </p:nvGrpSpPr>
+      <p:grpSpPr>
+        <a:xfrm>
+          <a:off x="0" y="0"/>
+          <a:ext cx="0" cy="0"/>
+          <a:chOff x="0" y="0"/>
+          <a:chExt cx="0" cy="0"/>
+        </a:xfrm>
+      </p:grpSpPr>
+      <p:sp>
+        <p:nvSpPr>
+          <p:cNvPr id="21" name="직사각형 20">
+            <a:extLst>
+              <a:ext uri="{FF2B5EF4-FFF2-40B4-BE49-F238E27FC236}">
+                <a16:creationId xmlns:a16="http://schemas.microsoft.com/office/drawing/2014/main" id="{30B4AA3A-86F1-7441-BCA8-99F1B569937B}"/>
+              </a:ext>
+            </a:extLst>
+          </p:cNvPr>
+          <p:cNvSpPr/>
+          <p:nvPr/>
+        </p:nvSpPr>
+        <p:spPr>
+          <a:xfrm>
+            <a:off x="139400" y="1039255"/>
+            <a:ext cx="736099" cy="369332"/>
+          </a:xfrm>
+          <a:prstGeom prst="rect">
+            <a:avLst/>
+          </a:prstGeom>
+        </p:spPr>
+        <p:txBody>
+          <a:bodyPr wrap="none">
+            <a:spAutoFit/>
+          </a:bodyPr>
+          <a:lstStyle/>
+          <a:p>
+            <a:r>
+              <a:rPr lang="en" altLang="ko-Kore-KR" b="0" dirty="0">
+                <a:solidFill>
+                  <a:srgbClr val="000000"/>
+                </a:solidFill>
+                <a:effectLst/>
+                <a:latin typeface="DM Mono" panose="020B0509040201040103" pitchFamily="49" charset="0"/>
+              </a:rPr>
+              <a:t>main</a:t>
+            </a:r>
+            <a:endParaRPr lang="ko-Kore-KR" altLang="en-US" dirty="0"/>
+          </a:p>
+        </p:txBody>
+      </p:sp>
+      <p:sp>
+        <p:nvSpPr>
+          <p:cNvPr id="6" name="직사각형 5">
+            <a:extLst>
+              <a:ext uri="{FF2B5EF4-FFF2-40B4-BE49-F238E27FC236}">
+                <a16:creationId xmlns:a16="http://schemas.microsoft.com/office/drawing/2014/main" id="{77104849-6176-2D49-9204-39F0A32F6321}"/>
+              </a:ext>
+            </a:extLst>
+          </p:cNvPr>
+          <p:cNvSpPr/>
+          <p:nvPr/>
+        </p:nvSpPr>
+        <p:spPr>
+          <a:xfrm>
+            <a:off x="1071336" y="1576417"/>
+            <a:ext cx="620111" cy="630620"/>
+          </a:xfrm>
+          <a:prstGeom prst="rect">
+            <a:avLst/>
+          </a:prstGeom>
+        </p:spPr>
+        <p:style>
+          <a:lnRef idx="2">
+            <a:schemeClr val="dk1"/>
+          </a:lnRef>
+          <a:fillRef idx="1">
+            <a:schemeClr val="lt1"/>
+          </a:fillRef>
+          <a:effectRef idx="0">
+            <a:schemeClr val="dk1"/>
+          </a:effectRef>
+          <a:fontRef idx="minor">
+            <a:schemeClr val="dk1"/>
+          </a:fontRef>
+        </p:style>
+        <p:txBody>
+          <a:bodyPr rtlCol="0" anchor="ctr"/>
+          <a:lstStyle/>
+          <a:p>
+            <a:pPr algn="ctr"/>
+            <a:endParaRPr kumimoji="1" lang="ko-Kore-KR" altLang="en-US" sz="1600" dirty="0"/>
+          </a:p>
+        </p:txBody>
+      </p:sp>
+      <p:sp>
+        <p:nvSpPr>
+          <p:cNvPr id="12" name="직사각형 11">
+            <a:extLst>
+              <a:ext uri="{FF2B5EF4-FFF2-40B4-BE49-F238E27FC236}">
+                <a16:creationId xmlns:a16="http://schemas.microsoft.com/office/drawing/2014/main" id="{1AE101B4-2891-6B41-B19E-E369CF1619FE}"/>
+              </a:ext>
+            </a:extLst>
+          </p:cNvPr>
+          <p:cNvSpPr/>
+          <p:nvPr/>
+        </p:nvSpPr>
+        <p:spPr>
+          <a:xfrm>
+            <a:off x="1046147" y="1207085"/>
+            <a:ext cx="598241" cy="369332"/>
+          </a:xfrm>
+          <a:prstGeom prst="rect">
+            <a:avLst/>
+          </a:prstGeom>
+        </p:spPr>
+        <p:txBody>
+          <a:bodyPr wrap="none">
+            <a:spAutoFit/>
+          </a:bodyPr>
+          <a:lstStyle/>
+          <a:p>
+            <a:r>
+              <a:rPr lang="en" altLang="ko-Kore-KR" dirty="0">
+                <a:solidFill>
+                  <a:srgbClr val="000000"/>
+                </a:solidFill>
+                <a:latin typeface="DM Mono" panose="020B0509040201040103" pitchFamily="49" charset="0"/>
+              </a:rPr>
+              <a:t>str</a:t>
+            </a:r>
+            <a:endParaRPr lang="ko-Kore-KR" altLang="en-US" dirty="0"/>
+          </a:p>
+        </p:txBody>
+      </p:sp>
+      <p:sp>
+        <p:nvSpPr>
+          <p:cNvPr id="31" name="직사각형 30">
+            <a:extLst>
+              <a:ext uri="{FF2B5EF4-FFF2-40B4-BE49-F238E27FC236}">
+                <a16:creationId xmlns:a16="http://schemas.microsoft.com/office/drawing/2014/main" id="{CEB59DC5-0CC0-1542-B9F0-0B6B01C94370}"/>
+              </a:ext>
+            </a:extLst>
+          </p:cNvPr>
+          <p:cNvSpPr/>
+          <p:nvPr/>
+        </p:nvSpPr>
+        <p:spPr>
+          <a:xfrm>
+            <a:off x="1071336" y="2696116"/>
+            <a:ext cx="620111" cy="630620"/>
+          </a:xfrm>
+          <a:prstGeom prst="rect">
+            <a:avLst/>
+          </a:prstGeom>
+        </p:spPr>
+        <p:style>
+          <a:lnRef idx="2">
+            <a:schemeClr val="dk1"/>
+          </a:lnRef>
+          <a:fillRef idx="1">
+            <a:schemeClr val="lt1"/>
+          </a:fillRef>
+          <a:effectRef idx="0">
+            <a:schemeClr val="dk1"/>
+          </a:effectRef>
+          <a:fontRef idx="minor">
+            <a:schemeClr val="dk1"/>
+          </a:fontRef>
+        </p:style>
+        <p:txBody>
+          <a:bodyPr rtlCol="0" anchor="ctr"/>
+          <a:lstStyle/>
+          <a:p>
+            <a:pPr algn="ctr"/>
+            <a:endParaRPr kumimoji="1" lang="ko-Kore-KR" altLang="en-US" sz="1600" dirty="0"/>
+          </a:p>
+        </p:txBody>
+      </p:sp>
+      <p:sp>
+        <p:nvSpPr>
+          <p:cNvPr id="33" name="직사각형 32">
+            <a:extLst>
+              <a:ext uri="{FF2B5EF4-FFF2-40B4-BE49-F238E27FC236}">
+                <a16:creationId xmlns:a16="http://schemas.microsoft.com/office/drawing/2014/main" id="{771590DE-A7FC-A04B-AF01-4A5A432537C4}"/>
+              </a:ext>
+            </a:extLst>
+          </p:cNvPr>
+          <p:cNvSpPr/>
+          <p:nvPr/>
+        </p:nvSpPr>
+        <p:spPr>
+          <a:xfrm>
+            <a:off x="1046147" y="2326784"/>
+            <a:ext cx="322524" cy="369332"/>
+          </a:xfrm>
+          <a:prstGeom prst="rect">
+            <a:avLst/>
+          </a:prstGeom>
+        </p:spPr>
+        <p:txBody>
+          <a:bodyPr wrap="none">
+            <a:spAutoFit/>
+          </a:bodyPr>
+          <a:lstStyle/>
+          <a:p>
+            <a:r>
+              <a:rPr lang="en" altLang="ko-Kore-KR" dirty="0">
+                <a:solidFill>
+                  <a:srgbClr val="000000"/>
+                </a:solidFill>
+                <a:latin typeface="DM Mono" panose="020B0509040201040103" pitchFamily="49" charset="0"/>
+              </a:rPr>
+              <a:t>p</a:t>
+            </a:r>
+            <a:endParaRPr lang="ko-Kore-KR" altLang="en-US" dirty="0"/>
+          </a:p>
+        </p:txBody>
+      </p:sp>
+      <p:sp>
+        <p:nvSpPr>
+          <p:cNvPr id="24" name="직사각형 23">
+            <a:extLst>
+              <a:ext uri="{FF2B5EF4-FFF2-40B4-BE49-F238E27FC236}">
+                <a16:creationId xmlns:a16="http://schemas.microsoft.com/office/drawing/2014/main" id="{3C6FE9C9-2BEC-C648-90D5-13A26AA21101}"/>
+              </a:ext>
+            </a:extLst>
+          </p:cNvPr>
+          <p:cNvSpPr/>
+          <p:nvPr/>
+        </p:nvSpPr>
+        <p:spPr>
+          <a:xfrm>
+            <a:off x="2818909" y="639902"/>
+            <a:ext cx="620111" cy="630620"/>
+          </a:xfrm>
+          <a:prstGeom prst="rect">
+            <a:avLst/>
+          </a:prstGeom>
+        </p:spPr>
+        <p:style>
+          <a:lnRef idx="2">
+            <a:schemeClr val="dk1"/>
+          </a:lnRef>
+          <a:fillRef idx="1">
+            <a:schemeClr val="lt1"/>
+          </a:fillRef>
+          <a:effectRef idx="0">
+            <a:schemeClr val="dk1"/>
+          </a:effectRef>
+          <a:fontRef idx="minor">
+            <a:schemeClr val="dk1"/>
+          </a:fontRef>
+        </p:style>
+        <p:txBody>
+          <a:bodyPr rtlCol="0" anchor="ctr"/>
+          <a:lstStyle/>
+          <a:p>
+            <a:pPr algn="ctr"/>
+            <a:r>
+              <a:rPr kumimoji="1" lang="en-US" altLang="ko-Kore-KR" sz="1600" dirty="0"/>
+              <a:t>h</a:t>
+            </a:r>
+            <a:endParaRPr kumimoji="1" lang="ko-Kore-KR" altLang="en-US" sz="1600" dirty="0"/>
+          </a:p>
+        </p:txBody>
+      </p:sp>
+      <p:sp>
+        <p:nvSpPr>
+          <p:cNvPr id="25" name="직사각형 24">
+            <a:extLst>
+              <a:ext uri="{FF2B5EF4-FFF2-40B4-BE49-F238E27FC236}">
+                <a16:creationId xmlns:a16="http://schemas.microsoft.com/office/drawing/2014/main" id="{FB71A05C-9DDB-BC4D-9AF8-FE3F067D301E}"/>
+              </a:ext>
+            </a:extLst>
+          </p:cNvPr>
+          <p:cNvSpPr/>
+          <p:nvPr/>
+        </p:nvSpPr>
+        <p:spPr>
+          <a:xfrm>
+            <a:off x="3439020" y="639902"/>
+            <a:ext cx="620111" cy="630620"/>
+          </a:xfrm>
+          <a:prstGeom prst="rect">
+            <a:avLst/>
+          </a:prstGeom>
+        </p:spPr>
+        <p:style>
+          <a:lnRef idx="2">
+            <a:schemeClr val="dk1"/>
+          </a:lnRef>
+          <a:fillRef idx="1">
+            <a:schemeClr val="lt1"/>
+          </a:fillRef>
+          <a:effectRef idx="0">
+            <a:schemeClr val="dk1"/>
+          </a:effectRef>
+          <a:fontRef idx="minor">
+            <a:schemeClr val="dk1"/>
+          </a:fontRef>
+        </p:style>
+        <p:txBody>
+          <a:bodyPr rtlCol="0" anchor="ctr"/>
+          <a:lstStyle/>
+          <a:p>
+            <a:pPr algn="ctr"/>
+            <a:r>
+              <a:rPr kumimoji="1" lang="en-US" altLang="ko-Kore-KR" sz="1600" dirty="0"/>
+              <a:t>e</a:t>
+            </a:r>
+            <a:endParaRPr kumimoji="1" lang="ko-Kore-KR" altLang="en-US" sz="1600" dirty="0"/>
+          </a:p>
+        </p:txBody>
+      </p:sp>
+      <p:sp>
+        <p:nvSpPr>
+          <p:cNvPr id="26" name="직사각형 25">
+            <a:extLst>
+              <a:ext uri="{FF2B5EF4-FFF2-40B4-BE49-F238E27FC236}">
+                <a16:creationId xmlns:a16="http://schemas.microsoft.com/office/drawing/2014/main" id="{1ADAAE9B-671D-B644-B8C6-AD6173225A19}"/>
+              </a:ext>
+            </a:extLst>
+          </p:cNvPr>
+          <p:cNvSpPr/>
+          <p:nvPr/>
+        </p:nvSpPr>
+        <p:spPr>
+          <a:xfrm>
+            <a:off x="4059131" y="639902"/>
+            <a:ext cx="620111" cy="630620"/>
+          </a:xfrm>
+          <a:prstGeom prst="rect">
+            <a:avLst/>
+          </a:prstGeom>
+        </p:spPr>
+        <p:style>
+          <a:lnRef idx="2">
+            <a:schemeClr val="dk1"/>
+          </a:lnRef>
+          <a:fillRef idx="1">
+            <a:schemeClr val="lt1"/>
+          </a:fillRef>
+          <a:effectRef idx="0">
+            <a:schemeClr val="dk1"/>
+          </a:effectRef>
+          <a:fontRef idx="minor">
+            <a:schemeClr val="dk1"/>
+          </a:fontRef>
+        </p:style>
+        <p:txBody>
+          <a:bodyPr rtlCol="0" anchor="ctr"/>
+          <a:lstStyle/>
+          <a:p>
+            <a:pPr algn="ctr"/>
+            <a:r>
+              <a:rPr kumimoji="1" lang="en-US" altLang="ko-Kore-KR" sz="1600" dirty="0"/>
+              <a:t>l</a:t>
+            </a:r>
+            <a:endParaRPr kumimoji="1" lang="ko-Kore-KR" altLang="en-US" sz="1600" dirty="0"/>
+          </a:p>
+        </p:txBody>
+      </p:sp>
+      <p:sp>
+        <p:nvSpPr>
+          <p:cNvPr id="27" name="직사각형 26">
+            <a:extLst>
+              <a:ext uri="{FF2B5EF4-FFF2-40B4-BE49-F238E27FC236}">
+                <a16:creationId xmlns:a16="http://schemas.microsoft.com/office/drawing/2014/main" id="{A1573863-0927-0B4C-93EF-36CC693E8829}"/>
+              </a:ext>
+            </a:extLst>
+          </p:cNvPr>
+          <p:cNvSpPr/>
+          <p:nvPr/>
+        </p:nvSpPr>
+        <p:spPr>
+          <a:xfrm>
+            <a:off x="4679242" y="634384"/>
+            <a:ext cx="620111" cy="630620"/>
+          </a:xfrm>
+          <a:prstGeom prst="rect">
+            <a:avLst/>
+          </a:prstGeom>
+        </p:spPr>
+        <p:style>
+          <a:lnRef idx="2">
+            <a:schemeClr val="dk1"/>
+          </a:lnRef>
+          <a:fillRef idx="1">
+            <a:schemeClr val="lt1"/>
+          </a:fillRef>
+          <a:effectRef idx="0">
+            <a:schemeClr val="dk1"/>
+          </a:effectRef>
+          <a:fontRef idx="minor">
+            <a:schemeClr val="dk1"/>
+          </a:fontRef>
+        </p:style>
+        <p:txBody>
+          <a:bodyPr rtlCol="0" anchor="ctr"/>
+          <a:lstStyle/>
+          <a:p>
+            <a:pPr algn="ctr"/>
+            <a:r>
+              <a:rPr kumimoji="1" lang="en-US" altLang="ko-Kore-KR" sz="1600" dirty="0"/>
+              <a:t>l</a:t>
+            </a:r>
+            <a:endParaRPr kumimoji="1" lang="ko-Kore-KR" altLang="en-US" sz="1600" dirty="0"/>
+          </a:p>
+        </p:txBody>
+      </p:sp>
+      <p:sp>
+        <p:nvSpPr>
+          <p:cNvPr id="28" name="직사각형 27">
+            <a:extLst>
+              <a:ext uri="{FF2B5EF4-FFF2-40B4-BE49-F238E27FC236}">
+                <a16:creationId xmlns:a16="http://schemas.microsoft.com/office/drawing/2014/main" id="{F270F4D3-64C8-704B-8C42-27A236C7E955}"/>
+              </a:ext>
+            </a:extLst>
+          </p:cNvPr>
+          <p:cNvSpPr/>
+          <p:nvPr/>
+        </p:nvSpPr>
+        <p:spPr>
+          <a:xfrm>
+            <a:off x="5299353" y="634384"/>
+            <a:ext cx="620111" cy="630620"/>
+          </a:xfrm>
+          <a:prstGeom prst="rect">
+            <a:avLst/>
+          </a:prstGeom>
+        </p:spPr>
+        <p:style>
+          <a:lnRef idx="2">
+            <a:schemeClr val="dk1"/>
+          </a:lnRef>
+          <a:fillRef idx="1">
+            <a:schemeClr val="lt1"/>
+          </a:fillRef>
+          <a:effectRef idx="0">
+            <a:schemeClr val="dk1"/>
+          </a:effectRef>
+          <a:fontRef idx="minor">
+            <a:schemeClr val="dk1"/>
+          </a:fontRef>
+        </p:style>
+        <p:txBody>
+          <a:bodyPr rtlCol="0" anchor="ctr"/>
+          <a:lstStyle/>
+          <a:p>
+            <a:pPr algn="ctr"/>
+            <a:r>
+              <a:rPr kumimoji="1" lang="en-US" altLang="ko-Kore-KR" sz="1600" dirty="0"/>
+              <a:t>o</a:t>
+            </a:r>
+            <a:endParaRPr kumimoji="1" lang="ko-Kore-KR" altLang="en-US" sz="1600" dirty="0"/>
+          </a:p>
+        </p:txBody>
+      </p:sp>
+      <p:cxnSp>
+        <p:nvCxnSpPr>
+          <p:cNvPr id="39" name="구부러진 연결선[U] 38">
+            <a:extLst>
+              <a:ext uri="{FF2B5EF4-FFF2-40B4-BE49-F238E27FC236}">
+                <a16:creationId xmlns:a16="http://schemas.microsoft.com/office/drawing/2014/main" id="{42B77990-A44B-BB48-858F-8E21AE26A782}"/>
+              </a:ext>
+            </a:extLst>
+          </p:cNvPr>
+          <p:cNvCxnSpPr>
+            <a:cxnSpLocks/>
+            <a:stCxn id="6" idx="3"/>
+            <a:endCxn id="24" idx="1"/>
+          </p:cNvCxnSpPr>
+          <p:nvPr/>
+        </p:nvCxnSpPr>
+        <p:spPr>
+          <a:xfrm flipV="1">
+            <a:off x="1691447" y="955212"/>
+            <a:ext cx="1127462" cy="936515"/>
+          </a:xfrm>
+          <a:prstGeom prst="curvedConnector3">
+            <a:avLst>
+              <a:gd name="adj1" fmla="val 50000"/>
+            </a:avLst>
+          </a:prstGeom>
+          <a:ln>
+            <a:tailEnd type="triangle"/>
+          </a:ln>
+        </p:spPr>
+        <p:style>
+          <a:lnRef idx="1">
+            <a:schemeClr val="dk1"/>
+          </a:lnRef>
+          <a:fillRef idx="0">
+            <a:schemeClr val="dk1"/>
+          </a:fillRef>
+          <a:effectRef idx="0">
+            <a:schemeClr val="dk1"/>
+          </a:effectRef>
+          <a:fontRef idx="minor">
+            <a:schemeClr val="tx1"/>
+          </a:fontRef>
+        </p:style>
+      </p:cxnSp>
+      <p:sp>
+        <p:nvSpPr>
+          <p:cNvPr id="36" name="직사각형 35">
+            <a:extLst>
+              <a:ext uri="{FF2B5EF4-FFF2-40B4-BE49-F238E27FC236}">
+                <a16:creationId xmlns:a16="http://schemas.microsoft.com/office/drawing/2014/main" id="{34F1F9D0-3C96-6948-90F7-F5FC7DA5CE3B}"/>
+              </a:ext>
+            </a:extLst>
+          </p:cNvPr>
+          <p:cNvSpPr/>
+          <p:nvPr/>
+        </p:nvSpPr>
+        <p:spPr>
+          <a:xfrm>
+            <a:off x="5888321" y="637364"/>
+            <a:ext cx="620111" cy="630620"/>
+          </a:xfrm>
+          <a:prstGeom prst="rect">
+            <a:avLst/>
+          </a:prstGeom>
+          <a:solidFill>
+            <a:srgbClr val="FFC000"/>
+          </a:solidFill>
+        </p:spPr>
+        <p:style>
+          <a:lnRef idx="2">
+            <a:schemeClr val="dk1"/>
+          </a:lnRef>
+          <a:fillRef idx="1">
+            <a:schemeClr val="lt1"/>
+          </a:fillRef>
+          <a:effectRef idx="0">
+            <a:schemeClr val="dk1"/>
+          </a:effectRef>
+          <a:fontRef idx="minor">
+            <a:schemeClr val="dk1"/>
+          </a:fontRef>
+        </p:style>
+        <p:txBody>
+          <a:bodyPr rtlCol="0" anchor="ctr"/>
+          <a:lstStyle/>
+          <a:p>
+            <a:pPr algn="ctr"/>
+            <a:r>
+              <a:rPr kumimoji="1" lang="en-US" altLang="ko-Kore-KR" sz="1600" dirty="0"/>
+              <a:t>\0</a:t>
+            </a:r>
+            <a:endParaRPr kumimoji="1" lang="ko-Kore-KR" altLang="en-US" sz="1600" dirty="0"/>
+          </a:p>
+        </p:txBody>
+      </p:sp>
+      <p:sp>
+        <p:nvSpPr>
+          <p:cNvPr id="37" name="직사각형 36">
+            <a:extLst>
+              <a:ext uri="{FF2B5EF4-FFF2-40B4-BE49-F238E27FC236}">
+                <a16:creationId xmlns:a16="http://schemas.microsoft.com/office/drawing/2014/main" id="{4BD8BF82-D88F-504B-9A2E-E74202012180}"/>
+              </a:ext>
+            </a:extLst>
+          </p:cNvPr>
+          <p:cNvSpPr/>
+          <p:nvPr/>
+        </p:nvSpPr>
+        <p:spPr>
+          <a:xfrm>
+            <a:off x="6508432" y="637364"/>
+            <a:ext cx="620111" cy="630620"/>
+          </a:xfrm>
+          <a:prstGeom prst="rect">
+            <a:avLst/>
+          </a:prstGeom>
+        </p:spPr>
+        <p:style>
+          <a:lnRef idx="2">
+            <a:schemeClr val="dk1"/>
+          </a:lnRef>
+          <a:fillRef idx="1">
+            <a:schemeClr val="lt1"/>
+          </a:fillRef>
+          <a:effectRef idx="0">
+            <a:schemeClr val="dk1"/>
+          </a:effectRef>
+          <a:fontRef idx="minor">
+            <a:schemeClr val="dk1"/>
+          </a:fontRef>
+        </p:style>
+        <p:txBody>
+          <a:bodyPr rtlCol="0" anchor="ctr"/>
+          <a:lstStyle/>
+          <a:p>
+            <a:pPr algn="ctr"/>
+            <a:r>
+              <a:rPr kumimoji="1" lang="en-US" altLang="ko-Kore-KR" sz="1600" dirty="0"/>
+              <a:t>s</a:t>
+            </a:r>
+            <a:endParaRPr kumimoji="1" lang="ko-Kore-KR" altLang="en-US" sz="1600" dirty="0"/>
+          </a:p>
+        </p:txBody>
+      </p:sp>
+      <p:sp>
+        <p:nvSpPr>
+          <p:cNvPr id="41" name="직사각형 40">
+            <a:extLst>
+              <a:ext uri="{FF2B5EF4-FFF2-40B4-BE49-F238E27FC236}">
+                <a16:creationId xmlns:a16="http://schemas.microsoft.com/office/drawing/2014/main" id="{AFC3FE82-8B21-F545-B585-BCA602E9E6F2}"/>
+              </a:ext>
+            </a:extLst>
+          </p:cNvPr>
+          <p:cNvSpPr/>
+          <p:nvPr/>
+        </p:nvSpPr>
+        <p:spPr>
+          <a:xfrm>
+            <a:off x="7128543" y="637364"/>
+            <a:ext cx="620111" cy="630620"/>
+          </a:xfrm>
+          <a:prstGeom prst="rect">
+            <a:avLst/>
+          </a:prstGeom>
+        </p:spPr>
+        <p:style>
+          <a:lnRef idx="2">
+            <a:schemeClr val="dk1"/>
+          </a:lnRef>
+          <a:fillRef idx="1">
+            <a:schemeClr val="lt1"/>
+          </a:fillRef>
+          <a:effectRef idx="0">
+            <a:schemeClr val="dk1"/>
+          </a:effectRef>
+          <a:fontRef idx="minor">
+            <a:schemeClr val="dk1"/>
+          </a:fontRef>
+        </p:style>
+        <p:txBody>
+          <a:bodyPr rtlCol="0" anchor="ctr"/>
+          <a:lstStyle/>
+          <a:p>
+            <a:pPr algn="ctr"/>
+            <a:r>
+              <a:rPr kumimoji="1" lang="en-US" altLang="ko-Kore-KR" sz="1600" dirty="0"/>
+              <a:t>h</a:t>
+            </a:r>
+            <a:endParaRPr kumimoji="1" lang="ko-Kore-KR" altLang="en-US" sz="1600" dirty="0"/>
+          </a:p>
+        </p:txBody>
+      </p:sp>
+      <p:sp>
+        <p:nvSpPr>
+          <p:cNvPr id="42" name="직사각형 41">
+            <a:extLst>
+              <a:ext uri="{FF2B5EF4-FFF2-40B4-BE49-F238E27FC236}">
+                <a16:creationId xmlns:a16="http://schemas.microsoft.com/office/drawing/2014/main" id="{B208296D-8D33-DA45-8F72-E87F0D8CE4D8}"/>
+              </a:ext>
+            </a:extLst>
+          </p:cNvPr>
+          <p:cNvSpPr/>
+          <p:nvPr/>
+        </p:nvSpPr>
+        <p:spPr>
+          <a:xfrm>
+            <a:off x="7748654" y="631846"/>
+            <a:ext cx="620111" cy="630620"/>
+          </a:xfrm>
+          <a:prstGeom prst="rect">
+            <a:avLst/>
+          </a:prstGeom>
+        </p:spPr>
+        <p:style>
+          <a:lnRef idx="2">
+            <a:schemeClr val="dk1"/>
+          </a:lnRef>
+          <a:fillRef idx="1">
+            <a:schemeClr val="lt1"/>
+          </a:fillRef>
+          <a:effectRef idx="0">
+            <a:schemeClr val="dk1"/>
+          </a:effectRef>
+          <a:fontRef idx="minor">
+            <a:schemeClr val="dk1"/>
+          </a:fontRef>
+        </p:style>
+        <p:txBody>
+          <a:bodyPr rtlCol="0" anchor="ctr"/>
+          <a:lstStyle/>
+          <a:p>
+            <a:pPr algn="ctr"/>
+            <a:r>
+              <a:rPr kumimoji="1" lang="en-US" altLang="ko-Kore-KR" sz="1600" dirty="0"/>
+              <a:t>o</a:t>
+            </a:r>
+            <a:endParaRPr kumimoji="1" lang="ko-Kore-KR" altLang="en-US" sz="1600" dirty="0"/>
+          </a:p>
+        </p:txBody>
+      </p:sp>
+      <p:sp>
+        <p:nvSpPr>
+          <p:cNvPr id="43" name="직사각형 42">
+            <a:extLst>
+              <a:ext uri="{FF2B5EF4-FFF2-40B4-BE49-F238E27FC236}">
+                <a16:creationId xmlns:a16="http://schemas.microsoft.com/office/drawing/2014/main" id="{EF3E0FE1-05DB-384A-A964-65B3076F79D6}"/>
+              </a:ext>
+            </a:extLst>
+          </p:cNvPr>
+          <p:cNvSpPr/>
+          <p:nvPr/>
+        </p:nvSpPr>
+        <p:spPr>
+          <a:xfrm>
+            <a:off x="8368765" y="631846"/>
+            <a:ext cx="620111" cy="630620"/>
+          </a:xfrm>
+          <a:prstGeom prst="rect">
+            <a:avLst/>
+          </a:prstGeom>
+        </p:spPr>
+        <p:style>
+          <a:lnRef idx="2">
+            <a:schemeClr val="dk1"/>
+          </a:lnRef>
+          <a:fillRef idx="1">
+            <a:schemeClr val="lt1"/>
+          </a:fillRef>
+          <a:effectRef idx="0">
+            <a:schemeClr val="dk1"/>
+          </a:effectRef>
+          <a:fontRef idx="minor">
+            <a:schemeClr val="dk1"/>
+          </a:fontRef>
+        </p:style>
+        <p:txBody>
+          <a:bodyPr rtlCol="0" anchor="ctr"/>
+          <a:lstStyle/>
+          <a:p>
+            <a:pPr algn="ctr"/>
+            <a:r>
+              <a:rPr kumimoji="1" lang="en-US" altLang="ko-Kore-KR" sz="1600" dirty="0"/>
+              <a:t>w</a:t>
+            </a:r>
+            <a:endParaRPr kumimoji="1" lang="ko-Kore-KR" altLang="en-US" sz="1600" dirty="0"/>
+          </a:p>
+        </p:txBody>
+      </p:sp>
+      <p:sp>
+        <p:nvSpPr>
+          <p:cNvPr id="44" name="직사각형 43">
+            <a:extLst>
+              <a:ext uri="{FF2B5EF4-FFF2-40B4-BE49-F238E27FC236}">
+                <a16:creationId xmlns:a16="http://schemas.microsoft.com/office/drawing/2014/main" id="{1BD0AC5C-5074-B646-A317-8EDB578A0C0A}"/>
+              </a:ext>
+            </a:extLst>
+          </p:cNvPr>
+          <p:cNvSpPr/>
+          <p:nvPr/>
+        </p:nvSpPr>
+        <p:spPr>
+          <a:xfrm>
+            <a:off x="8957733" y="634826"/>
+            <a:ext cx="620111" cy="630620"/>
+          </a:xfrm>
+          <a:prstGeom prst="rect">
+            <a:avLst/>
+          </a:prstGeom>
+        </p:spPr>
+        <p:style>
+          <a:lnRef idx="2">
+            <a:schemeClr val="dk1"/>
+          </a:lnRef>
+          <a:fillRef idx="1">
+            <a:schemeClr val="lt1"/>
+          </a:fillRef>
+          <a:effectRef idx="0">
+            <a:schemeClr val="dk1"/>
+          </a:effectRef>
+          <a:fontRef idx="minor">
+            <a:schemeClr val="dk1"/>
+          </a:fontRef>
+        </p:style>
+        <p:txBody>
+          <a:bodyPr rtlCol="0" anchor="ctr"/>
+          <a:lstStyle/>
+          <a:p>
+            <a:pPr algn="ctr"/>
+            <a:endParaRPr kumimoji="1" lang="ko-Kore-KR" altLang="en-US" sz="1600" dirty="0"/>
+          </a:p>
+        </p:txBody>
+      </p:sp>
+      <p:sp>
+        <p:nvSpPr>
+          <p:cNvPr id="45" name="직사각형 44">
+            <a:extLst>
+              <a:ext uri="{FF2B5EF4-FFF2-40B4-BE49-F238E27FC236}">
+                <a16:creationId xmlns:a16="http://schemas.microsoft.com/office/drawing/2014/main" id="{A0926DCD-7203-1040-B8CC-D075A7C317FE}"/>
+              </a:ext>
+            </a:extLst>
+          </p:cNvPr>
+          <p:cNvSpPr/>
+          <p:nvPr/>
+        </p:nvSpPr>
+        <p:spPr>
+          <a:xfrm>
+            <a:off x="9577844" y="634826"/>
+            <a:ext cx="620111" cy="630620"/>
+          </a:xfrm>
+          <a:prstGeom prst="rect">
+            <a:avLst/>
+          </a:prstGeom>
+        </p:spPr>
+        <p:style>
+          <a:lnRef idx="2">
+            <a:schemeClr val="dk1"/>
+          </a:lnRef>
+          <a:fillRef idx="1">
+            <a:schemeClr val="lt1"/>
+          </a:fillRef>
+          <a:effectRef idx="0">
+            <a:schemeClr val="dk1"/>
+          </a:effectRef>
+          <a:fontRef idx="minor">
+            <a:schemeClr val="dk1"/>
+          </a:fontRef>
+        </p:style>
+        <p:txBody>
+          <a:bodyPr rtlCol="0" anchor="ctr"/>
+          <a:lstStyle/>
+          <a:p>
+            <a:pPr algn="ctr"/>
+            <a:r>
+              <a:rPr kumimoji="1" lang="en-US" altLang="ko-Kore-KR" sz="1600" dirty="0"/>
+              <a:t>e</a:t>
+            </a:r>
+            <a:endParaRPr kumimoji="1" lang="ko-Kore-KR" altLang="en-US" sz="1600" dirty="0"/>
+          </a:p>
+        </p:txBody>
+      </p:sp>
+      <p:sp>
+        <p:nvSpPr>
+          <p:cNvPr id="46" name="직사각형 45">
+            <a:extLst>
+              <a:ext uri="{FF2B5EF4-FFF2-40B4-BE49-F238E27FC236}">
+                <a16:creationId xmlns:a16="http://schemas.microsoft.com/office/drawing/2014/main" id="{89DAAAAA-1724-B440-A368-9CDF4E6F8EF4}"/>
+              </a:ext>
+            </a:extLst>
+          </p:cNvPr>
+          <p:cNvSpPr/>
+          <p:nvPr/>
+        </p:nvSpPr>
+        <p:spPr>
+          <a:xfrm>
+            <a:off x="10197955" y="634826"/>
+            <a:ext cx="620111" cy="630620"/>
+          </a:xfrm>
+          <a:prstGeom prst="rect">
+            <a:avLst/>
+          </a:prstGeom>
+        </p:spPr>
+        <p:style>
+          <a:lnRef idx="2">
+            <a:schemeClr val="dk1"/>
+          </a:lnRef>
+          <a:fillRef idx="1">
+            <a:schemeClr val="lt1"/>
+          </a:fillRef>
+          <a:effectRef idx="0">
+            <a:schemeClr val="dk1"/>
+          </a:effectRef>
+          <a:fontRef idx="minor">
+            <a:schemeClr val="dk1"/>
+          </a:fontRef>
+        </p:style>
+        <p:txBody>
+          <a:bodyPr rtlCol="0" anchor="ctr"/>
+          <a:lstStyle/>
+          <a:p>
+            <a:pPr algn="ctr"/>
+            <a:r>
+              <a:rPr kumimoji="1" lang="en-US" altLang="ko-Kore-KR" sz="1600" dirty="0"/>
+              <a:t>l</a:t>
+            </a:r>
+            <a:endParaRPr kumimoji="1" lang="ko-Kore-KR" altLang="en-US" sz="1600" dirty="0"/>
+          </a:p>
+        </p:txBody>
+      </p:sp>
+      <p:sp>
+        <p:nvSpPr>
+          <p:cNvPr id="47" name="직사각형 46">
+            <a:extLst>
+              <a:ext uri="{FF2B5EF4-FFF2-40B4-BE49-F238E27FC236}">
+                <a16:creationId xmlns:a16="http://schemas.microsoft.com/office/drawing/2014/main" id="{FB482F1D-C619-0044-9E14-9328D89B937A}"/>
+              </a:ext>
+            </a:extLst>
+          </p:cNvPr>
+          <p:cNvSpPr/>
+          <p:nvPr/>
+        </p:nvSpPr>
+        <p:spPr>
+          <a:xfrm>
+            <a:off x="10818066" y="629308"/>
+            <a:ext cx="620111" cy="630620"/>
+          </a:xfrm>
+          <a:prstGeom prst="rect">
+            <a:avLst/>
+          </a:prstGeom>
+        </p:spPr>
+        <p:style>
+          <a:lnRef idx="2">
+            <a:schemeClr val="dk1"/>
+          </a:lnRef>
+          <a:fillRef idx="1">
+            <a:schemeClr val="lt1"/>
+          </a:fillRef>
+          <a:effectRef idx="0">
+            <a:schemeClr val="dk1"/>
+          </a:effectRef>
+          <a:fontRef idx="minor">
+            <a:schemeClr val="dk1"/>
+          </a:fontRef>
+        </p:style>
+        <p:txBody>
+          <a:bodyPr rtlCol="0" anchor="ctr"/>
+          <a:lstStyle/>
+          <a:p>
+            <a:pPr algn="ctr"/>
+            <a:r>
+              <a:rPr kumimoji="1" lang="en-US" altLang="ko-Kore-KR" sz="1600" dirty="0"/>
+              <a:t>l</a:t>
+            </a:r>
+            <a:endParaRPr kumimoji="1" lang="ko-Kore-KR" altLang="en-US" sz="1600" dirty="0"/>
+          </a:p>
+        </p:txBody>
+      </p:sp>
+      <p:sp>
+        <p:nvSpPr>
+          <p:cNvPr id="48" name="직사각형 47">
+            <a:extLst>
+              <a:ext uri="{FF2B5EF4-FFF2-40B4-BE49-F238E27FC236}">
+                <a16:creationId xmlns:a16="http://schemas.microsoft.com/office/drawing/2014/main" id="{7A8918B2-5094-CA48-AECA-43199A1CC4CC}"/>
+              </a:ext>
+            </a:extLst>
+          </p:cNvPr>
+          <p:cNvSpPr/>
+          <p:nvPr/>
+        </p:nvSpPr>
+        <p:spPr>
+          <a:xfrm>
+            <a:off x="11438177" y="629308"/>
+            <a:ext cx="620111" cy="630620"/>
+          </a:xfrm>
+          <a:prstGeom prst="rect">
+            <a:avLst/>
+          </a:prstGeom>
+        </p:spPr>
+        <p:style>
+          <a:lnRef idx="2">
+            <a:schemeClr val="dk1"/>
+          </a:lnRef>
+          <a:fillRef idx="1">
+            <a:schemeClr val="lt1"/>
+          </a:fillRef>
+          <a:effectRef idx="0">
+            <a:schemeClr val="dk1"/>
+          </a:effectRef>
+          <a:fontRef idx="minor">
+            <a:schemeClr val="dk1"/>
+          </a:fontRef>
+        </p:style>
+        <p:txBody>
+          <a:bodyPr rtlCol="0" anchor="ctr"/>
+          <a:lstStyle/>
+          <a:p>
+            <a:pPr algn="ctr"/>
+            <a:r>
+              <a:rPr kumimoji="1" lang="en-US" altLang="ko-Kore-KR" sz="1600" dirty="0"/>
+              <a:t>\0</a:t>
+            </a:r>
+            <a:endParaRPr kumimoji="1" lang="ko-Kore-KR" altLang="en-US" sz="1600" dirty="0"/>
+          </a:p>
+        </p:txBody>
+      </p:sp>
+      <p:sp>
+        <p:nvSpPr>
+          <p:cNvPr id="7" name="직사각형 6">
+            <a:extLst>
+              <a:ext uri="{FF2B5EF4-FFF2-40B4-BE49-F238E27FC236}">
+                <a16:creationId xmlns:a16="http://schemas.microsoft.com/office/drawing/2014/main" id="{B36FE629-10AB-5B44-AE46-97589632642B}"/>
+              </a:ext>
+            </a:extLst>
+          </p:cNvPr>
+          <p:cNvSpPr/>
+          <p:nvPr/>
+        </p:nvSpPr>
+        <p:spPr>
+          <a:xfrm>
+            <a:off x="3048000" y="1997839"/>
+            <a:ext cx="6096000" cy="2862322"/>
+          </a:xfrm>
+          <a:prstGeom prst="rect">
+            <a:avLst/>
+          </a:prstGeom>
+        </p:spPr>
+        <p:txBody>
+          <a:bodyPr>
+            <a:spAutoFit/>
+          </a:bodyPr>
+          <a:lstStyle/>
+          <a:p>
+            <a:r>
+              <a:rPr lang="en" altLang="ko-Kore-KR" dirty="0">
+                <a:solidFill>
+                  <a:srgbClr val="FF0000"/>
+                </a:solidFill>
+                <a:latin typeface="DM Mono" panose="020B0509040201040103" pitchFamily="49" charset="0"/>
+              </a:rPr>
+              <a:t>char* p = </a:t>
+            </a:r>
+            <a:r>
+              <a:rPr lang="en" altLang="ko-Kore-KR" dirty="0" err="1">
+                <a:solidFill>
+                  <a:srgbClr val="FF0000"/>
+                </a:solidFill>
+                <a:latin typeface="DM Mono" panose="020B0509040201040103" pitchFamily="49" charset="0"/>
+              </a:rPr>
+              <a:t>strtok</a:t>
+            </a:r>
+            <a:r>
+              <a:rPr lang="en" altLang="ko-Kore-KR" dirty="0">
+                <a:solidFill>
+                  <a:srgbClr val="FF0000"/>
+                </a:solidFill>
+                <a:latin typeface="DM Mono" panose="020B0509040201040103" pitchFamily="49" charset="0"/>
+              </a:rPr>
+              <a:t>(str, " ");</a:t>
+            </a:r>
+          </a:p>
+          <a:p>
+            <a:r>
+              <a:rPr lang="en" altLang="ko-Kore-KR" dirty="0" err="1">
+                <a:solidFill>
+                  <a:srgbClr val="000000"/>
+                </a:solidFill>
+                <a:latin typeface="DM Mono" panose="020B0509040201040103" pitchFamily="49" charset="0"/>
+              </a:rPr>
+              <a:t>printf</a:t>
+            </a:r>
+            <a:r>
+              <a:rPr lang="en" altLang="ko-Kore-KR" dirty="0">
+                <a:solidFill>
+                  <a:srgbClr val="000000"/>
+                </a:solidFill>
+                <a:latin typeface="DM Mono" panose="020B0509040201040103" pitchFamily="49" charset="0"/>
+              </a:rPr>
+              <a:t>(</a:t>
+            </a:r>
+            <a:r>
+              <a:rPr lang="en" altLang="ko-Kore-KR" dirty="0">
+                <a:solidFill>
+                  <a:srgbClr val="A31515"/>
+                </a:solidFill>
+                <a:latin typeface="DM Mono" panose="020B0509040201040103" pitchFamily="49" charset="0"/>
+              </a:rPr>
+              <a:t>"%s\n"</a:t>
+            </a:r>
+            <a:r>
+              <a:rPr lang="en" altLang="ko-Kore-KR" dirty="0">
+                <a:solidFill>
+                  <a:srgbClr val="000000"/>
+                </a:solidFill>
+                <a:latin typeface="DM Mono" panose="020B0509040201040103" pitchFamily="49" charset="0"/>
+              </a:rPr>
+              <a:t>, p);</a:t>
+            </a:r>
+          </a:p>
+          <a:p>
+            <a:br>
+              <a:rPr lang="en" altLang="ko-Kore-KR" dirty="0">
+                <a:solidFill>
+                  <a:srgbClr val="000000"/>
+                </a:solidFill>
+                <a:latin typeface="DM Mono" panose="020B0509040201040103" pitchFamily="49" charset="0"/>
+              </a:rPr>
+            </a:br>
+            <a:r>
+              <a:rPr lang="en" altLang="ko-Kore-KR" dirty="0">
+                <a:solidFill>
+                  <a:srgbClr val="000000"/>
+                </a:solidFill>
+                <a:latin typeface="DM Mono" panose="020B0509040201040103" pitchFamily="49" charset="0"/>
+              </a:rPr>
+              <a:t>p = </a:t>
+            </a:r>
+            <a:r>
+              <a:rPr lang="en" altLang="ko-Kore-KR" dirty="0" err="1">
+                <a:solidFill>
+                  <a:srgbClr val="000000"/>
+                </a:solidFill>
+                <a:latin typeface="DM Mono" panose="020B0509040201040103" pitchFamily="49" charset="0"/>
+              </a:rPr>
+              <a:t>strtok</a:t>
+            </a:r>
+            <a:r>
+              <a:rPr lang="en" altLang="ko-Kore-KR" dirty="0">
+                <a:solidFill>
+                  <a:srgbClr val="000000"/>
+                </a:solidFill>
+                <a:latin typeface="DM Mono" panose="020B0509040201040103" pitchFamily="49" charset="0"/>
+              </a:rPr>
+              <a:t>(</a:t>
+            </a:r>
+            <a:r>
+              <a:rPr lang="en" altLang="ko-Kore-KR" dirty="0">
+                <a:solidFill>
+                  <a:srgbClr val="BD63C5"/>
+                </a:solidFill>
+                <a:latin typeface="DM Mono" panose="020B0509040201040103" pitchFamily="49" charset="0"/>
+              </a:rPr>
+              <a:t>NULL</a:t>
+            </a:r>
+            <a:r>
+              <a:rPr lang="en" altLang="ko-Kore-KR" dirty="0">
+                <a:solidFill>
+                  <a:srgbClr val="000000"/>
+                </a:solidFill>
+                <a:latin typeface="DM Mono" panose="020B0509040201040103" pitchFamily="49" charset="0"/>
+              </a:rPr>
+              <a:t>, </a:t>
+            </a:r>
+            <a:r>
+              <a:rPr lang="en" altLang="ko-Kore-KR" dirty="0">
+                <a:solidFill>
+                  <a:srgbClr val="A31515"/>
+                </a:solidFill>
+                <a:latin typeface="DM Mono" panose="020B0509040201040103" pitchFamily="49" charset="0"/>
+              </a:rPr>
+              <a:t>" "</a:t>
+            </a:r>
+            <a:r>
+              <a:rPr lang="en" altLang="ko-Kore-KR" dirty="0">
+                <a:solidFill>
+                  <a:srgbClr val="000000"/>
+                </a:solidFill>
+                <a:latin typeface="DM Mono" panose="020B0509040201040103" pitchFamily="49" charset="0"/>
+              </a:rPr>
+              <a:t>);</a:t>
+            </a:r>
+          </a:p>
+          <a:p>
+            <a:r>
+              <a:rPr lang="en" altLang="ko-Kore-KR" dirty="0" err="1">
+                <a:solidFill>
+                  <a:srgbClr val="000000"/>
+                </a:solidFill>
+                <a:latin typeface="DM Mono" panose="020B0509040201040103" pitchFamily="49" charset="0"/>
+              </a:rPr>
+              <a:t>printf</a:t>
+            </a:r>
+            <a:r>
+              <a:rPr lang="en" altLang="ko-Kore-KR" dirty="0">
+                <a:solidFill>
+                  <a:srgbClr val="000000"/>
+                </a:solidFill>
+                <a:latin typeface="DM Mono" panose="020B0509040201040103" pitchFamily="49" charset="0"/>
+              </a:rPr>
+              <a:t>(</a:t>
+            </a:r>
+            <a:r>
+              <a:rPr lang="en" altLang="ko-Kore-KR" dirty="0">
+                <a:solidFill>
+                  <a:srgbClr val="A31515"/>
+                </a:solidFill>
+                <a:latin typeface="DM Mono" panose="020B0509040201040103" pitchFamily="49" charset="0"/>
+              </a:rPr>
+              <a:t>"%s\n"</a:t>
+            </a:r>
+            <a:r>
+              <a:rPr lang="en" altLang="ko-Kore-KR" dirty="0">
+                <a:solidFill>
+                  <a:srgbClr val="000000"/>
+                </a:solidFill>
+                <a:latin typeface="DM Mono" panose="020B0509040201040103" pitchFamily="49" charset="0"/>
+              </a:rPr>
+              <a:t>, p);</a:t>
+            </a:r>
+          </a:p>
+          <a:p>
+            <a:br>
+              <a:rPr lang="en" altLang="ko-Kore-KR" dirty="0">
+                <a:solidFill>
+                  <a:srgbClr val="000000"/>
+                </a:solidFill>
+                <a:latin typeface="DM Mono" panose="020B0509040201040103" pitchFamily="49" charset="0"/>
+              </a:rPr>
+            </a:br>
+            <a:r>
+              <a:rPr lang="en" altLang="ko-Kore-KR" dirty="0">
+                <a:solidFill>
+                  <a:srgbClr val="000000"/>
+                </a:solidFill>
+                <a:latin typeface="DM Mono" panose="020B0509040201040103" pitchFamily="49" charset="0"/>
+              </a:rPr>
+              <a:t>p = </a:t>
+            </a:r>
+            <a:r>
+              <a:rPr lang="en" altLang="ko-Kore-KR" dirty="0" err="1">
+                <a:solidFill>
+                  <a:srgbClr val="000000"/>
+                </a:solidFill>
+                <a:latin typeface="DM Mono" panose="020B0509040201040103" pitchFamily="49" charset="0"/>
+              </a:rPr>
+              <a:t>strtok</a:t>
+            </a:r>
+            <a:r>
+              <a:rPr lang="en" altLang="ko-Kore-KR" dirty="0">
+                <a:solidFill>
+                  <a:srgbClr val="000000"/>
+                </a:solidFill>
+                <a:latin typeface="DM Mono" panose="020B0509040201040103" pitchFamily="49" charset="0"/>
+              </a:rPr>
+              <a:t>(</a:t>
+            </a:r>
+            <a:r>
+              <a:rPr lang="en" altLang="ko-Kore-KR" dirty="0">
+                <a:solidFill>
+                  <a:srgbClr val="BD63C5"/>
+                </a:solidFill>
+                <a:latin typeface="DM Mono" panose="020B0509040201040103" pitchFamily="49" charset="0"/>
+              </a:rPr>
+              <a:t>NULL</a:t>
+            </a:r>
+            <a:r>
+              <a:rPr lang="en" altLang="ko-Kore-KR" dirty="0">
+                <a:solidFill>
+                  <a:srgbClr val="000000"/>
+                </a:solidFill>
+                <a:latin typeface="DM Mono" panose="020B0509040201040103" pitchFamily="49" charset="0"/>
+              </a:rPr>
+              <a:t>, </a:t>
+            </a:r>
+            <a:r>
+              <a:rPr lang="en" altLang="ko-Kore-KR" dirty="0">
+                <a:solidFill>
+                  <a:srgbClr val="A31515"/>
+                </a:solidFill>
+                <a:latin typeface="DM Mono" panose="020B0509040201040103" pitchFamily="49" charset="0"/>
+              </a:rPr>
+              <a:t>" "</a:t>
+            </a:r>
+            <a:r>
+              <a:rPr lang="en" altLang="ko-Kore-KR" dirty="0">
+                <a:solidFill>
+                  <a:srgbClr val="000000"/>
+                </a:solidFill>
+                <a:latin typeface="DM Mono" panose="020B0509040201040103" pitchFamily="49" charset="0"/>
+              </a:rPr>
+              <a:t>);</a:t>
+            </a:r>
+          </a:p>
+          <a:p>
+            <a:r>
+              <a:rPr lang="en" altLang="ko-Kore-KR" dirty="0" err="1">
+                <a:solidFill>
+                  <a:srgbClr val="000000"/>
+                </a:solidFill>
+                <a:latin typeface="DM Mono" panose="020B0509040201040103" pitchFamily="49" charset="0"/>
+              </a:rPr>
+              <a:t>printf</a:t>
+            </a:r>
+            <a:r>
+              <a:rPr lang="en" altLang="ko-Kore-KR" dirty="0">
+                <a:solidFill>
+                  <a:srgbClr val="000000"/>
+                </a:solidFill>
+                <a:latin typeface="DM Mono" panose="020B0509040201040103" pitchFamily="49" charset="0"/>
+              </a:rPr>
+              <a:t>(</a:t>
+            </a:r>
+            <a:r>
+              <a:rPr lang="en" altLang="ko-Kore-KR" dirty="0">
+                <a:solidFill>
+                  <a:srgbClr val="A31515"/>
+                </a:solidFill>
+                <a:latin typeface="DM Mono" panose="020B0509040201040103" pitchFamily="49" charset="0"/>
+              </a:rPr>
+              <a:t>"%s\n"</a:t>
+            </a:r>
+            <a:r>
+              <a:rPr lang="en" altLang="ko-Kore-KR" dirty="0">
+                <a:solidFill>
+                  <a:srgbClr val="000000"/>
+                </a:solidFill>
+                <a:latin typeface="DM Mono" panose="020B0509040201040103" pitchFamily="49" charset="0"/>
+              </a:rPr>
+              <a:t>, p);</a:t>
+            </a:r>
+          </a:p>
+          <a:p>
+            <a:br>
+              <a:rPr lang="en" altLang="ko-Kore-KR" dirty="0">
+                <a:solidFill>
+                  <a:srgbClr val="000000"/>
+                </a:solidFill>
+                <a:latin typeface="DM Mono" panose="020B0509040201040103" pitchFamily="49" charset="0"/>
+              </a:rPr>
+            </a:br>
+            <a:endParaRPr lang="en" altLang="ko-Kore-KR" b="0" dirty="0">
+              <a:solidFill>
+                <a:srgbClr val="000000"/>
+              </a:solidFill>
+              <a:effectLst/>
+              <a:latin typeface="DM Mono" panose="020B0509040201040103" pitchFamily="49" charset="0"/>
+            </a:endParaRPr>
+          </a:p>
+        </p:txBody>
+      </p:sp>
+      <p:sp>
+        <p:nvSpPr>
+          <p:cNvPr id="49" name="직사각형 48">
+            <a:extLst>
+              <a:ext uri="{FF2B5EF4-FFF2-40B4-BE49-F238E27FC236}">
+                <a16:creationId xmlns:a16="http://schemas.microsoft.com/office/drawing/2014/main" id="{A52F5495-49D6-8B45-9116-2EB1B9443405}"/>
+              </a:ext>
+            </a:extLst>
+          </p:cNvPr>
+          <p:cNvSpPr/>
+          <p:nvPr/>
+        </p:nvSpPr>
+        <p:spPr>
+          <a:xfrm>
+            <a:off x="8294125" y="2951914"/>
+            <a:ext cx="2890346" cy="2112579"/>
+          </a:xfrm>
+          <a:prstGeom prst="rect">
+            <a:avLst/>
+          </a:prstGeom>
+        </p:spPr>
+        <p:style>
+          <a:lnRef idx="2">
+            <a:schemeClr val="dk1"/>
+          </a:lnRef>
+          <a:fillRef idx="1">
+            <a:schemeClr val="lt1"/>
+          </a:fillRef>
+          <a:effectRef idx="0">
+            <a:schemeClr val="dk1"/>
+          </a:effectRef>
+          <a:fontRef idx="minor">
+            <a:schemeClr val="dk1"/>
+          </a:fontRef>
+        </p:style>
+        <p:txBody>
+          <a:bodyPr rtlCol="0" anchor="ctr"/>
+          <a:lstStyle/>
+          <a:p>
+            <a:pPr algn="ctr"/>
+            <a:endParaRPr kumimoji="1" lang="ko-Kore-KR" altLang="en-US" dirty="0"/>
+          </a:p>
+        </p:txBody>
+      </p:sp>
+      <p:sp>
+        <p:nvSpPr>
+          <p:cNvPr id="50" name="직사각형 49">
+            <a:extLst>
+              <a:ext uri="{FF2B5EF4-FFF2-40B4-BE49-F238E27FC236}">
+                <a16:creationId xmlns:a16="http://schemas.microsoft.com/office/drawing/2014/main" id="{990736A5-83BB-0C4C-954F-CCE7A5C13C8C}"/>
+              </a:ext>
+            </a:extLst>
+          </p:cNvPr>
+          <p:cNvSpPr/>
+          <p:nvPr/>
+        </p:nvSpPr>
+        <p:spPr>
+          <a:xfrm>
+            <a:off x="8318524" y="2261059"/>
+            <a:ext cx="620111" cy="630620"/>
+          </a:xfrm>
+          <a:prstGeom prst="rect">
+            <a:avLst/>
+          </a:prstGeom>
+        </p:spPr>
+        <p:style>
+          <a:lnRef idx="2">
+            <a:schemeClr val="dk1"/>
+          </a:lnRef>
+          <a:fillRef idx="1">
+            <a:schemeClr val="lt1"/>
+          </a:fillRef>
+          <a:effectRef idx="0">
+            <a:schemeClr val="dk1"/>
+          </a:effectRef>
+          <a:fontRef idx="minor">
+            <a:schemeClr val="dk1"/>
+          </a:fontRef>
+        </p:style>
+        <p:txBody>
+          <a:bodyPr rtlCol="0" anchor="ctr"/>
+          <a:lstStyle/>
+          <a:p>
+            <a:pPr algn="ctr"/>
+            <a:endParaRPr kumimoji="1" lang="ko-Kore-KR" altLang="en-US" sz="1600" dirty="0"/>
+          </a:p>
+        </p:txBody>
+      </p:sp>
+      <p:sp>
+        <p:nvSpPr>
+          <p:cNvPr id="51" name="직사각형 50">
+            <a:extLst>
+              <a:ext uri="{FF2B5EF4-FFF2-40B4-BE49-F238E27FC236}">
+                <a16:creationId xmlns:a16="http://schemas.microsoft.com/office/drawing/2014/main" id="{E39181B8-5DA2-9A44-B09D-AB18C3CF7361}"/>
+              </a:ext>
+            </a:extLst>
+          </p:cNvPr>
+          <p:cNvSpPr/>
+          <p:nvPr/>
+        </p:nvSpPr>
+        <p:spPr>
+          <a:xfrm>
+            <a:off x="8215932" y="1891727"/>
+            <a:ext cx="736099" cy="369332"/>
+          </a:xfrm>
+          <a:prstGeom prst="rect">
+            <a:avLst/>
+          </a:prstGeom>
+        </p:spPr>
+        <p:txBody>
+          <a:bodyPr wrap="none">
+            <a:spAutoFit/>
+          </a:bodyPr>
+          <a:lstStyle/>
+          <a:p>
+            <a:r>
+              <a:rPr lang="en" altLang="ko-Kore-KR" dirty="0" err="1">
+                <a:solidFill>
+                  <a:srgbClr val="000000"/>
+                </a:solidFill>
+                <a:latin typeface="DM Mono" panose="020B0509040201040103" pitchFamily="49" charset="0"/>
+              </a:rPr>
+              <a:t>gstr</a:t>
+            </a:r>
+            <a:endParaRPr lang="ko-Kore-KR" altLang="en-US" dirty="0"/>
+          </a:p>
+        </p:txBody>
+      </p:sp>
+      <p:sp>
+        <p:nvSpPr>
+          <p:cNvPr id="52" name="직사각형 51">
+            <a:extLst>
+              <a:ext uri="{FF2B5EF4-FFF2-40B4-BE49-F238E27FC236}">
+                <a16:creationId xmlns:a16="http://schemas.microsoft.com/office/drawing/2014/main" id="{EB62C1D6-CF22-A641-93C2-68D217A85A05}"/>
+              </a:ext>
+            </a:extLst>
+          </p:cNvPr>
+          <p:cNvSpPr/>
+          <p:nvPr/>
+        </p:nvSpPr>
+        <p:spPr>
+          <a:xfrm>
+            <a:off x="9496161" y="2552465"/>
+            <a:ext cx="1011815" cy="369332"/>
+          </a:xfrm>
+          <a:prstGeom prst="rect">
+            <a:avLst/>
+          </a:prstGeom>
+        </p:spPr>
+        <p:txBody>
+          <a:bodyPr wrap="none">
+            <a:spAutoFit/>
+          </a:bodyPr>
+          <a:lstStyle/>
+          <a:p>
+            <a:r>
+              <a:rPr lang="en" altLang="ko-Kore-KR" dirty="0" err="1">
+                <a:solidFill>
+                  <a:srgbClr val="000000"/>
+                </a:solidFill>
+                <a:latin typeface="DM Mono" panose="020B0509040201040103" pitchFamily="49" charset="0"/>
+              </a:rPr>
+              <a:t>strtok</a:t>
+            </a:r>
+            <a:endParaRPr lang="ko-Kore-KR" altLang="en-US" dirty="0"/>
+          </a:p>
+        </p:txBody>
+      </p:sp>
+      <p:cxnSp>
+        <p:nvCxnSpPr>
+          <p:cNvPr id="53" name="구부러진 연결선[U] 52">
+            <a:extLst>
+              <a:ext uri="{FF2B5EF4-FFF2-40B4-BE49-F238E27FC236}">
+                <a16:creationId xmlns:a16="http://schemas.microsoft.com/office/drawing/2014/main" id="{CFD33EC3-C6B6-8B45-A752-B10216024F91}"/>
+              </a:ext>
+            </a:extLst>
+          </p:cNvPr>
+          <p:cNvCxnSpPr>
+            <a:cxnSpLocks/>
+            <a:stCxn id="31" idx="3"/>
+            <a:endCxn id="24" idx="2"/>
+          </p:cNvCxnSpPr>
+          <p:nvPr/>
+        </p:nvCxnSpPr>
+        <p:spPr>
+          <a:xfrm flipV="1">
+            <a:off x="1691447" y="1270522"/>
+            <a:ext cx="1437518" cy="1740904"/>
+          </a:xfrm>
+          <a:prstGeom prst="curvedConnector2">
+            <a:avLst/>
+          </a:prstGeom>
+          <a:ln>
+            <a:tailEnd type="triangle"/>
+          </a:ln>
+        </p:spPr>
+        <p:style>
+          <a:lnRef idx="1">
+            <a:schemeClr val="dk1"/>
+          </a:lnRef>
+          <a:fillRef idx="0">
+            <a:schemeClr val="dk1"/>
+          </a:fillRef>
+          <a:effectRef idx="0">
+            <a:schemeClr val="dk1"/>
+          </a:effectRef>
+          <a:fontRef idx="minor">
+            <a:schemeClr val="tx1"/>
+          </a:fontRef>
+        </p:style>
+      </p:cxnSp>
+      <p:cxnSp>
+        <p:nvCxnSpPr>
+          <p:cNvPr id="54" name="구부러진 연결선[U] 53">
+            <a:extLst>
+              <a:ext uri="{FF2B5EF4-FFF2-40B4-BE49-F238E27FC236}">
+                <a16:creationId xmlns:a16="http://schemas.microsoft.com/office/drawing/2014/main" id="{B0A91887-DA26-644A-A2A9-F4B737EC3EDE}"/>
+              </a:ext>
+            </a:extLst>
+          </p:cNvPr>
+          <p:cNvCxnSpPr>
+            <a:cxnSpLocks/>
+            <a:stCxn id="50" idx="1"/>
+            <a:endCxn id="37" idx="2"/>
+          </p:cNvCxnSpPr>
+          <p:nvPr/>
+        </p:nvCxnSpPr>
+        <p:spPr>
+          <a:xfrm rot="10800000">
+            <a:off x="6818488" y="1267985"/>
+            <a:ext cx="1500036" cy="1308385"/>
+          </a:xfrm>
+          <a:prstGeom prst="curvedConnector2">
+            <a:avLst/>
+          </a:prstGeom>
+          <a:ln>
+            <a:tailEnd type="triangle"/>
+          </a:ln>
+        </p:spPr>
+        <p:style>
+          <a:lnRef idx="1">
+            <a:schemeClr val="dk1"/>
+          </a:lnRef>
+          <a:fillRef idx="0">
+            <a:schemeClr val="dk1"/>
+          </a:fillRef>
+          <a:effectRef idx="0">
+            <a:schemeClr val="dk1"/>
+          </a:effectRef>
+          <a:fontRef idx="minor">
+            <a:schemeClr val="tx1"/>
+          </a:fontRef>
+        </p:style>
+      </p:cxnSp>
+    </p:spTree>
+    <p:extLst>
+      <p:ext uri="{BB962C8B-B14F-4D97-AF65-F5344CB8AC3E}">
+        <p14:creationId xmlns:p14="http://schemas.microsoft.com/office/powerpoint/2010/main" val="4282611985"/>
+      </p:ext>
+    </p:extLst>
+  </p:cSld>
+  <p:clrMapOvr>
+    <a:masterClrMapping/>
+  </p:clrMapOvr>
+</p:sld>
+</file>
+
+<file path=ppt/slides/slide17.xml><?xml version="1.0" encoding="utf-8"?>
+<p:sld xmlns:a="http://schemas.openxmlformats.org/drawingml/2006/main" xmlns:r="http://schemas.openxmlformats.org/officeDocument/2006/relationships" xmlns:p="http://schemas.openxmlformats.org/presentationml/2006/main">
+  <p:cSld>
+    <p:spTree>
+      <p:nvGrpSpPr>
+        <p:cNvPr id="1" name=""/>
+        <p:cNvGrpSpPr/>
+        <p:nvPr/>
+      </p:nvGrpSpPr>
+      <p:grpSpPr>
+        <a:xfrm>
+          <a:off x="0" y="0"/>
+          <a:ext cx="0" cy="0"/>
+          <a:chOff x="0" y="0"/>
+          <a:chExt cx="0" cy="0"/>
+        </a:xfrm>
+      </p:grpSpPr>
+      <p:sp>
+        <p:nvSpPr>
+          <p:cNvPr id="21" name="직사각형 20">
+            <a:extLst>
+              <a:ext uri="{FF2B5EF4-FFF2-40B4-BE49-F238E27FC236}">
+                <a16:creationId xmlns:a16="http://schemas.microsoft.com/office/drawing/2014/main" id="{30B4AA3A-86F1-7441-BCA8-99F1B569937B}"/>
+              </a:ext>
+            </a:extLst>
+          </p:cNvPr>
+          <p:cNvSpPr/>
+          <p:nvPr/>
+        </p:nvSpPr>
+        <p:spPr>
+          <a:xfrm>
+            <a:off x="139400" y="1039255"/>
+            <a:ext cx="736099" cy="369332"/>
+          </a:xfrm>
+          <a:prstGeom prst="rect">
+            <a:avLst/>
+          </a:prstGeom>
+        </p:spPr>
+        <p:txBody>
+          <a:bodyPr wrap="none">
+            <a:spAutoFit/>
+          </a:bodyPr>
+          <a:lstStyle/>
+          <a:p>
+            <a:r>
+              <a:rPr lang="en" altLang="ko-Kore-KR" b="0" dirty="0">
+                <a:solidFill>
+                  <a:srgbClr val="000000"/>
+                </a:solidFill>
+                <a:effectLst/>
+                <a:latin typeface="DM Mono" panose="020B0509040201040103" pitchFamily="49" charset="0"/>
+              </a:rPr>
+              <a:t>main</a:t>
+            </a:r>
+            <a:endParaRPr lang="ko-Kore-KR" altLang="en-US" dirty="0"/>
+          </a:p>
+        </p:txBody>
+      </p:sp>
+      <p:sp>
+        <p:nvSpPr>
+          <p:cNvPr id="6" name="직사각형 5">
+            <a:extLst>
+              <a:ext uri="{FF2B5EF4-FFF2-40B4-BE49-F238E27FC236}">
+                <a16:creationId xmlns:a16="http://schemas.microsoft.com/office/drawing/2014/main" id="{77104849-6176-2D49-9204-39F0A32F6321}"/>
+              </a:ext>
+            </a:extLst>
+          </p:cNvPr>
+          <p:cNvSpPr/>
+          <p:nvPr/>
+        </p:nvSpPr>
+        <p:spPr>
+          <a:xfrm>
+            <a:off x="1071336" y="1576417"/>
+            <a:ext cx="620111" cy="630620"/>
+          </a:xfrm>
+          <a:prstGeom prst="rect">
+            <a:avLst/>
+          </a:prstGeom>
+        </p:spPr>
+        <p:style>
+          <a:lnRef idx="2">
+            <a:schemeClr val="dk1"/>
+          </a:lnRef>
+          <a:fillRef idx="1">
+            <a:schemeClr val="lt1"/>
+          </a:fillRef>
+          <a:effectRef idx="0">
+            <a:schemeClr val="dk1"/>
+          </a:effectRef>
+          <a:fontRef idx="minor">
+            <a:schemeClr val="dk1"/>
+          </a:fontRef>
+        </p:style>
+        <p:txBody>
+          <a:bodyPr rtlCol="0" anchor="ctr"/>
+          <a:lstStyle/>
+          <a:p>
+            <a:pPr algn="ctr"/>
+            <a:endParaRPr kumimoji="1" lang="ko-Kore-KR" altLang="en-US" sz="1600" dirty="0"/>
+          </a:p>
+        </p:txBody>
+      </p:sp>
+      <p:sp>
+        <p:nvSpPr>
+          <p:cNvPr id="12" name="직사각형 11">
+            <a:extLst>
+              <a:ext uri="{FF2B5EF4-FFF2-40B4-BE49-F238E27FC236}">
+                <a16:creationId xmlns:a16="http://schemas.microsoft.com/office/drawing/2014/main" id="{1AE101B4-2891-6B41-B19E-E369CF1619FE}"/>
+              </a:ext>
+            </a:extLst>
+          </p:cNvPr>
+          <p:cNvSpPr/>
+          <p:nvPr/>
+        </p:nvSpPr>
+        <p:spPr>
+          <a:xfrm>
+            <a:off x="1046147" y="1207085"/>
+            <a:ext cx="598241" cy="369332"/>
+          </a:xfrm>
+          <a:prstGeom prst="rect">
+            <a:avLst/>
+          </a:prstGeom>
+        </p:spPr>
+        <p:txBody>
+          <a:bodyPr wrap="none">
+            <a:spAutoFit/>
+          </a:bodyPr>
+          <a:lstStyle/>
+          <a:p>
+            <a:r>
+              <a:rPr lang="en" altLang="ko-Kore-KR" dirty="0">
+                <a:solidFill>
+                  <a:srgbClr val="000000"/>
+                </a:solidFill>
+                <a:latin typeface="DM Mono" panose="020B0509040201040103" pitchFamily="49" charset="0"/>
+              </a:rPr>
+              <a:t>str</a:t>
+            </a:r>
+            <a:endParaRPr lang="ko-Kore-KR" altLang="en-US" dirty="0"/>
+          </a:p>
+        </p:txBody>
+      </p:sp>
+      <p:sp>
+        <p:nvSpPr>
+          <p:cNvPr id="31" name="직사각형 30">
+            <a:extLst>
+              <a:ext uri="{FF2B5EF4-FFF2-40B4-BE49-F238E27FC236}">
+                <a16:creationId xmlns:a16="http://schemas.microsoft.com/office/drawing/2014/main" id="{CEB59DC5-0CC0-1542-B9F0-0B6B01C94370}"/>
+              </a:ext>
+            </a:extLst>
+          </p:cNvPr>
+          <p:cNvSpPr/>
+          <p:nvPr/>
+        </p:nvSpPr>
+        <p:spPr>
+          <a:xfrm>
+            <a:off x="1071336" y="2696116"/>
+            <a:ext cx="620111" cy="630620"/>
+          </a:xfrm>
+          <a:prstGeom prst="rect">
+            <a:avLst/>
+          </a:prstGeom>
+        </p:spPr>
+        <p:style>
+          <a:lnRef idx="2">
+            <a:schemeClr val="dk1"/>
+          </a:lnRef>
+          <a:fillRef idx="1">
+            <a:schemeClr val="lt1"/>
+          </a:fillRef>
+          <a:effectRef idx="0">
+            <a:schemeClr val="dk1"/>
+          </a:effectRef>
+          <a:fontRef idx="minor">
+            <a:schemeClr val="dk1"/>
+          </a:fontRef>
+        </p:style>
+        <p:txBody>
+          <a:bodyPr rtlCol="0" anchor="ctr"/>
+          <a:lstStyle/>
+          <a:p>
+            <a:pPr algn="ctr"/>
+            <a:endParaRPr kumimoji="1" lang="ko-Kore-KR" altLang="en-US" sz="1600" dirty="0"/>
+          </a:p>
+        </p:txBody>
+      </p:sp>
+      <p:sp>
+        <p:nvSpPr>
+          <p:cNvPr id="33" name="직사각형 32">
+            <a:extLst>
+              <a:ext uri="{FF2B5EF4-FFF2-40B4-BE49-F238E27FC236}">
+                <a16:creationId xmlns:a16="http://schemas.microsoft.com/office/drawing/2014/main" id="{771590DE-A7FC-A04B-AF01-4A5A432537C4}"/>
+              </a:ext>
+            </a:extLst>
+          </p:cNvPr>
+          <p:cNvSpPr/>
+          <p:nvPr/>
+        </p:nvSpPr>
+        <p:spPr>
+          <a:xfrm>
+            <a:off x="1046147" y="2326784"/>
+            <a:ext cx="322524" cy="369332"/>
+          </a:xfrm>
+          <a:prstGeom prst="rect">
+            <a:avLst/>
+          </a:prstGeom>
+        </p:spPr>
+        <p:txBody>
+          <a:bodyPr wrap="none">
+            <a:spAutoFit/>
+          </a:bodyPr>
+          <a:lstStyle/>
+          <a:p>
+            <a:r>
+              <a:rPr lang="en" altLang="ko-Kore-KR" dirty="0">
+                <a:solidFill>
+                  <a:srgbClr val="000000"/>
+                </a:solidFill>
+                <a:latin typeface="DM Mono" panose="020B0509040201040103" pitchFamily="49" charset="0"/>
+              </a:rPr>
+              <a:t>p</a:t>
+            </a:r>
+            <a:endParaRPr lang="ko-Kore-KR" altLang="en-US" dirty="0"/>
+          </a:p>
+        </p:txBody>
+      </p:sp>
+      <p:sp>
+        <p:nvSpPr>
+          <p:cNvPr id="24" name="직사각형 23">
+            <a:extLst>
+              <a:ext uri="{FF2B5EF4-FFF2-40B4-BE49-F238E27FC236}">
+                <a16:creationId xmlns:a16="http://schemas.microsoft.com/office/drawing/2014/main" id="{3C6FE9C9-2BEC-C648-90D5-13A26AA21101}"/>
+              </a:ext>
+            </a:extLst>
+          </p:cNvPr>
+          <p:cNvSpPr/>
+          <p:nvPr/>
+        </p:nvSpPr>
+        <p:spPr>
+          <a:xfrm>
+            <a:off x="2818909" y="639902"/>
+            <a:ext cx="620111" cy="630620"/>
+          </a:xfrm>
+          <a:prstGeom prst="rect">
+            <a:avLst/>
+          </a:prstGeom>
+        </p:spPr>
+        <p:style>
+          <a:lnRef idx="2">
+            <a:schemeClr val="dk1"/>
+          </a:lnRef>
+          <a:fillRef idx="1">
+            <a:schemeClr val="lt1"/>
+          </a:fillRef>
+          <a:effectRef idx="0">
+            <a:schemeClr val="dk1"/>
+          </a:effectRef>
+          <a:fontRef idx="minor">
+            <a:schemeClr val="dk1"/>
+          </a:fontRef>
+        </p:style>
+        <p:txBody>
+          <a:bodyPr rtlCol="0" anchor="ctr"/>
+          <a:lstStyle/>
+          <a:p>
+            <a:pPr algn="ctr"/>
+            <a:r>
+              <a:rPr kumimoji="1" lang="en-US" altLang="ko-Kore-KR" sz="1600" dirty="0"/>
+              <a:t>h</a:t>
+            </a:r>
+            <a:endParaRPr kumimoji="1" lang="ko-Kore-KR" altLang="en-US" sz="1600" dirty="0"/>
+          </a:p>
+        </p:txBody>
+      </p:sp>
+      <p:sp>
+        <p:nvSpPr>
+          <p:cNvPr id="25" name="직사각형 24">
+            <a:extLst>
+              <a:ext uri="{FF2B5EF4-FFF2-40B4-BE49-F238E27FC236}">
+                <a16:creationId xmlns:a16="http://schemas.microsoft.com/office/drawing/2014/main" id="{FB71A05C-9DDB-BC4D-9AF8-FE3F067D301E}"/>
+              </a:ext>
+            </a:extLst>
+          </p:cNvPr>
+          <p:cNvSpPr/>
+          <p:nvPr/>
+        </p:nvSpPr>
+        <p:spPr>
+          <a:xfrm>
+            <a:off x="3439020" y="639902"/>
+            <a:ext cx="620111" cy="630620"/>
+          </a:xfrm>
+          <a:prstGeom prst="rect">
+            <a:avLst/>
+          </a:prstGeom>
+        </p:spPr>
+        <p:style>
+          <a:lnRef idx="2">
+            <a:schemeClr val="dk1"/>
+          </a:lnRef>
+          <a:fillRef idx="1">
+            <a:schemeClr val="lt1"/>
+          </a:fillRef>
+          <a:effectRef idx="0">
+            <a:schemeClr val="dk1"/>
+          </a:effectRef>
+          <a:fontRef idx="minor">
+            <a:schemeClr val="dk1"/>
+          </a:fontRef>
+        </p:style>
+        <p:txBody>
+          <a:bodyPr rtlCol="0" anchor="ctr"/>
+          <a:lstStyle/>
+          <a:p>
+            <a:pPr algn="ctr"/>
+            <a:r>
+              <a:rPr kumimoji="1" lang="en-US" altLang="ko-Kore-KR" sz="1600" dirty="0"/>
+              <a:t>e</a:t>
+            </a:r>
+            <a:endParaRPr kumimoji="1" lang="ko-Kore-KR" altLang="en-US" sz="1600" dirty="0"/>
+          </a:p>
+        </p:txBody>
+      </p:sp>
+      <p:sp>
+        <p:nvSpPr>
+          <p:cNvPr id="26" name="직사각형 25">
+            <a:extLst>
+              <a:ext uri="{FF2B5EF4-FFF2-40B4-BE49-F238E27FC236}">
+                <a16:creationId xmlns:a16="http://schemas.microsoft.com/office/drawing/2014/main" id="{1ADAAE9B-671D-B644-B8C6-AD6173225A19}"/>
+              </a:ext>
+            </a:extLst>
+          </p:cNvPr>
+          <p:cNvSpPr/>
+          <p:nvPr/>
+        </p:nvSpPr>
+        <p:spPr>
+          <a:xfrm>
+            <a:off x="4059131" y="639902"/>
+            <a:ext cx="620111" cy="630620"/>
+          </a:xfrm>
+          <a:prstGeom prst="rect">
+            <a:avLst/>
+          </a:prstGeom>
+        </p:spPr>
+        <p:style>
+          <a:lnRef idx="2">
+            <a:schemeClr val="dk1"/>
+          </a:lnRef>
+          <a:fillRef idx="1">
+            <a:schemeClr val="lt1"/>
+          </a:fillRef>
+          <a:effectRef idx="0">
+            <a:schemeClr val="dk1"/>
+          </a:effectRef>
+          <a:fontRef idx="minor">
+            <a:schemeClr val="dk1"/>
+          </a:fontRef>
+        </p:style>
+        <p:txBody>
+          <a:bodyPr rtlCol="0" anchor="ctr"/>
+          <a:lstStyle/>
+          <a:p>
+            <a:pPr algn="ctr"/>
+            <a:r>
+              <a:rPr kumimoji="1" lang="en-US" altLang="ko-Kore-KR" sz="1600" dirty="0"/>
+              <a:t>l</a:t>
+            </a:r>
+            <a:endParaRPr kumimoji="1" lang="ko-Kore-KR" altLang="en-US" sz="1600" dirty="0"/>
+          </a:p>
+        </p:txBody>
+      </p:sp>
+      <p:sp>
+        <p:nvSpPr>
+          <p:cNvPr id="27" name="직사각형 26">
+            <a:extLst>
+              <a:ext uri="{FF2B5EF4-FFF2-40B4-BE49-F238E27FC236}">
+                <a16:creationId xmlns:a16="http://schemas.microsoft.com/office/drawing/2014/main" id="{A1573863-0927-0B4C-93EF-36CC693E8829}"/>
+              </a:ext>
+            </a:extLst>
+          </p:cNvPr>
+          <p:cNvSpPr/>
+          <p:nvPr/>
+        </p:nvSpPr>
+        <p:spPr>
+          <a:xfrm>
+            <a:off x="4679242" y="634384"/>
+            <a:ext cx="620111" cy="630620"/>
+          </a:xfrm>
+          <a:prstGeom prst="rect">
+            <a:avLst/>
+          </a:prstGeom>
+        </p:spPr>
+        <p:style>
+          <a:lnRef idx="2">
+            <a:schemeClr val="dk1"/>
+          </a:lnRef>
+          <a:fillRef idx="1">
+            <a:schemeClr val="lt1"/>
+          </a:fillRef>
+          <a:effectRef idx="0">
+            <a:schemeClr val="dk1"/>
+          </a:effectRef>
+          <a:fontRef idx="minor">
+            <a:schemeClr val="dk1"/>
+          </a:fontRef>
+        </p:style>
+        <p:txBody>
+          <a:bodyPr rtlCol="0" anchor="ctr"/>
+          <a:lstStyle/>
+          <a:p>
+            <a:pPr algn="ctr"/>
+            <a:r>
+              <a:rPr kumimoji="1" lang="en-US" altLang="ko-Kore-KR" sz="1600" dirty="0"/>
+              <a:t>l</a:t>
+            </a:r>
+            <a:endParaRPr kumimoji="1" lang="ko-Kore-KR" altLang="en-US" sz="1600" dirty="0"/>
+          </a:p>
+        </p:txBody>
+      </p:sp>
+      <p:sp>
+        <p:nvSpPr>
+          <p:cNvPr id="28" name="직사각형 27">
+            <a:extLst>
+              <a:ext uri="{FF2B5EF4-FFF2-40B4-BE49-F238E27FC236}">
+                <a16:creationId xmlns:a16="http://schemas.microsoft.com/office/drawing/2014/main" id="{F270F4D3-64C8-704B-8C42-27A236C7E955}"/>
+              </a:ext>
+            </a:extLst>
+          </p:cNvPr>
+          <p:cNvSpPr/>
+          <p:nvPr/>
+        </p:nvSpPr>
+        <p:spPr>
+          <a:xfrm>
+            <a:off x="5299353" y="634384"/>
+            <a:ext cx="620111" cy="630620"/>
+          </a:xfrm>
+          <a:prstGeom prst="rect">
+            <a:avLst/>
+          </a:prstGeom>
+        </p:spPr>
+        <p:style>
+          <a:lnRef idx="2">
+            <a:schemeClr val="dk1"/>
+          </a:lnRef>
+          <a:fillRef idx="1">
+            <a:schemeClr val="lt1"/>
+          </a:fillRef>
+          <a:effectRef idx="0">
+            <a:schemeClr val="dk1"/>
+          </a:effectRef>
+          <a:fontRef idx="minor">
+            <a:schemeClr val="dk1"/>
+          </a:fontRef>
+        </p:style>
+        <p:txBody>
+          <a:bodyPr rtlCol="0" anchor="ctr"/>
+          <a:lstStyle/>
+          <a:p>
+            <a:pPr algn="ctr"/>
+            <a:r>
+              <a:rPr kumimoji="1" lang="en-US" altLang="ko-Kore-KR" sz="1600" dirty="0"/>
+              <a:t>o</a:t>
+            </a:r>
+            <a:endParaRPr kumimoji="1" lang="ko-Kore-KR" altLang="en-US" sz="1600" dirty="0"/>
+          </a:p>
+        </p:txBody>
+      </p:sp>
+      <p:cxnSp>
+        <p:nvCxnSpPr>
+          <p:cNvPr id="39" name="구부러진 연결선[U] 38">
+            <a:extLst>
+              <a:ext uri="{FF2B5EF4-FFF2-40B4-BE49-F238E27FC236}">
+                <a16:creationId xmlns:a16="http://schemas.microsoft.com/office/drawing/2014/main" id="{42B77990-A44B-BB48-858F-8E21AE26A782}"/>
+              </a:ext>
+            </a:extLst>
+          </p:cNvPr>
+          <p:cNvCxnSpPr>
+            <a:cxnSpLocks/>
+            <a:stCxn id="6" idx="3"/>
+            <a:endCxn id="24" idx="1"/>
+          </p:cNvCxnSpPr>
+          <p:nvPr/>
+        </p:nvCxnSpPr>
+        <p:spPr>
+          <a:xfrm flipV="1">
+            <a:off x="1691447" y="955212"/>
+            <a:ext cx="1127462" cy="936515"/>
+          </a:xfrm>
+          <a:prstGeom prst="curvedConnector3">
+            <a:avLst>
+              <a:gd name="adj1" fmla="val 50000"/>
+            </a:avLst>
+          </a:prstGeom>
+          <a:ln>
+            <a:tailEnd type="triangle"/>
+          </a:ln>
+        </p:spPr>
+        <p:style>
+          <a:lnRef idx="1">
+            <a:schemeClr val="dk1"/>
+          </a:lnRef>
+          <a:fillRef idx="0">
+            <a:schemeClr val="dk1"/>
+          </a:fillRef>
+          <a:effectRef idx="0">
+            <a:schemeClr val="dk1"/>
+          </a:effectRef>
+          <a:fontRef idx="minor">
+            <a:schemeClr val="tx1"/>
+          </a:fontRef>
+        </p:style>
+      </p:cxnSp>
+      <p:sp>
+        <p:nvSpPr>
+          <p:cNvPr id="36" name="직사각형 35">
+            <a:extLst>
+              <a:ext uri="{FF2B5EF4-FFF2-40B4-BE49-F238E27FC236}">
+                <a16:creationId xmlns:a16="http://schemas.microsoft.com/office/drawing/2014/main" id="{34F1F9D0-3C96-6948-90F7-F5FC7DA5CE3B}"/>
+              </a:ext>
+            </a:extLst>
+          </p:cNvPr>
+          <p:cNvSpPr/>
+          <p:nvPr/>
+        </p:nvSpPr>
+        <p:spPr>
+          <a:xfrm>
+            <a:off x="5888321" y="637364"/>
+            <a:ext cx="620111" cy="630620"/>
+          </a:xfrm>
+          <a:prstGeom prst="rect">
+            <a:avLst/>
+          </a:prstGeom>
+          <a:noFill/>
+        </p:spPr>
+        <p:style>
+          <a:lnRef idx="2">
+            <a:schemeClr val="dk1"/>
+          </a:lnRef>
+          <a:fillRef idx="1">
+            <a:schemeClr val="lt1"/>
+          </a:fillRef>
+          <a:effectRef idx="0">
+            <a:schemeClr val="dk1"/>
+          </a:effectRef>
+          <a:fontRef idx="minor">
+            <a:schemeClr val="dk1"/>
+          </a:fontRef>
+        </p:style>
+        <p:txBody>
+          <a:bodyPr rtlCol="0" anchor="ctr"/>
+          <a:lstStyle/>
+          <a:p>
+            <a:pPr algn="ctr"/>
+            <a:r>
+              <a:rPr kumimoji="1" lang="en-US" altLang="ko-Kore-KR" sz="1600" dirty="0"/>
+              <a:t>\0</a:t>
+            </a:r>
+            <a:endParaRPr kumimoji="1" lang="ko-Kore-KR" altLang="en-US" sz="1600" dirty="0"/>
+          </a:p>
+        </p:txBody>
+      </p:sp>
+      <p:sp>
+        <p:nvSpPr>
+          <p:cNvPr id="37" name="직사각형 36">
+            <a:extLst>
+              <a:ext uri="{FF2B5EF4-FFF2-40B4-BE49-F238E27FC236}">
+                <a16:creationId xmlns:a16="http://schemas.microsoft.com/office/drawing/2014/main" id="{4BD8BF82-D88F-504B-9A2E-E74202012180}"/>
+              </a:ext>
+            </a:extLst>
+          </p:cNvPr>
+          <p:cNvSpPr/>
+          <p:nvPr/>
+        </p:nvSpPr>
+        <p:spPr>
+          <a:xfrm>
+            <a:off x="6508432" y="637364"/>
+            <a:ext cx="620111" cy="630620"/>
+          </a:xfrm>
+          <a:prstGeom prst="rect">
+            <a:avLst/>
+          </a:prstGeom>
+        </p:spPr>
+        <p:style>
+          <a:lnRef idx="2">
+            <a:schemeClr val="dk1"/>
+          </a:lnRef>
+          <a:fillRef idx="1">
+            <a:schemeClr val="lt1"/>
+          </a:fillRef>
+          <a:effectRef idx="0">
+            <a:schemeClr val="dk1"/>
+          </a:effectRef>
+          <a:fontRef idx="minor">
+            <a:schemeClr val="dk1"/>
+          </a:fontRef>
+        </p:style>
+        <p:txBody>
+          <a:bodyPr rtlCol="0" anchor="ctr"/>
+          <a:lstStyle/>
+          <a:p>
+            <a:pPr algn="ctr"/>
+            <a:r>
+              <a:rPr kumimoji="1" lang="en-US" altLang="ko-Kore-KR" sz="1600" dirty="0"/>
+              <a:t>s</a:t>
+            </a:r>
+            <a:endParaRPr kumimoji="1" lang="ko-Kore-KR" altLang="en-US" sz="1600" dirty="0"/>
+          </a:p>
+        </p:txBody>
+      </p:sp>
+      <p:sp>
+        <p:nvSpPr>
+          <p:cNvPr id="41" name="직사각형 40">
+            <a:extLst>
+              <a:ext uri="{FF2B5EF4-FFF2-40B4-BE49-F238E27FC236}">
+                <a16:creationId xmlns:a16="http://schemas.microsoft.com/office/drawing/2014/main" id="{AFC3FE82-8B21-F545-B585-BCA602E9E6F2}"/>
+              </a:ext>
+            </a:extLst>
+          </p:cNvPr>
+          <p:cNvSpPr/>
+          <p:nvPr/>
+        </p:nvSpPr>
+        <p:spPr>
+          <a:xfrm>
+            <a:off x="7128543" y="637364"/>
+            <a:ext cx="620111" cy="630620"/>
+          </a:xfrm>
+          <a:prstGeom prst="rect">
+            <a:avLst/>
+          </a:prstGeom>
+        </p:spPr>
+        <p:style>
+          <a:lnRef idx="2">
+            <a:schemeClr val="dk1"/>
+          </a:lnRef>
+          <a:fillRef idx="1">
+            <a:schemeClr val="lt1"/>
+          </a:fillRef>
+          <a:effectRef idx="0">
+            <a:schemeClr val="dk1"/>
+          </a:effectRef>
+          <a:fontRef idx="minor">
+            <a:schemeClr val="dk1"/>
+          </a:fontRef>
+        </p:style>
+        <p:txBody>
+          <a:bodyPr rtlCol="0" anchor="ctr"/>
+          <a:lstStyle/>
+          <a:p>
+            <a:pPr algn="ctr"/>
+            <a:r>
+              <a:rPr kumimoji="1" lang="en-US" altLang="ko-Kore-KR" sz="1600" dirty="0"/>
+              <a:t>h</a:t>
+            </a:r>
+            <a:endParaRPr kumimoji="1" lang="ko-Kore-KR" altLang="en-US" sz="1600" dirty="0"/>
+          </a:p>
+        </p:txBody>
+      </p:sp>
+      <p:sp>
+        <p:nvSpPr>
+          <p:cNvPr id="42" name="직사각형 41">
+            <a:extLst>
+              <a:ext uri="{FF2B5EF4-FFF2-40B4-BE49-F238E27FC236}">
+                <a16:creationId xmlns:a16="http://schemas.microsoft.com/office/drawing/2014/main" id="{B208296D-8D33-DA45-8F72-E87F0D8CE4D8}"/>
+              </a:ext>
+            </a:extLst>
+          </p:cNvPr>
+          <p:cNvSpPr/>
+          <p:nvPr/>
+        </p:nvSpPr>
+        <p:spPr>
+          <a:xfrm>
+            <a:off x="7748654" y="631846"/>
+            <a:ext cx="620111" cy="630620"/>
+          </a:xfrm>
+          <a:prstGeom prst="rect">
+            <a:avLst/>
+          </a:prstGeom>
+        </p:spPr>
+        <p:style>
+          <a:lnRef idx="2">
+            <a:schemeClr val="dk1"/>
+          </a:lnRef>
+          <a:fillRef idx="1">
+            <a:schemeClr val="lt1"/>
+          </a:fillRef>
+          <a:effectRef idx="0">
+            <a:schemeClr val="dk1"/>
+          </a:effectRef>
+          <a:fontRef idx="minor">
+            <a:schemeClr val="dk1"/>
+          </a:fontRef>
+        </p:style>
+        <p:txBody>
+          <a:bodyPr rtlCol="0" anchor="ctr"/>
+          <a:lstStyle/>
+          <a:p>
+            <a:pPr algn="ctr"/>
+            <a:r>
+              <a:rPr kumimoji="1" lang="en-US" altLang="ko-Kore-KR" sz="1600" dirty="0"/>
+              <a:t>o</a:t>
+            </a:r>
+            <a:endParaRPr kumimoji="1" lang="ko-Kore-KR" altLang="en-US" sz="1600" dirty="0"/>
+          </a:p>
+        </p:txBody>
+      </p:sp>
+      <p:sp>
+        <p:nvSpPr>
+          <p:cNvPr id="43" name="직사각형 42">
+            <a:extLst>
+              <a:ext uri="{FF2B5EF4-FFF2-40B4-BE49-F238E27FC236}">
+                <a16:creationId xmlns:a16="http://schemas.microsoft.com/office/drawing/2014/main" id="{EF3E0FE1-05DB-384A-A964-65B3076F79D6}"/>
+              </a:ext>
+            </a:extLst>
+          </p:cNvPr>
+          <p:cNvSpPr/>
+          <p:nvPr/>
+        </p:nvSpPr>
+        <p:spPr>
+          <a:xfrm>
+            <a:off x="8368765" y="631846"/>
+            <a:ext cx="620111" cy="630620"/>
+          </a:xfrm>
+          <a:prstGeom prst="rect">
+            <a:avLst/>
+          </a:prstGeom>
+        </p:spPr>
+        <p:style>
+          <a:lnRef idx="2">
+            <a:schemeClr val="dk1"/>
+          </a:lnRef>
+          <a:fillRef idx="1">
+            <a:schemeClr val="lt1"/>
+          </a:fillRef>
+          <a:effectRef idx="0">
+            <a:schemeClr val="dk1"/>
+          </a:effectRef>
+          <a:fontRef idx="minor">
+            <a:schemeClr val="dk1"/>
+          </a:fontRef>
+        </p:style>
+        <p:txBody>
+          <a:bodyPr rtlCol="0" anchor="ctr"/>
+          <a:lstStyle/>
+          <a:p>
+            <a:pPr algn="ctr"/>
+            <a:r>
+              <a:rPr kumimoji="1" lang="en-US" altLang="ko-Kore-KR" sz="1600" dirty="0"/>
+              <a:t>w</a:t>
+            </a:r>
+            <a:endParaRPr kumimoji="1" lang="ko-Kore-KR" altLang="en-US" sz="1600" dirty="0"/>
+          </a:p>
+        </p:txBody>
+      </p:sp>
+      <p:sp>
+        <p:nvSpPr>
+          <p:cNvPr id="44" name="직사각형 43">
+            <a:extLst>
+              <a:ext uri="{FF2B5EF4-FFF2-40B4-BE49-F238E27FC236}">
+                <a16:creationId xmlns:a16="http://schemas.microsoft.com/office/drawing/2014/main" id="{1BD0AC5C-5074-B646-A317-8EDB578A0C0A}"/>
+              </a:ext>
+            </a:extLst>
+          </p:cNvPr>
+          <p:cNvSpPr/>
+          <p:nvPr/>
+        </p:nvSpPr>
+        <p:spPr>
+          <a:xfrm>
+            <a:off x="8957733" y="634826"/>
+            <a:ext cx="620111" cy="630620"/>
+          </a:xfrm>
+          <a:prstGeom prst="rect">
+            <a:avLst/>
+          </a:prstGeom>
+          <a:solidFill>
+            <a:srgbClr val="FFC000"/>
+          </a:solidFill>
+        </p:spPr>
+        <p:style>
+          <a:lnRef idx="2">
+            <a:schemeClr val="dk1"/>
+          </a:lnRef>
+          <a:fillRef idx="1">
+            <a:schemeClr val="lt1"/>
+          </a:fillRef>
+          <a:effectRef idx="0">
+            <a:schemeClr val="dk1"/>
+          </a:effectRef>
+          <a:fontRef idx="minor">
+            <a:schemeClr val="dk1"/>
+          </a:fontRef>
+        </p:style>
+        <p:txBody>
+          <a:bodyPr rtlCol="0" anchor="ctr"/>
+          <a:lstStyle/>
+          <a:p>
+            <a:pPr algn="ctr"/>
+            <a:r>
+              <a:rPr kumimoji="1" lang="en-US" altLang="ko-Kore-KR" sz="1600" dirty="0"/>
+              <a:t>'\0’</a:t>
+            </a:r>
+            <a:endParaRPr kumimoji="1" lang="ko-Kore-KR" altLang="en-US" sz="1600" dirty="0"/>
+          </a:p>
+        </p:txBody>
+      </p:sp>
+      <p:sp>
+        <p:nvSpPr>
+          <p:cNvPr id="45" name="직사각형 44">
+            <a:extLst>
+              <a:ext uri="{FF2B5EF4-FFF2-40B4-BE49-F238E27FC236}">
+                <a16:creationId xmlns:a16="http://schemas.microsoft.com/office/drawing/2014/main" id="{A0926DCD-7203-1040-B8CC-D075A7C317FE}"/>
+              </a:ext>
+            </a:extLst>
+          </p:cNvPr>
+          <p:cNvSpPr/>
+          <p:nvPr/>
+        </p:nvSpPr>
+        <p:spPr>
+          <a:xfrm>
+            <a:off x="9577844" y="634826"/>
+            <a:ext cx="620111" cy="630620"/>
+          </a:xfrm>
+          <a:prstGeom prst="rect">
+            <a:avLst/>
+          </a:prstGeom>
+        </p:spPr>
+        <p:style>
+          <a:lnRef idx="2">
+            <a:schemeClr val="dk1"/>
+          </a:lnRef>
+          <a:fillRef idx="1">
+            <a:schemeClr val="lt1"/>
+          </a:fillRef>
+          <a:effectRef idx="0">
+            <a:schemeClr val="dk1"/>
+          </a:effectRef>
+          <a:fontRef idx="minor">
+            <a:schemeClr val="dk1"/>
+          </a:fontRef>
+        </p:style>
+        <p:txBody>
+          <a:bodyPr rtlCol="0" anchor="ctr"/>
+          <a:lstStyle/>
+          <a:p>
+            <a:pPr algn="ctr"/>
+            <a:r>
+              <a:rPr kumimoji="1" lang="en-US" altLang="ko-Kore-KR" sz="1600" dirty="0"/>
+              <a:t>e</a:t>
+            </a:r>
+            <a:endParaRPr kumimoji="1" lang="ko-Kore-KR" altLang="en-US" sz="1600" dirty="0"/>
+          </a:p>
+        </p:txBody>
+      </p:sp>
+      <p:sp>
+        <p:nvSpPr>
+          <p:cNvPr id="46" name="직사각형 45">
+            <a:extLst>
+              <a:ext uri="{FF2B5EF4-FFF2-40B4-BE49-F238E27FC236}">
+                <a16:creationId xmlns:a16="http://schemas.microsoft.com/office/drawing/2014/main" id="{89DAAAAA-1724-B440-A368-9CDF4E6F8EF4}"/>
+              </a:ext>
+            </a:extLst>
+          </p:cNvPr>
+          <p:cNvSpPr/>
+          <p:nvPr/>
+        </p:nvSpPr>
+        <p:spPr>
+          <a:xfrm>
+            <a:off x="10197955" y="634826"/>
+            <a:ext cx="620111" cy="630620"/>
+          </a:xfrm>
+          <a:prstGeom prst="rect">
+            <a:avLst/>
+          </a:prstGeom>
+        </p:spPr>
+        <p:style>
+          <a:lnRef idx="2">
+            <a:schemeClr val="dk1"/>
+          </a:lnRef>
+          <a:fillRef idx="1">
+            <a:schemeClr val="lt1"/>
+          </a:fillRef>
+          <a:effectRef idx="0">
+            <a:schemeClr val="dk1"/>
+          </a:effectRef>
+          <a:fontRef idx="minor">
+            <a:schemeClr val="dk1"/>
+          </a:fontRef>
+        </p:style>
+        <p:txBody>
+          <a:bodyPr rtlCol="0" anchor="ctr"/>
+          <a:lstStyle/>
+          <a:p>
+            <a:pPr algn="ctr"/>
+            <a:r>
+              <a:rPr kumimoji="1" lang="en-US" altLang="ko-Kore-KR" sz="1600" dirty="0"/>
+              <a:t>l</a:t>
+            </a:r>
+            <a:endParaRPr kumimoji="1" lang="ko-Kore-KR" altLang="en-US" sz="1600" dirty="0"/>
+          </a:p>
+        </p:txBody>
+      </p:sp>
+      <p:sp>
+        <p:nvSpPr>
+          <p:cNvPr id="47" name="직사각형 46">
+            <a:extLst>
+              <a:ext uri="{FF2B5EF4-FFF2-40B4-BE49-F238E27FC236}">
+                <a16:creationId xmlns:a16="http://schemas.microsoft.com/office/drawing/2014/main" id="{FB482F1D-C619-0044-9E14-9328D89B937A}"/>
+              </a:ext>
+            </a:extLst>
+          </p:cNvPr>
+          <p:cNvSpPr/>
+          <p:nvPr/>
+        </p:nvSpPr>
+        <p:spPr>
+          <a:xfrm>
+            <a:off x="10818066" y="629308"/>
+            <a:ext cx="620111" cy="630620"/>
+          </a:xfrm>
+          <a:prstGeom prst="rect">
+            <a:avLst/>
+          </a:prstGeom>
+        </p:spPr>
+        <p:style>
+          <a:lnRef idx="2">
+            <a:schemeClr val="dk1"/>
+          </a:lnRef>
+          <a:fillRef idx="1">
+            <a:schemeClr val="lt1"/>
+          </a:fillRef>
+          <a:effectRef idx="0">
+            <a:schemeClr val="dk1"/>
+          </a:effectRef>
+          <a:fontRef idx="minor">
+            <a:schemeClr val="dk1"/>
+          </a:fontRef>
+        </p:style>
+        <p:txBody>
+          <a:bodyPr rtlCol="0" anchor="ctr"/>
+          <a:lstStyle/>
+          <a:p>
+            <a:pPr algn="ctr"/>
+            <a:r>
+              <a:rPr kumimoji="1" lang="en-US" altLang="ko-Kore-KR" sz="1600" dirty="0"/>
+              <a:t>l</a:t>
+            </a:r>
+            <a:endParaRPr kumimoji="1" lang="ko-Kore-KR" altLang="en-US" sz="1600" dirty="0"/>
+          </a:p>
+        </p:txBody>
+      </p:sp>
+      <p:sp>
+        <p:nvSpPr>
+          <p:cNvPr id="48" name="직사각형 47">
+            <a:extLst>
+              <a:ext uri="{FF2B5EF4-FFF2-40B4-BE49-F238E27FC236}">
+                <a16:creationId xmlns:a16="http://schemas.microsoft.com/office/drawing/2014/main" id="{7A8918B2-5094-CA48-AECA-43199A1CC4CC}"/>
+              </a:ext>
+            </a:extLst>
+          </p:cNvPr>
+          <p:cNvSpPr/>
+          <p:nvPr/>
+        </p:nvSpPr>
+        <p:spPr>
+          <a:xfrm>
+            <a:off x="11438177" y="629308"/>
+            <a:ext cx="620111" cy="630620"/>
+          </a:xfrm>
+          <a:prstGeom prst="rect">
+            <a:avLst/>
+          </a:prstGeom>
+        </p:spPr>
+        <p:style>
+          <a:lnRef idx="2">
+            <a:schemeClr val="dk1"/>
+          </a:lnRef>
+          <a:fillRef idx="1">
+            <a:schemeClr val="lt1"/>
+          </a:fillRef>
+          <a:effectRef idx="0">
+            <a:schemeClr val="dk1"/>
+          </a:effectRef>
+          <a:fontRef idx="minor">
+            <a:schemeClr val="dk1"/>
+          </a:fontRef>
+        </p:style>
+        <p:txBody>
+          <a:bodyPr rtlCol="0" anchor="ctr"/>
+          <a:lstStyle/>
+          <a:p>
+            <a:pPr algn="ctr"/>
+            <a:r>
+              <a:rPr kumimoji="1" lang="en-US" altLang="ko-Kore-KR" sz="1600" dirty="0"/>
+              <a:t>\0</a:t>
+            </a:r>
+            <a:endParaRPr kumimoji="1" lang="ko-Kore-KR" altLang="en-US" sz="1600" dirty="0"/>
+          </a:p>
+        </p:txBody>
+      </p:sp>
+      <p:sp>
+        <p:nvSpPr>
+          <p:cNvPr id="7" name="직사각형 6">
+            <a:extLst>
+              <a:ext uri="{FF2B5EF4-FFF2-40B4-BE49-F238E27FC236}">
+                <a16:creationId xmlns:a16="http://schemas.microsoft.com/office/drawing/2014/main" id="{B36FE629-10AB-5B44-AE46-97589632642B}"/>
+              </a:ext>
+            </a:extLst>
+          </p:cNvPr>
+          <p:cNvSpPr/>
+          <p:nvPr/>
+        </p:nvSpPr>
+        <p:spPr>
+          <a:xfrm>
+            <a:off x="3048000" y="1997839"/>
+            <a:ext cx="6096000" cy="2862322"/>
+          </a:xfrm>
+          <a:prstGeom prst="rect">
+            <a:avLst/>
+          </a:prstGeom>
+        </p:spPr>
+        <p:txBody>
+          <a:bodyPr>
+            <a:spAutoFit/>
+          </a:bodyPr>
+          <a:lstStyle/>
+          <a:p>
+            <a:r>
+              <a:rPr lang="en" altLang="ko-Kore-KR" dirty="0">
+                <a:latin typeface="DM Mono" panose="020B0509040201040103" pitchFamily="49" charset="0"/>
+              </a:rPr>
+              <a:t>char* p = </a:t>
+            </a:r>
+            <a:r>
+              <a:rPr lang="en" altLang="ko-Kore-KR" dirty="0" err="1">
+                <a:latin typeface="DM Mono" panose="020B0509040201040103" pitchFamily="49" charset="0"/>
+              </a:rPr>
+              <a:t>strtok</a:t>
+            </a:r>
+            <a:r>
+              <a:rPr lang="en" altLang="ko-Kore-KR" dirty="0">
+                <a:latin typeface="DM Mono" panose="020B0509040201040103" pitchFamily="49" charset="0"/>
+              </a:rPr>
+              <a:t>(str, " ");</a:t>
+            </a:r>
+          </a:p>
+          <a:p>
+            <a:r>
+              <a:rPr lang="en" altLang="ko-Kore-KR" dirty="0" err="1">
+                <a:solidFill>
+                  <a:srgbClr val="000000"/>
+                </a:solidFill>
+                <a:latin typeface="DM Mono" panose="020B0509040201040103" pitchFamily="49" charset="0"/>
+              </a:rPr>
+              <a:t>printf</a:t>
+            </a:r>
+            <a:r>
+              <a:rPr lang="en" altLang="ko-Kore-KR" dirty="0">
+                <a:solidFill>
+                  <a:srgbClr val="000000"/>
+                </a:solidFill>
+                <a:latin typeface="DM Mono" panose="020B0509040201040103" pitchFamily="49" charset="0"/>
+              </a:rPr>
+              <a:t>(</a:t>
+            </a:r>
+            <a:r>
+              <a:rPr lang="en" altLang="ko-Kore-KR" dirty="0">
+                <a:solidFill>
+                  <a:srgbClr val="A31515"/>
+                </a:solidFill>
+                <a:latin typeface="DM Mono" panose="020B0509040201040103" pitchFamily="49" charset="0"/>
+              </a:rPr>
+              <a:t>"%s\n"</a:t>
+            </a:r>
+            <a:r>
+              <a:rPr lang="en" altLang="ko-Kore-KR" dirty="0">
+                <a:solidFill>
+                  <a:srgbClr val="000000"/>
+                </a:solidFill>
+                <a:latin typeface="DM Mono" panose="020B0509040201040103" pitchFamily="49" charset="0"/>
+              </a:rPr>
+              <a:t>, p);</a:t>
+            </a:r>
+          </a:p>
+          <a:p>
+            <a:br>
+              <a:rPr lang="en" altLang="ko-Kore-KR" dirty="0">
+                <a:solidFill>
+                  <a:srgbClr val="FF0000"/>
+                </a:solidFill>
+                <a:latin typeface="DM Mono" panose="020B0509040201040103" pitchFamily="49" charset="0"/>
+              </a:rPr>
+            </a:br>
+            <a:r>
+              <a:rPr lang="en" altLang="ko-Kore-KR" dirty="0">
+                <a:solidFill>
+                  <a:srgbClr val="FF0000"/>
+                </a:solidFill>
+                <a:latin typeface="DM Mono" panose="020B0509040201040103" pitchFamily="49" charset="0"/>
+              </a:rPr>
+              <a:t>p = </a:t>
+            </a:r>
+            <a:r>
+              <a:rPr lang="en" altLang="ko-Kore-KR" dirty="0" err="1">
+                <a:solidFill>
+                  <a:srgbClr val="FF0000"/>
+                </a:solidFill>
+                <a:latin typeface="DM Mono" panose="020B0509040201040103" pitchFamily="49" charset="0"/>
+              </a:rPr>
+              <a:t>strtok</a:t>
+            </a:r>
+            <a:r>
+              <a:rPr lang="en" altLang="ko-Kore-KR" dirty="0">
+                <a:solidFill>
+                  <a:srgbClr val="FF0000"/>
+                </a:solidFill>
+                <a:latin typeface="DM Mono" panose="020B0509040201040103" pitchFamily="49" charset="0"/>
+              </a:rPr>
+              <a:t>(NULL, " ");</a:t>
+            </a:r>
+          </a:p>
+          <a:p>
+            <a:r>
+              <a:rPr lang="en" altLang="ko-Kore-KR" dirty="0" err="1">
+                <a:solidFill>
+                  <a:srgbClr val="000000"/>
+                </a:solidFill>
+                <a:latin typeface="DM Mono" panose="020B0509040201040103" pitchFamily="49" charset="0"/>
+              </a:rPr>
+              <a:t>printf</a:t>
+            </a:r>
+            <a:r>
+              <a:rPr lang="en" altLang="ko-Kore-KR" dirty="0">
+                <a:solidFill>
+                  <a:srgbClr val="000000"/>
+                </a:solidFill>
+                <a:latin typeface="DM Mono" panose="020B0509040201040103" pitchFamily="49" charset="0"/>
+              </a:rPr>
+              <a:t>(</a:t>
+            </a:r>
+            <a:r>
+              <a:rPr lang="en" altLang="ko-Kore-KR" dirty="0">
+                <a:solidFill>
+                  <a:srgbClr val="A31515"/>
+                </a:solidFill>
+                <a:latin typeface="DM Mono" panose="020B0509040201040103" pitchFamily="49" charset="0"/>
+              </a:rPr>
+              <a:t>"%s\n"</a:t>
+            </a:r>
+            <a:r>
+              <a:rPr lang="en" altLang="ko-Kore-KR" dirty="0">
+                <a:solidFill>
+                  <a:srgbClr val="000000"/>
+                </a:solidFill>
+                <a:latin typeface="DM Mono" panose="020B0509040201040103" pitchFamily="49" charset="0"/>
+              </a:rPr>
+              <a:t>, p);</a:t>
+            </a:r>
+          </a:p>
+          <a:p>
+            <a:br>
+              <a:rPr lang="en" altLang="ko-Kore-KR" dirty="0">
+                <a:solidFill>
+                  <a:srgbClr val="000000"/>
+                </a:solidFill>
+                <a:latin typeface="DM Mono" panose="020B0509040201040103" pitchFamily="49" charset="0"/>
+              </a:rPr>
+            </a:br>
+            <a:r>
+              <a:rPr lang="en" altLang="ko-Kore-KR" dirty="0">
+                <a:solidFill>
+                  <a:srgbClr val="000000"/>
+                </a:solidFill>
+                <a:latin typeface="DM Mono" panose="020B0509040201040103" pitchFamily="49" charset="0"/>
+              </a:rPr>
+              <a:t>p = </a:t>
+            </a:r>
+            <a:r>
+              <a:rPr lang="en" altLang="ko-Kore-KR" dirty="0" err="1">
+                <a:solidFill>
+                  <a:srgbClr val="000000"/>
+                </a:solidFill>
+                <a:latin typeface="DM Mono" panose="020B0509040201040103" pitchFamily="49" charset="0"/>
+              </a:rPr>
+              <a:t>strtok</a:t>
+            </a:r>
+            <a:r>
+              <a:rPr lang="en" altLang="ko-Kore-KR" dirty="0">
+                <a:solidFill>
+                  <a:srgbClr val="000000"/>
+                </a:solidFill>
+                <a:latin typeface="DM Mono" panose="020B0509040201040103" pitchFamily="49" charset="0"/>
+              </a:rPr>
+              <a:t>(</a:t>
+            </a:r>
+            <a:r>
+              <a:rPr lang="en" altLang="ko-Kore-KR" dirty="0">
+                <a:solidFill>
+                  <a:srgbClr val="BD63C5"/>
+                </a:solidFill>
+                <a:latin typeface="DM Mono" panose="020B0509040201040103" pitchFamily="49" charset="0"/>
+              </a:rPr>
+              <a:t>NULL</a:t>
+            </a:r>
+            <a:r>
+              <a:rPr lang="en" altLang="ko-Kore-KR" dirty="0">
+                <a:solidFill>
+                  <a:srgbClr val="000000"/>
+                </a:solidFill>
+                <a:latin typeface="DM Mono" panose="020B0509040201040103" pitchFamily="49" charset="0"/>
+              </a:rPr>
+              <a:t>, </a:t>
+            </a:r>
+            <a:r>
+              <a:rPr lang="en" altLang="ko-Kore-KR" dirty="0">
+                <a:solidFill>
+                  <a:srgbClr val="A31515"/>
+                </a:solidFill>
+                <a:latin typeface="DM Mono" panose="020B0509040201040103" pitchFamily="49" charset="0"/>
+              </a:rPr>
+              <a:t>" "</a:t>
+            </a:r>
+            <a:r>
+              <a:rPr lang="en" altLang="ko-Kore-KR" dirty="0">
+                <a:solidFill>
+                  <a:srgbClr val="000000"/>
+                </a:solidFill>
+                <a:latin typeface="DM Mono" panose="020B0509040201040103" pitchFamily="49" charset="0"/>
+              </a:rPr>
+              <a:t>);</a:t>
+            </a:r>
+          </a:p>
+          <a:p>
+            <a:r>
+              <a:rPr lang="en" altLang="ko-Kore-KR" dirty="0" err="1">
+                <a:solidFill>
+                  <a:srgbClr val="000000"/>
+                </a:solidFill>
+                <a:latin typeface="DM Mono" panose="020B0509040201040103" pitchFamily="49" charset="0"/>
+              </a:rPr>
+              <a:t>printf</a:t>
+            </a:r>
+            <a:r>
+              <a:rPr lang="en" altLang="ko-Kore-KR" dirty="0">
+                <a:solidFill>
+                  <a:srgbClr val="000000"/>
+                </a:solidFill>
+                <a:latin typeface="DM Mono" panose="020B0509040201040103" pitchFamily="49" charset="0"/>
+              </a:rPr>
+              <a:t>(</a:t>
+            </a:r>
+            <a:r>
+              <a:rPr lang="en" altLang="ko-Kore-KR" dirty="0">
+                <a:solidFill>
+                  <a:srgbClr val="A31515"/>
+                </a:solidFill>
+                <a:latin typeface="DM Mono" panose="020B0509040201040103" pitchFamily="49" charset="0"/>
+              </a:rPr>
+              <a:t>"%s\n"</a:t>
+            </a:r>
+            <a:r>
+              <a:rPr lang="en" altLang="ko-Kore-KR" dirty="0">
+                <a:solidFill>
+                  <a:srgbClr val="000000"/>
+                </a:solidFill>
+                <a:latin typeface="DM Mono" panose="020B0509040201040103" pitchFamily="49" charset="0"/>
+              </a:rPr>
+              <a:t>, p);</a:t>
+            </a:r>
+          </a:p>
+          <a:p>
+            <a:br>
+              <a:rPr lang="en" altLang="ko-Kore-KR" dirty="0">
+                <a:solidFill>
+                  <a:srgbClr val="000000"/>
+                </a:solidFill>
+                <a:latin typeface="DM Mono" panose="020B0509040201040103" pitchFamily="49" charset="0"/>
+              </a:rPr>
+            </a:br>
+            <a:endParaRPr lang="en" altLang="ko-Kore-KR" b="0" dirty="0">
+              <a:solidFill>
+                <a:srgbClr val="000000"/>
+              </a:solidFill>
+              <a:effectLst/>
+              <a:latin typeface="DM Mono" panose="020B0509040201040103" pitchFamily="49" charset="0"/>
+            </a:endParaRPr>
+          </a:p>
+        </p:txBody>
+      </p:sp>
+      <p:sp>
+        <p:nvSpPr>
+          <p:cNvPr id="49" name="직사각형 48">
+            <a:extLst>
+              <a:ext uri="{FF2B5EF4-FFF2-40B4-BE49-F238E27FC236}">
+                <a16:creationId xmlns:a16="http://schemas.microsoft.com/office/drawing/2014/main" id="{A52F5495-49D6-8B45-9116-2EB1B9443405}"/>
+              </a:ext>
+            </a:extLst>
+          </p:cNvPr>
+          <p:cNvSpPr/>
+          <p:nvPr/>
+        </p:nvSpPr>
+        <p:spPr>
+          <a:xfrm>
+            <a:off x="8294125" y="2951914"/>
+            <a:ext cx="2890346" cy="2112579"/>
+          </a:xfrm>
+          <a:prstGeom prst="rect">
+            <a:avLst/>
+          </a:prstGeom>
+        </p:spPr>
+        <p:style>
+          <a:lnRef idx="2">
+            <a:schemeClr val="dk1"/>
+          </a:lnRef>
+          <a:fillRef idx="1">
+            <a:schemeClr val="lt1"/>
+          </a:fillRef>
+          <a:effectRef idx="0">
+            <a:schemeClr val="dk1"/>
+          </a:effectRef>
+          <a:fontRef idx="minor">
+            <a:schemeClr val="dk1"/>
+          </a:fontRef>
+        </p:style>
+        <p:txBody>
+          <a:bodyPr rtlCol="0" anchor="ctr"/>
+          <a:lstStyle/>
+          <a:p>
+            <a:pPr algn="ctr"/>
+            <a:endParaRPr kumimoji="1" lang="ko-Kore-KR" altLang="en-US" dirty="0"/>
+          </a:p>
+        </p:txBody>
+      </p:sp>
+      <p:sp>
+        <p:nvSpPr>
+          <p:cNvPr id="50" name="직사각형 49">
+            <a:extLst>
+              <a:ext uri="{FF2B5EF4-FFF2-40B4-BE49-F238E27FC236}">
+                <a16:creationId xmlns:a16="http://schemas.microsoft.com/office/drawing/2014/main" id="{990736A5-83BB-0C4C-954F-CCE7A5C13C8C}"/>
+              </a:ext>
+            </a:extLst>
+          </p:cNvPr>
+          <p:cNvSpPr/>
+          <p:nvPr/>
+        </p:nvSpPr>
+        <p:spPr>
+          <a:xfrm>
+            <a:off x="8318524" y="2261059"/>
+            <a:ext cx="620111" cy="630620"/>
+          </a:xfrm>
+          <a:prstGeom prst="rect">
+            <a:avLst/>
+          </a:prstGeom>
+        </p:spPr>
+        <p:style>
+          <a:lnRef idx="2">
+            <a:schemeClr val="dk1"/>
+          </a:lnRef>
+          <a:fillRef idx="1">
+            <a:schemeClr val="lt1"/>
+          </a:fillRef>
+          <a:effectRef idx="0">
+            <a:schemeClr val="dk1"/>
+          </a:effectRef>
+          <a:fontRef idx="minor">
+            <a:schemeClr val="dk1"/>
+          </a:fontRef>
+        </p:style>
+        <p:txBody>
+          <a:bodyPr rtlCol="0" anchor="ctr"/>
+          <a:lstStyle/>
+          <a:p>
+            <a:pPr algn="ctr"/>
+            <a:endParaRPr kumimoji="1" lang="ko-Kore-KR" altLang="en-US" sz="1600" dirty="0"/>
+          </a:p>
+        </p:txBody>
+      </p:sp>
+      <p:sp>
+        <p:nvSpPr>
+          <p:cNvPr id="51" name="직사각형 50">
+            <a:extLst>
+              <a:ext uri="{FF2B5EF4-FFF2-40B4-BE49-F238E27FC236}">
+                <a16:creationId xmlns:a16="http://schemas.microsoft.com/office/drawing/2014/main" id="{E39181B8-5DA2-9A44-B09D-AB18C3CF7361}"/>
+              </a:ext>
+            </a:extLst>
+          </p:cNvPr>
+          <p:cNvSpPr/>
+          <p:nvPr/>
+        </p:nvSpPr>
+        <p:spPr>
+          <a:xfrm>
+            <a:off x="8215932" y="1891727"/>
+            <a:ext cx="736099" cy="369332"/>
+          </a:xfrm>
+          <a:prstGeom prst="rect">
+            <a:avLst/>
+          </a:prstGeom>
+        </p:spPr>
+        <p:txBody>
+          <a:bodyPr wrap="none">
+            <a:spAutoFit/>
+          </a:bodyPr>
+          <a:lstStyle/>
+          <a:p>
+            <a:r>
+              <a:rPr lang="en" altLang="ko-Kore-KR" dirty="0" err="1">
+                <a:solidFill>
+                  <a:srgbClr val="000000"/>
+                </a:solidFill>
+                <a:latin typeface="DM Mono" panose="020B0509040201040103" pitchFamily="49" charset="0"/>
+              </a:rPr>
+              <a:t>gstr</a:t>
+            </a:r>
+            <a:endParaRPr lang="ko-Kore-KR" altLang="en-US" dirty="0"/>
+          </a:p>
+        </p:txBody>
+      </p:sp>
+      <p:sp>
+        <p:nvSpPr>
+          <p:cNvPr id="52" name="직사각형 51">
+            <a:extLst>
+              <a:ext uri="{FF2B5EF4-FFF2-40B4-BE49-F238E27FC236}">
+                <a16:creationId xmlns:a16="http://schemas.microsoft.com/office/drawing/2014/main" id="{EB62C1D6-CF22-A641-93C2-68D217A85A05}"/>
+              </a:ext>
+            </a:extLst>
+          </p:cNvPr>
+          <p:cNvSpPr/>
+          <p:nvPr/>
+        </p:nvSpPr>
+        <p:spPr>
+          <a:xfrm>
+            <a:off x="9496161" y="2552465"/>
+            <a:ext cx="1011815" cy="369332"/>
+          </a:xfrm>
+          <a:prstGeom prst="rect">
+            <a:avLst/>
+          </a:prstGeom>
+        </p:spPr>
+        <p:txBody>
+          <a:bodyPr wrap="none">
+            <a:spAutoFit/>
+          </a:bodyPr>
+          <a:lstStyle/>
+          <a:p>
+            <a:r>
+              <a:rPr lang="en" altLang="ko-Kore-KR" dirty="0" err="1">
+                <a:solidFill>
+                  <a:srgbClr val="000000"/>
+                </a:solidFill>
+                <a:latin typeface="DM Mono" panose="020B0509040201040103" pitchFamily="49" charset="0"/>
+              </a:rPr>
+              <a:t>strtok</a:t>
+            </a:r>
+            <a:endParaRPr lang="ko-Kore-KR" altLang="en-US" dirty="0"/>
+          </a:p>
+        </p:txBody>
+      </p:sp>
+      <p:cxnSp>
+        <p:nvCxnSpPr>
+          <p:cNvPr id="53" name="구부러진 연결선[U] 52">
+            <a:extLst>
+              <a:ext uri="{FF2B5EF4-FFF2-40B4-BE49-F238E27FC236}">
+                <a16:creationId xmlns:a16="http://schemas.microsoft.com/office/drawing/2014/main" id="{CFD33EC3-C6B6-8B45-A752-B10216024F91}"/>
+              </a:ext>
+            </a:extLst>
+          </p:cNvPr>
+          <p:cNvCxnSpPr>
+            <a:cxnSpLocks/>
+            <a:stCxn id="31" idx="3"/>
+            <a:endCxn id="37" idx="2"/>
+          </p:cNvCxnSpPr>
+          <p:nvPr/>
+        </p:nvCxnSpPr>
+        <p:spPr>
+          <a:xfrm flipV="1">
+            <a:off x="1691447" y="1267984"/>
+            <a:ext cx="5127041" cy="1743442"/>
+          </a:xfrm>
+          <a:prstGeom prst="curvedConnector2">
+            <a:avLst/>
+          </a:prstGeom>
+          <a:ln>
+            <a:tailEnd type="triangle"/>
+          </a:ln>
+        </p:spPr>
+        <p:style>
+          <a:lnRef idx="1">
+            <a:schemeClr val="dk1"/>
+          </a:lnRef>
+          <a:fillRef idx="0">
+            <a:schemeClr val="dk1"/>
+          </a:fillRef>
+          <a:effectRef idx="0">
+            <a:schemeClr val="dk1"/>
+          </a:effectRef>
+          <a:fontRef idx="minor">
+            <a:schemeClr val="tx1"/>
+          </a:fontRef>
+        </p:style>
+      </p:cxnSp>
+      <p:cxnSp>
+        <p:nvCxnSpPr>
+          <p:cNvPr id="54" name="구부러진 연결선[U] 53">
+            <a:extLst>
+              <a:ext uri="{FF2B5EF4-FFF2-40B4-BE49-F238E27FC236}">
+                <a16:creationId xmlns:a16="http://schemas.microsoft.com/office/drawing/2014/main" id="{B0A91887-DA26-644A-A2A9-F4B737EC3EDE}"/>
+              </a:ext>
+            </a:extLst>
+          </p:cNvPr>
+          <p:cNvCxnSpPr>
+            <a:cxnSpLocks/>
+            <a:stCxn id="50" idx="1"/>
+            <a:endCxn id="45" idx="2"/>
+          </p:cNvCxnSpPr>
+          <p:nvPr/>
+        </p:nvCxnSpPr>
+        <p:spPr>
+          <a:xfrm rot="10800000" flipH="1">
+            <a:off x="8318524" y="1265447"/>
+            <a:ext cx="1569376" cy="1310923"/>
+          </a:xfrm>
+          <a:prstGeom prst="curvedConnector4">
+            <a:avLst>
+              <a:gd name="adj1" fmla="val -14566"/>
+              <a:gd name="adj2" fmla="val 62026"/>
+            </a:avLst>
+          </a:prstGeom>
+          <a:ln>
+            <a:tailEnd type="triangle"/>
+          </a:ln>
+        </p:spPr>
+        <p:style>
+          <a:lnRef idx="1">
+            <a:schemeClr val="dk1"/>
+          </a:lnRef>
+          <a:fillRef idx="0">
+            <a:schemeClr val="dk1"/>
+          </a:fillRef>
+          <a:effectRef idx="0">
+            <a:schemeClr val="dk1"/>
+          </a:effectRef>
+          <a:fontRef idx="minor">
+            <a:schemeClr val="tx1"/>
+          </a:fontRef>
+        </p:style>
+      </p:cxnSp>
+    </p:spTree>
+    <p:extLst>
+      <p:ext uri="{BB962C8B-B14F-4D97-AF65-F5344CB8AC3E}">
+        <p14:creationId xmlns:p14="http://schemas.microsoft.com/office/powerpoint/2010/main" val="2729879930"/>
       </p:ext>
     </p:extLst>
   </p:cSld>

--- a/220117.pptx
+++ b/220117.pptx
@@ -22,6 +22,7 @@
     <p:sldId id="270" r:id="rId16"/>
     <p:sldId id="271" r:id="rId17"/>
     <p:sldId id="272" r:id="rId18"/>
+    <p:sldId id="273" r:id="rId19"/>
   </p:sldIdLst>
   <p:sldSz cx="12192000" cy="6858000"/>
   <p:notesSz cx="6858000" cy="9144000"/>
@@ -12991,6 +12992,337 @@
     <p:extLst>
       <p:ext uri="{BB962C8B-B14F-4D97-AF65-F5344CB8AC3E}">
         <p14:creationId xmlns:p14="http://schemas.microsoft.com/office/powerpoint/2010/main" val="2729879930"/>
+      </p:ext>
+    </p:extLst>
+  </p:cSld>
+  <p:clrMapOvr>
+    <a:masterClrMapping/>
+  </p:clrMapOvr>
+</p:sld>
+</file>
+
+<file path=ppt/slides/slide18.xml><?xml version="1.0" encoding="utf-8"?>
+<p:sld xmlns:a="http://schemas.openxmlformats.org/drawingml/2006/main" xmlns:r="http://schemas.openxmlformats.org/officeDocument/2006/relationships" xmlns:p="http://schemas.openxmlformats.org/presentationml/2006/main">
+  <p:cSld>
+    <p:spTree>
+      <p:nvGrpSpPr>
+        <p:cNvPr id="1" name=""/>
+        <p:cNvGrpSpPr/>
+        <p:nvPr/>
+      </p:nvGrpSpPr>
+      <p:grpSpPr>
+        <a:xfrm>
+          <a:off x="0" y="0"/>
+          <a:ext cx="0" cy="0"/>
+          <a:chOff x="0" y="0"/>
+          <a:chExt cx="0" cy="0"/>
+        </a:xfrm>
+      </p:grpSpPr>
+      <p:sp>
+        <p:nvSpPr>
+          <p:cNvPr id="21" name="직사각형 20">
+            <a:extLst>
+              <a:ext uri="{FF2B5EF4-FFF2-40B4-BE49-F238E27FC236}">
+                <a16:creationId xmlns:a16="http://schemas.microsoft.com/office/drawing/2014/main" id="{30B4AA3A-86F1-7441-BCA8-99F1B569937B}"/>
+              </a:ext>
+            </a:extLst>
+          </p:cNvPr>
+          <p:cNvSpPr/>
+          <p:nvPr/>
+        </p:nvSpPr>
+        <p:spPr>
+          <a:xfrm>
+            <a:off x="139400" y="1039255"/>
+            <a:ext cx="736099" cy="369332"/>
+          </a:xfrm>
+          <a:prstGeom prst="rect">
+            <a:avLst/>
+          </a:prstGeom>
+        </p:spPr>
+        <p:txBody>
+          <a:bodyPr wrap="none">
+            <a:spAutoFit/>
+          </a:bodyPr>
+          <a:lstStyle/>
+          <a:p>
+            <a:r>
+              <a:rPr lang="en" altLang="ko-Kore-KR" b="0" dirty="0">
+                <a:solidFill>
+                  <a:srgbClr val="000000"/>
+                </a:solidFill>
+                <a:effectLst/>
+                <a:latin typeface="DM Mono" panose="020B0509040201040103" pitchFamily="49" charset="0"/>
+              </a:rPr>
+              <a:t>main</a:t>
+            </a:r>
+            <a:endParaRPr lang="ko-Kore-KR" altLang="en-US" dirty="0"/>
+          </a:p>
+        </p:txBody>
+      </p:sp>
+      <p:sp>
+        <p:nvSpPr>
+          <p:cNvPr id="6" name="직사각형 5">
+            <a:extLst>
+              <a:ext uri="{FF2B5EF4-FFF2-40B4-BE49-F238E27FC236}">
+                <a16:creationId xmlns:a16="http://schemas.microsoft.com/office/drawing/2014/main" id="{77104849-6176-2D49-9204-39F0A32F6321}"/>
+              </a:ext>
+            </a:extLst>
+          </p:cNvPr>
+          <p:cNvSpPr/>
+          <p:nvPr/>
+        </p:nvSpPr>
+        <p:spPr>
+          <a:xfrm>
+            <a:off x="1071336" y="1576417"/>
+            <a:ext cx="620111" cy="630620"/>
+          </a:xfrm>
+          <a:prstGeom prst="rect">
+            <a:avLst/>
+          </a:prstGeom>
+        </p:spPr>
+        <p:style>
+          <a:lnRef idx="2">
+            <a:schemeClr val="dk1"/>
+          </a:lnRef>
+          <a:fillRef idx="1">
+            <a:schemeClr val="lt1"/>
+          </a:fillRef>
+          <a:effectRef idx="0">
+            <a:schemeClr val="dk1"/>
+          </a:effectRef>
+          <a:fontRef idx="minor">
+            <a:schemeClr val="dk1"/>
+          </a:fontRef>
+        </p:style>
+        <p:txBody>
+          <a:bodyPr rtlCol="0" anchor="ctr"/>
+          <a:lstStyle/>
+          <a:p>
+            <a:pPr algn="ctr"/>
+            <a:r>
+              <a:rPr kumimoji="1" lang="en-US" altLang="ko-Kore-KR" sz="1600" dirty="0"/>
+              <a:t>2</a:t>
+            </a:r>
+            <a:endParaRPr kumimoji="1" lang="ko-Kore-KR" altLang="en-US" sz="1600" dirty="0"/>
+          </a:p>
+        </p:txBody>
+      </p:sp>
+      <p:sp>
+        <p:nvSpPr>
+          <p:cNvPr id="12" name="직사각형 11">
+            <a:extLst>
+              <a:ext uri="{FF2B5EF4-FFF2-40B4-BE49-F238E27FC236}">
+                <a16:creationId xmlns:a16="http://schemas.microsoft.com/office/drawing/2014/main" id="{1AE101B4-2891-6B41-B19E-E369CF1619FE}"/>
+              </a:ext>
+            </a:extLst>
+          </p:cNvPr>
+          <p:cNvSpPr/>
+          <p:nvPr/>
+        </p:nvSpPr>
+        <p:spPr>
+          <a:xfrm>
+            <a:off x="1046147" y="1207085"/>
+            <a:ext cx="460382" cy="369332"/>
+          </a:xfrm>
+          <a:prstGeom prst="rect">
+            <a:avLst/>
+          </a:prstGeom>
+        </p:spPr>
+        <p:txBody>
+          <a:bodyPr wrap="none">
+            <a:spAutoFit/>
+          </a:bodyPr>
+          <a:lstStyle/>
+          <a:p>
+            <a:r>
+              <a:rPr lang="en-US" altLang="ko-Kore-KR" dirty="0">
+                <a:solidFill>
+                  <a:srgbClr val="000000"/>
+                </a:solidFill>
+                <a:latin typeface="DM Mono" panose="020B0509040201040103" pitchFamily="49" charset="0"/>
+              </a:rPr>
+              <a:t>t1</a:t>
+            </a:r>
+            <a:endParaRPr lang="ko-Kore-KR" altLang="en-US" dirty="0"/>
+          </a:p>
+        </p:txBody>
+      </p:sp>
+      <p:sp>
+        <p:nvSpPr>
+          <p:cNvPr id="31" name="직사각형 30">
+            <a:extLst>
+              <a:ext uri="{FF2B5EF4-FFF2-40B4-BE49-F238E27FC236}">
+                <a16:creationId xmlns:a16="http://schemas.microsoft.com/office/drawing/2014/main" id="{CEB59DC5-0CC0-1542-B9F0-0B6B01C94370}"/>
+              </a:ext>
+            </a:extLst>
+          </p:cNvPr>
+          <p:cNvSpPr/>
+          <p:nvPr/>
+        </p:nvSpPr>
+        <p:spPr>
+          <a:xfrm>
+            <a:off x="1071336" y="2696116"/>
+            <a:ext cx="620111" cy="630620"/>
+          </a:xfrm>
+          <a:prstGeom prst="rect">
+            <a:avLst/>
+          </a:prstGeom>
+        </p:spPr>
+        <p:style>
+          <a:lnRef idx="2">
+            <a:schemeClr val="dk1"/>
+          </a:lnRef>
+          <a:fillRef idx="1">
+            <a:schemeClr val="lt1"/>
+          </a:fillRef>
+          <a:effectRef idx="0">
+            <a:schemeClr val="dk1"/>
+          </a:effectRef>
+          <a:fontRef idx="minor">
+            <a:schemeClr val="dk1"/>
+          </a:fontRef>
+        </p:style>
+        <p:txBody>
+          <a:bodyPr rtlCol="0" anchor="ctr"/>
+          <a:lstStyle/>
+          <a:p>
+            <a:pPr algn="ctr"/>
+            <a:r>
+              <a:rPr kumimoji="1" lang="en-US" altLang="ko-Kore-KR" sz="1600" dirty="0"/>
+              <a:t>2</a:t>
+            </a:r>
+            <a:endParaRPr kumimoji="1" lang="ko-Kore-KR" altLang="en-US" sz="1600" dirty="0"/>
+          </a:p>
+        </p:txBody>
+      </p:sp>
+      <p:sp>
+        <p:nvSpPr>
+          <p:cNvPr id="33" name="직사각형 32">
+            <a:extLst>
+              <a:ext uri="{FF2B5EF4-FFF2-40B4-BE49-F238E27FC236}">
+                <a16:creationId xmlns:a16="http://schemas.microsoft.com/office/drawing/2014/main" id="{771590DE-A7FC-A04B-AF01-4A5A432537C4}"/>
+              </a:ext>
+            </a:extLst>
+          </p:cNvPr>
+          <p:cNvSpPr/>
+          <p:nvPr/>
+        </p:nvSpPr>
+        <p:spPr>
+          <a:xfrm>
+            <a:off x="1046147" y="2326784"/>
+            <a:ext cx="460382" cy="369332"/>
+          </a:xfrm>
+          <a:prstGeom prst="rect">
+            <a:avLst/>
+          </a:prstGeom>
+        </p:spPr>
+        <p:txBody>
+          <a:bodyPr wrap="none">
+            <a:spAutoFit/>
+          </a:bodyPr>
+          <a:lstStyle/>
+          <a:p>
+            <a:r>
+              <a:rPr lang="en" altLang="ko-Kore-KR" dirty="0">
+                <a:solidFill>
+                  <a:srgbClr val="000000"/>
+                </a:solidFill>
+                <a:latin typeface="DM Mono" panose="020B0509040201040103" pitchFamily="49" charset="0"/>
+              </a:rPr>
+              <a:t>t2</a:t>
+            </a:r>
+            <a:endParaRPr lang="ko-Kore-KR" altLang="en-US" dirty="0"/>
+          </a:p>
+        </p:txBody>
+      </p:sp>
+      <p:sp>
+        <p:nvSpPr>
+          <p:cNvPr id="24" name="직사각형 23">
+            <a:extLst>
+              <a:ext uri="{FF2B5EF4-FFF2-40B4-BE49-F238E27FC236}">
+                <a16:creationId xmlns:a16="http://schemas.microsoft.com/office/drawing/2014/main" id="{3C6FE9C9-2BEC-C648-90D5-13A26AA21101}"/>
+              </a:ext>
+            </a:extLst>
+          </p:cNvPr>
+          <p:cNvSpPr/>
+          <p:nvPr/>
+        </p:nvSpPr>
+        <p:spPr>
+          <a:xfrm>
+            <a:off x="4602471" y="1093277"/>
+            <a:ext cx="620111" cy="630620"/>
+          </a:xfrm>
+          <a:prstGeom prst="rect">
+            <a:avLst/>
+          </a:prstGeom>
+        </p:spPr>
+        <p:style>
+          <a:lnRef idx="2">
+            <a:schemeClr val="dk1"/>
+          </a:lnRef>
+          <a:fillRef idx="1">
+            <a:schemeClr val="lt1"/>
+          </a:fillRef>
+          <a:effectRef idx="0">
+            <a:schemeClr val="dk1"/>
+          </a:effectRef>
+          <a:fontRef idx="minor">
+            <a:schemeClr val="dk1"/>
+          </a:fontRef>
+        </p:style>
+        <p:txBody>
+          <a:bodyPr rtlCol="0" anchor="ctr"/>
+          <a:lstStyle/>
+          <a:p>
+            <a:pPr algn="ctr"/>
+            <a:endParaRPr kumimoji="1" lang="ko-Kore-KR" altLang="en-US" sz="1600" dirty="0"/>
+          </a:p>
+        </p:txBody>
+      </p:sp>
+      <p:sp>
+        <p:nvSpPr>
+          <p:cNvPr id="34" name="직사각형 33">
+            <a:extLst>
+              <a:ext uri="{FF2B5EF4-FFF2-40B4-BE49-F238E27FC236}">
+                <a16:creationId xmlns:a16="http://schemas.microsoft.com/office/drawing/2014/main" id="{4752A4CA-2471-584C-864E-6D6F3E415E99}"/>
+              </a:ext>
+            </a:extLst>
+          </p:cNvPr>
+          <p:cNvSpPr/>
+          <p:nvPr/>
+        </p:nvSpPr>
+        <p:spPr>
+          <a:xfrm>
+            <a:off x="4531195" y="669923"/>
+            <a:ext cx="598241" cy="369332"/>
+          </a:xfrm>
+          <a:prstGeom prst="rect">
+            <a:avLst/>
+          </a:prstGeom>
+        </p:spPr>
+        <p:txBody>
+          <a:bodyPr wrap="none">
+            <a:spAutoFit/>
+          </a:bodyPr>
+          <a:lstStyle/>
+          <a:p>
+            <a:r>
+              <a:rPr lang="en-US" altLang="ko-Kore-KR" dirty="0">
+                <a:solidFill>
+                  <a:srgbClr val="000000"/>
+                </a:solidFill>
+                <a:latin typeface="DM Mono" panose="020B0509040201040103" pitchFamily="49" charset="0"/>
+              </a:rPr>
+              <a:t>sum</a:t>
+            </a:r>
+            <a:endParaRPr lang="ko-Kore-KR" altLang="en-US" dirty="0"/>
+          </a:p>
+        </p:txBody>
+      </p:sp>
+    </p:spTree>
+    <p:extLst>
+      <p:ext uri="{BB962C8B-B14F-4D97-AF65-F5344CB8AC3E}">
+        <p14:creationId xmlns:p14="http://schemas.microsoft.com/office/powerpoint/2010/main" val="2757516822"/>
       </p:ext>
     </p:extLst>
   </p:cSld>

--- a/220117.pptx
+++ b/220117.pptx
@@ -23,6 +23,7 @@
     <p:sldId id="271" r:id="rId17"/>
     <p:sldId id="272" r:id="rId18"/>
     <p:sldId id="273" r:id="rId19"/>
+    <p:sldId id="274" r:id="rId20"/>
   </p:sldIdLst>
   <p:sldSz cx="12192000" cy="6858000"/>
   <p:notesSz cx="6858000" cy="9144000"/>
@@ -13323,6 +13324,2569 @@
     <p:extLst>
       <p:ext uri="{BB962C8B-B14F-4D97-AF65-F5344CB8AC3E}">
         <p14:creationId xmlns:p14="http://schemas.microsoft.com/office/powerpoint/2010/main" val="2757516822"/>
+      </p:ext>
+    </p:extLst>
+  </p:cSld>
+  <p:clrMapOvr>
+    <a:masterClrMapping/>
+  </p:clrMapOvr>
+</p:sld>
+</file>
+
+<file path=ppt/slides/slide19.xml><?xml version="1.0" encoding="utf-8"?>
+<p:sld xmlns:a="http://schemas.openxmlformats.org/drawingml/2006/main" xmlns:r="http://schemas.openxmlformats.org/officeDocument/2006/relationships" xmlns:p="http://schemas.openxmlformats.org/presentationml/2006/main">
+  <p:cSld>
+    <p:spTree>
+      <p:nvGrpSpPr>
+        <p:cNvPr id="1" name=""/>
+        <p:cNvGrpSpPr/>
+        <p:nvPr/>
+      </p:nvGrpSpPr>
+      <p:grpSpPr>
+        <a:xfrm>
+          <a:off x="0" y="0"/>
+          <a:ext cx="0" cy="0"/>
+          <a:chOff x="0" y="0"/>
+          <a:chExt cx="0" cy="0"/>
+        </a:xfrm>
+      </p:grpSpPr>
+      <p:sp>
+        <p:nvSpPr>
+          <p:cNvPr id="24" name="직사각형 23">
+            <a:extLst>
+              <a:ext uri="{FF2B5EF4-FFF2-40B4-BE49-F238E27FC236}">
+                <a16:creationId xmlns:a16="http://schemas.microsoft.com/office/drawing/2014/main" id="{3C6FE9C9-2BEC-C648-90D5-13A26AA21101}"/>
+              </a:ext>
+            </a:extLst>
+          </p:cNvPr>
+          <p:cNvSpPr/>
+          <p:nvPr/>
+        </p:nvSpPr>
+        <p:spPr>
+          <a:xfrm>
+            <a:off x="357699" y="760767"/>
+            <a:ext cx="292205" cy="630620"/>
+          </a:xfrm>
+          <a:prstGeom prst="rect">
+            <a:avLst/>
+          </a:prstGeom>
+          <a:solidFill>
+            <a:srgbClr val="FFFF00"/>
+          </a:solidFill>
+        </p:spPr>
+        <p:style>
+          <a:lnRef idx="2">
+            <a:schemeClr val="dk1"/>
+          </a:lnRef>
+          <a:fillRef idx="1">
+            <a:schemeClr val="lt1"/>
+          </a:fillRef>
+          <a:effectRef idx="0">
+            <a:schemeClr val="dk1"/>
+          </a:effectRef>
+          <a:fontRef idx="minor">
+            <a:schemeClr val="dk1"/>
+          </a:fontRef>
+        </p:style>
+        <p:txBody>
+          <a:bodyPr rtlCol="0" anchor="ctr"/>
+          <a:lstStyle/>
+          <a:p>
+            <a:pPr algn="ctr"/>
+            <a:endParaRPr kumimoji="1" lang="ko-Kore-KR" altLang="en-US" sz="1600" dirty="0"/>
+          </a:p>
+        </p:txBody>
+      </p:sp>
+      <p:sp>
+        <p:nvSpPr>
+          <p:cNvPr id="2" name="직사각형 1">
+            <a:extLst>
+              <a:ext uri="{FF2B5EF4-FFF2-40B4-BE49-F238E27FC236}">
+                <a16:creationId xmlns:a16="http://schemas.microsoft.com/office/drawing/2014/main" id="{2CA554A4-C32E-354C-B973-12053E8E7DB2}"/>
+              </a:ext>
+            </a:extLst>
+          </p:cNvPr>
+          <p:cNvSpPr/>
+          <p:nvPr/>
+        </p:nvSpPr>
+        <p:spPr>
+          <a:xfrm>
+            <a:off x="9116291" y="453734"/>
+            <a:ext cx="2718010" cy="3139321"/>
+          </a:xfrm>
+          <a:prstGeom prst="rect">
+            <a:avLst/>
+          </a:prstGeom>
+        </p:spPr>
+        <p:txBody>
+          <a:bodyPr wrap="square">
+            <a:spAutoFit/>
+          </a:bodyPr>
+          <a:lstStyle/>
+          <a:p>
+            <a:r>
+              <a:rPr lang="en" altLang="ko-Kore-KR" dirty="0">
+                <a:solidFill>
+                  <a:srgbClr val="0000FF"/>
+                </a:solidFill>
+                <a:latin typeface="DM Mono" panose="020B0509040201040103" pitchFamily="49" charset="0"/>
+              </a:rPr>
+              <a:t>struct</a:t>
+            </a:r>
+            <a:r>
+              <a:rPr lang="en" altLang="ko-Kore-KR" dirty="0">
+                <a:solidFill>
+                  <a:srgbClr val="000000"/>
+                </a:solidFill>
+                <a:latin typeface="DM Mono" panose="020B0509040201040103" pitchFamily="49" charset="0"/>
+              </a:rPr>
+              <a:t> </a:t>
+            </a:r>
+            <a:r>
+              <a:rPr lang="en" altLang="ko-Kore-KR" dirty="0">
+                <a:solidFill>
+                  <a:srgbClr val="2B91AF"/>
+                </a:solidFill>
+                <a:latin typeface="DM Mono" panose="020B0509040201040103" pitchFamily="49" charset="0"/>
+              </a:rPr>
+              <a:t>A</a:t>
+            </a:r>
+            <a:r>
+              <a:rPr lang="en" altLang="ko-Kore-KR" dirty="0">
+                <a:solidFill>
+                  <a:srgbClr val="000000"/>
+                </a:solidFill>
+                <a:latin typeface="DM Mono" panose="020B0509040201040103" pitchFamily="49" charset="0"/>
+              </a:rPr>
+              <a:t> {</a:t>
+            </a:r>
+          </a:p>
+          <a:p>
+            <a:r>
+              <a:rPr lang="en" altLang="ko-Kore-KR" dirty="0">
+                <a:solidFill>
+                  <a:srgbClr val="0000FF"/>
+                </a:solidFill>
+                <a:latin typeface="DM Mono" panose="020B0509040201040103" pitchFamily="49" charset="0"/>
+              </a:rPr>
+              <a:t>char</a:t>
+            </a:r>
+            <a:r>
+              <a:rPr lang="en" altLang="ko-Kore-KR" dirty="0">
+                <a:solidFill>
+                  <a:srgbClr val="000000"/>
+                </a:solidFill>
+                <a:latin typeface="DM Mono" panose="020B0509040201040103" pitchFamily="49" charset="0"/>
+              </a:rPr>
+              <a:t> a;</a:t>
+            </a:r>
+          </a:p>
+          <a:p>
+            <a:r>
+              <a:rPr lang="en" altLang="ko-Kore-KR" dirty="0">
+                <a:solidFill>
+                  <a:srgbClr val="0000FF"/>
+                </a:solidFill>
+                <a:latin typeface="DM Mono" panose="020B0509040201040103" pitchFamily="49" charset="0"/>
+              </a:rPr>
+              <a:t>int</a:t>
+            </a:r>
+            <a:r>
+              <a:rPr lang="en" altLang="ko-Kore-KR" dirty="0">
+                <a:solidFill>
+                  <a:srgbClr val="000000"/>
+                </a:solidFill>
+                <a:latin typeface="DM Mono" panose="020B0509040201040103" pitchFamily="49" charset="0"/>
+              </a:rPr>
+              <a:t> b;</a:t>
+            </a:r>
+          </a:p>
+          <a:p>
+            <a:r>
+              <a:rPr lang="en" altLang="ko-Kore-KR" dirty="0">
+                <a:solidFill>
+                  <a:srgbClr val="0000FF"/>
+                </a:solidFill>
+                <a:latin typeface="DM Mono" panose="020B0509040201040103" pitchFamily="49" charset="0"/>
+              </a:rPr>
+              <a:t>double</a:t>
+            </a:r>
+            <a:r>
+              <a:rPr lang="en" altLang="ko-Kore-KR" dirty="0">
+                <a:solidFill>
+                  <a:srgbClr val="000000"/>
+                </a:solidFill>
+                <a:latin typeface="DM Mono" panose="020B0509040201040103" pitchFamily="49" charset="0"/>
+              </a:rPr>
+              <a:t> c;</a:t>
+            </a:r>
+          </a:p>
+          <a:p>
+            <a:r>
+              <a:rPr lang="en" altLang="ko-Kore-KR" dirty="0">
+                <a:solidFill>
+                  <a:srgbClr val="000000"/>
+                </a:solidFill>
+                <a:latin typeface="DM Mono" panose="020B0509040201040103" pitchFamily="49" charset="0"/>
+              </a:rPr>
+              <a:t>};</a:t>
+            </a:r>
+          </a:p>
+          <a:p>
+            <a:br>
+              <a:rPr lang="en" altLang="ko-Kore-KR" dirty="0">
+                <a:solidFill>
+                  <a:srgbClr val="000000"/>
+                </a:solidFill>
+                <a:latin typeface="DM Mono" panose="020B0509040201040103" pitchFamily="49" charset="0"/>
+              </a:rPr>
+            </a:br>
+            <a:r>
+              <a:rPr lang="en" altLang="ko-Kore-KR" dirty="0">
+                <a:solidFill>
+                  <a:srgbClr val="0000FF"/>
+                </a:solidFill>
+                <a:latin typeface="DM Mono" panose="020B0509040201040103" pitchFamily="49" charset="0"/>
+              </a:rPr>
+              <a:t>struct</a:t>
+            </a:r>
+            <a:r>
+              <a:rPr lang="en" altLang="ko-Kore-KR" dirty="0">
+                <a:solidFill>
+                  <a:srgbClr val="000000"/>
+                </a:solidFill>
+                <a:latin typeface="DM Mono" panose="020B0509040201040103" pitchFamily="49" charset="0"/>
+              </a:rPr>
+              <a:t> </a:t>
+            </a:r>
+            <a:r>
+              <a:rPr lang="en" altLang="ko-Kore-KR" dirty="0">
+                <a:solidFill>
+                  <a:srgbClr val="2B91AF"/>
+                </a:solidFill>
+                <a:latin typeface="DM Mono" panose="020B0509040201040103" pitchFamily="49" charset="0"/>
+              </a:rPr>
+              <a:t>B</a:t>
+            </a:r>
+            <a:r>
+              <a:rPr lang="en" altLang="ko-Kore-KR" dirty="0">
+                <a:solidFill>
+                  <a:srgbClr val="000000"/>
+                </a:solidFill>
+                <a:latin typeface="DM Mono" panose="020B0509040201040103" pitchFamily="49" charset="0"/>
+              </a:rPr>
+              <a:t> {</a:t>
+            </a:r>
+          </a:p>
+          <a:p>
+            <a:r>
+              <a:rPr lang="en" altLang="ko-Kore-KR" dirty="0">
+                <a:solidFill>
+                  <a:srgbClr val="0000FF"/>
+                </a:solidFill>
+                <a:latin typeface="DM Mono" panose="020B0509040201040103" pitchFamily="49" charset="0"/>
+              </a:rPr>
+              <a:t>char</a:t>
+            </a:r>
+            <a:r>
+              <a:rPr lang="en" altLang="ko-Kore-KR" dirty="0">
+                <a:solidFill>
+                  <a:srgbClr val="000000"/>
+                </a:solidFill>
+                <a:latin typeface="DM Mono" panose="020B0509040201040103" pitchFamily="49" charset="0"/>
+              </a:rPr>
+              <a:t> c;</a:t>
+            </a:r>
+          </a:p>
+          <a:p>
+            <a:r>
+              <a:rPr lang="en" altLang="ko-Kore-KR" dirty="0">
+                <a:solidFill>
+                  <a:srgbClr val="0000FF"/>
+                </a:solidFill>
+                <a:latin typeface="DM Mono" panose="020B0509040201040103" pitchFamily="49" charset="0"/>
+              </a:rPr>
+              <a:t>double</a:t>
+            </a:r>
+            <a:r>
+              <a:rPr lang="en" altLang="ko-Kore-KR" dirty="0">
+                <a:solidFill>
+                  <a:srgbClr val="000000"/>
+                </a:solidFill>
+                <a:latin typeface="DM Mono" panose="020B0509040201040103" pitchFamily="49" charset="0"/>
+              </a:rPr>
+              <a:t> a;</a:t>
+            </a:r>
+          </a:p>
+          <a:p>
+            <a:r>
+              <a:rPr lang="en" altLang="ko-Kore-KR" dirty="0">
+                <a:solidFill>
+                  <a:srgbClr val="0000FF"/>
+                </a:solidFill>
+                <a:latin typeface="DM Mono" panose="020B0509040201040103" pitchFamily="49" charset="0"/>
+              </a:rPr>
+              <a:t>int</a:t>
+            </a:r>
+            <a:r>
+              <a:rPr lang="en" altLang="ko-Kore-KR" dirty="0">
+                <a:solidFill>
+                  <a:srgbClr val="000000"/>
+                </a:solidFill>
+                <a:latin typeface="DM Mono" panose="020B0509040201040103" pitchFamily="49" charset="0"/>
+              </a:rPr>
+              <a:t> b;</a:t>
+            </a:r>
+          </a:p>
+          <a:p>
+            <a:r>
+              <a:rPr lang="en" altLang="ko-Kore-KR" dirty="0">
+                <a:solidFill>
+                  <a:srgbClr val="000000"/>
+                </a:solidFill>
+                <a:latin typeface="DM Mono" panose="020B0509040201040103" pitchFamily="49" charset="0"/>
+              </a:rPr>
+              <a:t>};</a:t>
+            </a:r>
+            <a:endParaRPr lang="en" altLang="ko-Kore-KR" b="0" dirty="0">
+              <a:solidFill>
+                <a:srgbClr val="000000"/>
+              </a:solidFill>
+              <a:effectLst/>
+              <a:latin typeface="DM Mono" panose="020B0509040201040103" pitchFamily="49" charset="0"/>
+            </a:endParaRPr>
+          </a:p>
+        </p:txBody>
+      </p:sp>
+      <p:sp>
+        <p:nvSpPr>
+          <p:cNvPr id="10" name="직사각형 9">
+            <a:extLst>
+              <a:ext uri="{FF2B5EF4-FFF2-40B4-BE49-F238E27FC236}">
+                <a16:creationId xmlns:a16="http://schemas.microsoft.com/office/drawing/2014/main" id="{ACA15F36-FEB8-A84D-A7C2-E4C513C2D965}"/>
+              </a:ext>
+            </a:extLst>
+          </p:cNvPr>
+          <p:cNvSpPr/>
+          <p:nvPr/>
+        </p:nvSpPr>
+        <p:spPr>
+          <a:xfrm>
+            <a:off x="649904" y="760767"/>
+            <a:ext cx="292205" cy="630620"/>
+          </a:xfrm>
+          <a:prstGeom prst="rect">
+            <a:avLst/>
+          </a:prstGeom>
+          <a:solidFill>
+            <a:schemeClr val="bg2"/>
+          </a:solidFill>
+        </p:spPr>
+        <p:style>
+          <a:lnRef idx="2">
+            <a:schemeClr val="dk1"/>
+          </a:lnRef>
+          <a:fillRef idx="1">
+            <a:schemeClr val="lt1"/>
+          </a:fillRef>
+          <a:effectRef idx="0">
+            <a:schemeClr val="dk1"/>
+          </a:effectRef>
+          <a:fontRef idx="minor">
+            <a:schemeClr val="dk1"/>
+          </a:fontRef>
+        </p:style>
+        <p:txBody>
+          <a:bodyPr rtlCol="0" anchor="ctr"/>
+          <a:lstStyle/>
+          <a:p>
+            <a:pPr algn="ctr"/>
+            <a:endParaRPr kumimoji="1" lang="ko-Kore-KR" altLang="en-US" sz="1600" dirty="0"/>
+          </a:p>
+        </p:txBody>
+      </p:sp>
+      <p:sp>
+        <p:nvSpPr>
+          <p:cNvPr id="11" name="직사각형 10">
+            <a:extLst>
+              <a:ext uri="{FF2B5EF4-FFF2-40B4-BE49-F238E27FC236}">
+                <a16:creationId xmlns:a16="http://schemas.microsoft.com/office/drawing/2014/main" id="{2095D444-26BC-5B4C-81A3-20141B716632}"/>
+              </a:ext>
+            </a:extLst>
+          </p:cNvPr>
+          <p:cNvSpPr/>
+          <p:nvPr/>
+        </p:nvSpPr>
+        <p:spPr>
+          <a:xfrm>
+            <a:off x="942109" y="760767"/>
+            <a:ext cx="292205" cy="630620"/>
+          </a:xfrm>
+          <a:prstGeom prst="rect">
+            <a:avLst/>
+          </a:prstGeom>
+          <a:solidFill>
+            <a:schemeClr val="bg2"/>
+          </a:solidFill>
+        </p:spPr>
+        <p:style>
+          <a:lnRef idx="2">
+            <a:schemeClr val="dk1"/>
+          </a:lnRef>
+          <a:fillRef idx="1">
+            <a:schemeClr val="lt1"/>
+          </a:fillRef>
+          <a:effectRef idx="0">
+            <a:schemeClr val="dk1"/>
+          </a:effectRef>
+          <a:fontRef idx="minor">
+            <a:schemeClr val="dk1"/>
+          </a:fontRef>
+        </p:style>
+        <p:txBody>
+          <a:bodyPr rtlCol="0" anchor="ctr"/>
+          <a:lstStyle/>
+          <a:p>
+            <a:pPr algn="ctr"/>
+            <a:endParaRPr kumimoji="1" lang="ko-Kore-KR" altLang="en-US" sz="1600" dirty="0"/>
+          </a:p>
+        </p:txBody>
+      </p:sp>
+      <p:sp>
+        <p:nvSpPr>
+          <p:cNvPr id="13" name="직사각형 12">
+            <a:extLst>
+              <a:ext uri="{FF2B5EF4-FFF2-40B4-BE49-F238E27FC236}">
+                <a16:creationId xmlns:a16="http://schemas.microsoft.com/office/drawing/2014/main" id="{88D13A1E-17D9-6941-8785-38E9662F7016}"/>
+              </a:ext>
+            </a:extLst>
+          </p:cNvPr>
+          <p:cNvSpPr/>
+          <p:nvPr/>
+        </p:nvSpPr>
+        <p:spPr>
+          <a:xfrm>
+            <a:off x="1234314" y="760767"/>
+            <a:ext cx="292205" cy="630620"/>
+          </a:xfrm>
+          <a:prstGeom prst="rect">
+            <a:avLst/>
+          </a:prstGeom>
+          <a:solidFill>
+            <a:schemeClr val="bg2"/>
+          </a:solidFill>
+        </p:spPr>
+        <p:style>
+          <a:lnRef idx="2">
+            <a:schemeClr val="dk1"/>
+          </a:lnRef>
+          <a:fillRef idx="1">
+            <a:schemeClr val="lt1"/>
+          </a:fillRef>
+          <a:effectRef idx="0">
+            <a:schemeClr val="dk1"/>
+          </a:effectRef>
+          <a:fontRef idx="minor">
+            <a:schemeClr val="dk1"/>
+          </a:fontRef>
+        </p:style>
+        <p:txBody>
+          <a:bodyPr rtlCol="0" anchor="ctr"/>
+          <a:lstStyle/>
+          <a:p>
+            <a:pPr algn="ctr"/>
+            <a:endParaRPr kumimoji="1" lang="ko-Kore-KR" altLang="en-US" sz="1600" dirty="0"/>
+          </a:p>
+        </p:txBody>
+      </p:sp>
+      <p:sp>
+        <p:nvSpPr>
+          <p:cNvPr id="14" name="직사각형 13">
+            <a:extLst>
+              <a:ext uri="{FF2B5EF4-FFF2-40B4-BE49-F238E27FC236}">
+                <a16:creationId xmlns:a16="http://schemas.microsoft.com/office/drawing/2014/main" id="{A4F0AEE6-2A4E-E84D-B319-FC85B936F5EC}"/>
+              </a:ext>
+            </a:extLst>
+          </p:cNvPr>
+          <p:cNvSpPr/>
+          <p:nvPr/>
+        </p:nvSpPr>
+        <p:spPr>
+          <a:xfrm>
+            <a:off x="1526519" y="760767"/>
+            <a:ext cx="292205" cy="630620"/>
+          </a:xfrm>
+          <a:prstGeom prst="rect">
+            <a:avLst/>
+          </a:prstGeom>
+          <a:solidFill>
+            <a:srgbClr val="92D050"/>
+          </a:solidFill>
+        </p:spPr>
+        <p:style>
+          <a:lnRef idx="2">
+            <a:schemeClr val="dk1"/>
+          </a:lnRef>
+          <a:fillRef idx="1">
+            <a:schemeClr val="lt1"/>
+          </a:fillRef>
+          <a:effectRef idx="0">
+            <a:schemeClr val="dk1"/>
+          </a:effectRef>
+          <a:fontRef idx="minor">
+            <a:schemeClr val="dk1"/>
+          </a:fontRef>
+        </p:style>
+        <p:txBody>
+          <a:bodyPr rtlCol="0" anchor="ctr"/>
+          <a:lstStyle/>
+          <a:p>
+            <a:pPr algn="ctr"/>
+            <a:endParaRPr kumimoji="1" lang="ko-Kore-KR" altLang="en-US" sz="1600" dirty="0"/>
+          </a:p>
+        </p:txBody>
+      </p:sp>
+      <p:sp>
+        <p:nvSpPr>
+          <p:cNvPr id="15" name="직사각형 14">
+            <a:extLst>
+              <a:ext uri="{FF2B5EF4-FFF2-40B4-BE49-F238E27FC236}">
+                <a16:creationId xmlns:a16="http://schemas.microsoft.com/office/drawing/2014/main" id="{45D9C04B-F533-2D44-B24A-61665196B659}"/>
+              </a:ext>
+            </a:extLst>
+          </p:cNvPr>
+          <p:cNvSpPr/>
+          <p:nvPr/>
+        </p:nvSpPr>
+        <p:spPr>
+          <a:xfrm>
+            <a:off x="1818724" y="760767"/>
+            <a:ext cx="292205" cy="630620"/>
+          </a:xfrm>
+          <a:prstGeom prst="rect">
+            <a:avLst/>
+          </a:prstGeom>
+          <a:solidFill>
+            <a:srgbClr val="92D050"/>
+          </a:solidFill>
+        </p:spPr>
+        <p:style>
+          <a:lnRef idx="2">
+            <a:schemeClr val="dk1"/>
+          </a:lnRef>
+          <a:fillRef idx="1">
+            <a:schemeClr val="lt1"/>
+          </a:fillRef>
+          <a:effectRef idx="0">
+            <a:schemeClr val="dk1"/>
+          </a:effectRef>
+          <a:fontRef idx="minor">
+            <a:schemeClr val="dk1"/>
+          </a:fontRef>
+        </p:style>
+        <p:txBody>
+          <a:bodyPr rtlCol="0" anchor="ctr"/>
+          <a:lstStyle/>
+          <a:p>
+            <a:pPr algn="ctr"/>
+            <a:endParaRPr kumimoji="1" lang="ko-Kore-KR" altLang="en-US" sz="1600" dirty="0"/>
+          </a:p>
+        </p:txBody>
+      </p:sp>
+      <p:sp>
+        <p:nvSpPr>
+          <p:cNvPr id="16" name="직사각형 15">
+            <a:extLst>
+              <a:ext uri="{FF2B5EF4-FFF2-40B4-BE49-F238E27FC236}">
+                <a16:creationId xmlns:a16="http://schemas.microsoft.com/office/drawing/2014/main" id="{53260F61-C57A-8D46-A169-EB89E5B6CE18}"/>
+              </a:ext>
+            </a:extLst>
+          </p:cNvPr>
+          <p:cNvSpPr/>
+          <p:nvPr/>
+        </p:nvSpPr>
+        <p:spPr>
+          <a:xfrm>
+            <a:off x="2110929" y="760767"/>
+            <a:ext cx="292205" cy="630620"/>
+          </a:xfrm>
+          <a:prstGeom prst="rect">
+            <a:avLst/>
+          </a:prstGeom>
+          <a:solidFill>
+            <a:srgbClr val="92D050"/>
+          </a:solidFill>
+        </p:spPr>
+        <p:style>
+          <a:lnRef idx="2">
+            <a:schemeClr val="dk1"/>
+          </a:lnRef>
+          <a:fillRef idx="1">
+            <a:schemeClr val="lt1"/>
+          </a:fillRef>
+          <a:effectRef idx="0">
+            <a:schemeClr val="dk1"/>
+          </a:effectRef>
+          <a:fontRef idx="minor">
+            <a:schemeClr val="dk1"/>
+          </a:fontRef>
+        </p:style>
+        <p:txBody>
+          <a:bodyPr rtlCol="0" anchor="ctr"/>
+          <a:lstStyle/>
+          <a:p>
+            <a:pPr algn="ctr"/>
+            <a:endParaRPr kumimoji="1" lang="ko-Kore-KR" altLang="en-US" sz="1600" dirty="0"/>
+          </a:p>
+        </p:txBody>
+      </p:sp>
+      <p:sp>
+        <p:nvSpPr>
+          <p:cNvPr id="17" name="직사각형 16">
+            <a:extLst>
+              <a:ext uri="{FF2B5EF4-FFF2-40B4-BE49-F238E27FC236}">
+                <a16:creationId xmlns:a16="http://schemas.microsoft.com/office/drawing/2014/main" id="{23AD9ABA-CEC9-7A40-BCB1-1EB0FB482BAD}"/>
+              </a:ext>
+            </a:extLst>
+          </p:cNvPr>
+          <p:cNvSpPr/>
+          <p:nvPr/>
+        </p:nvSpPr>
+        <p:spPr>
+          <a:xfrm>
+            <a:off x="2403134" y="760767"/>
+            <a:ext cx="292205" cy="630620"/>
+          </a:xfrm>
+          <a:prstGeom prst="rect">
+            <a:avLst/>
+          </a:prstGeom>
+          <a:solidFill>
+            <a:srgbClr val="92D050"/>
+          </a:solidFill>
+        </p:spPr>
+        <p:style>
+          <a:lnRef idx="2">
+            <a:schemeClr val="dk1"/>
+          </a:lnRef>
+          <a:fillRef idx="1">
+            <a:schemeClr val="lt1"/>
+          </a:fillRef>
+          <a:effectRef idx="0">
+            <a:schemeClr val="dk1"/>
+          </a:effectRef>
+          <a:fontRef idx="minor">
+            <a:schemeClr val="dk1"/>
+          </a:fontRef>
+        </p:style>
+        <p:txBody>
+          <a:bodyPr rtlCol="0" anchor="ctr"/>
+          <a:lstStyle/>
+          <a:p>
+            <a:pPr algn="ctr"/>
+            <a:endParaRPr kumimoji="1" lang="ko-Kore-KR" altLang="en-US" sz="1600" dirty="0"/>
+          </a:p>
+        </p:txBody>
+      </p:sp>
+      <p:sp>
+        <p:nvSpPr>
+          <p:cNvPr id="18" name="직사각형 17">
+            <a:extLst>
+              <a:ext uri="{FF2B5EF4-FFF2-40B4-BE49-F238E27FC236}">
+                <a16:creationId xmlns:a16="http://schemas.microsoft.com/office/drawing/2014/main" id="{2DDFC145-EE95-B14C-AA26-050128434960}"/>
+              </a:ext>
+            </a:extLst>
+          </p:cNvPr>
+          <p:cNvSpPr/>
+          <p:nvPr/>
+        </p:nvSpPr>
+        <p:spPr>
+          <a:xfrm>
+            <a:off x="2695339" y="760767"/>
+            <a:ext cx="292205" cy="630620"/>
+          </a:xfrm>
+          <a:prstGeom prst="rect">
+            <a:avLst/>
+          </a:prstGeom>
+          <a:solidFill>
+            <a:srgbClr val="00B0F0"/>
+          </a:solidFill>
+        </p:spPr>
+        <p:style>
+          <a:lnRef idx="2">
+            <a:schemeClr val="dk1"/>
+          </a:lnRef>
+          <a:fillRef idx="1">
+            <a:schemeClr val="lt1"/>
+          </a:fillRef>
+          <a:effectRef idx="0">
+            <a:schemeClr val="dk1"/>
+          </a:effectRef>
+          <a:fontRef idx="minor">
+            <a:schemeClr val="dk1"/>
+          </a:fontRef>
+        </p:style>
+        <p:txBody>
+          <a:bodyPr rtlCol="0" anchor="ctr"/>
+          <a:lstStyle/>
+          <a:p>
+            <a:pPr algn="ctr"/>
+            <a:endParaRPr kumimoji="1" lang="ko-Kore-KR" altLang="en-US" sz="1600" dirty="0"/>
+          </a:p>
+        </p:txBody>
+      </p:sp>
+      <p:sp>
+        <p:nvSpPr>
+          <p:cNvPr id="19" name="직사각형 18">
+            <a:extLst>
+              <a:ext uri="{FF2B5EF4-FFF2-40B4-BE49-F238E27FC236}">
+                <a16:creationId xmlns:a16="http://schemas.microsoft.com/office/drawing/2014/main" id="{70DC8D9A-A84D-764A-B75C-EB0B1194EE7D}"/>
+              </a:ext>
+            </a:extLst>
+          </p:cNvPr>
+          <p:cNvSpPr/>
+          <p:nvPr/>
+        </p:nvSpPr>
+        <p:spPr>
+          <a:xfrm>
+            <a:off x="2987544" y="760767"/>
+            <a:ext cx="292205" cy="630620"/>
+          </a:xfrm>
+          <a:prstGeom prst="rect">
+            <a:avLst/>
+          </a:prstGeom>
+          <a:solidFill>
+            <a:srgbClr val="00B0F0"/>
+          </a:solidFill>
+        </p:spPr>
+        <p:style>
+          <a:lnRef idx="2">
+            <a:schemeClr val="dk1"/>
+          </a:lnRef>
+          <a:fillRef idx="1">
+            <a:schemeClr val="lt1"/>
+          </a:fillRef>
+          <a:effectRef idx="0">
+            <a:schemeClr val="dk1"/>
+          </a:effectRef>
+          <a:fontRef idx="minor">
+            <a:schemeClr val="dk1"/>
+          </a:fontRef>
+        </p:style>
+        <p:txBody>
+          <a:bodyPr rtlCol="0" anchor="ctr"/>
+          <a:lstStyle/>
+          <a:p>
+            <a:pPr algn="ctr"/>
+            <a:endParaRPr kumimoji="1" lang="ko-Kore-KR" altLang="en-US" sz="1600" dirty="0"/>
+          </a:p>
+        </p:txBody>
+      </p:sp>
+      <p:sp>
+        <p:nvSpPr>
+          <p:cNvPr id="20" name="직사각형 19">
+            <a:extLst>
+              <a:ext uri="{FF2B5EF4-FFF2-40B4-BE49-F238E27FC236}">
+                <a16:creationId xmlns:a16="http://schemas.microsoft.com/office/drawing/2014/main" id="{4255B545-9898-D549-9254-E6E66C09F0AA}"/>
+              </a:ext>
+            </a:extLst>
+          </p:cNvPr>
+          <p:cNvSpPr/>
+          <p:nvPr/>
+        </p:nvSpPr>
+        <p:spPr>
+          <a:xfrm>
+            <a:off x="3279749" y="760767"/>
+            <a:ext cx="292205" cy="630620"/>
+          </a:xfrm>
+          <a:prstGeom prst="rect">
+            <a:avLst/>
+          </a:prstGeom>
+          <a:solidFill>
+            <a:srgbClr val="00B0F0"/>
+          </a:solidFill>
+        </p:spPr>
+        <p:style>
+          <a:lnRef idx="2">
+            <a:schemeClr val="dk1"/>
+          </a:lnRef>
+          <a:fillRef idx="1">
+            <a:schemeClr val="lt1"/>
+          </a:fillRef>
+          <a:effectRef idx="0">
+            <a:schemeClr val="dk1"/>
+          </a:effectRef>
+          <a:fontRef idx="minor">
+            <a:schemeClr val="dk1"/>
+          </a:fontRef>
+        </p:style>
+        <p:txBody>
+          <a:bodyPr rtlCol="0" anchor="ctr"/>
+          <a:lstStyle/>
+          <a:p>
+            <a:pPr algn="ctr"/>
+            <a:endParaRPr kumimoji="1" lang="ko-Kore-KR" altLang="en-US" sz="1600" dirty="0"/>
+          </a:p>
+        </p:txBody>
+      </p:sp>
+      <p:sp>
+        <p:nvSpPr>
+          <p:cNvPr id="22" name="직사각형 21">
+            <a:extLst>
+              <a:ext uri="{FF2B5EF4-FFF2-40B4-BE49-F238E27FC236}">
+                <a16:creationId xmlns:a16="http://schemas.microsoft.com/office/drawing/2014/main" id="{48267AD9-848D-904D-B8E0-0A3BED9F718D}"/>
+              </a:ext>
+            </a:extLst>
+          </p:cNvPr>
+          <p:cNvSpPr/>
+          <p:nvPr/>
+        </p:nvSpPr>
+        <p:spPr>
+          <a:xfrm>
+            <a:off x="3571954" y="760767"/>
+            <a:ext cx="292205" cy="630620"/>
+          </a:xfrm>
+          <a:prstGeom prst="rect">
+            <a:avLst/>
+          </a:prstGeom>
+          <a:solidFill>
+            <a:srgbClr val="00B0F0"/>
+          </a:solidFill>
+        </p:spPr>
+        <p:style>
+          <a:lnRef idx="2">
+            <a:schemeClr val="dk1"/>
+          </a:lnRef>
+          <a:fillRef idx="1">
+            <a:schemeClr val="lt1"/>
+          </a:fillRef>
+          <a:effectRef idx="0">
+            <a:schemeClr val="dk1"/>
+          </a:effectRef>
+          <a:fontRef idx="minor">
+            <a:schemeClr val="dk1"/>
+          </a:fontRef>
+        </p:style>
+        <p:txBody>
+          <a:bodyPr rtlCol="0" anchor="ctr"/>
+          <a:lstStyle/>
+          <a:p>
+            <a:pPr algn="ctr"/>
+            <a:endParaRPr kumimoji="1" lang="ko-Kore-KR" altLang="en-US" sz="1600" dirty="0"/>
+          </a:p>
+        </p:txBody>
+      </p:sp>
+      <p:sp>
+        <p:nvSpPr>
+          <p:cNvPr id="23" name="직사각형 22">
+            <a:extLst>
+              <a:ext uri="{FF2B5EF4-FFF2-40B4-BE49-F238E27FC236}">
+                <a16:creationId xmlns:a16="http://schemas.microsoft.com/office/drawing/2014/main" id="{DE0DC63D-9195-2E4C-9A78-6F581D796595}"/>
+              </a:ext>
+            </a:extLst>
+          </p:cNvPr>
+          <p:cNvSpPr/>
+          <p:nvPr/>
+        </p:nvSpPr>
+        <p:spPr>
+          <a:xfrm>
+            <a:off x="3856601" y="760767"/>
+            <a:ext cx="292205" cy="630620"/>
+          </a:xfrm>
+          <a:prstGeom prst="rect">
+            <a:avLst/>
+          </a:prstGeom>
+          <a:solidFill>
+            <a:srgbClr val="00B0F0"/>
+          </a:solidFill>
+        </p:spPr>
+        <p:style>
+          <a:lnRef idx="2">
+            <a:schemeClr val="dk1"/>
+          </a:lnRef>
+          <a:fillRef idx="1">
+            <a:schemeClr val="lt1"/>
+          </a:fillRef>
+          <a:effectRef idx="0">
+            <a:schemeClr val="dk1"/>
+          </a:effectRef>
+          <a:fontRef idx="minor">
+            <a:schemeClr val="dk1"/>
+          </a:fontRef>
+        </p:style>
+        <p:txBody>
+          <a:bodyPr rtlCol="0" anchor="ctr"/>
+          <a:lstStyle/>
+          <a:p>
+            <a:pPr algn="ctr"/>
+            <a:endParaRPr kumimoji="1" lang="ko-Kore-KR" altLang="en-US" sz="1600" dirty="0"/>
+          </a:p>
+        </p:txBody>
+      </p:sp>
+      <p:sp>
+        <p:nvSpPr>
+          <p:cNvPr id="25" name="직사각형 24">
+            <a:extLst>
+              <a:ext uri="{FF2B5EF4-FFF2-40B4-BE49-F238E27FC236}">
+                <a16:creationId xmlns:a16="http://schemas.microsoft.com/office/drawing/2014/main" id="{F702754B-0456-E44B-A978-8DBC6BCF2A46}"/>
+              </a:ext>
+            </a:extLst>
+          </p:cNvPr>
+          <p:cNvSpPr/>
+          <p:nvPr/>
+        </p:nvSpPr>
+        <p:spPr>
+          <a:xfrm>
+            <a:off x="4156364" y="760767"/>
+            <a:ext cx="292205" cy="630620"/>
+          </a:xfrm>
+          <a:prstGeom prst="rect">
+            <a:avLst/>
+          </a:prstGeom>
+          <a:solidFill>
+            <a:srgbClr val="00B0F0"/>
+          </a:solidFill>
+        </p:spPr>
+        <p:style>
+          <a:lnRef idx="2">
+            <a:schemeClr val="dk1"/>
+          </a:lnRef>
+          <a:fillRef idx="1">
+            <a:schemeClr val="lt1"/>
+          </a:fillRef>
+          <a:effectRef idx="0">
+            <a:schemeClr val="dk1"/>
+          </a:effectRef>
+          <a:fontRef idx="minor">
+            <a:schemeClr val="dk1"/>
+          </a:fontRef>
+        </p:style>
+        <p:txBody>
+          <a:bodyPr rtlCol="0" anchor="ctr"/>
+          <a:lstStyle/>
+          <a:p>
+            <a:pPr algn="ctr"/>
+            <a:endParaRPr kumimoji="1" lang="ko-Kore-KR" altLang="en-US" sz="1600" dirty="0"/>
+          </a:p>
+        </p:txBody>
+      </p:sp>
+      <p:sp>
+        <p:nvSpPr>
+          <p:cNvPr id="26" name="직사각형 25">
+            <a:extLst>
+              <a:ext uri="{FF2B5EF4-FFF2-40B4-BE49-F238E27FC236}">
+                <a16:creationId xmlns:a16="http://schemas.microsoft.com/office/drawing/2014/main" id="{A5588F25-E3F2-6E42-9C99-233ADA0FBF13}"/>
+              </a:ext>
+            </a:extLst>
+          </p:cNvPr>
+          <p:cNvSpPr/>
+          <p:nvPr/>
+        </p:nvSpPr>
+        <p:spPr>
+          <a:xfrm>
+            <a:off x="4448569" y="760767"/>
+            <a:ext cx="292205" cy="630620"/>
+          </a:xfrm>
+          <a:prstGeom prst="rect">
+            <a:avLst/>
+          </a:prstGeom>
+          <a:solidFill>
+            <a:srgbClr val="00B0F0"/>
+          </a:solidFill>
+        </p:spPr>
+        <p:style>
+          <a:lnRef idx="2">
+            <a:schemeClr val="dk1"/>
+          </a:lnRef>
+          <a:fillRef idx="1">
+            <a:schemeClr val="lt1"/>
+          </a:fillRef>
+          <a:effectRef idx="0">
+            <a:schemeClr val="dk1"/>
+          </a:effectRef>
+          <a:fontRef idx="minor">
+            <a:schemeClr val="dk1"/>
+          </a:fontRef>
+        </p:style>
+        <p:txBody>
+          <a:bodyPr rtlCol="0" anchor="ctr"/>
+          <a:lstStyle/>
+          <a:p>
+            <a:pPr algn="ctr"/>
+            <a:endParaRPr kumimoji="1" lang="ko-Kore-KR" altLang="en-US" sz="1600" dirty="0"/>
+          </a:p>
+        </p:txBody>
+      </p:sp>
+      <p:sp>
+        <p:nvSpPr>
+          <p:cNvPr id="27" name="직사각형 26">
+            <a:extLst>
+              <a:ext uri="{FF2B5EF4-FFF2-40B4-BE49-F238E27FC236}">
+                <a16:creationId xmlns:a16="http://schemas.microsoft.com/office/drawing/2014/main" id="{E3F59E75-F4FB-8142-9892-56F16E71F174}"/>
+              </a:ext>
+            </a:extLst>
+          </p:cNvPr>
+          <p:cNvSpPr/>
+          <p:nvPr/>
+        </p:nvSpPr>
+        <p:spPr>
+          <a:xfrm>
+            <a:off x="4740774" y="760767"/>
+            <a:ext cx="292205" cy="630620"/>
+          </a:xfrm>
+          <a:prstGeom prst="rect">
+            <a:avLst/>
+          </a:prstGeom>
+          <a:solidFill>
+            <a:srgbClr val="00B0F0"/>
+          </a:solidFill>
+        </p:spPr>
+        <p:style>
+          <a:lnRef idx="2">
+            <a:schemeClr val="dk1"/>
+          </a:lnRef>
+          <a:fillRef idx="1">
+            <a:schemeClr val="lt1"/>
+          </a:fillRef>
+          <a:effectRef idx="0">
+            <a:schemeClr val="dk1"/>
+          </a:effectRef>
+          <a:fontRef idx="minor">
+            <a:schemeClr val="dk1"/>
+          </a:fontRef>
+        </p:style>
+        <p:txBody>
+          <a:bodyPr rtlCol="0" anchor="ctr"/>
+          <a:lstStyle/>
+          <a:p>
+            <a:pPr algn="ctr"/>
+            <a:endParaRPr kumimoji="1" lang="ko-Kore-KR" altLang="en-US" sz="1600" dirty="0"/>
+          </a:p>
+        </p:txBody>
+      </p:sp>
+      <p:sp>
+        <p:nvSpPr>
+          <p:cNvPr id="28" name="직사각형 27">
+            <a:extLst>
+              <a:ext uri="{FF2B5EF4-FFF2-40B4-BE49-F238E27FC236}">
+                <a16:creationId xmlns:a16="http://schemas.microsoft.com/office/drawing/2014/main" id="{5F9471C7-9040-5345-9F68-F2037D7DB469}"/>
+              </a:ext>
+            </a:extLst>
+          </p:cNvPr>
+          <p:cNvSpPr/>
+          <p:nvPr/>
+        </p:nvSpPr>
+        <p:spPr>
+          <a:xfrm>
+            <a:off x="5032979" y="760767"/>
+            <a:ext cx="292205" cy="630620"/>
+          </a:xfrm>
+          <a:prstGeom prst="rect">
+            <a:avLst/>
+          </a:prstGeom>
+        </p:spPr>
+        <p:style>
+          <a:lnRef idx="2">
+            <a:schemeClr val="dk1"/>
+          </a:lnRef>
+          <a:fillRef idx="1">
+            <a:schemeClr val="lt1"/>
+          </a:fillRef>
+          <a:effectRef idx="0">
+            <a:schemeClr val="dk1"/>
+          </a:effectRef>
+          <a:fontRef idx="minor">
+            <a:schemeClr val="dk1"/>
+          </a:fontRef>
+        </p:style>
+        <p:txBody>
+          <a:bodyPr rtlCol="0" anchor="ctr"/>
+          <a:lstStyle/>
+          <a:p>
+            <a:pPr algn="ctr"/>
+            <a:endParaRPr kumimoji="1" lang="ko-Kore-KR" altLang="en-US" sz="1600" dirty="0"/>
+          </a:p>
+        </p:txBody>
+      </p:sp>
+      <p:sp>
+        <p:nvSpPr>
+          <p:cNvPr id="29" name="직사각형 28">
+            <a:extLst>
+              <a:ext uri="{FF2B5EF4-FFF2-40B4-BE49-F238E27FC236}">
+                <a16:creationId xmlns:a16="http://schemas.microsoft.com/office/drawing/2014/main" id="{B0084AFB-F183-6241-894C-83B69848F09A}"/>
+              </a:ext>
+            </a:extLst>
+          </p:cNvPr>
+          <p:cNvSpPr/>
+          <p:nvPr/>
+        </p:nvSpPr>
+        <p:spPr>
+          <a:xfrm>
+            <a:off x="5325184" y="760767"/>
+            <a:ext cx="292205" cy="630620"/>
+          </a:xfrm>
+          <a:prstGeom prst="rect">
+            <a:avLst/>
+          </a:prstGeom>
+        </p:spPr>
+        <p:style>
+          <a:lnRef idx="2">
+            <a:schemeClr val="dk1"/>
+          </a:lnRef>
+          <a:fillRef idx="1">
+            <a:schemeClr val="lt1"/>
+          </a:fillRef>
+          <a:effectRef idx="0">
+            <a:schemeClr val="dk1"/>
+          </a:effectRef>
+          <a:fontRef idx="minor">
+            <a:schemeClr val="dk1"/>
+          </a:fontRef>
+        </p:style>
+        <p:txBody>
+          <a:bodyPr rtlCol="0" anchor="ctr"/>
+          <a:lstStyle/>
+          <a:p>
+            <a:pPr algn="ctr"/>
+            <a:endParaRPr kumimoji="1" lang="ko-Kore-KR" altLang="en-US" sz="1600" dirty="0"/>
+          </a:p>
+        </p:txBody>
+      </p:sp>
+      <p:sp>
+        <p:nvSpPr>
+          <p:cNvPr id="30" name="직사각형 29">
+            <a:extLst>
+              <a:ext uri="{FF2B5EF4-FFF2-40B4-BE49-F238E27FC236}">
+                <a16:creationId xmlns:a16="http://schemas.microsoft.com/office/drawing/2014/main" id="{F002B9C5-DD71-D848-A90C-25FFC3BED7C9}"/>
+              </a:ext>
+            </a:extLst>
+          </p:cNvPr>
+          <p:cNvSpPr/>
+          <p:nvPr/>
+        </p:nvSpPr>
+        <p:spPr>
+          <a:xfrm>
+            <a:off x="5617389" y="760767"/>
+            <a:ext cx="292205" cy="630620"/>
+          </a:xfrm>
+          <a:prstGeom prst="rect">
+            <a:avLst/>
+          </a:prstGeom>
+        </p:spPr>
+        <p:style>
+          <a:lnRef idx="2">
+            <a:schemeClr val="dk1"/>
+          </a:lnRef>
+          <a:fillRef idx="1">
+            <a:schemeClr val="lt1"/>
+          </a:fillRef>
+          <a:effectRef idx="0">
+            <a:schemeClr val="dk1"/>
+          </a:effectRef>
+          <a:fontRef idx="minor">
+            <a:schemeClr val="dk1"/>
+          </a:fontRef>
+        </p:style>
+        <p:txBody>
+          <a:bodyPr rtlCol="0" anchor="ctr"/>
+          <a:lstStyle/>
+          <a:p>
+            <a:pPr algn="ctr"/>
+            <a:endParaRPr kumimoji="1" lang="ko-Kore-KR" altLang="en-US" sz="1600" dirty="0"/>
+          </a:p>
+        </p:txBody>
+      </p:sp>
+      <p:sp>
+        <p:nvSpPr>
+          <p:cNvPr id="32" name="직사각형 31">
+            <a:extLst>
+              <a:ext uri="{FF2B5EF4-FFF2-40B4-BE49-F238E27FC236}">
+                <a16:creationId xmlns:a16="http://schemas.microsoft.com/office/drawing/2014/main" id="{90ADC098-340A-D146-9AD5-FF1F8C3A85BE}"/>
+              </a:ext>
+            </a:extLst>
+          </p:cNvPr>
+          <p:cNvSpPr/>
+          <p:nvPr/>
+        </p:nvSpPr>
+        <p:spPr>
+          <a:xfrm>
+            <a:off x="5909594" y="760767"/>
+            <a:ext cx="292205" cy="630620"/>
+          </a:xfrm>
+          <a:prstGeom prst="rect">
+            <a:avLst/>
+          </a:prstGeom>
+        </p:spPr>
+        <p:style>
+          <a:lnRef idx="2">
+            <a:schemeClr val="dk1"/>
+          </a:lnRef>
+          <a:fillRef idx="1">
+            <a:schemeClr val="lt1"/>
+          </a:fillRef>
+          <a:effectRef idx="0">
+            <a:schemeClr val="dk1"/>
+          </a:effectRef>
+          <a:fontRef idx="minor">
+            <a:schemeClr val="dk1"/>
+          </a:fontRef>
+        </p:style>
+        <p:txBody>
+          <a:bodyPr rtlCol="0" anchor="ctr"/>
+          <a:lstStyle/>
+          <a:p>
+            <a:pPr algn="ctr"/>
+            <a:endParaRPr kumimoji="1" lang="ko-Kore-KR" altLang="en-US" sz="1600" dirty="0"/>
+          </a:p>
+        </p:txBody>
+      </p:sp>
+      <p:sp>
+        <p:nvSpPr>
+          <p:cNvPr id="35" name="직사각형 34">
+            <a:extLst>
+              <a:ext uri="{FF2B5EF4-FFF2-40B4-BE49-F238E27FC236}">
+                <a16:creationId xmlns:a16="http://schemas.microsoft.com/office/drawing/2014/main" id="{DEA3067B-9D09-3F4F-8AD1-C67C9BA7D00F}"/>
+              </a:ext>
+            </a:extLst>
+          </p:cNvPr>
+          <p:cNvSpPr/>
+          <p:nvPr/>
+        </p:nvSpPr>
+        <p:spPr>
+          <a:xfrm>
+            <a:off x="6201799" y="760767"/>
+            <a:ext cx="292205" cy="630620"/>
+          </a:xfrm>
+          <a:prstGeom prst="rect">
+            <a:avLst/>
+          </a:prstGeom>
+        </p:spPr>
+        <p:style>
+          <a:lnRef idx="2">
+            <a:schemeClr val="dk1"/>
+          </a:lnRef>
+          <a:fillRef idx="1">
+            <a:schemeClr val="lt1"/>
+          </a:fillRef>
+          <a:effectRef idx="0">
+            <a:schemeClr val="dk1"/>
+          </a:effectRef>
+          <a:fontRef idx="minor">
+            <a:schemeClr val="dk1"/>
+          </a:fontRef>
+        </p:style>
+        <p:txBody>
+          <a:bodyPr rtlCol="0" anchor="ctr"/>
+          <a:lstStyle/>
+          <a:p>
+            <a:pPr algn="ctr"/>
+            <a:endParaRPr kumimoji="1" lang="ko-Kore-KR" altLang="en-US" sz="1600" dirty="0"/>
+          </a:p>
+        </p:txBody>
+      </p:sp>
+      <p:sp>
+        <p:nvSpPr>
+          <p:cNvPr id="36" name="직사각형 35">
+            <a:extLst>
+              <a:ext uri="{FF2B5EF4-FFF2-40B4-BE49-F238E27FC236}">
+                <a16:creationId xmlns:a16="http://schemas.microsoft.com/office/drawing/2014/main" id="{E03B9279-DA67-F14D-A2C0-4C6FE26333FA}"/>
+              </a:ext>
+            </a:extLst>
+          </p:cNvPr>
+          <p:cNvSpPr/>
+          <p:nvPr/>
+        </p:nvSpPr>
+        <p:spPr>
+          <a:xfrm>
+            <a:off x="6494004" y="760767"/>
+            <a:ext cx="292205" cy="630620"/>
+          </a:xfrm>
+          <a:prstGeom prst="rect">
+            <a:avLst/>
+          </a:prstGeom>
+        </p:spPr>
+        <p:style>
+          <a:lnRef idx="2">
+            <a:schemeClr val="dk1"/>
+          </a:lnRef>
+          <a:fillRef idx="1">
+            <a:schemeClr val="lt1"/>
+          </a:fillRef>
+          <a:effectRef idx="0">
+            <a:schemeClr val="dk1"/>
+          </a:effectRef>
+          <a:fontRef idx="minor">
+            <a:schemeClr val="dk1"/>
+          </a:fontRef>
+        </p:style>
+        <p:txBody>
+          <a:bodyPr rtlCol="0" anchor="ctr"/>
+          <a:lstStyle/>
+          <a:p>
+            <a:pPr algn="ctr"/>
+            <a:endParaRPr kumimoji="1" lang="ko-Kore-KR" altLang="en-US" sz="1600" dirty="0"/>
+          </a:p>
+        </p:txBody>
+      </p:sp>
+      <p:sp>
+        <p:nvSpPr>
+          <p:cNvPr id="37" name="직사각형 36">
+            <a:extLst>
+              <a:ext uri="{FF2B5EF4-FFF2-40B4-BE49-F238E27FC236}">
+                <a16:creationId xmlns:a16="http://schemas.microsoft.com/office/drawing/2014/main" id="{58CB4805-028D-D541-99EA-93522DC902B6}"/>
+              </a:ext>
+            </a:extLst>
+          </p:cNvPr>
+          <p:cNvSpPr/>
+          <p:nvPr/>
+        </p:nvSpPr>
+        <p:spPr>
+          <a:xfrm>
+            <a:off x="6786209" y="760767"/>
+            <a:ext cx="292205" cy="630620"/>
+          </a:xfrm>
+          <a:prstGeom prst="rect">
+            <a:avLst/>
+          </a:prstGeom>
+        </p:spPr>
+        <p:style>
+          <a:lnRef idx="2">
+            <a:schemeClr val="dk1"/>
+          </a:lnRef>
+          <a:fillRef idx="1">
+            <a:schemeClr val="lt1"/>
+          </a:fillRef>
+          <a:effectRef idx="0">
+            <a:schemeClr val="dk1"/>
+          </a:effectRef>
+          <a:fontRef idx="minor">
+            <a:schemeClr val="dk1"/>
+          </a:fontRef>
+        </p:style>
+        <p:txBody>
+          <a:bodyPr rtlCol="0" anchor="ctr"/>
+          <a:lstStyle/>
+          <a:p>
+            <a:pPr algn="ctr"/>
+            <a:endParaRPr kumimoji="1" lang="ko-Kore-KR" altLang="en-US" sz="1600" dirty="0"/>
+          </a:p>
+        </p:txBody>
+      </p:sp>
+      <p:sp>
+        <p:nvSpPr>
+          <p:cNvPr id="38" name="직사각형 37">
+            <a:extLst>
+              <a:ext uri="{FF2B5EF4-FFF2-40B4-BE49-F238E27FC236}">
+                <a16:creationId xmlns:a16="http://schemas.microsoft.com/office/drawing/2014/main" id="{E9357EA1-86B4-044E-B89C-818B5124FE39}"/>
+              </a:ext>
+            </a:extLst>
+          </p:cNvPr>
+          <p:cNvSpPr/>
+          <p:nvPr/>
+        </p:nvSpPr>
+        <p:spPr>
+          <a:xfrm>
+            <a:off x="7078414" y="760767"/>
+            <a:ext cx="292205" cy="630620"/>
+          </a:xfrm>
+          <a:prstGeom prst="rect">
+            <a:avLst/>
+          </a:prstGeom>
+        </p:spPr>
+        <p:style>
+          <a:lnRef idx="2">
+            <a:schemeClr val="dk1"/>
+          </a:lnRef>
+          <a:fillRef idx="1">
+            <a:schemeClr val="lt1"/>
+          </a:fillRef>
+          <a:effectRef idx="0">
+            <a:schemeClr val="dk1"/>
+          </a:effectRef>
+          <a:fontRef idx="minor">
+            <a:schemeClr val="dk1"/>
+          </a:fontRef>
+        </p:style>
+        <p:txBody>
+          <a:bodyPr rtlCol="0" anchor="ctr"/>
+          <a:lstStyle/>
+          <a:p>
+            <a:pPr algn="ctr"/>
+            <a:endParaRPr kumimoji="1" lang="ko-Kore-KR" altLang="en-US" sz="1600" dirty="0"/>
+          </a:p>
+        </p:txBody>
+      </p:sp>
+      <p:sp>
+        <p:nvSpPr>
+          <p:cNvPr id="3" name="직사각형 2">
+            <a:extLst>
+              <a:ext uri="{FF2B5EF4-FFF2-40B4-BE49-F238E27FC236}">
+                <a16:creationId xmlns:a16="http://schemas.microsoft.com/office/drawing/2014/main" id="{AD38E1CB-903A-FA42-8BB3-E7BD14EEE434}"/>
+              </a:ext>
+            </a:extLst>
+          </p:cNvPr>
+          <p:cNvSpPr/>
+          <p:nvPr/>
+        </p:nvSpPr>
+        <p:spPr>
+          <a:xfrm>
+            <a:off x="196437" y="453734"/>
+            <a:ext cx="322524" cy="369332"/>
+          </a:xfrm>
+          <a:prstGeom prst="rect">
+            <a:avLst/>
+          </a:prstGeom>
+        </p:spPr>
+        <p:txBody>
+          <a:bodyPr wrap="none">
+            <a:spAutoFit/>
+          </a:bodyPr>
+          <a:lstStyle/>
+          <a:p>
+            <a:r>
+              <a:rPr lang="en" altLang="ko-Kore-KR" dirty="0">
+                <a:solidFill>
+                  <a:srgbClr val="000000"/>
+                </a:solidFill>
+                <a:latin typeface="DM Mono" panose="020B0509040201040103" pitchFamily="49" charset="0"/>
+              </a:rPr>
+              <a:t>0</a:t>
+            </a:r>
+            <a:endParaRPr lang="ko-Kore-KR" altLang="en-US" dirty="0"/>
+          </a:p>
+        </p:txBody>
+      </p:sp>
+      <p:sp>
+        <p:nvSpPr>
+          <p:cNvPr id="39" name="직사각형 38">
+            <a:extLst>
+              <a:ext uri="{FF2B5EF4-FFF2-40B4-BE49-F238E27FC236}">
+                <a16:creationId xmlns:a16="http://schemas.microsoft.com/office/drawing/2014/main" id="{C0DAC4AE-86D5-2347-8433-F257C070DF5A}"/>
+              </a:ext>
+            </a:extLst>
+          </p:cNvPr>
+          <p:cNvSpPr/>
+          <p:nvPr/>
+        </p:nvSpPr>
+        <p:spPr>
+          <a:xfrm>
+            <a:off x="360218" y="3113690"/>
+            <a:ext cx="292205" cy="630620"/>
+          </a:xfrm>
+          <a:prstGeom prst="rect">
+            <a:avLst/>
+          </a:prstGeom>
+          <a:solidFill>
+            <a:srgbClr val="FFFF00"/>
+          </a:solidFill>
+        </p:spPr>
+        <p:style>
+          <a:lnRef idx="2">
+            <a:schemeClr val="dk1"/>
+          </a:lnRef>
+          <a:fillRef idx="1">
+            <a:schemeClr val="lt1"/>
+          </a:fillRef>
+          <a:effectRef idx="0">
+            <a:schemeClr val="dk1"/>
+          </a:effectRef>
+          <a:fontRef idx="minor">
+            <a:schemeClr val="dk1"/>
+          </a:fontRef>
+        </p:style>
+        <p:txBody>
+          <a:bodyPr rtlCol="0" anchor="ctr"/>
+          <a:lstStyle/>
+          <a:p>
+            <a:pPr algn="ctr"/>
+            <a:endParaRPr kumimoji="1" lang="ko-Kore-KR" altLang="en-US" sz="1600" dirty="0"/>
+          </a:p>
+        </p:txBody>
+      </p:sp>
+      <p:sp>
+        <p:nvSpPr>
+          <p:cNvPr id="40" name="직사각형 39">
+            <a:extLst>
+              <a:ext uri="{FF2B5EF4-FFF2-40B4-BE49-F238E27FC236}">
+                <a16:creationId xmlns:a16="http://schemas.microsoft.com/office/drawing/2014/main" id="{34CF5B81-8B1E-FD41-880D-22C3366CD9C6}"/>
+              </a:ext>
+            </a:extLst>
+          </p:cNvPr>
+          <p:cNvSpPr/>
+          <p:nvPr/>
+        </p:nvSpPr>
+        <p:spPr>
+          <a:xfrm>
+            <a:off x="652423" y="3113690"/>
+            <a:ext cx="292205" cy="630620"/>
+          </a:xfrm>
+          <a:prstGeom prst="rect">
+            <a:avLst/>
+          </a:prstGeom>
+          <a:solidFill>
+            <a:schemeClr val="bg2"/>
+          </a:solidFill>
+        </p:spPr>
+        <p:style>
+          <a:lnRef idx="2">
+            <a:schemeClr val="dk1"/>
+          </a:lnRef>
+          <a:fillRef idx="1">
+            <a:schemeClr val="lt1"/>
+          </a:fillRef>
+          <a:effectRef idx="0">
+            <a:schemeClr val="dk1"/>
+          </a:effectRef>
+          <a:fontRef idx="minor">
+            <a:schemeClr val="dk1"/>
+          </a:fontRef>
+        </p:style>
+        <p:txBody>
+          <a:bodyPr rtlCol="0" anchor="ctr"/>
+          <a:lstStyle/>
+          <a:p>
+            <a:pPr algn="ctr"/>
+            <a:endParaRPr kumimoji="1" lang="ko-Kore-KR" altLang="en-US" sz="1600" dirty="0"/>
+          </a:p>
+        </p:txBody>
+      </p:sp>
+      <p:sp>
+        <p:nvSpPr>
+          <p:cNvPr id="41" name="직사각형 40">
+            <a:extLst>
+              <a:ext uri="{FF2B5EF4-FFF2-40B4-BE49-F238E27FC236}">
+                <a16:creationId xmlns:a16="http://schemas.microsoft.com/office/drawing/2014/main" id="{B58A28A7-4DE9-634F-B1BF-8D3EE2A04A91}"/>
+              </a:ext>
+            </a:extLst>
+          </p:cNvPr>
+          <p:cNvSpPr/>
+          <p:nvPr/>
+        </p:nvSpPr>
+        <p:spPr>
+          <a:xfrm>
+            <a:off x="944628" y="3113690"/>
+            <a:ext cx="292205" cy="630620"/>
+          </a:xfrm>
+          <a:prstGeom prst="rect">
+            <a:avLst/>
+          </a:prstGeom>
+          <a:solidFill>
+            <a:schemeClr val="bg2"/>
+          </a:solidFill>
+        </p:spPr>
+        <p:style>
+          <a:lnRef idx="2">
+            <a:schemeClr val="dk1"/>
+          </a:lnRef>
+          <a:fillRef idx="1">
+            <a:schemeClr val="lt1"/>
+          </a:fillRef>
+          <a:effectRef idx="0">
+            <a:schemeClr val="dk1"/>
+          </a:effectRef>
+          <a:fontRef idx="minor">
+            <a:schemeClr val="dk1"/>
+          </a:fontRef>
+        </p:style>
+        <p:txBody>
+          <a:bodyPr rtlCol="0" anchor="ctr"/>
+          <a:lstStyle/>
+          <a:p>
+            <a:pPr algn="ctr"/>
+            <a:endParaRPr kumimoji="1" lang="ko-Kore-KR" altLang="en-US" sz="1600" dirty="0"/>
+          </a:p>
+        </p:txBody>
+      </p:sp>
+      <p:sp>
+        <p:nvSpPr>
+          <p:cNvPr id="42" name="직사각형 41">
+            <a:extLst>
+              <a:ext uri="{FF2B5EF4-FFF2-40B4-BE49-F238E27FC236}">
+                <a16:creationId xmlns:a16="http://schemas.microsoft.com/office/drawing/2014/main" id="{0133EDBD-341E-6B49-81CD-64CB601941BC}"/>
+              </a:ext>
+            </a:extLst>
+          </p:cNvPr>
+          <p:cNvSpPr/>
+          <p:nvPr/>
+        </p:nvSpPr>
+        <p:spPr>
+          <a:xfrm>
+            <a:off x="1236833" y="3113690"/>
+            <a:ext cx="292205" cy="630620"/>
+          </a:xfrm>
+          <a:prstGeom prst="rect">
+            <a:avLst/>
+          </a:prstGeom>
+          <a:solidFill>
+            <a:schemeClr val="bg2"/>
+          </a:solidFill>
+        </p:spPr>
+        <p:style>
+          <a:lnRef idx="2">
+            <a:schemeClr val="dk1"/>
+          </a:lnRef>
+          <a:fillRef idx="1">
+            <a:schemeClr val="lt1"/>
+          </a:fillRef>
+          <a:effectRef idx="0">
+            <a:schemeClr val="dk1"/>
+          </a:effectRef>
+          <a:fontRef idx="minor">
+            <a:schemeClr val="dk1"/>
+          </a:fontRef>
+        </p:style>
+        <p:txBody>
+          <a:bodyPr rtlCol="0" anchor="ctr"/>
+          <a:lstStyle/>
+          <a:p>
+            <a:pPr algn="ctr"/>
+            <a:endParaRPr kumimoji="1" lang="ko-Kore-KR" altLang="en-US" sz="1600" dirty="0"/>
+          </a:p>
+        </p:txBody>
+      </p:sp>
+      <p:sp>
+        <p:nvSpPr>
+          <p:cNvPr id="43" name="직사각형 42">
+            <a:extLst>
+              <a:ext uri="{FF2B5EF4-FFF2-40B4-BE49-F238E27FC236}">
+                <a16:creationId xmlns:a16="http://schemas.microsoft.com/office/drawing/2014/main" id="{B77F88B1-EBE5-F642-A1DA-19FBEC62EE6F}"/>
+              </a:ext>
+            </a:extLst>
+          </p:cNvPr>
+          <p:cNvSpPr/>
+          <p:nvPr/>
+        </p:nvSpPr>
+        <p:spPr>
+          <a:xfrm>
+            <a:off x="1529038" y="3113690"/>
+            <a:ext cx="292205" cy="630620"/>
+          </a:xfrm>
+          <a:prstGeom prst="rect">
+            <a:avLst/>
+          </a:prstGeom>
+          <a:solidFill>
+            <a:schemeClr val="bg2"/>
+          </a:solidFill>
+        </p:spPr>
+        <p:style>
+          <a:lnRef idx="2">
+            <a:schemeClr val="dk1"/>
+          </a:lnRef>
+          <a:fillRef idx="1">
+            <a:schemeClr val="lt1"/>
+          </a:fillRef>
+          <a:effectRef idx="0">
+            <a:schemeClr val="dk1"/>
+          </a:effectRef>
+          <a:fontRef idx="minor">
+            <a:schemeClr val="dk1"/>
+          </a:fontRef>
+        </p:style>
+        <p:txBody>
+          <a:bodyPr rtlCol="0" anchor="ctr"/>
+          <a:lstStyle/>
+          <a:p>
+            <a:pPr algn="ctr"/>
+            <a:endParaRPr kumimoji="1" lang="ko-Kore-KR" altLang="en-US" sz="1600" dirty="0"/>
+          </a:p>
+        </p:txBody>
+      </p:sp>
+      <p:sp>
+        <p:nvSpPr>
+          <p:cNvPr id="44" name="직사각형 43">
+            <a:extLst>
+              <a:ext uri="{FF2B5EF4-FFF2-40B4-BE49-F238E27FC236}">
+                <a16:creationId xmlns:a16="http://schemas.microsoft.com/office/drawing/2014/main" id="{FB234C19-6205-7643-BDA4-E63B86AE636E}"/>
+              </a:ext>
+            </a:extLst>
+          </p:cNvPr>
+          <p:cNvSpPr/>
+          <p:nvPr/>
+        </p:nvSpPr>
+        <p:spPr>
+          <a:xfrm>
+            <a:off x="1821243" y="3113690"/>
+            <a:ext cx="292205" cy="630620"/>
+          </a:xfrm>
+          <a:prstGeom prst="rect">
+            <a:avLst/>
+          </a:prstGeom>
+          <a:solidFill>
+            <a:schemeClr val="bg2"/>
+          </a:solidFill>
+        </p:spPr>
+        <p:style>
+          <a:lnRef idx="2">
+            <a:schemeClr val="dk1"/>
+          </a:lnRef>
+          <a:fillRef idx="1">
+            <a:schemeClr val="lt1"/>
+          </a:fillRef>
+          <a:effectRef idx="0">
+            <a:schemeClr val="dk1"/>
+          </a:effectRef>
+          <a:fontRef idx="minor">
+            <a:schemeClr val="dk1"/>
+          </a:fontRef>
+        </p:style>
+        <p:txBody>
+          <a:bodyPr rtlCol="0" anchor="ctr"/>
+          <a:lstStyle/>
+          <a:p>
+            <a:pPr algn="ctr"/>
+            <a:endParaRPr kumimoji="1" lang="ko-Kore-KR" altLang="en-US" sz="1600" dirty="0"/>
+          </a:p>
+        </p:txBody>
+      </p:sp>
+      <p:sp>
+        <p:nvSpPr>
+          <p:cNvPr id="45" name="직사각형 44">
+            <a:extLst>
+              <a:ext uri="{FF2B5EF4-FFF2-40B4-BE49-F238E27FC236}">
+                <a16:creationId xmlns:a16="http://schemas.microsoft.com/office/drawing/2014/main" id="{B7127CC0-E0A8-E949-8CB1-4BE0027988DE}"/>
+              </a:ext>
+            </a:extLst>
+          </p:cNvPr>
+          <p:cNvSpPr/>
+          <p:nvPr/>
+        </p:nvSpPr>
+        <p:spPr>
+          <a:xfrm>
+            <a:off x="2113448" y="3113690"/>
+            <a:ext cx="292205" cy="630620"/>
+          </a:xfrm>
+          <a:prstGeom prst="rect">
+            <a:avLst/>
+          </a:prstGeom>
+          <a:solidFill>
+            <a:schemeClr val="bg2"/>
+          </a:solidFill>
+        </p:spPr>
+        <p:style>
+          <a:lnRef idx="2">
+            <a:schemeClr val="dk1"/>
+          </a:lnRef>
+          <a:fillRef idx="1">
+            <a:schemeClr val="lt1"/>
+          </a:fillRef>
+          <a:effectRef idx="0">
+            <a:schemeClr val="dk1"/>
+          </a:effectRef>
+          <a:fontRef idx="minor">
+            <a:schemeClr val="dk1"/>
+          </a:fontRef>
+        </p:style>
+        <p:txBody>
+          <a:bodyPr rtlCol="0" anchor="ctr"/>
+          <a:lstStyle/>
+          <a:p>
+            <a:pPr algn="ctr"/>
+            <a:endParaRPr kumimoji="1" lang="ko-Kore-KR" altLang="en-US" sz="1600" dirty="0"/>
+          </a:p>
+        </p:txBody>
+      </p:sp>
+      <p:sp>
+        <p:nvSpPr>
+          <p:cNvPr id="46" name="직사각형 45">
+            <a:extLst>
+              <a:ext uri="{FF2B5EF4-FFF2-40B4-BE49-F238E27FC236}">
+                <a16:creationId xmlns:a16="http://schemas.microsoft.com/office/drawing/2014/main" id="{AD6DE4E1-2F3B-9E4A-93AD-2C10947C1150}"/>
+              </a:ext>
+            </a:extLst>
+          </p:cNvPr>
+          <p:cNvSpPr/>
+          <p:nvPr/>
+        </p:nvSpPr>
+        <p:spPr>
+          <a:xfrm>
+            <a:off x="2405653" y="3113690"/>
+            <a:ext cx="292205" cy="630620"/>
+          </a:xfrm>
+          <a:prstGeom prst="rect">
+            <a:avLst/>
+          </a:prstGeom>
+          <a:solidFill>
+            <a:schemeClr val="bg2"/>
+          </a:solidFill>
+        </p:spPr>
+        <p:style>
+          <a:lnRef idx="2">
+            <a:schemeClr val="dk1"/>
+          </a:lnRef>
+          <a:fillRef idx="1">
+            <a:schemeClr val="lt1"/>
+          </a:fillRef>
+          <a:effectRef idx="0">
+            <a:schemeClr val="dk1"/>
+          </a:effectRef>
+          <a:fontRef idx="minor">
+            <a:schemeClr val="dk1"/>
+          </a:fontRef>
+        </p:style>
+        <p:txBody>
+          <a:bodyPr rtlCol="0" anchor="ctr"/>
+          <a:lstStyle/>
+          <a:p>
+            <a:pPr algn="ctr"/>
+            <a:endParaRPr kumimoji="1" lang="ko-Kore-KR" altLang="en-US" sz="1600" dirty="0"/>
+          </a:p>
+        </p:txBody>
+      </p:sp>
+      <p:sp>
+        <p:nvSpPr>
+          <p:cNvPr id="47" name="직사각형 46">
+            <a:extLst>
+              <a:ext uri="{FF2B5EF4-FFF2-40B4-BE49-F238E27FC236}">
+                <a16:creationId xmlns:a16="http://schemas.microsoft.com/office/drawing/2014/main" id="{53CBEDD2-D34A-AB48-9F90-A317E5B4E0AB}"/>
+              </a:ext>
+            </a:extLst>
+          </p:cNvPr>
+          <p:cNvSpPr/>
+          <p:nvPr/>
+        </p:nvSpPr>
+        <p:spPr>
+          <a:xfrm>
+            <a:off x="2697858" y="3113690"/>
+            <a:ext cx="292205" cy="630620"/>
+          </a:xfrm>
+          <a:prstGeom prst="rect">
+            <a:avLst/>
+          </a:prstGeom>
+          <a:solidFill>
+            <a:srgbClr val="00B0F0"/>
+          </a:solidFill>
+        </p:spPr>
+        <p:style>
+          <a:lnRef idx="2">
+            <a:schemeClr val="dk1"/>
+          </a:lnRef>
+          <a:fillRef idx="1">
+            <a:schemeClr val="lt1"/>
+          </a:fillRef>
+          <a:effectRef idx="0">
+            <a:schemeClr val="dk1"/>
+          </a:effectRef>
+          <a:fontRef idx="minor">
+            <a:schemeClr val="dk1"/>
+          </a:fontRef>
+        </p:style>
+        <p:txBody>
+          <a:bodyPr rtlCol="0" anchor="ctr"/>
+          <a:lstStyle/>
+          <a:p>
+            <a:pPr algn="ctr"/>
+            <a:endParaRPr kumimoji="1" lang="ko-Kore-KR" altLang="en-US" sz="1600" dirty="0"/>
+          </a:p>
+        </p:txBody>
+      </p:sp>
+      <p:sp>
+        <p:nvSpPr>
+          <p:cNvPr id="48" name="직사각형 47">
+            <a:extLst>
+              <a:ext uri="{FF2B5EF4-FFF2-40B4-BE49-F238E27FC236}">
+                <a16:creationId xmlns:a16="http://schemas.microsoft.com/office/drawing/2014/main" id="{E7E7FD01-D143-064C-AE35-798F290F679C}"/>
+              </a:ext>
+            </a:extLst>
+          </p:cNvPr>
+          <p:cNvSpPr/>
+          <p:nvPr/>
+        </p:nvSpPr>
+        <p:spPr>
+          <a:xfrm>
+            <a:off x="2990063" y="3113690"/>
+            <a:ext cx="292205" cy="630620"/>
+          </a:xfrm>
+          <a:prstGeom prst="rect">
+            <a:avLst/>
+          </a:prstGeom>
+          <a:solidFill>
+            <a:srgbClr val="00B0F0"/>
+          </a:solidFill>
+        </p:spPr>
+        <p:style>
+          <a:lnRef idx="2">
+            <a:schemeClr val="dk1"/>
+          </a:lnRef>
+          <a:fillRef idx="1">
+            <a:schemeClr val="lt1"/>
+          </a:fillRef>
+          <a:effectRef idx="0">
+            <a:schemeClr val="dk1"/>
+          </a:effectRef>
+          <a:fontRef idx="minor">
+            <a:schemeClr val="dk1"/>
+          </a:fontRef>
+        </p:style>
+        <p:txBody>
+          <a:bodyPr rtlCol="0" anchor="ctr"/>
+          <a:lstStyle/>
+          <a:p>
+            <a:pPr algn="ctr"/>
+            <a:endParaRPr kumimoji="1" lang="ko-Kore-KR" altLang="en-US" sz="1600" dirty="0"/>
+          </a:p>
+        </p:txBody>
+      </p:sp>
+      <p:sp>
+        <p:nvSpPr>
+          <p:cNvPr id="49" name="직사각형 48">
+            <a:extLst>
+              <a:ext uri="{FF2B5EF4-FFF2-40B4-BE49-F238E27FC236}">
+                <a16:creationId xmlns:a16="http://schemas.microsoft.com/office/drawing/2014/main" id="{F49AF795-BD9F-3745-866E-134E5E744D3D}"/>
+              </a:ext>
+            </a:extLst>
+          </p:cNvPr>
+          <p:cNvSpPr/>
+          <p:nvPr/>
+        </p:nvSpPr>
+        <p:spPr>
+          <a:xfrm>
+            <a:off x="3282268" y="3113690"/>
+            <a:ext cx="292205" cy="630620"/>
+          </a:xfrm>
+          <a:prstGeom prst="rect">
+            <a:avLst/>
+          </a:prstGeom>
+          <a:solidFill>
+            <a:srgbClr val="00B0F0"/>
+          </a:solidFill>
+        </p:spPr>
+        <p:style>
+          <a:lnRef idx="2">
+            <a:schemeClr val="dk1"/>
+          </a:lnRef>
+          <a:fillRef idx="1">
+            <a:schemeClr val="lt1"/>
+          </a:fillRef>
+          <a:effectRef idx="0">
+            <a:schemeClr val="dk1"/>
+          </a:effectRef>
+          <a:fontRef idx="minor">
+            <a:schemeClr val="dk1"/>
+          </a:fontRef>
+        </p:style>
+        <p:txBody>
+          <a:bodyPr rtlCol="0" anchor="ctr"/>
+          <a:lstStyle/>
+          <a:p>
+            <a:pPr algn="ctr"/>
+            <a:endParaRPr kumimoji="1" lang="ko-Kore-KR" altLang="en-US" sz="1600" dirty="0"/>
+          </a:p>
+        </p:txBody>
+      </p:sp>
+      <p:sp>
+        <p:nvSpPr>
+          <p:cNvPr id="50" name="직사각형 49">
+            <a:extLst>
+              <a:ext uri="{FF2B5EF4-FFF2-40B4-BE49-F238E27FC236}">
+                <a16:creationId xmlns:a16="http://schemas.microsoft.com/office/drawing/2014/main" id="{81FE0085-8CC6-C442-A4AD-AC2C1846DE71}"/>
+              </a:ext>
+            </a:extLst>
+          </p:cNvPr>
+          <p:cNvSpPr/>
+          <p:nvPr/>
+        </p:nvSpPr>
+        <p:spPr>
+          <a:xfrm>
+            <a:off x="3574473" y="3113690"/>
+            <a:ext cx="292205" cy="630620"/>
+          </a:xfrm>
+          <a:prstGeom prst="rect">
+            <a:avLst/>
+          </a:prstGeom>
+          <a:solidFill>
+            <a:srgbClr val="00B0F0"/>
+          </a:solidFill>
+        </p:spPr>
+        <p:style>
+          <a:lnRef idx="2">
+            <a:schemeClr val="dk1"/>
+          </a:lnRef>
+          <a:fillRef idx="1">
+            <a:schemeClr val="lt1"/>
+          </a:fillRef>
+          <a:effectRef idx="0">
+            <a:schemeClr val="dk1"/>
+          </a:effectRef>
+          <a:fontRef idx="minor">
+            <a:schemeClr val="dk1"/>
+          </a:fontRef>
+        </p:style>
+        <p:txBody>
+          <a:bodyPr rtlCol="0" anchor="ctr"/>
+          <a:lstStyle/>
+          <a:p>
+            <a:pPr algn="ctr"/>
+            <a:endParaRPr kumimoji="1" lang="ko-Kore-KR" altLang="en-US" sz="1600" dirty="0"/>
+          </a:p>
+        </p:txBody>
+      </p:sp>
+      <p:sp>
+        <p:nvSpPr>
+          <p:cNvPr id="51" name="직사각형 50">
+            <a:extLst>
+              <a:ext uri="{FF2B5EF4-FFF2-40B4-BE49-F238E27FC236}">
+                <a16:creationId xmlns:a16="http://schemas.microsoft.com/office/drawing/2014/main" id="{46680A24-C28F-1D43-8138-A29511864589}"/>
+              </a:ext>
+            </a:extLst>
+          </p:cNvPr>
+          <p:cNvSpPr/>
+          <p:nvPr/>
+        </p:nvSpPr>
+        <p:spPr>
+          <a:xfrm>
+            <a:off x="3859120" y="3113690"/>
+            <a:ext cx="292205" cy="630620"/>
+          </a:xfrm>
+          <a:prstGeom prst="rect">
+            <a:avLst/>
+          </a:prstGeom>
+          <a:solidFill>
+            <a:srgbClr val="00B0F0"/>
+          </a:solidFill>
+        </p:spPr>
+        <p:style>
+          <a:lnRef idx="2">
+            <a:schemeClr val="dk1"/>
+          </a:lnRef>
+          <a:fillRef idx="1">
+            <a:schemeClr val="lt1"/>
+          </a:fillRef>
+          <a:effectRef idx="0">
+            <a:schemeClr val="dk1"/>
+          </a:effectRef>
+          <a:fontRef idx="minor">
+            <a:schemeClr val="dk1"/>
+          </a:fontRef>
+        </p:style>
+        <p:txBody>
+          <a:bodyPr rtlCol="0" anchor="ctr"/>
+          <a:lstStyle/>
+          <a:p>
+            <a:pPr algn="ctr"/>
+            <a:endParaRPr kumimoji="1" lang="ko-Kore-KR" altLang="en-US" sz="1600" dirty="0"/>
+          </a:p>
+        </p:txBody>
+      </p:sp>
+      <p:sp>
+        <p:nvSpPr>
+          <p:cNvPr id="52" name="직사각형 51">
+            <a:extLst>
+              <a:ext uri="{FF2B5EF4-FFF2-40B4-BE49-F238E27FC236}">
+                <a16:creationId xmlns:a16="http://schemas.microsoft.com/office/drawing/2014/main" id="{379F2240-EBE0-AE45-92AB-8C34D31B5AEE}"/>
+              </a:ext>
+            </a:extLst>
+          </p:cNvPr>
+          <p:cNvSpPr/>
+          <p:nvPr/>
+        </p:nvSpPr>
+        <p:spPr>
+          <a:xfrm>
+            <a:off x="4158883" y="3113690"/>
+            <a:ext cx="292205" cy="630620"/>
+          </a:xfrm>
+          <a:prstGeom prst="rect">
+            <a:avLst/>
+          </a:prstGeom>
+          <a:solidFill>
+            <a:srgbClr val="00B0F0"/>
+          </a:solidFill>
+        </p:spPr>
+        <p:style>
+          <a:lnRef idx="2">
+            <a:schemeClr val="dk1"/>
+          </a:lnRef>
+          <a:fillRef idx="1">
+            <a:schemeClr val="lt1"/>
+          </a:fillRef>
+          <a:effectRef idx="0">
+            <a:schemeClr val="dk1"/>
+          </a:effectRef>
+          <a:fontRef idx="minor">
+            <a:schemeClr val="dk1"/>
+          </a:fontRef>
+        </p:style>
+        <p:txBody>
+          <a:bodyPr rtlCol="0" anchor="ctr"/>
+          <a:lstStyle/>
+          <a:p>
+            <a:pPr algn="ctr"/>
+            <a:endParaRPr kumimoji="1" lang="ko-Kore-KR" altLang="en-US" sz="1600" dirty="0"/>
+          </a:p>
+        </p:txBody>
+      </p:sp>
+      <p:sp>
+        <p:nvSpPr>
+          <p:cNvPr id="53" name="직사각형 52">
+            <a:extLst>
+              <a:ext uri="{FF2B5EF4-FFF2-40B4-BE49-F238E27FC236}">
+                <a16:creationId xmlns:a16="http://schemas.microsoft.com/office/drawing/2014/main" id="{1CCBF4B3-9469-7B46-92A4-8D791B8A51DB}"/>
+              </a:ext>
+            </a:extLst>
+          </p:cNvPr>
+          <p:cNvSpPr/>
+          <p:nvPr/>
+        </p:nvSpPr>
+        <p:spPr>
+          <a:xfrm>
+            <a:off x="4451088" y="3113690"/>
+            <a:ext cx="292205" cy="630620"/>
+          </a:xfrm>
+          <a:prstGeom prst="rect">
+            <a:avLst/>
+          </a:prstGeom>
+          <a:solidFill>
+            <a:srgbClr val="00B0F0"/>
+          </a:solidFill>
+        </p:spPr>
+        <p:style>
+          <a:lnRef idx="2">
+            <a:schemeClr val="dk1"/>
+          </a:lnRef>
+          <a:fillRef idx="1">
+            <a:schemeClr val="lt1"/>
+          </a:fillRef>
+          <a:effectRef idx="0">
+            <a:schemeClr val="dk1"/>
+          </a:effectRef>
+          <a:fontRef idx="minor">
+            <a:schemeClr val="dk1"/>
+          </a:fontRef>
+        </p:style>
+        <p:txBody>
+          <a:bodyPr rtlCol="0" anchor="ctr"/>
+          <a:lstStyle/>
+          <a:p>
+            <a:pPr algn="ctr"/>
+            <a:endParaRPr kumimoji="1" lang="ko-Kore-KR" altLang="en-US" sz="1600" dirty="0"/>
+          </a:p>
+        </p:txBody>
+      </p:sp>
+      <p:sp>
+        <p:nvSpPr>
+          <p:cNvPr id="54" name="직사각형 53">
+            <a:extLst>
+              <a:ext uri="{FF2B5EF4-FFF2-40B4-BE49-F238E27FC236}">
+                <a16:creationId xmlns:a16="http://schemas.microsoft.com/office/drawing/2014/main" id="{89B1F916-EF9B-6C48-960E-DED2EE918C13}"/>
+              </a:ext>
+            </a:extLst>
+          </p:cNvPr>
+          <p:cNvSpPr/>
+          <p:nvPr/>
+        </p:nvSpPr>
+        <p:spPr>
+          <a:xfrm>
+            <a:off x="4743293" y="3113690"/>
+            <a:ext cx="292205" cy="630620"/>
+          </a:xfrm>
+          <a:prstGeom prst="rect">
+            <a:avLst/>
+          </a:prstGeom>
+          <a:solidFill>
+            <a:srgbClr val="00B0F0"/>
+          </a:solidFill>
+        </p:spPr>
+        <p:style>
+          <a:lnRef idx="2">
+            <a:schemeClr val="dk1"/>
+          </a:lnRef>
+          <a:fillRef idx="1">
+            <a:schemeClr val="lt1"/>
+          </a:fillRef>
+          <a:effectRef idx="0">
+            <a:schemeClr val="dk1"/>
+          </a:effectRef>
+          <a:fontRef idx="minor">
+            <a:schemeClr val="dk1"/>
+          </a:fontRef>
+        </p:style>
+        <p:txBody>
+          <a:bodyPr rtlCol="0" anchor="ctr"/>
+          <a:lstStyle/>
+          <a:p>
+            <a:pPr algn="ctr"/>
+            <a:endParaRPr kumimoji="1" lang="ko-Kore-KR" altLang="en-US" sz="1600" dirty="0"/>
+          </a:p>
+        </p:txBody>
+      </p:sp>
+      <p:sp>
+        <p:nvSpPr>
+          <p:cNvPr id="55" name="직사각형 54">
+            <a:extLst>
+              <a:ext uri="{FF2B5EF4-FFF2-40B4-BE49-F238E27FC236}">
+                <a16:creationId xmlns:a16="http://schemas.microsoft.com/office/drawing/2014/main" id="{BE06373D-01B3-E743-A7DE-844727CF5629}"/>
+              </a:ext>
+            </a:extLst>
+          </p:cNvPr>
+          <p:cNvSpPr/>
+          <p:nvPr/>
+        </p:nvSpPr>
+        <p:spPr>
+          <a:xfrm>
+            <a:off x="5035498" y="3113690"/>
+            <a:ext cx="292205" cy="630620"/>
+          </a:xfrm>
+          <a:prstGeom prst="rect">
+            <a:avLst/>
+          </a:prstGeom>
+          <a:solidFill>
+            <a:srgbClr val="92D050"/>
+          </a:solidFill>
+        </p:spPr>
+        <p:style>
+          <a:lnRef idx="2">
+            <a:schemeClr val="dk1"/>
+          </a:lnRef>
+          <a:fillRef idx="1">
+            <a:schemeClr val="lt1"/>
+          </a:fillRef>
+          <a:effectRef idx="0">
+            <a:schemeClr val="dk1"/>
+          </a:effectRef>
+          <a:fontRef idx="minor">
+            <a:schemeClr val="dk1"/>
+          </a:fontRef>
+        </p:style>
+        <p:txBody>
+          <a:bodyPr rtlCol="0" anchor="ctr"/>
+          <a:lstStyle/>
+          <a:p>
+            <a:pPr algn="ctr"/>
+            <a:endParaRPr kumimoji="1" lang="ko-Kore-KR" altLang="en-US" sz="1600" dirty="0"/>
+          </a:p>
+        </p:txBody>
+      </p:sp>
+      <p:sp>
+        <p:nvSpPr>
+          <p:cNvPr id="56" name="직사각형 55">
+            <a:extLst>
+              <a:ext uri="{FF2B5EF4-FFF2-40B4-BE49-F238E27FC236}">
+                <a16:creationId xmlns:a16="http://schemas.microsoft.com/office/drawing/2014/main" id="{6E75A973-3451-5D42-B299-986E4C2F8ED4}"/>
+              </a:ext>
+            </a:extLst>
+          </p:cNvPr>
+          <p:cNvSpPr/>
+          <p:nvPr/>
+        </p:nvSpPr>
+        <p:spPr>
+          <a:xfrm>
+            <a:off x="5327703" y="3113690"/>
+            <a:ext cx="292205" cy="630620"/>
+          </a:xfrm>
+          <a:prstGeom prst="rect">
+            <a:avLst/>
+          </a:prstGeom>
+          <a:solidFill>
+            <a:srgbClr val="92D050"/>
+          </a:solidFill>
+        </p:spPr>
+        <p:style>
+          <a:lnRef idx="2">
+            <a:schemeClr val="dk1"/>
+          </a:lnRef>
+          <a:fillRef idx="1">
+            <a:schemeClr val="lt1"/>
+          </a:fillRef>
+          <a:effectRef idx="0">
+            <a:schemeClr val="dk1"/>
+          </a:effectRef>
+          <a:fontRef idx="minor">
+            <a:schemeClr val="dk1"/>
+          </a:fontRef>
+        </p:style>
+        <p:txBody>
+          <a:bodyPr rtlCol="0" anchor="ctr"/>
+          <a:lstStyle/>
+          <a:p>
+            <a:pPr algn="ctr"/>
+            <a:endParaRPr kumimoji="1" lang="ko-Kore-KR" altLang="en-US" sz="1600" dirty="0"/>
+          </a:p>
+        </p:txBody>
+      </p:sp>
+      <p:sp>
+        <p:nvSpPr>
+          <p:cNvPr id="57" name="직사각형 56">
+            <a:extLst>
+              <a:ext uri="{FF2B5EF4-FFF2-40B4-BE49-F238E27FC236}">
+                <a16:creationId xmlns:a16="http://schemas.microsoft.com/office/drawing/2014/main" id="{DFBE75F8-5566-C146-9E20-E3E84EDD77BE}"/>
+              </a:ext>
+            </a:extLst>
+          </p:cNvPr>
+          <p:cNvSpPr/>
+          <p:nvPr/>
+        </p:nvSpPr>
+        <p:spPr>
+          <a:xfrm>
+            <a:off x="5619908" y="3113690"/>
+            <a:ext cx="292205" cy="630620"/>
+          </a:xfrm>
+          <a:prstGeom prst="rect">
+            <a:avLst/>
+          </a:prstGeom>
+          <a:solidFill>
+            <a:srgbClr val="92D050"/>
+          </a:solidFill>
+        </p:spPr>
+        <p:style>
+          <a:lnRef idx="2">
+            <a:schemeClr val="dk1"/>
+          </a:lnRef>
+          <a:fillRef idx="1">
+            <a:schemeClr val="lt1"/>
+          </a:fillRef>
+          <a:effectRef idx="0">
+            <a:schemeClr val="dk1"/>
+          </a:effectRef>
+          <a:fontRef idx="minor">
+            <a:schemeClr val="dk1"/>
+          </a:fontRef>
+        </p:style>
+        <p:txBody>
+          <a:bodyPr rtlCol="0" anchor="ctr"/>
+          <a:lstStyle/>
+          <a:p>
+            <a:pPr algn="ctr"/>
+            <a:endParaRPr kumimoji="1" lang="ko-Kore-KR" altLang="en-US" sz="1600" dirty="0"/>
+          </a:p>
+        </p:txBody>
+      </p:sp>
+      <p:sp>
+        <p:nvSpPr>
+          <p:cNvPr id="58" name="직사각형 57">
+            <a:extLst>
+              <a:ext uri="{FF2B5EF4-FFF2-40B4-BE49-F238E27FC236}">
+                <a16:creationId xmlns:a16="http://schemas.microsoft.com/office/drawing/2014/main" id="{024AFC34-6E05-E04B-8E91-01EABC17B7C7}"/>
+              </a:ext>
+            </a:extLst>
+          </p:cNvPr>
+          <p:cNvSpPr/>
+          <p:nvPr/>
+        </p:nvSpPr>
+        <p:spPr>
+          <a:xfrm>
+            <a:off x="5912113" y="3113690"/>
+            <a:ext cx="292205" cy="630620"/>
+          </a:xfrm>
+          <a:prstGeom prst="rect">
+            <a:avLst/>
+          </a:prstGeom>
+          <a:solidFill>
+            <a:srgbClr val="92D050"/>
+          </a:solidFill>
+        </p:spPr>
+        <p:style>
+          <a:lnRef idx="2">
+            <a:schemeClr val="dk1"/>
+          </a:lnRef>
+          <a:fillRef idx="1">
+            <a:schemeClr val="lt1"/>
+          </a:fillRef>
+          <a:effectRef idx="0">
+            <a:schemeClr val="dk1"/>
+          </a:effectRef>
+          <a:fontRef idx="minor">
+            <a:schemeClr val="dk1"/>
+          </a:fontRef>
+        </p:style>
+        <p:txBody>
+          <a:bodyPr rtlCol="0" anchor="ctr"/>
+          <a:lstStyle/>
+          <a:p>
+            <a:pPr algn="ctr"/>
+            <a:endParaRPr kumimoji="1" lang="ko-Kore-KR" altLang="en-US" sz="1600" dirty="0"/>
+          </a:p>
+        </p:txBody>
+      </p:sp>
+      <p:sp>
+        <p:nvSpPr>
+          <p:cNvPr id="59" name="직사각형 58">
+            <a:extLst>
+              <a:ext uri="{FF2B5EF4-FFF2-40B4-BE49-F238E27FC236}">
+                <a16:creationId xmlns:a16="http://schemas.microsoft.com/office/drawing/2014/main" id="{62DF6219-51F6-4A4F-87E2-24125BBC3333}"/>
+              </a:ext>
+            </a:extLst>
+          </p:cNvPr>
+          <p:cNvSpPr/>
+          <p:nvPr/>
+        </p:nvSpPr>
+        <p:spPr>
+          <a:xfrm>
+            <a:off x="6204318" y="3113690"/>
+            <a:ext cx="292205" cy="630620"/>
+          </a:xfrm>
+          <a:prstGeom prst="rect">
+            <a:avLst/>
+          </a:prstGeom>
+          <a:solidFill>
+            <a:schemeClr val="bg2"/>
+          </a:solidFill>
+        </p:spPr>
+        <p:style>
+          <a:lnRef idx="2">
+            <a:schemeClr val="dk1"/>
+          </a:lnRef>
+          <a:fillRef idx="1">
+            <a:schemeClr val="lt1"/>
+          </a:fillRef>
+          <a:effectRef idx="0">
+            <a:schemeClr val="dk1"/>
+          </a:effectRef>
+          <a:fontRef idx="minor">
+            <a:schemeClr val="dk1"/>
+          </a:fontRef>
+        </p:style>
+        <p:txBody>
+          <a:bodyPr rtlCol="0" anchor="ctr"/>
+          <a:lstStyle/>
+          <a:p>
+            <a:pPr algn="ctr"/>
+            <a:endParaRPr kumimoji="1" lang="ko-Kore-KR" altLang="en-US" sz="1600" dirty="0"/>
+          </a:p>
+        </p:txBody>
+      </p:sp>
+      <p:sp>
+        <p:nvSpPr>
+          <p:cNvPr id="60" name="직사각형 59">
+            <a:extLst>
+              <a:ext uri="{FF2B5EF4-FFF2-40B4-BE49-F238E27FC236}">
+                <a16:creationId xmlns:a16="http://schemas.microsoft.com/office/drawing/2014/main" id="{70A8C1E6-0ACD-384C-AD9D-B84596E65F4A}"/>
+              </a:ext>
+            </a:extLst>
+          </p:cNvPr>
+          <p:cNvSpPr/>
+          <p:nvPr/>
+        </p:nvSpPr>
+        <p:spPr>
+          <a:xfrm>
+            <a:off x="6496523" y="3113690"/>
+            <a:ext cx="292205" cy="630620"/>
+          </a:xfrm>
+          <a:prstGeom prst="rect">
+            <a:avLst/>
+          </a:prstGeom>
+          <a:solidFill>
+            <a:schemeClr val="bg2"/>
+          </a:solidFill>
+        </p:spPr>
+        <p:style>
+          <a:lnRef idx="2">
+            <a:schemeClr val="dk1"/>
+          </a:lnRef>
+          <a:fillRef idx="1">
+            <a:schemeClr val="lt1"/>
+          </a:fillRef>
+          <a:effectRef idx="0">
+            <a:schemeClr val="dk1"/>
+          </a:effectRef>
+          <a:fontRef idx="minor">
+            <a:schemeClr val="dk1"/>
+          </a:fontRef>
+        </p:style>
+        <p:txBody>
+          <a:bodyPr rtlCol="0" anchor="ctr"/>
+          <a:lstStyle/>
+          <a:p>
+            <a:pPr algn="ctr"/>
+            <a:endParaRPr kumimoji="1" lang="ko-Kore-KR" altLang="en-US" sz="1600" dirty="0"/>
+          </a:p>
+        </p:txBody>
+      </p:sp>
+      <p:sp>
+        <p:nvSpPr>
+          <p:cNvPr id="61" name="직사각형 60">
+            <a:extLst>
+              <a:ext uri="{FF2B5EF4-FFF2-40B4-BE49-F238E27FC236}">
+                <a16:creationId xmlns:a16="http://schemas.microsoft.com/office/drawing/2014/main" id="{5CEB8467-0565-0145-9AF5-29CFB28CC7F9}"/>
+              </a:ext>
+            </a:extLst>
+          </p:cNvPr>
+          <p:cNvSpPr/>
+          <p:nvPr/>
+        </p:nvSpPr>
+        <p:spPr>
+          <a:xfrm>
+            <a:off x="6788728" y="3113690"/>
+            <a:ext cx="292205" cy="630620"/>
+          </a:xfrm>
+          <a:prstGeom prst="rect">
+            <a:avLst/>
+          </a:prstGeom>
+          <a:solidFill>
+            <a:schemeClr val="bg2"/>
+          </a:solidFill>
+        </p:spPr>
+        <p:style>
+          <a:lnRef idx="2">
+            <a:schemeClr val="dk1"/>
+          </a:lnRef>
+          <a:fillRef idx="1">
+            <a:schemeClr val="lt1"/>
+          </a:fillRef>
+          <a:effectRef idx="0">
+            <a:schemeClr val="dk1"/>
+          </a:effectRef>
+          <a:fontRef idx="minor">
+            <a:schemeClr val="dk1"/>
+          </a:fontRef>
+        </p:style>
+        <p:txBody>
+          <a:bodyPr rtlCol="0" anchor="ctr"/>
+          <a:lstStyle/>
+          <a:p>
+            <a:pPr algn="ctr"/>
+            <a:endParaRPr kumimoji="1" lang="ko-Kore-KR" altLang="en-US" sz="1600" dirty="0"/>
+          </a:p>
+        </p:txBody>
+      </p:sp>
+      <p:sp>
+        <p:nvSpPr>
+          <p:cNvPr id="62" name="직사각형 61">
+            <a:extLst>
+              <a:ext uri="{FF2B5EF4-FFF2-40B4-BE49-F238E27FC236}">
+                <a16:creationId xmlns:a16="http://schemas.microsoft.com/office/drawing/2014/main" id="{86467649-D96C-0141-A4D4-8909C4A51A88}"/>
+              </a:ext>
+            </a:extLst>
+          </p:cNvPr>
+          <p:cNvSpPr/>
+          <p:nvPr/>
+        </p:nvSpPr>
+        <p:spPr>
+          <a:xfrm>
+            <a:off x="7080933" y="3113690"/>
+            <a:ext cx="292205" cy="630620"/>
+          </a:xfrm>
+          <a:prstGeom prst="rect">
+            <a:avLst/>
+          </a:prstGeom>
+          <a:solidFill>
+            <a:schemeClr val="bg2"/>
+          </a:solidFill>
+        </p:spPr>
+        <p:style>
+          <a:lnRef idx="2">
+            <a:schemeClr val="dk1"/>
+          </a:lnRef>
+          <a:fillRef idx="1">
+            <a:schemeClr val="lt1"/>
+          </a:fillRef>
+          <a:effectRef idx="0">
+            <a:schemeClr val="dk1"/>
+          </a:effectRef>
+          <a:fontRef idx="minor">
+            <a:schemeClr val="dk1"/>
+          </a:fontRef>
+        </p:style>
+        <p:txBody>
+          <a:bodyPr rtlCol="0" anchor="ctr"/>
+          <a:lstStyle/>
+          <a:p>
+            <a:pPr algn="ctr"/>
+            <a:endParaRPr kumimoji="1" lang="ko-Kore-KR" altLang="en-US" sz="1600" dirty="0"/>
+          </a:p>
+        </p:txBody>
+      </p:sp>
+    </p:spTree>
+    <p:extLst>
+      <p:ext uri="{BB962C8B-B14F-4D97-AF65-F5344CB8AC3E}">
+        <p14:creationId xmlns:p14="http://schemas.microsoft.com/office/powerpoint/2010/main" val="373543451"/>
       </p:ext>
     </p:extLst>
   </p:cSld>

--- a/220117.pptx
+++ b/220117.pptx
@@ -24,6 +24,8 @@
     <p:sldId id="272" r:id="rId18"/>
     <p:sldId id="273" r:id="rId19"/>
     <p:sldId id="274" r:id="rId20"/>
+    <p:sldId id="275" r:id="rId21"/>
+    <p:sldId id="276" r:id="rId22"/>
   </p:sldIdLst>
   <p:sldSz cx="12192000" cy="6858000"/>
   <p:notesSz cx="6858000" cy="9144000"/>
@@ -17522,6 +17524,994 @@
     <p:extLst>
       <p:ext uri="{BB962C8B-B14F-4D97-AF65-F5344CB8AC3E}">
         <p14:creationId xmlns:p14="http://schemas.microsoft.com/office/powerpoint/2010/main" val="3593057906"/>
+      </p:ext>
+    </p:extLst>
+  </p:cSld>
+  <p:clrMapOvr>
+    <a:masterClrMapping/>
+  </p:clrMapOvr>
+</p:sld>
+</file>
+
+<file path=ppt/slides/slide20.xml><?xml version="1.0" encoding="utf-8"?>
+<p:sld xmlns:a="http://schemas.openxmlformats.org/drawingml/2006/main" xmlns:r="http://schemas.openxmlformats.org/officeDocument/2006/relationships" xmlns:p="http://schemas.openxmlformats.org/presentationml/2006/main">
+  <p:cSld>
+    <p:spTree>
+      <p:nvGrpSpPr>
+        <p:cNvPr id="1" name=""/>
+        <p:cNvGrpSpPr/>
+        <p:nvPr/>
+      </p:nvGrpSpPr>
+      <p:grpSpPr>
+        <a:xfrm>
+          <a:off x="0" y="0"/>
+          <a:ext cx="0" cy="0"/>
+          <a:chOff x="0" y="0"/>
+          <a:chExt cx="0" cy="0"/>
+        </a:xfrm>
+      </p:grpSpPr>
+      <p:sp>
+        <p:nvSpPr>
+          <p:cNvPr id="4" name="직사각형 3">
+            <a:extLst>
+              <a:ext uri="{FF2B5EF4-FFF2-40B4-BE49-F238E27FC236}">
+                <a16:creationId xmlns:a16="http://schemas.microsoft.com/office/drawing/2014/main" id="{0AFF39E9-9832-DB41-8D36-A84E8D293CCD}"/>
+              </a:ext>
+            </a:extLst>
+          </p:cNvPr>
+          <p:cNvSpPr/>
+          <p:nvPr/>
+        </p:nvSpPr>
+        <p:spPr>
+          <a:xfrm>
+            <a:off x="290330" y="229081"/>
+            <a:ext cx="3631122" cy="369332"/>
+          </a:xfrm>
+          <a:prstGeom prst="rect">
+            <a:avLst/>
+          </a:prstGeom>
+        </p:spPr>
+        <p:txBody>
+          <a:bodyPr wrap="none">
+            <a:spAutoFit/>
+          </a:bodyPr>
+          <a:lstStyle/>
+          <a:p>
+            <a:r>
+              <a:rPr lang="en" altLang="ko-Kore-KR" dirty="0" err="1">
+                <a:solidFill>
+                  <a:srgbClr val="008000"/>
+                </a:solidFill>
+                <a:latin typeface="DM Mono" panose="020B0509040201040103" pitchFamily="49" charset="0"/>
+              </a:rPr>
+              <a:t>printf</a:t>
+            </a:r>
+            <a:r>
+              <a:rPr lang="en" altLang="ko-Kore-KR" dirty="0">
+                <a:solidFill>
+                  <a:srgbClr val="008000"/>
+                </a:solidFill>
+                <a:latin typeface="DM Mono" panose="020B0509040201040103" pitchFamily="49" charset="0"/>
+              </a:rPr>
+              <a:t>("Hello, world\n");</a:t>
+            </a:r>
+            <a:endParaRPr lang="en" altLang="ko-Kore-KR" b="0" dirty="0">
+              <a:solidFill>
+                <a:srgbClr val="000000"/>
+              </a:solidFill>
+              <a:effectLst/>
+              <a:latin typeface="DM Mono" panose="020B0509040201040103" pitchFamily="49" charset="0"/>
+            </a:endParaRPr>
+          </a:p>
+        </p:txBody>
+      </p:sp>
+      <p:sp>
+        <p:nvSpPr>
+          <p:cNvPr id="5" name="직사각형 4">
+            <a:extLst>
+              <a:ext uri="{FF2B5EF4-FFF2-40B4-BE49-F238E27FC236}">
+                <a16:creationId xmlns:a16="http://schemas.microsoft.com/office/drawing/2014/main" id="{78B9C945-F4AF-1A47-B353-30A89E62BB81}"/>
+              </a:ext>
+            </a:extLst>
+          </p:cNvPr>
+          <p:cNvSpPr/>
+          <p:nvPr/>
+        </p:nvSpPr>
+        <p:spPr>
+          <a:xfrm>
+            <a:off x="290330" y="880245"/>
+            <a:ext cx="4871847" cy="369332"/>
+          </a:xfrm>
+          <a:prstGeom prst="rect">
+            <a:avLst/>
+          </a:prstGeom>
+        </p:spPr>
+        <p:txBody>
+          <a:bodyPr wrap="none">
+            <a:spAutoFit/>
+          </a:bodyPr>
+          <a:lstStyle/>
+          <a:p>
+            <a:r>
+              <a:rPr lang="en-US" altLang="ko-Kore-KR" dirty="0">
+                <a:solidFill>
+                  <a:srgbClr val="008000"/>
+                </a:solidFill>
+                <a:latin typeface="DM Mono" panose="020B0509040201040103" pitchFamily="49" charset="0"/>
+              </a:rPr>
+              <a:t>f</a:t>
+            </a:r>
+            <a:r>
+              <a:rPr lang="en" altLang="ko-Kore-KR" dirty="0" err="1">
+                <a:solidFill>
+                  <a:srgbClr val="008000"/>
+                </a:solidFill>
+                <a:latin typeface="DM Mono" panose="020B0509040201040103" pitchFamily="49" charset="0"/>
+              </a:rPr>
+              <a:t>printf</a:t>
+            </a:r>
+            <a:r>
+              <a:rPr lang="en" altLang="ko-Kore-KR" dirty="0">
+                <a:solidFill>
+                  <a:srgbClr val="008000"/>
+                </a:solidFill>
+                <a:latin typeface="DM Mono" panose="020B0509040201040103" pitchFamily="49" charset="0"/>
+              </a:rPr>
+              <a:t>(</a:t>
+            </a:r>
+            <a:r>
+              <a:rPr lang="en" altLang="ko-Kore-KR" dirty="0" err="1">
+                <a:solidFill>
+                  <a:srgbClr val="008000"/>
+                </a:solidFill>
+                <a:latin typeface="DM Mono" panose="020B0509040201040103" pitchFamily="49" charset="0"/>
+              </a:rPr>
+              <a:t>stdout</a:t>
+            </a:r>
+            <a:r>
+              <a:rPr lang="en" altLang="ko-Kore-KR" dirty="0">
+                <a:solidFill>
+                  <a:srgbClr val="008000"/>
+                </a:solidFill>
+                <a:latin typeface="DM Mono" panose="020B0509040201040103" pitchFamily="49" charset="0"/>
+              </a:rPr>
+              <a:t>, "Hello, world\n");</a:t>
+            </a:r>
+            <a:endParaRPr lang="en" altLang="ko-Kore-KR" b="0" dirty="0">
+              <a:solidFill>
+                <a:srgbClr val="000000"/>
+              </a:solidFill>
+              <a:effectLst/>
+              <a:latin typeface="DM Mono" panose="020B0509040201040103" pitchFamily="49" charset="0"/>
+            </a:endParaRPr>
+          </a:p>
+        </p:txBody>
+      </p:sp>
+      <p:sp>
+        <p:nvSpPr>
+          <p:cNvPr id="6" name="직사각형 5">
+            <a:extLst>
+              <a:ext uri="{FF2B5EF4-FFF2-40B4-BE49-F238E27FC236}">
+                <a16:creationId xmlns:a16="http://schemas.microsoft.com/office/drawing/2014/main" id="{CF312AA8-49D6-5246-8B92-563FF4B1EFEF}"/>
+              </a:ext>
+            </a:extLst>
+          </p:cNvPr>
+          <p:cNvSpPr/>
+          <p:nvPr/>
+        </p:nvSpPr>
+        <p:spPr>
+          <a:xfrm>
+            <a:off x="982656" y="1818750"/>
+            <a:ext cx="1548947" cy="3856575"/>
+          </a:xfrm>
+          <a:prstGeom prst="rect">
+            <a:avLst/>
+          </a:prstGeom>
+        </p:spPr>
+        <p:style>
+          <a:lnRef idx="2">
+            <a:schemeClr val="dk1"/>
+          </a:lnRef>
+          <a:fillRef idx="1">
+            <a:schemeClr val="lt1"/>
+          </a:fillRef>
+          <a:effectRef idx="0">
+            <a:schemeClr val="dk1"/>
+          </a:effectRef>
+          <a:fontRef idx="minor">
+            <a:schemeClr val="dk1"/>
+          </a:fontRef>
+        </p:style>
+        <p:txBody>
+          <a:bodyPr rtlCol="0" anchor="ctr"/>
+          <a:lstStyle/>
+          <a:p>
+            <a:pPr algn="ctr"/>
+            <a:endParaRPr kumimoji="1" lang="ko-Kore-KR" altLang="en-US" sz="1600" dirty="0"/>
+          </a:p>
+        </p:txBody>
+      </p:sp>
+      <p:sp>
+        <p:nvSpPr>
+          <p:cNvPr id="7" name="직사각형 6">
+            <a:extLst>
+              <a:ext uri="{FF2B5EF4-FFF2-40B4-BE49-F238E27FC236}">
+                <a16:creationId xmlns:a16="http://schemas.microsoft.com/office/drawing/2014/main" id="{822C0162-710D-2E43-A1A2-D2AD56505CD4}"/>
+              </a:ext>
+            </a:extLst>
+          </p:cNvPr>
+          <p:cNvSpPr/>
+          <p:nvPr/>
+        </p:nvSpPr>
+        <p:spPr>
+          <a:xfrm>
+            <a:off x="982656" y="1818749"/>
+            <a:ext cx="1548947" cy="2571882"/>
+          </a:xfrm>
+          <a:prstGeom prst="rect">
+            <a:avLst/>
+          </a:prstGeom>
+        </p:spPr>
+        <p:style>
+          <a:lnRef idx="2">
+            <a:schemeClr val="dk1"/>
+          </a:lnRef>
+          <a:fillRef idx="1">
+            <a:schemeClr val="lt1"/>
+          </a:fillRef>
+          <a:effectRef idx="0">
+            <a:schemeClr val="dk1"/>
+          </a:effectRef>
+          <a:fontRef idx="minor">
+            <a:schemeClr val="dk1"/>
+          </a:fontRef>
+        </p:style>
+        <p:txBody>
+          <a:bodyPr rtlCol="0" anchor="ctr"/>
+          <a:lstStyle/>
+          <a:p>
+            <a:pPr algn="ctr"/>
+            <a:r>
+              <a:rPr kumimoji="1" lang="en-US" altLang="ko-Kore-KR" sz="1600" dirty="0"/>
+              <a:t>User</a:t>
+            </a:r>
+            <a:endParaRPr kumimoji="1" lang="ko-Kore-KR" altLang="en-US" sz="1600" dirty="0"/>
+          </a:p>
+        </p:txBody>
+      </p:sp>
+      <p:sp>
+        <p:nvSpPr>
+          <p:cNvPr id="8" name="직사각형 7">
+            <a:extLst>
+              <a:ext uri="{FF2B5EF4-FFF2-40B4-BE49-F238E27FC236}">
+                <a16:creationId xmlns:a16="http://schemas.microsoft.com/office/drawing/2014/main" id="{F1DF6D2F-0314-5247-8C5A-EC84A8F9E3D8}"/>
+              </a:ext>
+            </a:extLst>
+          </p:cNvPr>
+          <p:cNvSpPr/>
+          <p:nvPr/>
+        </p:nvSpPr>
+        <p:spPr>
+          <a:xfrm>
+            <a:off x="982656" y="4390631"/>
+            <a:ext cx="1548947" cy="1284694"/>
+          </a:xfrm>
+          <a:prstGeom prst="rect">
+            <a:avLst/>
+          </a:prstGeom>
+        </p:spPr>
+        <p:style>
+          <a:lnRef idx="2">
+            <a:schemeClr val="dk1"/>
+          </a:lnRef>
+          <a:fillRef idx="1">
+            <a:schemeClr val="lt1"/>
+          </a:fillRef>
+          <a:effectRef idx="0">
+            <a:schemeClr val="dk1"/>
+          </a:effectRef>
+          <a:fontRef idx="minor">
+            <a:schemeClr val="dk1"/>
+          </a:fontRef>
+        </p:style>
+        <p:txBody>
+          <a:bodyPr rtlCol="0" anchor="ctr"/>
+          <a:lstStyle/>
+          <a:p>
+            <a:pPr algn="ctr"/>
+            <a:r>
+              <a:rPr kumimoji="1" lang="en-US" altLang="ko-Kore-KR" sz="1600" dirty="0"/>
+              <a:t>Kernel(OS)</a:t>
+            </a:r>
+            <a:endParaRPr kumimoji="1" lang="ko-Kore-KR" altLang="en-US" sz="1600" dirty="0"/>
+          </a:p>
+        </p:txBody>
+      </p:sp>
+      <p:sp>
+        <p:nvSpPr>
+          <p:cNvPr id="9" name="직사각형 8">
+            <a:extLst>
+              <a:ext uri="{FF2B5EF4-FFF2-40B4-BE49-F238E27FC236}">
+                <a16:creationId xmlns:a16="http://schemas.microsoft.com/office/drawing/2014/main" id="{5D549002-6ED5-334E-BDD4-BF67FFFB9A49}"/>
+              </a:ext>
+            </a:extLst>
+          </p:cNvPr>
+          <p:cNvSpPr/>
+          <p:nvPr/>
+        </p:nvSpPr>
+        <p:spPr>
+          <a:xfrm>
+            <a:off x="2637400" y="4956447"/>
+            <a:ext cx="891085" cy="544105"/>
+          </a:xfrm>
+          <a:prstGeom prst="rect">
+            <a:avLst/>
+          </a:prstGeom>
+        </p:spPr>
+        <p:style>
+          <a:lnRef idx="2">
+            <a:schemeClr val="dk1"/>
+          </a:lnRef>
+          <a:fillRef idx="1">
+            <a:schemeClr val="lt1"/>
+          </a:fillRef>
+          <a:effectRef idx="0">
+            <a:schemeClr val="dk1"/>
+          </a:effectRef>
+          <a:fontRef idx="minor">
+            <a:schemeClr val="dk1"/>
+          </a:fontRef>
+        </p:style>
+        <p:txBody>
+          <a:bodyPr rtlCol="0" anchor="ctr"/>
+          <a:lstStyle/>
+          <a:p>
+            <a:pPr algn="ctr"/>
+            <a:r>
+              <a:rPr kumimoji="1" lang="ko-KR" altLang="en-US" sz="1600" dirty="0"/>
+              <a:t>모니터</a:t>
+            </a:r>
+            <a:endParaRPr kumimoji="1" lang="ko-Kore-KR" altLang="en-US" sz="1600" dirty="0"/>
+          </a:p>
+        </p:txBody>
+      </p:sp>
+    </p:spTree>
+    <p:extLst>
+      <p:ext uri="{BB962C8B-B14F-4D97-AF65-F5344CB8AC3E}">
+        <p14:creationId xmlns:p14="http://schemas.microsoft.com/office/powerpoint/2010/main" val="1459700991"/>
+      </p:ext>
+    </p:extLst>
+  </p:cSld>
+  <p:clrMapOvr>
+    <a:masterClrMapping/>
+  </p:clrMapOvr>
+</p:sld>
+</file>
+
+<file path=ppt/slides/slide21.xml><?xml version="1.0" encoding="utf-8"?>
+<p:sld xmlns:a="http://schemas.openxmlformats.org/drawingml/2006/main" xmlns:r="http://schemas.openxmlformats.org/officeDocument/2006/relationships" xmlns:p="http://schemas.openxmlformats.org/presentationml/2006/main">
+  <p:cSld>
+    <p:spTree>
+      <p:nvGrpSpPr>
+        <p:cNvPr id="1" name=""/>
+        <p:cNvGrpSpPr/>
+        <p:nvPr/>
+      </p:nvGrpSpPr>
+      <p:grpSpPr>
+        <a:xfrm>
+          <a:off x="0" y="0"/>
+          <a:ext cx="0" cy="0"/>
+          <a:chOff x="0" y="0"/>
+          <a:chExt cx="0" cy="0"/>
+        </a:xfrm>
+      </p:grpSpPr>
+      <p:sp>
+        <p:nvSpPr>
+          <p:cNvPr id="5" name="아래쪽 화살표[D] 4">
+            <a:extLst>
+              <a:ext uri="{FF2B5EF4-FFF2-40B4-BE49-F238E27FC236}">
+                <a16:creationId xmlns:a16="http://schemas.microsoft.com/office/drawing/2014/main" id="{B5C1C793-DE2D-BB4B-ADAC-160FF4345027}"/>
+              </a:ext>
+            </a:extLst>
+          </p:cNvPr>
+          <p:cNvSpPr/>
+          <p:nvPr/>
+        </p:nvSpPr>
+        <p:spPr>
+          <a:xfrm rot="10800000">
+            <a:off x="350143" y="633726"/>
+            <a:ext cx="317395" cy="559220"/>
+          </a:xfrm>
+          <a:prstGeom prst="downArrow">
+            <a:avLst/>
+          </a:prstGeom>
+        </p:spPr>
+        <p:style>
+          <a:lnRef idx="2">
+            <a:schemeClr val="dk1"/>
+          </a:lnRef>
+          <a:fillRef idx="1">
+            <a:schemeClr val="lt1"/>
+          </a:fillRef>
+          <a:effectRef idx="0">
+            <a:schemeClr val="dk1"/>
+          </a:effectRef>
+          <a:fontRef idx="minor">
+            <a:schemeClr val="dk1"/>
+          </a:fontRef>
+        </p:style>
+        <p:txBody>
+          <a:bodyPr rtlCol="0" anchor="ctr"/>
+          <a:lstStyle/>
+          <a:p>
+            <a:pPr algn="ctr"/>
+            <a:endParaRPr kumimoji="1" lang="ko-Kore-KR" altLang="en-US"/>
+          </a:p>
+        </p:txBody>
+      </p:sp>
+      <p:sp>
+        <p:nvSpPr>
+          <p:cNvPr id="6" name="직사각형 5">
+            <a:extLst>
+              <a:ext uri="{FF2B5EF4-FFF2-40B4-BE49-F238E27FC236}">
+                <a16:creationId xmlns:a16="http://schemas.microsoft.com/office/drawing/2014/main" id="{A01396FF-58EF-0B4A-8F30-9A9A47E13EAD}"/>
+              </a:ext>
+            </a:extLst>
+          </p:cNvPr>
+          <p:cNvSpPr/>
+          <p:nvPr/>
+        </p:nvSpPr>
+        <p:spPr>
+          <a:xfrm>
+            <a:off x="206558" y="1529404"/>
+            <a:ext cx="6096000" cy="923330"/>
+          </a:xfrm>
+          <a:prstGeom prst="rect">
+            <a:avLst/>
+          </a:prstGeom>
+        </p:spPr>
+        <p:txBody>
+          <a:bodyPr>
+            <a:spAutoFit/>
+          </a:bodyPr>
+          <a:lstStyle/>
+          <a:p>
+            <a:r>
+              <a:rPr lang="en" altLang="ko-Kore-KR" dirty="0" err="1">
+                <a:solidFill>
+                  <a:srgbClr val="000000"/>
+                </a:solidFill>
+                <a:latin typeface="DM Mono" panose="020B0509040201040103" pitchFamily="49" charset="0"/>
+              </a:rPr>
+              <a:t>fwrite</a:t>
+            </a:r>
+            <a:r>
+              <a:rPr lang="en" altLang="ko-Kore-KR" dirty="0">
+                <a:solidFill>
+                  <a:srgbClr val="000000"/>
+                </a:solidFill>
+                <a:latin typeface="DM Mono" panose="020B0509040201040103" pitchFamily="49" charset="0"/>
+              </a:rPr>
+              <a:t>(&amp;</a:t>
+            </a:r>
+            <a:r>
+              <a:rPr lang="en" altLang="ko-Kore-KR" dirty="0" err="1">
+                <a:solidFill>
+                  <a:srgbClr val="000000"/>
+                </a:solidFill>
+                <a:latin typeface="DM Mono" panose="020B0509040201040103" pitchFamily="49" charset="0"/>
+              </a:rPr>
+              <a:t>pt</a:t>
+            </a:r>
+            <a:r>
+              <a:rPr lang="en" altLang="ko-Kore-KR" dirty="0">
+                <a:solidFill>
+                  <a:srgbClr val="000000"/>
+                </a:solidFill>
+                <a:latin typeface="DM Mono" panose="020B0509040201040103" pitchFamily="49" charset="0"/>
+              </a:rPr>
+              <a:t>, </a:t>
+            </a:r>
+            <a:r>
+              <a:rPr lang="en" altLang="ko-Kore-KR" dirty="0" err="1">
+                <a:solidFill>
+                  <a:srgbClr val="0000FF"/>
+                </a:solidFill>
+                <a:latin typeface="DM Mono" panose="020B0509040201040103" pitchFamily="49" charset="0"/>
+              </a:rPr>
+              <a:t>sizeof</a:t>
+            </a:r>
+            <a:r>
+              <a:rPr lang="en" altLang="ko-Kore-KR" dirty="0">
+                <a:solidFill>
+                  <a:srgbClr val="000000"/>
+                </a:solidFill>
+                <a:latin typeface="DM Mono" panose="020B0509040201040103" pitchFamily="49" charset="0"/>
+              </a:rPr>
+              <a:t> </a:t>
+            </a:r>
+            <a:r>
+              <a:rPr lang="en" altLang="ko-Kore-KR" dirty="0" err="1">
+                <a:solidFill>
+                  <a:srgbClr val="000000"/>
+                </a:solidFill>
+                <a:latin typeface="DM Mono" panose="020B0509040201040103" pitchFamily="49" charset="0"/>
+              </a:rPr>
+              <a:t>pt</a:t>
+            </a:r>
+            <a:r>
+              <a:rPr lang="en" altLang="ko-Kore-KR" dirty="0">
+                <a:solidFill>
+                  <a:srgbClr val="000000"/>
+                </a:solidFill>
+                <a:latin typeface="DM Mono" panose="020B0509040201040103" pitchFamily="49" charset="0"/>
+              </a:rPr>
+              <a:t>, 1, </a:t>
+            </a:r>
+            <a:r>
+              <a:rPr lang="en" altLang="ko-Kore-KR" dirty="0" err="1">
+                <a:solidFill>
+                  <a:srgbClr val="000000"/>
+                </a:solidFill>
+                <a:latin typeface="DM Mono" panose="020B0509040201040103" pitchFamily="49" charset="0"/>
+              </a:rPr>
+              <a:t>fp</a:t>
+            </a:r>
+            <a:r>
+              <a:rPr lang="en" altLang="ko-Kore-KR" dirty="0">
+                <a:solidFill>
+                  <a:srgbClr val="000000"/>
+                </a:solidFill>
+                <a:latin typeface="DM Mono" panose="020B0509040201040103" pitchFamily="49" charset="0"/>
+              </a:rPr>
+              <a:t>);</a:t>
+            </a:r>
+          </a:p>
+          <a:p>
+            <a:br>
+              <a:rPr lang="en" altLang="ko-Kore-KR" dirty="0">
+                <a:solidFill>
+                  <a:srgbClr val="000000"/>
+                </a:solidFill>
+                <a:latin typeface="DM Mono" panose="020B0509040201040103" pitchFamily="49" charset="0"/>
+              </a:rPr>
+            </a:br>
+            <a:endParaRPr lang="en" altLang="ko-Kore-KR" b="0" dirty="0">
+              <a:solidFill>
+                <a:srgbClr val="000000"/>
+              </a:solidFill>
+              <a:effectLst/>
+              <a:latin typeface="DM Mono" panose="020B0509040201040103" pitchFamily="49" charset="0"/>
+            </a:endParaRPr>
+          </a:p>
+        </p:txBody>
+      </p:sp>
+      <p:sp>
+        <p:nvSpPr>
+          <p:cNvPr id="7" name="직사각형 6">
+            <a:extLst>
+              <a:ext uri="{FF2B5EF4-FFF2-40B4-BE49-F238E27FC236}">
+                <a16:creationId xmlns:a16="http://schemas.microsoft.com/office/drawing/2014/main" id="{940B4490-4B24-1540-B86E-3EE5C54087DF}"/>
+              </a:ext>
+            </a:extLst>
+          </p:cNvPr>
+          <p:cNvSpPr/>
+          <p:nvPr/>
+        </p:nvSpPr>
+        <p:spPr>
+          <a:xfrm>
+            <a:off x="350143" y="1959675"/>
+            <a:ext cx="6096000" cy="369332"/>
+          </a:xfrm>
+          <a:prstGeom prst="rect">
+            <a:avLst/>
+          </a:prstGeom>
+        </p:spPr>
+        <p:txBody>
+          <a:bodyPr>
+            <a:spAutoFit/>
+          </a:bodyPr>
+          <a:lstStyle/>
+          <a:p>
+            <a:r>
+              <a:rPr lang="en" altLang="ko-Kore-KR" dirty="0">
+                <a:solidFill>
+                  <a:srgbClr val="FF0000"/>
+                </a:solidFill>
+              </a:rPr>
+              <a:t>14 00 00 00</a:t>
+            </a:r>
+            <a:r>
+              <a:rPr lang="en" altLang="ko-Kore-KR" dirty="0"/>
+              <a:t> </a:t>
+            </a:r>
+            <a:r>
+              <a:rPr lang="en" altLang="ko-Kore-KR" dirty="0">
+                <a:solidFill>
+                  <a:srgbClr val="00B050"/>
+                </a:solidFill>
+              </a:rPr>
+              <a:t>28 00 00 00 </a:t>
+            </a:r>
+            <a:r>
+              <a:rPr lang="en" altLang="ko-Kore-KR" dirty="0">
+                <a:solidFill>
+                  <a:schemeClr val="accent4"/>
+                </a:solidFill>
+              </a:rPr>
+              <a:t>00 00 00 00 </a:t>
+            </a:r>
+          </a:p>
+        </p:txBody>
+      </p:sp>
+      <p:sp>
+        <p:nvSpPr>
+          <p:cNvPr id="8" name="아래쪽 화살표[D] 7">
+            <a:extLst>
+              <a:ext uri="{FF2B5EF4-FFF2-40B4-BE49-F238E27FC236}">
+                <a16:creationId xmlns:a16="http://schemas.microsoft.com/office/drawing/2014/main" id="{16EF5772-4523-924B-A3E3-2BDF5AE5A196}"/>
+              </a:ext>
+            </a:extLst>
+          </p:cNvPr>
+          <p:cNvSpPr/>
+          <p:nvPr/>
+        </p:nvSpPr>
+        <p:spPr>
+          <a:xfrm rot="10800000">
+            <a:off x="3660119" y="2323785"/>
+            <a:ext cx="317395" cy="559220"/>
+          </a:xfrm>
+          <a:prstGeom prst="downArrow">
+            <a:avLst/>
+          </a:prstGeom>
+        </p:spPr>
+        <p:style>
+          <a:lnRef idx="2">
+            <a:schemeClr val="dk1"/>
+          </a:lnRef>
+          <a:fillRef idx="1">
+            <a:schemeClr val="lt1"/>
+          </a:fillRef>
+          <a:effectRef idx="0">
+            <a:schemeClr val="dk1"/>
+          </a:effectRef>
+          <a:fontRef idx="minor">
+            <a:schemeClr val="dk1"/>
+          </a:fontRef>
+        </p:style>
+        <p:txBody>
+          <a:bodyPr rtlCol="0" anchor="ctr"/>
+          <a:lstStyle/>
+          <a:p>
+            <a:pPr algn="ctr"/>
+            <a:endParaRPr kumimoji="1" lang="ko-Kore-KR" altLang="en-US"/>
+          </a:p>
+        </p:txBody>
+      </p:sp>
+      <p:sp>
+        <p:nvSpPr>
+          <p:cNvPr id="9" name="직사각형 8">
+            <a:extLst>
+              <a:ext uri="{FF2B5EF4-FFF2-40B4-BE49-F238E27FC236}">
+                <a16:creationId xmlns:a16="http://schemas.microsoft.com/office/drawing/2014/main" id="{A626C6B2-872A-5649-BBF1-2532AA94CD6A}"/>
+              </a:ext>
+            </a:extLst>
+          </p:cNvPr>
+          <p:cNvSpPr/>
+          <p:nvPr/>
+        </p:nvSpPr>
+        <p:spPr>
+          <a:xfrm>
+            <a:off x="259457" y="5328596"/>
+            <a:ext cx="4182555" cy="369332"/>
+          </a:xfrm>
+          <a:prstGeom prst="rect">
+            <a:avLst/>
+          </a:prstGeom>
+        </p:spPr>
+        <p:txBody>
+          <a:bodyPr wrap="none">
+            <a:spAutoFit/>
+          </a:bodyPr>
+          <a:lstStyle/>
+          <a:p>
+            <a:r>
+              <a:rPr lang="en" altLang="ko-Kore-KR" dirty="0" err="1">
+                <a:solidFill>
+                  <a:srgbClr val="000000"/>
+                </a:solidFill>
+                <a:latin typeface="DM Mono" panose="020B0509040201040103" pitchFamily="49" charset="0"/>
+              </a:rPr>
+              <a:t>fread</a:t>
+            </a:r>
+            <a:r>
+              <a:rPr lang="en" altLang="ko-Kore-KR" dirty="0">
+                <a:solidFill>
+                  <a:srgbClr val="000000"/>
+                </a:solidFill>
+                <a:latin typeface="DM Mono" panose="020B0509040201040103" pitchFamily="49" charset="0"/>
+              </a:rPr>
+              <a:t>(&amp;</a:t>
+            </a:r>
+            <a:r>
+              <a:rPr lang="en" altLang="ko-Kore-KR" dirty="0" err="1">
+                <a:solidFill>
+                  <a:srgbClr val="000000"/>
+                </a:solidFill>
+                <a:latin typeface="DM Mono" panose="020B0509040201040103" pitchFamily="49" charset="0"/>
+              </a:rPr>
+              <a:t>pt</a:t>
+            </a:r>
+            <a:r>
+              <a:rPr lang="en" altLang="ko-Kore-KR" dirty="0">
+                <a:solidFill>
+                  <a:srgbClr val="000000"/>
+                </a:solidFill>
+                <a:latin typeface="DM Mono" panose="020B0509040201040103" pitchFamily="49" charset="0"/>
+              </a:rPr>
+              <a:t>, </a:t>
+            </a:r>
+            <a:r>
+              <a:rPr lang="en" altLang="ko-Kore-KR" dirty="0" err="1">
+                <a:solidFill>
+                  <a:srgbClr val="0000FF"/>
+                </a:solidFill>
+                <a:latin typeface="DM Mono" panose="020B0509040201040103" pitchFamily="49" charset="0"/>
+              </a:rPr>
+              <a:t>sizeof</a:t>
+            </a:r>
+            <a:r>
+              <a:rPr lang="en" altLang="ko-Kore-KR" dirty="0">
+                <a:solidFill>
+                  <a:srgbClr val="000000"/>
+                </a:solidFill>
+                <a:latin typeface="DM Mono" panose="020B0509040201040103" pitchFamily="49" charset="0"/>
+              </a:rPr>
+              <a:t> </a:t>
+            </a:r>
+            <a:r>
+              <a:rPr lang="en" altLang="ko-Kore-KR" dirty="0" err="1">
+                <a:solidFill>
+                  <a:srgbClr val="000000"/>
+                </a:solidFill>
+                <a:latin typeface="DM Mono" panose="020B0509040201040103" pitchFamily="49" charset="0"/>
+              </a:rPr>
+              <a:t>pt</a:t>
+            </a:r>
+            <a:r>
+              <a:rPr lang="en" altLang="ko-Kore-KR" dirty="0">
+                <a:solidFill>
+                  <a:srgbClr val="000000"/>
+                </a:solidFill>
+                <a:latin typeface="DM Mono" panose="020B0509040201040103" pitchFamily="49" charset="0"/>
+              </a:rPr>
+              <a:t>, 1, </a:t>
+            </a:r>
+            <a:r>
+              <a:rPr lang="en" altLang="ko-Kore-KR" dirty="0" err="1">
+                <a:solidFill>
+                  <a:srgbClr val="000000"/>
+                </a:solidFill>
+                <a:latin typeface="DM Mono" panose="020B0509040201040103" pitchFamily="49" charset="0"/>
+              </a:rPr>
+              <a:t>fp</a:t>
+            </a:r>
+            <a:r>
+              <a:rPr lang="en" altLang="ko-Kore-KR" dirty="0">
+                <a:solidFill>
+                  <a:srgbClr val="000000"/>
+                </a:solidFill>
+                <a:latin typeface="DM Mono" panose="020B0509040201040103" pitchFamily="49" charset="0"/>
+              </a:rPr>
+              <a:t>);</a:t>
+            </a:r>
+            <a:endParaRPr lang="en" altLang="ko-Kore-KR" b="0" dirty="0">
+              <a:solidFill>
+                <a:srgbClr val="000000"/>
+              </a:solidFill>
+              <a:effectLst/>
+              <a:latin typeface="DM Mono" panose="020B0509040201040103" pitchFamily="49" charset="0"/>
+            </a:endParaRPr>
+          </a:p>
+        </p:txBody>
+      </p:sp>
+      <p:sp>
+        <p:nvSpPr>
+          <p:cNvPr id="10" name="직사각형 9">
+            <a:extLst>
+              <a:ext uri="{FF2B5EF4-FFF2-40B4-BE49-F238E27FC236}">
+                <a16:creationId xmlns:a16="http://schemas.microsoft.com/office/drawing/2014/main" id="{068C32B0-997F-F045-851F-08F553D788BE}"/>
+              </a:ext>
+            </a:extLst>
+          </p:cNvPr>
+          <p:cNvSpPr/>
+          <p:nvPr/>
+        </p:nvSpPr>
+        <p:spPr>
+          <a:xfrm>
+            <a:off x="206558" y="2968636"/>
+            <a:ext cx="3355406" cy="369332"/>
+          </a:xfrm>
+          <a:prstGeom prst="rect">
+            <a:avLst/>
+          </a:prstGeom>
+        </p:spPr>
+        <p:txBody>
+          <a:bodyPr wrap="none">
+            <a:spAutoFit/>
+          </a:bodyPr>
+          <a:lstStyle/>
+          <a:p>
+            <a:r>
+              <a:rPr lang="en" altLang="ko-Kore-KR" dirty="0" err="1">
+                <a:solidFill>
+                  <a:srgbClr val="000000"/>
+                </a:solidFill>
+                <a:latin typeface="DM Mono" panose="020B0509040201040103" pitchFamily="49" charset="0"/>
+              </a:rPr>
+              <a:t>fseek</a:t>
+            </a:r>
+            <a:r>
+              <a:rPr lang="en" altLang="ko-Kore-KR" dirty="0">
+                <a:solidFill>
+                  <a:srgbClr val="000000"/>
+                </a:solidFill>
+                <a:latin typeface="DM Mono" panose="020B0509040201040103" pitchFamily="49" charset="0"/>
+              </a:rPr>
+              <a:t>(</a:t>
+            </a:r>
+            <a:r>
+              <a:rPr lang="en" altLang="ko-Kore-KR" dirty="0" err="1">
+                <a:solidFill>
+                  <a:srgbClr val="000000"/>
+                </a:solidFill>
+                <a:latin typeface="DM Mono" panose="020B0509040201040103" pitchFamily="49" charset="0"/>
+              </a:rPr>
+              <a:t>fp</a:t>
+            </a:r>
+            <a:r>
+              <a:rPr lang="en" altLang="ko-Kore-KR" dirty="0">
+                <a:solidFill>
+                  <a:srgbClr val="000000"/>
+                </a:solidFill>
+                <a:latin typeface="DM Mono" panose="020B0509040201040103" pitchFamily="49" charset="0"/>
+              </a:rPr>
+              <a:t>, 0, </a:t>
+            </a:r>
+            <a:r>
+              <a:rPr lang="en" altLang="ko-Kore-KR" dirty="0">
+                <a:solidFill>
+                  <a:srgbClr val="BD63C5"/>
+                </a:solidFill>
+                <a:latin typeface="DM Mono" panose="020B0509040201040103" pitchFamily="49" charset="0"/>
+              </a:rPr>
+              <a:t>SEEK_SET</a:t>
+            </a:r>
+            <a:r>
+              <a:rPr lang="en" altLang="ko-Kore-KR" dirty="0">
+                <a:solidFill>
+                  <a:srgbClr val="000000"/>
+                </a:solidFill>
+                <a:latin typeface="DM Mono" panose="020B0509040201040103" pitchFamily="49" charset="0"/>
+              </a:rPr>
+              <a:t>);</a:t>
+            </a:r>
+            <a:endParaRPr lang="en" altLang="ko-Kore-KR" b="0" dirty="0">
+              <a:solidFill>
+                <a:srgbClr val="000000"/>
+              </a:solidFill>
+              <a:effectLst/>
+              <a:latin typeface="DM Mono" panose="020B0509040201040103" pitchFamily="49" charset="0"/>
+            </a:endParaRPr>
+          </a:p>
+        </p:txBody>
+      </p:sp>
+      <p:sp>
+        <p:nvSpPr>
+          <p:cNvPr id="11" name="직사각형 10">
+            <a:extLst>
+              <a:ext uri="{FF2B5EF4-FFF2-40B4-BE49-F238E27FC236}">
+                <a16:creationId xmlns:a16="http://schemas.microsoft.com/office/drawing/2014/main" id="{5DE52936-0096-D24A-9468-BB169020DC3B}"/>
+              </a:ext>
+            </a:extLst>
+          </p:cNvPr>
+          <p:cNvSpPr/>
+          <p:nvPr/>
+        </p:nvSpPr>
+        <p:spPr>
+          <a:xfrm>
+            <a:off x="350142" y="3396305"/>
+            <a:ext cx="6096000" cy="369332"/>
+          </a:xfrm>
+          <a:prstGeom prst="rect">
+            <a:avLst/>
+          </a:prstGeom>
+        </p:spPr>
+        <p:txBody>
+          <a:bodyPr>
+            <a:spAutoFit/>
+          </a:bodyPr>
+          <a:lstStyle/>
+          <a:p>
+            <a:r>
+              <a:rPr lang="en" altLang="ko-Kore-KR" dirty="0">
+                <a:solidFill>
+                  <a:srgbClr val="FF0000"/>
+                </a:solidFill>
+              </a:rPr>
+              <a:t>14 00 00 00</a:t>
+            </a:r>
+            <a:r>
+              <a:rPr lang="en" altLang="ko-Kore-KR" dirty="0"/>
+              <a:t> </a:t>
+            </a:r>
+            <a:r>
+              <a:rPr lang="en" altLang="ko-Kore-KR" dirty="0">
+                <a:solidFill>
+                  <a:srgbClr val="00B050"/>
+                </a:solidFill>
+              </a:rPr>
+              <a:t>28 00 00 00 </a:t>
+            </a:r>
+            <a:r>
+              <a:rPr lang="en" altLang="ko-Kore-KR" dirty="0">
+                <a:solidFill>
+                  <a:schemeClr val="accent4"/>
+                </a:solidFill>
+              </a:rPr>
+              <a:t>00 00 00 00 </a:t>
+            </a:r>
+          </a:p>
+        </p:txBody>
+      </p:sp>
+      <p:sp>
+        <p:nvSpPr>
+          <p:cNvPr id="12" name="아래쪽 화살표[D] 11">
+            <a:extLst>
+              <a:ext uri="{FF2B5EF4-FFF2-40B4-BE49-F238E27FC236}">
+                <a16:creationId xmlns:a16="http://schemas.microsoft.com/office/drawing/2014/main" id="{A29C9ABA-1480-B245-B861-547206F8F3C5}"/>
+              </a:ext>
+            </a:extLst>
+          </p:cNvPr>
+          <p:cNvSpPr/>
+          <p:nvPr/>
+        </p:nvSpPr>
+        <p:spPr>
+          <a:xfrm rot="10800000">
+            <a:off x="259457" y="3708286"/>
+            <a:ext cx="317395" cy="559220"/>
+          </a:xfrm>
+          <a:prstGeom prst="downArrow">
+            <a:avLst/>
+          </a:prstGeom>
+        </p:spPr>
+        <p:style>
+          <a:lnRef idx="2">
+            <a:schemeClr val="dk1"/>
+          </a:lnRef>
+          <a:fillRef idx="1">
+            <a:schemeClr val="lt1"/>
+          </a:fillRef>
+          <a:effectRef idx="0">
+            <a:schemeClr val="dk1"/>
+          </a:effectRef>
+          <a:fontRef idx="minor">
+            <a:schemeClr val="dk1"/>
+          </a:fontRef>
+        </p:style>
+        <p:txBody>
+          <a:bodyPr rtlCol="0" anchor="ctr"/>
+          <a:lstStyle/>
+          <a:p>
+            <a:pPr algn="ctr"/>
+            <a:endParaRPr kumimoji="1" lang="ko-Kore-KR" altLang="en-US"/>
+          </a:p>
+        </p:txBody>
+      </p:sp>
+    </p:spTree>
+    <p:extLst>
+      <p:ext uri="{BB962C8B-B14F-4D97-AF65-F5344CB8AC3E}">
+        <p14:creationId xmlns:p14="http://schemas.microsoft.com/office/powerpoint/2010/main" val="2965036899"/>
       </p:ext>
     </p:extLst>
   </p:cSld>
